--- a/final_pre.pptx
+++ b/final_pre.pptx
@@ -4043,7 +4043,7 @@
           <a:p>
             <a:fld id="{AEACF533-26F3-064A-A93F-8F02FFC49F4C}" type="datetimeFigureOut">
               <a:rPr lang="en-US" smtClean="0"/>
-              <a:t>4/28/21</a:t>
+              <a:t>4/29/21</a:t>
             </a:fld>
             <a:endParaRPr lang="en-US"/>
           </a:p>
@@ -4215,7 +4215,7 @@
           <a:p>
             <a:fld id="{AEACF533-26F3-064A-A93F-8F02FFC49F4C}" type="datetimeFigureOut">
               <a:rPr lang="en-US" smtClean="0"/>
-              <a:t>4/28/21</a:t>
+              <a:t>4/29/21</a:t>
             </a:fld>
             <a:endParaRPr lang="en-US"/>
           </a:p>
@@ -4390,7 +4390,7 @@
           <a:p>
             <a:fld id="{AEACF533-26F3-064A-A93F-8F02FFC49F4C}" type="datetimeFigureOut">
               <a:rPr lang="en-US" smtClean="0"/>
-              <a:t>4/28/21</a:t>
+              <a:t>4/29/21</a:t>
             </a:fld>
             <a:endParaRPr lang="en-US"/>
           </a:p>
@@ -4555,7 +4555,7 @@
           <a:p>
             <a:fld id="{AEACF533-26F3-064A-A93F-8F02FFC49F4C}" type="datetimeFigureOut">
               <a:rPr lang="en-US" smtClean="0"/>
-              <a:t>4/28/21</a:t>
+              <a:t>4/29/21</a:t>
             </a:fld>
             <a:endParaRPr lang="en-US"/>
           </a:p>
@@ -4871,7 +4871,7 @@
           <a:p>
             <a:fld id="{AEACF533-26F3-064A-A93F-8F02FFC49F4C}" type="datetimeFigureOut">
               <a:rPr lang="en-US" smtClean="0"/>
-              <a:t>4/28/21</a:t>
+              <a:t>4/29/21</a:t>
             </a:fld>
             <a:endParaRPr lang="en-US"/>
           </a:p>
@@ -5324,7 +5324,7 @@
           <a:p>
             <a:fld id="{AEACF533-26F3-064A-A93F-8F02FFC49F4C}" type="datetimeFigureOut">
               <a:rPr lang="en-US" smtClean="0"/>
-              <a:t>4/28/21</a:t>
+              <a:t>4/29/21</a:t>
             </a:fld>
             <a:endParaRPr lang="en-US"/>
           </a:p>
@@ -5730,7 +5730,7 @@
           <a:p>
             <a:fld id="{AEACF533-26F3-064A-A93F-8F02FFC49F4C}" type="datetimeFigureOut">
               <a:rPr lang="en-US" smtClean="0"/>
-              <a:t>4/28/21</a:t>
+              <a:t>4/29/21</a:t>
             </a:fld>
             <a:endParaRPr lang="en-US"/>
           </a:p>
@@ -5843,7 +5843,7 @@
           <a:p>
             <a:fld id="{AEACF533-26F3-064A-A93F-8F02FFC49F4C}" type="datetimeFigureOut">
               <a:rPr lang="en-US" smtClean="0"/>
-              <a:t>4/28/21</a:t>
+              <a:t>4/29/21</a:t>
             </a:fld>
             <a:endParaRPr lang="en-US"/>
           </a:p>
@@ -5955,7 +5955,7 @@
           <a:p>
             <a:fld id="{AEACF533-26F3-064A-A93F-8F02FFC49F4C}" type="datetimeFigureOut">
               <a:rPr lang="en-US" smtClean="0"/>
-              <a:t>4/28/21</a:t>
+              <a:t>4/29/21</a:t>
             </a:fld>
             <a:endParaRPr lang="en-US"/>
           </a:p>
@@ -6308,7 +6308,7 @@
           <a:p>
             <a:fld id="{AEACF533-26F3-064A-A93F-8F02FFC49F4C}" type="datetimeFigureOut">
               <a:rPr lang="en-US" smtClean="0"/>
-              <a:t>4/28/21</a:t>
+              <a:t>4/29/21</a:t>
             </a:fld>
             <a:endParaRPr lang="en-US"/>
           </a:p>
@@ -6808,7 +6808,7 @@
           <a:p>
             <a:fld id="{AEACF533-26F3-064A-A93F-8F02FFC49F4C}" type="datetimeFigureOut">
               <a:rPr lang="en-US" smtClean="0"/>
-              <a:t>4/28/21</a:t>
+              <a:t>4/29/21</a:t>
             </a:fld>
             <a:endParaRPr lang="en-US"/>
           </a:p>
@@ -7156,7 +7156,7 @@
           <a:p>
             <a:fld id="{AEACF533-26F3-064A-A93F-8F02FFC49F4C}" type="datetimeFigureOut">
               <a:rPr lang="en-US" smtClean="0"/>
-              <a:t>4/28/21</a:t>
+              <a:t>4/29/21</a:t>
             </a:fld>
             <a:endParaRPr lang="en-US"/>
           </a:p>
@@ -14345,8 +14345,8 @@
         </p:nvSpPr>
         <p:spPr>
           <a:xfrm>
-            <a:off x="6229432" y="1007901"/>
-            <a:ext cx="2709946" cy="4842198"/>
+            <a:off x="6232690" y="1007901"/>
+            <a:ext cx="2706687" cy="4842198"/>
           </a:xfrm>
           <a:prstGeom prst="rect">
             <a:avLst/>
@@ -15543,8 +15543,8 @@
         </p:nvSpPr>
         <p:spPr>
           <a:xfrm>
-            <a:off x="112542" y="1603717"/>
-            <a:ext cx="6204840" cy="1200329"/>
+            <a:off x="134527" y="1391438"/>
+            <a:ext cx="5711483" cy="5355312"/>
           </a:xfrm>
           <a:prstGeom prst="rect">
             <a:avLst/>
@@ -15552,13 +15552,42 @@
           <a:noFill/>
         </p:spPr>
         <p:txBody>
-          <a:bodyPr wrap="none" rtlCol="0">
+          <a:bodyPr wrap="square" rtlCol="0">
             <a:spAutoFit/>
           </a:bodyPr>
           <a:lstStyle/>
           <a:p>
             <a:r>
               <a:rPr lang="en-US" altLang="zh-CN" dirty="0"/>
+              <a:t>Input:</a:t>
+            </a:r>
+          </a:p>
+          <a:p>
+            <a:endParaRPr lang="en-US" altLang="zh-CN" dirty="0"/>
+          </a:p>
+          <a:p>
+            <a:pPr marL="285750" indent="-285750">
+              <a:buFont typeface="Arial" panose="020B0604020202020204" pitchFamily="34" charset="0"/>
+              <a:buChar char="•"/>
+            </a:pPr>
+            <a:r>
+              <a:rPr lang="en-US" altLang="zh-CN" dirty="0"/>
+              <a:t>T</a:t>
+            </a:r>
+            <a:r>
+              <a:rPr lang="en-US" dirty="0"/>
+              <a:t>he size of input vector will be equal to</a:t>
+            </a:r>
+            <a:r>
+              <a:rPr lang="zh-CN" altLang="en-US" dirty="0"/>
+              <a:t> </a:t>
+            </a:r>
+            <a:r>
+              <a:rPr lang="en-US" dirty="0"/>
+              <a:t>the size of instruction window. </a:t>
+            </a:r>
+            <a:r>
+              <a:rPr lang="en-US" altLang="zh-CN" dirty="0"/>
               <a:t>The</a:t>
             </a:r>
             <a:r>
@@ -15567,7 +15596,7 @@
             </a:r>
             <a:r>
               <a:rPr lang="en-US" altLang="zh-CN" dirty="0"/>
-              <a:t>right-hand</a:t>
+              <a:t>rest</a:t>
             </a:r>
             <a:r>
               <a:rPr lang="zh-CN" altLang="en-US" dirty="0"/>
@@ -15575,7 +15604,7 @@
             </a:r>
             <a:r>
               <a:rPr lang="en-US" altLang="zh-CN" dirty="0"/>
-              <a:t>side</a:t>
+              <a:t>will</a:t>
             </a:r>
             <a:r>
               <a:rPr lang="zh-CN" altLang="en-US" dirty="0"/>
@@ -15583,7 +15612,73 @@
             </a:r>
             <a:r>
               <a:rPr lang="en-US" altLang="zh-CN" dirty="0"/>
-              <a:t>shows</a:t>
+              <a:t>be</a:t>
+            </a:r>
+            <a:r>
+              <a:rPr lang="zh-CN" altLang="en-US" dirty="0"/>
+              <a:t> </a:t>
+            </a:r>
+            <a:r>
+              <a:rPr lang="en-US" altLang="zh-CN" dirty="0"/>
+              <a:t>padded</a:t>
+            </a:r>
+            <a:r>
+              <a:rPr lang="zh-CN" altLang="en-US" dirty="0"/>
+              <a:t> </a:t>
+            </a:r>
+            <a:r>
+              <a:rPr lang="en-US" altLang="zh-CN" dirty="0"/>
+              <a:t>zero</a:t>
+            </a:r>
+            <a:endParaRPr lang="en-US" dirty="0"/>
+          </a:p>
+          <a:p>
+            <a:pPr marL="285750" indent="-285750">
+              <a:buFont typeface="Arial" panose="020B0604020202020204" pitchFamily="34" charset="0"/>
+              <a:buChar char="•"/>
+            </a:pPr>
+            <a:endParaRPr lang="en-US" altLang="zh-CN" dirty="0"/>
+          </a:p>
+          <a:p>
+            <a:pPr marL="285750" indent="-285750">
+              <a:buFont typeface="Arial" panose="020B0604020202020204" pitchFamily="34" charset="0"/>
+              <a:buChar char="•"/>
+            </a:pPr>
+            <a:r>
+              <a:rPr lang="en-US" altLang="zh-CN" dirty="0"/>
+              <a:t>O</a:t>
+            </a:r>
+            <a:r>
+              <a:rPr lang="en-US" dirty="0"/>
+              <a:t>nly the PC of mem-</a:t>
+            </a:r>
+            <a:r>
+              <a:rPr lang="en-US" dirty="0" err="1"/>
+              <a:t>ory</a:t>
+            </a:r>
+            <a:r>
+              <a:rPr lang="en-US" dirty="0"/>
+              <a:t> instructions are kept and the other types of </a:t>
+            </a:r>
+            <a:r>
+              <a:rPr lang="en-US" dirty="0" err="1"/>
+              <a:t>instruc-tion</a:t>
+            </a:r>
+            <a:r>
+              <a:rPr lang="en-US" dirty="0"/>
+              <a:t> are filtered out</a:t>
+            </a:r>
+            <a:r>
+              <a:rPr lang="en-US" altLang="zh-CN" dirty="0"/>
+              <a:t>.</a:t>
+            </a:r>
+            <a:r>
+              <a:rPr lang="zh-CN" altLang="en-US" dirty="0"/>
+              <a:t> </a:t>
+            </a:r>
+            <a:r>
+              <a:rPr lang="en-US" dirty="0"/>
+              <a:t>Hence</a:t>
             </a:r>
             <a:r>
               <a:rPr lang="zh-CN" altLang="en-US" dirty="0"/>
@@ -15599,7 +15694,304 @@
             </a:r>
             <a:r>
               <a:rPr lang="en-US" altLang="zh-CN" dirty="0"/>
-              <a:t>and</a:t>
+              <a:t>PCs</a:t>
+            </a:r>
+            <a:r>
+              <a:rPr lang="zh-CN" altLang="en-US" dirty="0"/>
+              <a:t> </a:t>
+            </a:r>
+            <a:r>
+              <a:rPr lang="en-US" altLang="zh-CN" dirty="0"/>
+              <a:t>is</a:t>
+            </a:r>
+            <a:r>
+              <a:rPr lang="zh-CN" altLang="en-US" dirty="0"/>
+              <a:t> </a:t>
+            </a:r>
+            <a:r>
+              <a:rPr lang="en-US" dirty="0"/>
+              <a:t>{1,3,4,5,8,9,10,11</a:t>
+            </a:r>
+            <a:r>
+              <a:rPr lang="en-US" altLang="zh-CN" dirty="0"/>
+              <a:t>,</a:t>
+            </a:r>
+            <a:r>
+              <a:rPr lang="zh-CN" altLang="en-US" dirty="0"/>
+              <a:t> </a:t>
+            </a:r>
+            <a:r>
+              <a:rPr lang="en-US" altLang="zh-CN" dirty="0"/>
+              <a:t>0,</a:t>
+            </a:r>
+            <a:r>
+              <a:rPr lang="zh-CN" altLang="en-US" dirty="0"/>
+              <a:t> </a:t>
+            </a:r>
+            <a:r>
+              <a:rPr lang="en-US" altLang="zh-CN" dirty="0"/>
+              <a:t>0,</a:t>
+            </a:r>
+            <a:r>
+              <a:rPr lang="zh-CN" altLang="en-US" dirty="0"/>
+              <a:t> </a:t>
+            </a:r>
+            <a:r>
+              <a:rPr lang="en-US" altLang="zh-CN" dirty="0"/>
+              <a:t>0</a:t>
+            </a:r>
+            <a:r>
+              <a:rPr lang="en-US" dirty="0"/>
+              <a:t>}.</a:t>
+            </a:r>
+          </a:p>
+          <a:p>
+            <a:endParaRPr lang="en-US" altLang="zh-CN" dirty="0"/>
+          </a:p>
+          <a:p>
+            <a:r>
+              <a:rPr lang="en-US" altLang="zh-CN" dirty="0"/>
+              <a:t>Output:</a:t>
+            </a:r>
+            <a:r>
+              <a:rPr lang="zh-CN" altLang="en-US" dirty="0"/>
+              <a:t> </a:t>
+            </a:r>
+            <a:endParaRPr lang="en-US" altLang="zh-CN" dirty="0"/>
+          </a:p>
+          <a:p>
+            <a:pPr marL="285750" indent="-285750">
+              <a:buFont typeface="Arial" panose="020B0604020202020204" pitchFamily="34" charset="0"/>
+              <a:buChar char="•"/>
+            </a:pPr>
+            <a:r>
+              <a:rPr lang="en-US" dirty="0"/>
+              <a:t>If the</a:t>
+            </a:r>
+            <a:r>
+              <a:rPr lang="zh-CN" altLang="en-US" dirty="0"/>
+              <a:t> </a:t>
+            </a:r>
+            <a:r>
+              <a:rPr lang="en-US" dirty="0"/>
+              <a:t>𝑖</a:t>
+            </a:r>
+            <a:r>
+              <a:rPr lang="en-US" altLang="zh-CN" dirty="0"/>
+              <a:t>-</a:t>
+            </a:r>
+            <a:r>
+              <a:rPr lang="en-US" dirty="0"/>
+              <a:t>𝑡</a:t>
+            </a:r>
+            <a:r>
+              <a:rPr lang="en-US" dirty="0" err="1"/>
+              <a:t>ℎ</a:t>
+            </a:r>
+            <a:r>
+              <a:rPr lang="zh-CN" altLang="en-US" dirty="0"/>
+              <a:t> </a:t>
+            </a:r>
+            <a:r>
+              <a:rPr lang="en-US" dirty="0"/>
+              <a:t>bit of output predictions is set to one, then it means that</a:t>
+            </a:r>
+            <a:r>
+              <a:rPr lang="zh-CN" altLang="en-US" dirty="0"/>
+              <a:t> </a:t>
+            </a:r>
+            <a:r>
+              <a:rPr lang="en-US" dirty="0"/>
+              <a:t>the</a:t>
+            </a:r>
+            <a:r>
+              <a:rPr lang="zh-CN" altLang="en-US" dirty="0"/>
+              <a:t> </a:t>
+            </a:r>
+            <a:r>
+              <a:rPr lang="en-US" dirty="0"/>
+              <a:t>𝑖</a:t>
+            </a:r>
+            <a:r>
+              <a:rPr lang="en-US" altLang="zh-CN" dirty="0"/>
+              <a:t>-</a:t>
+            </a:r>
+            <a:r>
+              <a:rPr lang="en-US" dirty="0"/>
+              <a:t>𝑡</a:t>
+            </a:r>
+            <a:r>
+              <a:rPr lang="en-US" dirty="0" err="1"/>
+              <a:t>ℎ</a:t>
+            </a:r>
+            <a:r>
+              <a:rPr lang="zh-CN" altLang="en-US" dirty="0"/>
+              <a:t> </a:t>
+            </a:r>
+            <a:r>
+              <a:rPr lang="en-US" dirty="0"/>
+              <a:t>PC in the input vector has memory dependency with</a:t>
+            </a:r>
+            <a:r>
+              <a:rPr lang="zh-CN" altLang="en-US" dirty="0"/>
+              <a:t> </a:t>
+            </a:r>
+            <a:r>
+              <a:rPr lang="en-US" dirty="0"/>
+              <a:t>the last load in current instruction window. </a:t>
+            </a:r>
+          </a:p>
+          <a:p>
+            <a:pPr marL="285750" indent="-285750">
+              <a:buFont typeface="Arial" panose="020B0604020202020204" pitchFamily="34" charset="0"/>
+              <a:buChar char="•"/>
+            </a:pPr>
+            <a:endParaRPr lang="en-US" altLang="zh-CN" dirty="0"/>
+          </a:p>
+          <a:p>
+            <a:pPr marL="285750" indent="-285750">
+              <a:buFont typeface="Arial" panose="020B0604020202020204" pitchFamily="34" charset="0"/>
+              <a:buChar char="•"/>
+            </a:pPr>
+            <a:r>
+              <a:rPr lang="en-US" altLang="zh-CN" dirty="0"/>
+              <a:t>In</a:t>
+            </a:r>
+            <a:r>
+              <a:rPr lang="zh-CN" altLang="en-US" dirty="0"/>
+              <a:t> </a:t>
+            </a:r>
+            <a:r>
+              <a:rPr lang="en-US" altLang="zh-CN" dirty="0"/>
+              <a:t>this</a:t>
+            </a:r>
+            <a:r>
+              <a:rPr lang="zh-CN" altLang="en-US" dirty="0"/>
+              <a:t> </a:t>
+            </a:r>
+            <a:r>
+              <a:rPr lang="en-US" altLang="zh-CN" dirty="0"/>
+              <a:t>example,</a:t>
+            </a:r>
+            <a:r>
+              <a:rPr lang="zh-CN" altLang="en-US" dirty="0"/>
+              <a:t> </a:t>
+            </a:r>
+            <a:r>
+              <a:rPr lang="en-US" altLang="zh-CN" dirty="0"/>
+              <a:t>PCs</a:t>
+            </a:r>
+            <a:r>
+              <a:rPr lang="zh-CN" altLang="en-US" dirty="0"/>
+              <a:t> </a:t>
+            </a:r>
+            <a:r>
+              <a:rPr lang="en-US" altLang="zh-CN" dirty="0"/>
+              <a:t>{3,</a:t>
+            </a:r>
+            <a:r>
+              <a:rPr lang="zh-CN" altLang="en-US" dirty="0"/>
+              <a:t> </a:t>
+            </a:r>
+            <a:r>
+              <a:rPr lang="en-US" altLang="zh-CN" dirty="0"/>
+              <a:t>8}</a:t>
+            </a:r>
+            <a:r>
+              <a:rPr lang="zh-CN" altLang="en-US" dirty="0"/>
+              <a:t> </a:t>
+            </a:r>
+            <a:r>
+              <a:rPr lang="en-US" altLang="zh-CN" dirty="0"/>
+              <a:t>have</a:t>
+            </a:r>
+            <a:r>
+              <a:rPr lang="zh-CN" altLang="en-US" dirty="0"/>
+              <a:t> </a:t>
+            </a:r>
+            <a:r>
+              <a:rPr lang="en-US" altLang="zh-CN" dirty="0"/>
+              <a:t>dependency</a:t>
+            </a:r>
+            <a:r>
+              <a:rPr lang="zh-CN" altLang="en-US" dirty="0"/>
+              <a:t> </a:t>
+            </a:r>
+            <a:r>
+              <a:rPr lang="en-US" altLang="zh-CN" dirty="0"/>
+              <a:t>with</a:t>
+            </a:r>
+            <a:r>
+              <a:rPr lang="zh-CN" altLang="en-US" dirty="0"/>
+              <a:t> </a:t>
+            </a:r>
+            <a:r>
+              <a:rPr lang="en-US" altLang="zh-CN" dirty="0"/>
+              <a:t>PC</a:t>
+            </a:r>
+            <a:r>
+              <a:rPr lang="zh-CN" altLang="en-US" dirty="0"/>
+              <a:t> </a:t>
+            </a:r>
+            <a:r>
+              <a:rPr lang="en-US" altLang="zh-CN" dirty="0"/>
+              <a:t>11</a:t>
+            </a:r>
+            <a:r>
+              <a:rPr lang="zh-CN" altLang="en-US" dirty="0"/>
+              <a:t> </a:t>
+            </a:r>
+            <a:r>
+              <a:rPr lang="en-US" altLang="zh-CN" dirty="0"/>
+              <a:t>(last</a:t>
+            </a:r>
+            <a:r>
+              <a:rPr lang="zh-CN" altLang="en-US" dirty="0"/>
+              <a:t> </a:t>
+            </a:r>
+            <a:r>
+              <a:rPr lang="en-US" altLang="zh-CN" dirty="0"/>
+              <a:t>load),</a:t>
+            </a:r>
+            <a:r>
+              <a:rPr lang="zh-CN" altLang="en-US" dirty="0"/>
+              <a:t> </a:t>
+            </a:r>
+            <a:r>
+              <a:rPr lang="en-US" altLang="zh-CN" dirty="0"/>
+              <a:t>hence</a:t>
+            </a:r>
+            <a:r>
+              <a:rPr lang="zh-CN" altLang="en-US" dirty="0"/>
+              <a:t> </a:t>
+            </a:r>
+            <a:r>
+              <a:rPr lang="en-US" altLang="zh-CN" dirty="0"/>
+              <a:t>the</a:t>
+            </a:r>
+            <a:r>
+              <a:rPr lang="zh-CN" altLang="en-US" dirty="0"/>
+              <a:t> </a:t>
+            </a:r>
+            <a:r>
+              <a:rPr lang="en-US" altLang="zh-CN" dirty="0"/>
+              <a:t>corresponding</a:t>
+            </a:r>
+            <a:r>
+              <a:rPr lang="zh-CN" altLang="en-US" dirty="0"/>
+              <a:t> </a:t>
+            </a:r>
+            <a:r>
+              <a:rPr lang="en-US" altLang="zh-CN" dirty="0"/>
+              <a:t>bit</a:t>
+            </a:r>
+            <a:r>
+              <a:rPr lang="zh-CN" altLang="en-US" dirty="0"/>
+              <a:t> </a:t>
+            </a:r>
+            <a:r>
+              <a:rPr lang="en-US" altLang="zh-CN" dirty="0"/>
+              <a:t>in</a:t>
             </a:r>
             <a:r>
               <a:rPr lang="zh-CN" altLang="en-US" dirty="0"/>
@@ -15615,7 +16007,7 @@
             </a:r>
             <a:r>
               <a:rPr lang="en-US" altLang="zh-CN" dirty="0"/>
-              <a:t>of</a:t>
+              <a:t>is</a:t>
             </a:r>
             <a:r>
               <a:rPr lang="zh-CN" altLang="en-US" dirty="0"/>
@@ -15623,22 +16015,8 @@
             </a:r>
             <a:r>
               <a:rPr lang="en-US" altLang="zh-CN" dirty="0"/>
-              <a:t>the</a:t>
-            </a:r>
-            <a:r>
-              <a:rPr lang="zh-CN" altLang="en-US" dirty="0"/>
-              <a:t> </a:t>
-            </a:r>
-            <a:r>
-              <a:rPr lang="en-US" altLang="zh-CN" dirty="0"/>
-              <a:t>model.</a:t>
-            </a:r>
-          </a:p>
-          <a:p>
-            <a:endParaRPr lang="en-US" altLang="zh-CN" dirty="0"/>
-          </a:p>
-          <a:p>
-            <a:endParaRPr lang="en-US" altLang="zh-CN" dirty="0"/>
+              <a:t>set</a:t>
+            </a:r>
           </a:p>
           <a:p>
             <a:endParaRPr lang="en-US" dirty="0"/>

--- a/final_pre.pptx
+++ b/final_pre.pptx
@@ -12,11 +12,11 @@
     <p:sldId id="261" r:id="rId6"/>
     <p:sldId id="275" r:id="rId7"/>
     <p:sldId id="271" r:id="rId8"/>
-    <p:sldId id="262" r:id="rId9"/>
-    <p:sldId id="263" r:id="rId10"/>
-    <p:sldId id="264" r:id="rId11"/>
-    <p:sldId id="269" r:id="rId12"/>
-    <p:sldId id="265" r:id="rId13"/>
+    <p:sldId id="263" r:id="rId9"/>
+    <p:sldId id="264" r:id="rId10"/>
+    <p:sldId id="269" r:id="rId11"/>
+    <p:sldId id="265" r:id="rId12"/>
+    <p:sldId id="262" r:id="rId13"/>
     <p:sldId id="257" r:id="rId14"/>
   </p:sldIdLst>
   <p:sldSz cx="12192000" cy="6858000"/>
@@ -8392,14 +8392,6 @@
 <file path=ppt/slides/slide10.xml><?xml version="1.0" encoding="utf-8"?>
 <p:sld xmlns:a="http://schemas.openxmlformats.org/drawingml/2006/main" xmlns:r="http://schemas.openxmlformats.org/officeDocument/2006/relationships" xmlns:p="http://schemas.openxmlformats.org/presentationml/2006/main">
   <p:cSld>
-    <p:bg>
-      <p:bgPr>
-        <a:solidFill>
-          <a:schemeClr val="bg1"/>
-        </a:solidFill>
-        <a:effectLst/>
-      </p:bgPr>
-    </p:bg>
     <p:spTree>
       <p:nvGrpSpPr>
         <p:cNvPr id="1" name=""/>
@@ -8830,687 +8822,6 @@
         </p:nvSpPr>
         <p:spPr>
           <a:xfrm>
-            <a:off x="3431527" y="1619250"/>
-            <a:ext cx="5605793" cy="2117318"/>
-          </a:xfrm>
-        </p:spPr>
-        <p:txBody>
-          <a:bodyPr vert="horz" lIns="91440" tIns="45720" rIns="91440" bIns="45720" rtlCol="0" anchor="ctr">
-            <a:normAutofit/>
-          </a:bodyPr>
-          <a:lstStyle/>
-          <a:p>
-            <a:pPr>
-              <a:lnSpc>
-                <a:spcPct val="80000"/>
-              </a:lnSpc>
-            </a:pPr>
-            <a:r>
-              <a:rPr lang="en-US" altLang="zh-CN" sz="9600" dirty="0">
-                <a:blipFill dpi="0" rotWithShape="1">
-                  <a:blip r:embed="rId4"/>
-                  <a:srcRect/>
-                  <a:tile tx="6350" ty="-127000" sx="65000" sy="64000" flip="none" algn="tl"/>
-                </a:blipFill>
-              </a:rPr>
-              <a:t>Thank you</a:t>
-            </a:r>
-            <a:endParaRPr lang="en-US" sz="9600" dirty="0">
-              <a:blipFill dpi="0" rotWithShape="1">
-                <a:blip r:embed="rId4"/>
-                <a:srcRect/>
-                <a:tile tx="6350" ty="-127000" sx="65000" sy="64000" flip="none" algn="tl"/>
-              </a:blipFill>
-            </a:endParaRPr>
-          </a:p>
-        </p:txBody>
-      </p:sp>
-      <p:sp>
-        <p:nvSpPr>
-          <p:cNvPr id="19" name="Rectangle 18"/>
-          <p:cNvSpPr>
-            <a:spLocks noGrp="1" noRot="1" noChangeAspect="1" noMove="1" noResize="1" noEditPoints="1" noAdjustHandles="1" noChangeArrowheads="1" noChangeShapeType="1" noTextEdit="1"/>
-          </p:cNvSpPr>
-          <p:nvPr/>
-        </p:nvSpPr>
-        <p:spPr>
-          <a:xfrm>
-            <a:off x="0" y="4572000"/>
-            <a:ext cx="12192000" cy="2295831"/>
-          </a:xfrm>
-          <a:prstGeom prst="rect">
-            <a:avLst/>
-          </a:prstGeom>
-          <a:blipFill dpi="0" rotWithShape="1">
-            <a:blip r:embed="rId2">
-              <a:alphaModFix amt="85000"/>
-              <a:lum bright="70000" contrast="-70000"/>
-              <a:extLst>
-                <a:ext uri="{28A0092B-C50C-407E-A947-70E740481C1C}">
-                  <a14:useLocalDpi xmlns:a14="http://schemas.microsoft.com/office/drawing/2010/main" val="0"/>
-                </a:ext>
-              </a:extLst>
-            </a:blip>
-            <a:srcRect/>
-            <a:tile tx="0" ty="-704850" sx="92000" sy="89000" flip="xy" algn="ctr"/>
-          </a:blipFill>
-          <a:ln>
-            <a:noFill/>
-          </a:ln>
-        </p:spPr>
-        <p:style>
-          <a:lnRef idx="2">
-            <a:schemeClr val="accent1">
-              <a:shade val="50000"/>
-            </a:schemeClr>
-          </a:lnRef>
-          <a:fillRef idx="1">
-            <a:schemeClr val="accent1"/>
-          </a:fillRef>
-          <a:effectRef idx="0">
-            <a:schemeClr val="accent1"/>
-          </a:effectRef>
-          <a:fontRef idx="minor">
-            <a:schemeClr val="lt1"/>
-          </a:fontRef>
-        </p:style>
-        <p:txBody>
-          <a:bodyPr rtlCol="0" anchor="ctr"/>
-          <a:lstStyle/>
-          <a:p>
-            <a:pPr algn="ctr"/>
-            <a:endParaRPr lang="en-US"/>
-          </a:p>
-        </p:txBody>
-      </p:sp>
-      <p:grpSp>
-        <p:nvGrpSpPr>
-          <p:cNvPr id="21" name="Group 20"/>
-          <p:cNvGrpSpPr>
-            <a:grpSpLocks noGrp="1" noUngrp="1" noRot="1" noChangeAspect="1" noMove="1" noResize="1"/>
-          </p:cNvGrpSpPr>
-          <p:nvPr/>
-        </p:nvGrpSpPr>
-        <p:grpSpPr>
-          <a:xfrm>
-            <a:off x="10245590" y="5111496"/>
-            <a:ext cx="1080904" cy="1080902"/>
-            <a:chOff x="10245590" y="5111496"/>
-            <a:chExt cx="1080904" cy="1080902"/>
-          </a:xfrm>
-        </p:grpSpPr>
-        <p:sp>
-          <p:nvSpPr>
-            <p:cNvPr id="22" name="Oval 21"/>
-            <p:cNvSpPr/>
-            <p:nvPr/>
-          </p:nvSpPr>
-          <p:spPr>
-            <a:xfrm>
-              <a:off x="10245590" y="5111496"/>
-              <a:ext cx="1080904" cy="1080902"/>
-            </a:xfrm>
-            <a:prstGeom prst="ellipse">
-              <a:avLst/>
-            </a:prstGeom>
-            <a:blipFill dpi="0" rotWithShape="1">
-              <a:blip r:embed="rId4">
-                <a:duotone>
-                  <a:schemeClr val="accent1">
-                    <a:shade val="45000"/>
-                    <a:satMod val="135000"/>
-                  </a:schemeClr>
-                  <a:prstClr val="white"/>
-                </a:duotone>
-              </a:blip>
-              <a:srcRect/>
-              <a:tile tx="0" ty="0" sx="85000" sy="85000" flip="none" algn="tl"/>
-            </a:blipFill>
-            <a:ln w="25400" cap="flat" cmpd="sng" algn="ctr">
-              <a:noFill/>
-              <a:prstDash val="solid"/>
-            </a:ln>
-            <a:effectLst/>
-          </p:spPr>
-          <p:txBody>
-            <a:bodyPr lIns="0" tIns="0" rIns="0" bIns="0" rtlCol="0" anchor="ctr"/>
-            <a:lstStyle/>
-            <a:p>
-              <a:pPr marL="0" marR="0" lvl="0" indent="0" algn="ctr" defTabSz="914400" eaLnBrk="1" fontAlgn="auto" latinLnBrk="0" hangingPunct="1">
-                <a:lnSpc>
-                  <a:spcPct val="100000"/>
-                </a:lnSpc>
-                <a:spcBef>
-                  <a:spcPts val="0"/>
-                </a:spcBef>
-                <a:spcAft>
-                  <a:spcPts val="0"/>
-                </a:spcAft>
-                <a:buClrTx/>
-                <a:buSzTx/>
-                <a:buFontTx/>
-                <a:buNone/>
-                <a:defRPr/>
-              </a:pPr>
-              <a:endParaRPr kumimoji="0" lang="en-US" sz="2000" b="0" i="0" u="none" strike="noStrike" kern="0" cap="none" spc="0" normalizeH="0" baseline="0" noProof="0" dirty="0">
-                <a:ln>
-                  <a:noFill/>
-                </a:ln>
-                <a:solidFill>
-                  <a:prstClr val="white"/>
-                </a:solidFill>
-                <a:effectLst/>
-                <a:uLnTx/>
-                <a:uFillTx/>
-                <a:latin typeface="Rockwell Extra Bold" panose="02060903040505020403" pitchFamily="18" charset="0"/>
-                <a:ea typeface="+mn-ea"/>
-                <a:cs typeface="+mn-cs"/>
-              </a:endParaRPr>
-            </a:p>
-          </p:txBody>
-        </p:sp>
-        <p:sp>
-          <p:nvSpPr>
-            <p:cNvPr id="23" name="Oval 22"/>
-            <p:cNvSpPr/>
-            <p:nvPr/>
-          </p:nvSpPr>
-          <p:spPr>
-            <a:xfrm>
-              <a:off x="10353681" y="5219586"/>
-              <a:ext cx="864723" cy="864722"/>
-            </a:xfrm>
-            <a:prstGeom prst="ellipse">
-              <a:avLst/>
-            </a:prstGeom>
-            <a:noFill/>
-            <a:ln w="25400" cap="flat" cmpd="sng" algn="ctr">
-              <a:solidFill>
-                <a:sysClr val="window" lastClr="FFFFFF"/>
-              </a:solidFill>
-              <a:prstDash val="solid"/>
-            </a:ln>
-            <a:effectLst/>
-          </p:spPr>
-          <p:txBody>
-            <a:bodyPr rtlCol="0" anchor="ctr"/>
-            <a:lstStyle/>
-            <a:p>
-              <a:pPr marL="0" marR="0" lvl="0" indent="0" algn="ctr" defTabSz="914400" eaLnBrk="1" fontAlgn="auto" latinLnBrk="0" hangingPunct="1">
-                <a:lnSpc>
-                  <a:spcPct val="100000"/>
-                </a:lnSpc>
-                <a:spcBef>
-                  <a:spcPts val="0"/>
-                </a:spcBef>
-                <a:spcAft>
-                  <a:spcPts val="0"/>
-                </a:spcAft>
-                <a:buClrTx/>
-                <a:buSzTx/>
-                <a:buFontTx/>
-                <a:buNone/>
-                <a:defRPr/>
-              </a:pPr>
-              <a:endParaRPr kumimoji="0" lang="en-US" sz="1800" b="0" i="0" u="none" strike="noStrike" kern="0" cap="none" spc="0" normalizeH="0" baseline="0" noProof="0" dirty="0">
-                <a:ln>
-                  <a:noFill/>
-                </a:ln>
-                <a:solidFill>
-                  <a:prstClr val="white"/>
-                </a:solidFill>
-                <a:effectLst/>
-                <a:uLnTx/>
-                <a:uFillTx/>
-                <a:latin typeface="Calibri" panose="020F0502020204030204"/>
-                <a:ea typeface="+mn-ea"/>
-                <a:cs typeface="+mn-cs"/>
-              </a:endParaRPr>
-            </a:p>
-          </p:txBody>
-        </p:sp>
-      </p:grpSp>
-    </p:spTree>
-  </p:cSld>
-  <p:clrMapOvr>
-    <a:masterClrMapping/>
-  </p:clrMapOvr>
-</p:sld>
-</file>
-
-<file path=ppt/slides/slide11.xml><?xml version="1.0" encoding="utf-8"?>
-<p:sld xmlns:a="http://schemas.openxmlformats.org/drawingml/2006/main" xmlns:r="http://schemas.openxmlformats.org/officeDocument/2006/relationships" xmlns:p="http://schemas.openxmlformats.org/presentationml/2006/main">
-  <p:cSld>
-    <p:spTree>
-      <p:nvGrpSpPr>
-        <p:cNvPr id="1" name=""/>
-        <p:cNvGrpSpPr/>
-        <p:nvPr/>
-      </p:nvGrpSpPr>
-      <p:grpSpPr>
-        <a:xfrm>
-          <a:off x="0" y="0"/>
-          <a:ext cx="0" cy="0"/>
-          <a:chOff x="0" y="0"/>
-          <a:chExt cx="0" cy="0"/>
-        </a:xfrm>
-      </p:grpSpPr>
-      <p:sp>
-        <p:nvSpPr>
-          <p:cNvPr id="7" name="Rectangle 6"/>
-          <p:cNvSpPr>
-            <a:spLocks noGrp="1" noRot="1" noChangeAspect="1" noMove="1" noResize="1" noEditPoints="1" noAdjustHandles="1" noChangeArrowheads="1" noChangeShapeType="1" noTextEdit="1"/>
-          </p:cNvSpPr>
-          <p:nvPr/>
-        </p:nvSpPr>
-        <p:spPr>
-          <a:xfrm>
-            <a:off x="920834" y="1346946"/>
-            <a:ext cx="10222992" cy="80683"/>
-          </a:xfrm>
-          <a:prstGeom prst="rect">
-            <a:avLst/>
-          </a:prstGeom>
-          <a:blipFill dpi="0" rotWithShape="1">
-            <a:blip r:embed="rId2">
-              <a:alphaModFix amt="85000"/>
-              <a:lum bright="70000" contrast="-70000"/>
-              <a:extLst>
-                <a:ext uri="{BEBA8EAE-BF5A-486C-A8C5-ECC9F3942E4B}">
-                  <a14:imgProps xmlns:a14="http://schemas.microsoft.com/office/drawing/2010/main">
-                    <a14:imgLayer r:embed="rId3">
-                      <a14:imgEffect>
-                        <a14:sharpenSoften amount="61000"/>
-                      </a14:imgEffect>
-                    </a14:imgLayer>
-                  </a14:imgProps>
-                </a:ext>
-                <a:ext uri="{28A0092B-C50C-407E-A947-70E740481C1C}">
-                  <a14:useLocalDpi xmlns:a14="http://schemas.microsoft.com/office/drawing/2010/main" val="0"/>
-                </a:ext>
-              </a:extLst>
-            </a:blip>
-            <a:srcRect/>
-            <a:tile tx="0" ty="-762000" sx="92000" sy="89000" flip="xy" algn="ctr"/>
-          </a:blipFill>
-          <a:ln>
-            <a:noFill/>
-          </a:ln>
-        </p:spPr>
-        <p:style>
-          <a:lnRef idx="2">
-            <a:schemeClr val="accent1">
-              <a:shade val="50000"/>
-            </a:schemeClr>
-          </a:lnRef>
-          <a:fillRef idx="1">
-            <a:schemeClr val="accent1"/>
-          </a:fillRef>
-          <a:effectRef idx="0">
-            <a:schemeClr val="accent1"/>
-          </a:effectRef>
-          <a:fontRef idx="minor">
-            <a:schemeClr val="lt1"/>
-          </a:fontRef>
-        </p:style>
-      </p:sp>
-      <p:sp>
-        <p:nvSpPr>
-          <p:cNvPr id="9" name="Rectangle 8"/>
-          <p:cNvSpPr>
-            <a:spLocks noGrp="1" noRot="1" noChangeAspect="1" noMove="1" noResize="1" noEditPoints="1" noAdjustHandles="1" noChangeArrowheads="1" noChangeShapeType="1" noTextEdit="1"/>
-          </p:cNvSpPr>
-          <p:nvPr/>
-        </p:nvSpPr>
-        <p:spPr>
-          <a:xfrm>
-            <a:off x="920834" y="4299696"/>
-            <a:ext cx="10222992" cy="80683"/>
-          </a:xfrm>
-          <a:prstGeom prst="rect">
-            <a:avLst/>
-          </a:prstGeom>
-          <a:blipFill dpi="0" rotWithShape="1">
-            <a:blip r:embed="rId2">
-              <a:alphaModFix amt="85000"/>
-              <a:lum bright="70000" contrast="-70000"/>
-              <a:extLst>
-                <a:ext uri="{BEBA8EAE-BF5A-486C-A8C5-ECC9F3942E4B}">
-                  <a14:imgProps xmlns:a14="http://schemas.microsoft.com/office/drawing/2010/main">
-                    <a14:imgLayer r:embed="rId3">
-                      <a14:imgEffect>
-                        <a14:sharpenSoften amount="61000"/>
-                      </a14:imgEffect>
-                    </a14:imgLayer>
-                  </a14:imgProps>
-                </a:ext>
-                <a:ext uri="{28A0092B-C50C-407E-A947-70E740481C1C}">
-                  <a14:useLocalDpi xmlns:a14="http://schemas.microsoft.com/office/drawing/2010/main" val="0"/>
-                </a:ext>
-              </a:extLst>
-            </a:blip>
-            <a:srcRect/>
-            <a:tile tx="0" ty="-717550" sx="92000" sy="89000" flip="xy" algn="ctr"/>
-          </a:blipFill>
-          <a:ln>
-            <a:noFill/>
-          </a:ln>
-        </p:spPr>
-        <p:style>
-          <a:lnRef idx="2">
-            <a:schemeClr val="accent1">
-              <a:shade val="50000"/>
-            </a:schemeClr>
-          </a:lnRef>
-          <a:fillRef idx="1">
-            <a:schemeClr val="accent1"/>
-          </a:fillRef>
-          <a:effectRef idx="0">
-            <a:schemeClr val="accent1"/>
-          </a:effectRef>
-          <a:fontRef idx="minor">
-            <a:schemeClr val="lt1"/>
-          </a:fontRef>
-        </p:style>
-      </p:sp>
-      <p:sp>
-        <p:nvSpPr>
-          <p:cNvPr id="11" name="Rectangle 10"/>
-          <p:cNvSpPr>
-            <a:spLocks noGrp="1" noRot="1" noChangeAspect="1" noMove="1" noResize="1" noEditPoints="1" noAdjustHandles="1" noChangeArrowheads="1" noChangeShapeType="1" noTextEdit="1"/>
-          </p:cNvSpPr>
-          <p:nvPr/>
-        </p:nvSpPr>
-        <p:spPr>
-          <a:xfrm>
-            <a:off x="920834" y="1484779"/>
-            <a:ext cx="10222992" cy="2743200"/>
-          </a:xfrm>
-          <a:prstGeom prst="rect">
-            <a:avLst/>
-          </a:prstGeom>
-          <a:blipFill dpi="0" rotWithShape="1">
-            <a:blip r:embed="rId2">
-              <a:alphaModFix amt="85000"/>
-              <a:lum bright="70000" contrast="-70000"/>
-              <a:extLst>
-                <a:ext uri="{BEBA8EAE-BF5A-486C-A8C5-ECC9F3942E4B}">
-                  <a14:imgProps xmlns:a14="http://schemas.microsoft.com/office/drawing/2010/main">
-                    <a14:imgLayer r:embed="rId3">
-                      <a14:imgEffect>
-                        <a14:sharpenSoften amount="61000"/>
-                      </a14:imgEffect>
-                    </a14:imgLayer>
-                  </a14:imgProps>
-                </a:ext>
-                <a:ext uri="{28A0092B-C50C-407E-A947-70E740481C1C}">
-                  <a14:useLocalDpi xmlns:a14="http://schemas.microsoft.com/office/drawing/2010/main" val="0"/>
-                </a:ext>
-              </a:extLst>
-            </a:blip>
-            <a:srcRect/>
-            <a:tile tx="0" ty="-704850" sx="92000" sy="89000" flip="xy" algn="ctr"/>
-          </a:blipFill>
-          <a:ln>
-            <a:noFill/>
-          </a:ln>
-        </p:spPr>
-        <p:style>
-          <a:lnRef idx="2">
-            <a:schemeClr val="accent1">
-              <a:shade val="50000"/>
-            </a:schemeClr>
-          </a:lnRef>
-          <a:fillRef idx="1">
-            <a:schemeClr val="accent1"/>
-          </a:fillRef>
-          <a:effectRef idx="0">
-            <a:schemeClr val="accent1"/>
-          </a:effectRef>
-          <a:fontRef idx="minor">
-            <a:schemeClr val="lt1"/>
-          </a:fontRef>
-        </p:style>
-      </p:sp>
-      <p:grpSp>
-        <p:nvGrpSpPr>
-          <p:cNvPr id="13" name="Group 12"/>
-          <p:cNvGrpSpPr>
-            <a:grpSpLocks noGrp="1" noUngrp="1" noRot="1" noChangeAspect="1" noMove="1" noResize="1"/>
-          </p:cNvGrpSpPr>
-          <p:nvPr/>
-        </p:nvGrpSpPr>
-        <p:grpSpPr>
-          <a:xfrm>
-            <a:off x="9649215" y="4068923"/>
-            <a:ext cx="1080904" cy="1080902"/>
-            <a:chOff x="9685338" y="4460675"/>
-            <a:chExt cx="1080904" cy="1080902"/>
-          </a:xfrm>
-        </p:grpSpPr>
-        <p:sp>
-          <p:nvSpPr>
-            <p:cNvPr id="14" name="Oval 13"/>
-            <p:cNvSpPr/>
-            <p:nvPr/>
-          </p:nvSpPr>
-          <p:spPr>
-            <a:xfrm>
-              <a:off x="9685338" y="4460675"/>
-              <a:ext cx="1080904" cy="1080902"/>
-            </a:xfrm>
-            <a:prstGeom prst="ellipse">
-              <a:avLst/>
-            </a:prstGeom>
-            <a:blipFill dpi="0" rotWithShape="1">
-              <a:blip r:embed="rId4">
-                <a:duotone>
-                  <a:schemeClr val="accent1">
-                    <a:shade val="45000"/>
-                    <a:satMod val="135000"/>
-                  </a:schemeClr>
-                  <a:prstClr val="white"/>
-                </a:duotone>
-                <a:extLst>
-                  <a:ext uri="{BEBA8EAE-BF5A-486C-A8C5-ECC9F3942E4B}">
-                    <a14:imgProps xmlns:a14="http://schemas.microsoft.com/office/drawing/2010/main">
-                      <a14:imgLayer r:embed="rId5">
-                        <a14:imgEffect>
-                          <a14:saturation sat="95000"/>
-                        </a14:imgEffect>
-                      </a14:imgLayer>
-                    </a14:imgProps>
-                  </a:ext>
-                </a:extLst>
-              </a:blip>
-              <a:srcRect/>
-              <a:tile tx="0" ty="0" sx="85000" sy="85000" flip="none" algn="tl"/>
-            </a:blipFill>
-            <a:ln w="25400" cap="flat" cmpd="sng" algn="ctr">
-              <a:noFill/>
-              <a:prstDash val="solid"/>
-            </a:ln>
-            <a:effectLst/>
-          </p:spPr>
-        </p:sp>
-        <p:sp>
-          <p:nvSpPr>
-            <p:cNvPr id="15" name="Oval 14"/>
-            <p:cNvSpPr/>
-            <p:nvPr/>
-          </p:nvSpPr>
-          <p:spPr>
-            <a:xfrm>
-              <a:off x="9793429" y="4568765"/>
-              <a:ext cx="864723" cy="864722"/>
-            </a:xfrm>
-            <a:prstGeom prst="ellipse">
-              <a:avLst/>
-            </a:prstGeom>
-            <a:noFill/>
-            <a:ln w="25400" cap="flat" cmpd="sng" algn="ctr">
-              <a:solidFill>
-                <a:sysClr val="window" lastClr="FFFFFF"/>
-              </a:solidFill>
-              <a:prstDash val="solid"/>
-            </a:ln>
-            <a:effectLst/>
-          </p:spPr>
-        </p:sp>
-      </p:grpSp>
-      <p:sp useBgFill="1">
-        <p:nvSpPr>
-          <p:cNvPr id="17" name="Rectangle 16"/>
-          <p:cNvSpPr>
-            <a:spLocks noGrp="1" noRot="1" noChangeAspect="1" noMove="1" noResize="1" noEditPoints="1" noAdjustHandles="1" noChangeArrowheads="1" noChangeShapeType="1" noTextEdit="1"/>
-          </p:cNvSpPr>
-          <p:nvPr/>
-        </p:nvSpPr>
-        <p:spPr bwMode="white">
-          <a:xfrm>
-            <a:off x="0" y="0"/>
-            <a:ext cx="12188952" cy="6858001"/>
-          </a:xfrm>
-          <a:prstGeom prst="rect">
-            <a:avLst/>
-          </a:prstGeom>
-          <a:ln>
-            <a:noFill/>
-          </a:ln>
-        </p:spPr>
-        <p:style>
-          <a:lnRef idx="2">
-            <a:schemeClr val="accent1">
-              <a:shade val="50000"/>
-            </a:schemeClr>
-          </a:lnRef>
-          <a:fillRef idx="1">
-            <a:schemeClr val="accent1"/>
-          </a:fillRef>
-          <a:effectRef idx="0">
-            <a:schemeClr val="accent1"/>
-          </a:effectRef>
-          <a:fontRef idx="minor">
-            <a:schemeClr val="lt1"/>
-          </a:fontRef>
-        </p:style>
-        <p:txBody>
-          <a:bodyPr rot="0" spcFirstLastPara="0" vert="horz" wrap="square" lIns="91440" tIns="45720" rIns="91440" bIns="45720" numCol="1" spcCol="0" rtlCol="0" fromWordArt="0" anchor="ctr" anchorCtr="0" forceAA="0" compatLnSpc="1">
-            <a:noAutofit/>
-          </a:bodyPr>
-          <a:lstStyle>
-            <a:defPPr>
-              <a:defRPr lang="en-US"/>
-            </a:defPPr>
-            <a:lvl1pPr marL="0" algn="l" defTabSz="914400" rtl="0" eaLnBrk="1" latinLnBrk="0" hangingPunct="1">
-              <a:defRPr sz="1800" kern="1200">
-                <a:solidFill>
-                  <a:schemeClr val="lt1"/>
-                </a:solidFill>
-                <a:latin typeface="+mn-lt"/>
-                <a:ea typeface="+mn-ea"/>
-                <a:cs typeface="+mn-cs"/>
-              </a:defRPr>
-            </a:lvl1pPr>
-            <a:lvl2pPr marL="457200" algn="l" defTabSz="914400" rtl="0" eaLnBrk="1" latinLnBrk="0" hangingPunct="1">
-              <a:defRPr sz="1800" kern="1200">
-                <a:solidFill>
-                  <a:schemeClr val="lt1"/>
-                </a:solidFill>
-                <a:latin typeface="+mn-lt"/>
-                <a:ea typeface="+mn-ea"/>
-                <a:cs typeface="+mn-cs"/>
-              </a:defRPr>
-            </a:lvl2pPr>
-            <a:lvl3pPr marL="914400" algn="l" defTabSz="914400" rtl="0" eaLnBrk="1" latinLnBrk="0" hangingPunct="1">
-              <a:defRPr sz="1800" kern="1200">
-                <a:solidFill>
-                  <a:schemeClr val="lt1"/>
-                </a:solidFill>
-                <a:latin typeface="+mn-lt"/>
-                <a:ea typeface="+mn-ea"/>
-                <a:cs typeface="+mn-cs"/>
-              </a:defRPr>
-            </a:lvl3pPr>
-            <a:lvl4pPr marL="1371600" algn="l" defTabSz="914400" rtl="0" eaLnBrk="1" latinLnBrk="0" hangingPunct="1">
-              <a:defRPr sz="1800" kern="1200">
-                <a:solidFill>
-                  <a:schemeClr val="lt1"/>
-                </a:solidFill>
-                <a:latin typeface="+mn-lt"/>
-                <a:ea typeface="+mn-ea"/>
-                <a:cs typeface="+mn-cs"/>
-              </a:defRPr>
-            </a:lvl4pPr>
-            <a:lvl5pPr marL="1828800" algn="l" defTabSz="914400" rtl="0" eaLnBrk="1" latinLnBrk="0" hangingPunct="1">
-              <a:defRPr sz="1800" kern="1200">
-                <a:solidFill>
-                  <a:schemeClr val="lt1"/>
-                </a:solidFill>
-                <a:latin typeface="+mn-lt"/>
-                <a:ea typeface="+mn-ea"/>
-                <a:cs typeface="+mn-cs"/>
-              </a:defRPr>
-            </a:lvl5pPr>
-            <a:lvl6pPr marL="2286000" algn="l" defTabSz="914400" rtl="0" eaLnBrk="1" latinLnBrk="0" hangingPunct="1">
-              <a:defRPr sz="1800" kern="1200">
-                <a:solidFill>
-                  <a:schemeClr val="lt1"/>
-                </a:solidFill>
-                <a:latin typeface="+mn-lt"/>
-                <a:ea typeface="+mn-ea"/>
-                <a:cs typeface="+mn-cs"/>
-              </a:defRPr>
-            </a:lvl6pPr>
-            <a:lvl7pPr marL="2743200" algn="l" defTabSz="914400" rtl="0" eaLnBrk="1" latinLnBrk="0" hangingPunct="1">
-              <a:defRPr sz="1800" kern="1200">
-                <a:solidFill>
-                  <a:schemeClr val="lt1"/>
-                </a:solidFill>
-                <a:latin typeface="+mn-lt"/>
-                <a:ea typeface="+mn-ea"/>
-                <a:cs typeface="+mn-cs"/>
-              </a:defRPr>
-            </a:lvl7pPr>
-            <a:lvl8pPr marL="3200400" algn="l" defTabSz="914400" rtl="0" eaLnBrk="1" latinLnBrk="0" hangingPunct="1">
-              <a:defRPr sz="1800" kern="1200">
-                <a:solidFill>
-                  <a:schemeClr val="lt1"/>
-                </a:solidFill>
-                <a:latin typeface="+mn-lt"/>
-                <a:ea typeface="+mn-ea"/>
-                <a:cs typeface="+mn-cs"/>
-              </a:defRPr>
-            </a:lvl8pPr>
-            <a:lvl9pPr marL="3657600" algn="l" defTabSz="914400" rtl="0" eaLnBrk="1" latinLnBrk="0" hangingPunct="1">
-              <a:defRPr sz="1800" kern="1200">
-                <a:solidFill>
-                  <a:schemeClr val="lt1"/>
-                </a:solidFill>
-                <a:latin typeface="+mn-lt"/>
-                <a:ea typeface="+mn-ea"/>
-                <a:cs typeface="+mn-cs"/>
-              </a:defRPr>
-            </a:lvl9pPr>
-          </a:lstStyle>
-          <a:p>
-            <a:pPr algn="ctr"/>
-            <a:endParaRPr lang="en-US"/>
-          </a:p>
-        </p:txBody>
-      </p:sp>
-      <p:sp>
-        <p:nvSpPr>
-          <p:cNvPr id="2" name="Title 1"/>
-          <p:cNvSpPr>
-            <a:spLocks noGrp="1"/>
-          </p:cNvSpPr>
-          <p:nvPr>
-            <p:ph type="title"/>
-          </p:nvPr>
-        </p:nvSpPr>
-        <p:spPr>
-          <a:xfrm>
             <a:off x="3329250" y="1224709"/>
             <a:ext cx="8337139" cy="3104284"/>
           </a:xfrm>
@@ -9764,7 +9075,7 @@
 </p:sld>
 </file>
 
-<file path=ppt/slides/slide12.xml><?xml version="1.0" encoding="utf-8"?>
+<file path=ppt/slides/slide11.xml><?xml version="1.0" encoding="utf-8"?>
 <p:sld xmlns:a="http://schemas.openxmlformats.org/drawingml/2006/main" xmlns:r="http://schemas.openxmlformats.org/officeDocument/2006/relationships" xmlns:p="http://schemas.openxmlformats.org/presentationml/2006/main">
   <p:cSld>
     <p:bg>
@@ -9836,6 +9147,156 @@
           </a:p>
         </p:txBody>
       </p:sp>
+    </p:spTree>
+  </p:cSld>
+  <p:clrMapOvr>
+    <a:masterClrMapping/>
+  </p:clrMapOvr>
+</p:sld>
+</file>
+
+<file path=ppt/slides/slide12.xml><?xml version="1.0" encoding="utf-8"?>
+<p:sld xmlns:a="http://schemas.openxmlformats.org/drawingml/2006/main" xmlns:r="http://schemas.openxmlformats.org/officeDocument/2006/relationships" xmlns:p="http://schemas.openxmlformats.org/presentationml/2006/main">
+  <p:cSld>
+    <p:bg>
+      <p:bgPr>
+        <a:solidFill>
+          <a:schemeClr val="bg1"/>
+        </a:solidFill>
+        <a:effectLst/>
+      </p:bgPr>
+    </p:bg>
+    <p:spTree>
+      <p:nvGrpSpPr>
+        <p:cNvPr id="1" name=""/>
+        <p:cNvGrpSpPr/>
+        <p:nvPr/>
+      </p:nvGrpSpPr>
+      <p:grpSpPr>
+        <a:xfrm>
+          <a:off x="0" y="0"/>
+          <a:ext cx="0" cy="0"/>
+          <a:chOff x="0" y="0"/>
+          <a:chExt cx="0" cy="0"/>
+        </a:xfrm>
+      </p:grpSpPr>
+      <p:sp>
+        <p:nvSpPr>
+          <p:cNvPr id="2" name="Title 1"/>
+          <p:cNvSpPr>
+            <a:spLocks noGrp="1"/>
+          </p:cNvSpPr>
+          <p:nvPr>
+            <p:ph type="title"/>
+          </p:nvPr>
+        </p:nvSpPr>
+        <p:spPr>
+          <a:xfrm>
+            <a:off x="1069848" y="484632"/>
+            <a:ext cx="10058400" cy="1609344"/>
+          </a:xfrm>
+        </p:spPr>
+        <p:txBody>
+          <a:bodyPr>
+            <a:normAutofit/>
+          </a:bodyPr>
+          <a:lstStyle/>
+          <a:p>
+            <a:r>
+              <a:rPr lang="en-US" altLang="zh-CN" dirty="0"/>
+              <a:t>Milestone</a:t>
+            </a:r>
+            <a:endParaRPr lang="en-US" dirty="0"/>
+          </a:p>
+        </p:txBody>
+      </p:sp>
+      <p:sp>
+        <p:nvSpPr>
+          <p:cNvPr id="10" name="Rectangle 9"/>
+          <p:cNvSpPr>
+            <a:spLocks noGrp="1" noRot="1" noChangeAspect="1" noMove="1" noResize="1" noEditPoints="1" noAdjustHandles="1" noChangeArrowheads="1" noChangeShapeType="1" noTextEdit="1"/>
+          </p:cNvSpPr>
+          <p:nvPr/>
+        </p:nvSpPr>
+        <p:spPr>
+          <a:xfrm>
+            <a:off x="1066800" y="2013293"/>
+            <a:ext cx="10058400" cy="80683"/>
+          </a:xfrm>
+          <a:prstGeom prst="rect">
+            <a:avLst/>
+          </a:prstGeom>
+          <a:blipFill dpi="0" rotWithShape="1">
+            <a:blip r:embed="rId2">
+              <a:alphaModFix amt="85000"/>
+              <a:lum bright="70000" contrast="-70000"/>
+              <a:extLst>
+                <a:ext uri="{BEBA8EAE-BF5A-486C-A8C5-ECC9F3942E4B}">
+                  <a14:imgProps xmlns:a14="http://schemas.microsoft.com/office/drawing/2010/main">
+                    <a14:imgLayer r:embed="rId3">
+                      <a14:imgEffect>
+                        <a14:sharpenSoften amount="61000"/>
+                      </a14:imgEffect>
+                    </a14:imgLayer>
+                  </a14:imgProps>
+                </a:ext>
+                <a:ext uri="{28A0092B-C50C-407E-A947-70E740481C1C}">
+                  <a14:useLocalDpi xmlns:a14="http://schemas.microsoft.com/office/drawing/2010/main" val="0"/>
+                </a:ext>
+              </a:extLst>
+            </a:blip>
+            <a:srcRect/>
+            <a:tile tx="0" ty="-762000" sx="92000" sy="89000" flip="xy" algn="ctr"/>
+          </a:blipFill>
+          <a:ln>
+            <a:noFill/>
+          </a:ln>
+        </p:spPr>
+        <p:style>
+          <a:lnRef idx="2">
+            <a:schemeClr val="accent1">
+              <a:shade val="50000"/>
+            </a:schemeClr>
+          </a:lnRef>
+          <a:fillRef idx="1">
+            <a:schemeClr val="accent1"/>
+          </a:fillRef>
+          <a:effectRef idx="0">
+            <a:schemeClr val="accent1"/>
+          </a:effectRef>
+          <a:fontRef idx="minor">
+            <a:schemeClr val="lt1"/>
+          </a:fontRef>
+        </p:style>
+        <p:txBody>
+          <a:bodyPr rtlCol="0" anchor="ctr"/>
+          <a:lstStyle/>
+          <a:p>
+            <a:pPr algn="ctr"/>
+            <a:endParaRPr lang="en-US"/>
+          </a:p>
+        </p:txBody>
+      </p:sp>
+      <p:graphicFrame>
+        <p:nvGraphicFramePr>
+          <p:cNvPr id="5" name="Content Placeholder 2"/>
+          <p:cNvGraphicFramePr>
+            <a:graphicFrameLocks noGrp="1"/>
+          </p:cNvGraphicFramePr>
+          <p:nvPr>
+            <p:ph idx="1"/>
+          </p:nvPr>
+        </p:nvGraphicFramePr>
+        <p:xfrm>
+          <a:off x="1069975" y="2202288"/>
+          <a:ext cx="10058400" cy="4171080"/>
+        </p:xfrm>
+        <a:graphic>
+          <a:graphicData uri="http://schemas.openxmlformats.org/drawingml/2006/diagram">
+            <dgm:relIds xmlns:dgm="http://schemas.openxmlformats.org/drawingml/2006/diagram" xmlns:r="http://schemas.openxmlformats.org/officeDocument/2006/relationships" r:dm="rId4" r:lo="rId5" r:qs="rId6" r:cs="rId7"/>
+          </a:graphicData>
+        </a:graphic>
+      </p:graphicFrame>
     </p:spTree>
   </p:cSld>
   <p:clrMapOvr>
@@ -13550,7 +13011,15 @@
           <a:p>
             <a:r>
               <a:rPr lang="en-US" sz="2400" dirty="0"/>
-              <a:t>PCs of load and store instruction are correlated</a:t>
+              <a:t>PCs of load and store instruction</a:t>
+            </a:r>
+            <a:r>
+              <a:rPr lang="en-US" altLang="zh-CN" sz="2400" dirty="0"/>
+              <a:t>s</a:t>
+            </a:r>
+            <a:r>
+              <a:rPr lang="en-US" sz="2400" dirty="0"/>
+              <a:t> are correlated</a:t>
             </a:r>
             <a:r>
               <a:rPr lang="zh-CN" altLang="en-US" sz="2400" dirty="0"/>
@@ -13576,7 +13045,23 @@
             </a:r>
             <a:r>
               <a:rPr lang="en-US" sz="2400" dirty="0"/>
-              <a:t>prediction can be viewed as a kind of sequence to sequence</a:t>
+              <a:t>prediction can be viewed as a kind of </a:t>
+            </a:r>
+            <a:r>
+              <a:rPr lang="en-US" altLang="zh-CN" sz="2400" dirty="0"/>
+              <a:t>S</a:t>
+            </a:r>
+            <a:r>
+              <a:rPr lang="en-US" sz="2400" dirty="0"/>
+              <a:t>equence to </a:t>
+            </a:r>
+            <a:r>
+              <a:rPr lang="en-US" altLang="zh-CN" sz="2400" dirty="0"/>
+              <a:t>S</a:t>
+            </a:r>
+            <a:r>
+              <a:rPr lang="en-US" sz="2400" dirty="0"/>
+              <a:t>equence</a:t>
             </a:r>
             <a:r>
               <a:rPr lang="zh-CN" altLang="en-US" sz="2400" dirty="0"/>
@@ -13584,8 +13069,13 @@
             </a:r>
             <a:r>
               <a:rPr lang="en-US" sz="2400" dirty="0"/>
-              <a:t>transformation, giving its input-output relationship. </a:t>
-            </a:r>
+              <a:t>transformation</a:t>
+            </a:r>
+            <a:r>
+              <a:rPr lang="en-US" altLang="zh-CN" sz="2400" dirty="0"/>
+              <a:t>.</a:t>
+            </a:r>
+            <a:endParaRPr lang="en-US" sz="2400" dirty="0"/>
           </a:p>
           <a:p>
             <a:r>
@@ -13598,7 +13088,15 @@
             </a:r>
             <a:r>
               <a:rPr lang="en-US" sz="2400" dirty="0"/>
-              <a:t>model takes a stream of PCs within an instruction window(IW) with specific size as inputs and output a sequence of</a:t>
+              <a:t>model takes a stream of PCs within an instruction window</a:t>
+            </a:r>
+            <a:r>
+              <a:rPr lang="zh-CN" altLang="en-US" sz="2400" dirty="0"/>
+              <a:t> </a:t>
+            </a:r>
+            <a:r>
+              <a:rPr lang="en-US" sz="2400" dirty="0"/>
+              <a:t>(IW) with specific size as inputs and output a sequence of</a:t>
             </a:r>
             <a:r>
               <a:rPr lang="zh-CN" altLang="en-US" sz="2400" dirty="0"/>
@@ -16067,7 +15565,7 @@
         </p:nvGrpSpPr>
         <p:grpSpPr>
           <a:xfrm>
-            <a:off x="1929507" y="1162560"/>
+            <a:off x="2027981" y="1005074"/>
             <a:ext cx="8332985" cy="3353170"/>
             <a:chOff x="1050166" y="979680"/>
             <a:chExt cx="9301228" cy="3570440"/>
@@ -19585,8 +19083,8 @@
         </p:nvSpPr>
         <p:spPr>
           <a:xfrm>
-            <a:off x="229312" y="83192"/>
-            <a:ext cx="10058400" cy="1609344"/>
+            <a:off x="204092" y="13012"/>
+            <a:ext cx="6263839" cy="1061268"/>
           </a:xfrm>
         </p:spPr>
         <p:txBody>
@@ -19596,26 +19094,240 @@
           <a:lstStyle/>
           <a:p>
             <a:r>
-              <a:rPr lang="en-US" altLang="zh-CN" sz="4800" dirty="0"/>
+              <a:rPr lang="en-US" altLang="zh-CN" sz="4400" dirty="0"/>
               <a:t>Seq2seq</a:t>
             </a:r>
             <a:r>
-              <a:rPr lang="zh-CN" altLang="en-US" sz="4800" dirty="0"/>
-              <a:t> </a:t>
-            </a:r>
-            <a:r>
-              <a:rPr lang="en-US" altLang="zh-CN" sz="4800" dirty="0"/>
+              <a:rPr lang="zh-CN" altLang="en-US" sz="4400" dirty="0"/>
+              <a:t> </a:t>
+            </a:r>
+            <a:r>
+              <a:rPr lang="en-US" altLang="zh-CN" sz="4400" dirty="0"/>
               <a:t>model</a:t>
             </a:r>
             <a:r>
-              <a:rPr lang="zh-CN" altLang="en-US" sz="4800" dirty="0"/>
-              <a:t> </a:t>
-            </a:r>
-            <a:r>
-              <a:rPr lang="en-US" altLang="zh-CN" sz="4800" dirty="0"/>
+              <a:rPr lang="zh-CN" altLang="en-US" sz="4400" dirty="0"/>
+              <a:t> </a:t>
+            </a:r>
+            <a:r>
+              <a:rPr lang="en-US" altLang="zh-CN" sz="4400" dirty="0"/>
               <a:t>diagram</a:t>
             </a:r>
-            <a:endParaRPr lang="en-US" sz="4800" dirty="0"/>
+            <a:endParaRPr lang="en-US" sz="4400" dirty="0"/>
+          </a:p>
+        </p:txBody>
+      </p:sp>
+      <p:sp>
+        <p:nvSpPr>
+          <p:cNvPr id="3" name="TextBox 2">
+            <a:extLst>
+              <a:ext uri="{FF2B5EF4-FFF2-40B4-BE49-F238E27FC236}">
+                <a16:creationId xmlns:a16="http://schemas.microsoft.com/office/drawing/2014/main" id="{1F8C33E4-0375-7849-B7D1-57CC97C83E71}"/>
+              </a:ext>
+            </a:extLst>
+          </p:cNvPr>
+          <p:cNvSpPr txBox="1"/>
+          <p:nvPr/>
+        </p:nvSpPr>
+        <p:spPr>
+          <a:xfrm>
+            <a:off x="908545" y="4662311"/>
+            <a:ext cx="10781457" cy="1785104"/>
+          </a:xfrm>
+          <a:prstGeom prst="rect">
+            <a:avLst/>
+          </a:prstGeom>
+          <a:noFill/>
+        </p:spPr>
+        <p:txBody>
+          <a:bodyPr wrap="square" rtlCol="0">
+            <a:spAutoFit/>
+          </a:bodyPr>
+          <a:lstStyle/>
+          <a:p>
+            <a:pPr marL="285750" indent="-285750">
+              <a:buFont typeface="Arial" panose="020B0604020202020204" pitchFamily="34" charset="0"/>
+              <a:buChar char="•"/>
+            </a:pPr>
+            <a:r>
+              <a:rPr lang="en-US" sz="2200" dirty="0"/>
+              <a:t>En</a:t>
+            </a:r>
+            <a:r>
+              <a:rPr lang="en-US" altLang="zh-CN" sz="2200" dirty="0"/>
+              <a:t>coder:</a:t>
+            </a:r>
+            <a:r>
+              <a:rPr lang="zh-CN" altLang="en-US" sz="2200" dirty="0"/>
+              <a:t> </a:t>
+            </a:r>
+            <a:r>
+              <a:rPr lang="en-US" altLang="zh-CN" sz="2200" dirty="0"/>
+              <a:t>distill</a:t>
+            </a:r>
+            <a:r>
+              <a:rPr lang="zh-CN" altLang="en-US" sz="2200" dirty="0"/>
+              <a:t> </a:t>
+            </a:r>
+            <a:r>
+              <a:rPr lang="en-US" altLang="zh-CN" sz="2200" dirty="0"/>
+              <a:t>information</a:t>
+            </a:r>
+            <a:r>
+              <a:rPr lang="zh-CN" altLang="en-US" sz="2200" dirty="0"/>
+              <a:t> </a:t>
+            </a:r>
+            <a:r>
+              <a:rPr lang="en-US" altLang="zh-CN" sz="2200" dirty="0"/>
+              <a:t>from</a:t>
+            </a:r>
+            <a:r>
+              <a:rPr lang="zh-CN" altLang="en-US" sz="2200" dirty="0"/>
+              <a:t> </a:t>
+            </a:r>
+            <a:r>
+              <a:rPr lang="en-US" altLang="zh-CN" sz="2200" dirty="0"/>
+              <a:t>input</a:t>
+            </a:r>
+            <a:r>
+              <a:rPr lang="zh-CN" altLang="en-US" sz="2200" dirty="0"/>
+              <a:t> </a:t>
+            </a:r>
+            <a:r>
+              <a:rPr lang="en-US" altLang="zh-CN" sz="2200" dirty="0"/>
+              <a:t>sequence</a:t>
+            </a:r>
+          </a:p>
+          <a:p>
+            <a:pPr marL="285750" indent="-285750">
+              <a:buFont typeface="Arial" panose="020B0604020202020204" pitchFamily="34" charset="0"/>
+              <a:buChar char="•"/>
+            </a:pPr>
+            <a:endParaRPr lang="en-US" altLang="zh-CN" sz="2200" dirty="0"/>
+          </a:p>
+          <a:p>
+            <a:pPr marL="285750" indent="-285750">
+              <a:buFont typeface="Arial" panose="020B0604020202020204" pitchFamily="34" charset="0"/>
+              <a:buChar char="•"/>
+            </a:pPr>
+            <a:r>
+              <a:rPr lang="en-US" altLang="zh-CN" sz="2200" dirty="0"/>
+              <a:t>Context</a:t>
+            </a:r>
+            <a:r>
+              <a:rPr lang="zh-CN" altLang="en-US" sz="2200" dirty="0"/>
+              <a:t> </a:t>
+            </a:r>
+            <a:r>
+              <a:rPr lang="en-US" altLang="zh-CN" sz="2200" dirty="0"/>
+              <a:t>vector:</a:t>
+            </a:r>
+            <a:r>
+              <a:rPr lang="zh-CN" altLang="en-US" sz="2200" dirty="0"/>
+              <a:t> </a:t>
+            </a:r>
+            <a:r>
+              <a:rPr lang="en-US" altLang="zh-CN" sz="2200" dirty="0"/>
+              <a:t>represents the information of</a:t>
+            </a:r>
+            <a:r>
+              <a:rPr lang="zh-CN" altLang="en-US" sz="2200" dirty="0"/>
+              <a:t> </a:t>
+            </a:r>
+            <a:r>
+              <a:rPr lang="en-US" altLang="zh-CN" sz="2200" dirty="0"/>
+              <a:t>input sequence</a:t>
+            </a:r>
+          </a:p>
+          <a:p>
+            <a:pPr marL="285750" indent="-285750">
+              <a:buFont typeface="Arial" panose="020B0604020202020204" pitchFamily="34" charset="0"/>
+              <a:buChar char="•"/>
+            </a:pPr>
+            <a:endParaRPr lang="en-US" altLang="zh-CN" sz="2200" dirty="0"/>
+          </a:p>
+          <a:p>
+            <a:pPr marL="285750" indent="-285750">
+              <a:buFont typeface="Arial" panose="020B0604020202020204" pitchFamily="34" charset="0"/>
+              <a:buChar char="•"/>
+            </a:pPr>
+            <a:r>
+              <a:rPr lang="en-US" altLang="zh-CN" sz="2200" dirty="0"/>
+              <a:t>Decoder:</a:t>
+            </a:r>
+            <a:r>
+              <a:rPr lang="zh-CN" altLang="en-US" sz="2200" dirty="0"/>
+              <a:t> </a:t>
+            </a:r>
+            <a:r>
+              <a:rPr lang="en-US" altLang="zh-CN" sz="2200" dirty="0"/>
+              <a:t>give</a:t>
+            </a:r>
+            <a:r>
+              <a:rPr lang="zh-CN" altLang="en-US" sz="2200" dirty="0"/>
+              <a:t> </a:t>
+            </a:r>
+            <a:r>
+              <a:rPr lang="en-US" altLang="zh-CN" sz="2200" dirty="0"/>
+              <a:t>predictions</a:t>
+            </a:r>
+            <a:r>
+              <a:rPr lang="zh-CN" altLang="en-US" sz="2200" dirty="0"/>
+              <a:t> </a:t>
+            </a:r>
+            <a:r>
+              <a:rPr lang="en-US" altLang="zh-CN" sz="2200" dirty="0"/>
+              <a:t>by</a:t>
+            </a:r>
+            <a:r>
+              <a:rPr lang="zh-CN" altLang="en-US" sz="2200" dirty="0"/>
+              <a:t> </a:t>
+            </a:r>
+            <a:r>
+              <a:rPr lang="en-US" altLang="zh-CN" sz="2200" dirty="0"/>
+              <a:t>utilizing</a:t>
+            </a:r>
+            <a:r>
+              <a:rPr lang="zh-CN" altLang="en-US" sz="2200" dirty="0"/>
+              <a:t> </a:t>
+            </a:r>
+            <a:r>
+              <a:rPr lang="en-US" altLang="zh-CN" sz="2200" dirty="0"/>
+              <a:t>context</a:t>
+            </a:r>
+            <a:r>
+              <a:rPr lang="zh-CN" altLang="en-US" sz="2200" dirty="0"/>
+              <a:t> </a:t>
+            </a:r>
+            <a:r>
+              <a:rPr lang="en-US" altLang="zh-CN" sz="2200" dirty="0"/>
+              <a:t>vector</a:t>
+            </a:r>
+            <a:r>
+              <a:rPr lang="zh-CN" altLang="en-US" sz="2200" dirty="0"/>
+              <a:t> </a:t>
+            </a:r>
+            <a:r>
+              <a:rPr lang="en-US" altLang="zh-CN" sz="2200" dirty="0"/>
+              <a:t>and</a:t>
+            </a:r>
+            <a:r>
+              <a:rPr lang="zh-CN" altLang="en-US" sz="2200" dirty="0"/>
+              <a:t> </a:t>
+            </a:r>
+            <a:r>
+              <a:rPr lang="en-US" altLang="zh-CN" sz="2200" dirty="0"/>
+              <a:t>previous</a:t>
+            </a:r>
+            <a:r>
+              <a:rPr lang="zh-CN" altLang="en-US" sz="2200" dirty="0"/>
+              <a:t> </a:t>
+            </a:r>
+            <a:r>
+              <a:rPr lang="en-US" altLang="zh-CN" sz="2200" dirty="0"/>
+              <a:t>prediction</a:t>
+            </a:r>
+            <a:endParaRPr lang="en-US" sz="2200" dirty="0"/>
           </a:p>
         </p:txBody>
       </p:sp>
@@ -19633,156 +19345,6 @@
 </file>
 
 <file path=ppt/slides/slide8.xml><?xml version="1.0" encoding="utf-8"?>
-<p:sld xmlns:a="http://schemas.openxmlformats.org/drawingml/2006/main" xmlns:r="http://schemas.openxmlformats.org/officeDocument/2006/relationships" xmlns:p="http://schemas.openxmlformats.org/presentationml/2006/main">
-  <p:cSld>
-    <p:bg>
-      <p:bgPr>
-        <a:solidFill>
-          <a:schemeClr val="bg1"/>
-        </a:solidFill>
-        <a:effectLst/>
-      </p:bgPr>
-    </p:bg>
-    <p:spTree>
-      <p:nvGrpSpPr>
-        <p:cNvPr id="1" name=""/>
-        <p:cNvGrpSpPr/>
-        <p:nvPr/>
-      </p:nvGrpSpPr>
-      <p:grpSpPr>
-        <a:xfrm>
-          <a:off x="0" y="0"/>
-          <a:ext cx="0" cy="0"/>
-          <a:chOff x="0" y="0"/>
-          <a:chExt cx="0" cy="0"/>
-        </a:xfrm>
-      </p:grpSpPr>
-      <p:sp>
-        <p:nvSpPr>
-          <p:cNvPr id="2" name="Title 1"/>
-          <p:cNvSpPr>
-            <a:spLocks noGrp="1"/>
-          </p:cNvSpPr>
-          <p:nvPr>
-            <p:ph type="title"/>
-          </p:nvPr>
-        </p:nvSpPr>
-        <p:spPr>
-          <a:xfrm>
-            <a:off x="1069848" y="484632"/>
-            <a:ext cx="10058400" cy="1609344"/>
-          </a:xfrm>
-        </p:spPr>
-        <p:txBody>
-          <a:bodyPr>
-            <a:normAutofit/>
-          </a:bodyPr>
-          <a:lstStyle/>
-          <a:p>
-            <a:r>
-              <a:rPr lang="en-US" altLang="zh-CN" dirty="0"/>
-              <a:t>Milestone</a:t>
-            </a:r>
-            <a:endParaRPr lang="en-US" dirty="0"/>
-          </a:p>
-        </p:txBody>
-      </p:sp>
-      <p:sp>
-        <p:nvSpPr>
-          <p:cNvPr id="10" name="Rectangle 9"/>
-          <p:cNvSpPr>
-            <a:spLocks noGrp="1" noRot="1" noChangeAspect="1" noMove="1" noResize="1" noEditPoints="1" noAdjustHandles="1" noChangeArrowheads="1" noChangeShapeType="1" noTextEdit="1"/>
-          </p:cNvSpPr>
-          <p:nvPr/>
-        </p:nvSpPr>
-        <p:spPr>
-          <a:xfrm>
-            <a:off x="1066800" y="2013293"/>
-            <a:ext cx="10058400" cy="80683"/>
-          </a:xfrm>
-          <a:prstGeom prst="rect">
-            <a:avLst/>
-          </a:prstGeom>
-          <a:blipFill dpi="0" rotWithShape="1">
-            <a:blip r:embed="rId2">
-              <a:alphaModFix amt="85000"/>
-              <a:lum bright="70000" contrast="-70000"/>
-              <a:extLst>
-                <a:ext uri="{BEBA8EAE-BF5A-486C-A8C5-ECC9F3942E4B}">
-                  <a14:imgProps xmlns:a14="http://schemas.microsoft.com/office/drawing/2010/main">
-                    <a14:imgLayer r:embed="rId3">
-                      <a14:imgEffect>
-                        <a14:sharpenSoften amount="61000"/>
-                      </a14:imgEffect>
-                    </a14:imgLayer>
-                  </a14:imgProps>
-                </a:ext>
-                <a:ext uri="{28A0092B-C50C-407E-A947-70E740481C1C}">
-                  <a14:useLocalDpi xmlns:a14="http://schemas.microsoft.com/office/drawing/2010/main" val="0"/>
-                </a:ext>
-              </a:extLst>
-            </a:blip>
-            <a:srcRect/>
-            <a:tile tx="0" ty="-762000" sx="92000" sy="89000" flip="xy" algn="ctr"/>
-          </a:blipFill>
-          <a:ln>
-            <a:noFill/>
-          </a:ln>
-        </p:spPr>
-        <p:style>
-          <a:lnRef idx="2">
-            <a:schemeClr val="accent1">
-              <a:shade val="50000"/>
-            </a:schemeClr>
-          </a:lnRef>
-          <a:fillRef idx="1">
-            <a:schemeClr val="accent1"/>
-          </a:fillRef>
-          <a:effectRef idx="0">
-            <a:schemeClr val="accent1"/>
-          </a:effectRef>
-          <a:fontRef idx="minor">
-            <a:schemeClr val="lt1"/>
-          </a:fontRef>
-        </p:style>
-        <p:txBody>
-          <a:bodyPr rtlCol="0" anchor="ctr"/>
-          <a:lstStyle/>
-          <a:p>
-            <a:pPr algn="ctr"/>
-            <a:endParaRPr lang="en-US"/>
-          </a:p>
-        </p:txBody>
-      </p:sp>
-      <p:graphicFrame>
-        <p:nvGraphicFramePr>
-          <p:cNvPr id="5" name="Content Placeholder 2"/>
-          <p:cNvGraphicFramePr>
-            <a:graphicFrameLocks noGrp="1"/>
-          </p:cNvGraphicFramePr>
-          <p:nvPr>
-            <p:ph idx="1"/>
-          </p:nvPr>
-        </p:nvGraphicFramePr>
-        <p:xfrm>
-          <a:off x="1069975" y="2202288"/>
-          <a:ext cx="10058400" cy="4171080"/>
-        </p:xfrm>
-        <a:graphic>
-          <a:graphicData uri="http://schemas.openxmlformats.org/drawingml/2006/diagram">
-            <dgm:relIds xmlns:dgm="http://schemas.openxmlformats.org/drawingml/2006/diagram" xmlns:r="http://schemas.openxmlformats.org/officeDocument/2006/relationships" r:dm="rId4" r:lo="rId5" r:qs="rId6" r:cs="rId7"/>
-          </a:graphicData>
-        </a:graphic>
-      </p:graphicFrame>
-    </p:spTree>
-  </p:cSld>
-  <p:clrMapOvr>
-    <a:masterClrMapping/>
-  </p:clrMapOvr>
-</p:sld>
-</file>
-
-<file path=ppt/slides/slide9.xml><?xml version="1.0" encoding="utf-8"?>
 <p:sld xmlns:a="http://schemas.openxmlformats.org/drawingml/2006/main" xmlns:r="http://schemas.openxmlformats.org/officeDocument/2006/relationships" xmlns:p="http://schemas.openxmlformats.org/presentationml/2006/main">
   <p:cSld>
     <p:bg>
@@ -20127,6 +19689,52 @@
             </a:r>
           </a:p>
           <a:p>
+            <a:pPr lvl="1"/>
+            <a:r>
+              <a:rPr lang="en-US" altLang="zh-CN" sz="2200" dirty="0"/>
+              <a:t>Load</a:t>
+            </a:r>
+            <a:r>
+              <a:rPr lang="zh-CN" altLang="en-US" sz="2200" dirty="0"/>
+              <a:t> </a:t>
+            </a:r>
+            <a:r>
+              <a:rPr lang="en-US" altLang="zh-CN" sz="2200" dirty="0"/>
+              <a:t>store</a:t>
+            </a:r>
+            <a:r>
+              <a:rPr lang="zh-CN" altLang="en-US" sz="2200" dirty="0"/>
+              <a:t> </a:t>
+            </a:r>
+            <a:r>
+              <a:rPr lang="en-US" altLang="zh-CN" sz="2200" dirty="0"/>
+              <a:t>queue</a:t>
+            </a:r>
+            <a:r>
+              <a:rPr lang="zh-CN" altLang="en-US" sz="2200" dirty="0"/>
+              <a:t> </a:t>
+            </a:r>
+            <a:r>
+              <a:rPr lang="en-US" altLang="zh-CN" sz="2200" dirty="0"/>
+              <a:t>design</a:t>
+            </a:r>
+          </a:p>
+          <a:p>
+            <a:pPr lvl="1"/>
+            <a:r>
+              <a:rPr lang="en-US" altLang="zh-CN" sz="2200" dirty="0"/>
+              <a:t>Store</a:t>
+            </a:r>
+            <a:r>
+              <a:rPr lang="zh-CN" altLang="en-US" sz="2200" dirty="0"/>
+              <a:t> </a:t>
+            </a:r>
+            <a:r>
+              <a:rPr lang="en-US" altLang="zh-CN" sz="2200" dirty="0"/>
+              <a:t>sets…</a:t>
+            </a:r>
+          </a:p>
+          <a:p>
             <a:endParaRPr lang="en-US" altLang="zh-CN" sz="2400" dirty="0"/>
           </a:p>
           <a:p>
@@ -20478,6 +20086,695 @@
       <p:bldP spid="2" grpId="0"/>
     </p:bldLst>
   </p:timing>
+</p:sld>
+</file>
+
+<file path=ppt/slides/slide9.xml><?xml version="1.0" encoding="utf-8"?>
+<p:sld xmlns:a="http://schemas.openxmlformats.org/drawingml/2006/main" xmlns:r="http://schemas.openxmlformats.org/officeDocument/2006/relationships" xmlns:p="http://schemas.openxmlformats.org/presentationml/2006/main">
+  <p:cSld>
+    <p:bg>
+      <p:bgPr>
+        <a:solidFill>
+          <a:schemeClr val="bg1"/>
+        </a:solidFill>
+        <a:effectLst/>
+      </p:bgPr>
+    </p:bg>
+    <p:spTree>
+      <p:nvGrpSpPr>
+        <p:cNvPr id="1" name=""/>
+        <p:cNvGrpSpPr/>
+        <p:nvPr/>
+      </p:nvGrpSpPr>
+      <p:grpSpPr>
+        <a:xfrm>
+          <a:off x="0" y="0"/>
+          <a:ext cx="0" cy="0"/>
+          <a:chOff x="0" y="0"/>
+          <a:chExt cx="0" cy="0"/>
+        </a:xfrm>
+      </p:grpSpPr>
+      <p:sp>
+        <p:nvSpPr>
+          <p:cNvPr id="7" name="Rectangle 6"/>
+          <p:cNvSpPr>
+            <a:spLocks noGrp="1" noRot="1" noChangeAspect="1" noMove="1" noResize="1" noEditPoints="1" noAdjustHandles="1" noChangeArrowheads="1" noChangeShapeType="1" noTextEdit="1"/>
+          </p:cNvSpPr>
+          <p:nvPr/>
+        </p:nvSpPr>
+        <p:spPr>
+          <a:xfrm>
+            <a:off x="920834" y="1346946"/>
+            <a:ext cx="10222992" cy="80683"/>
+          </a:xfrm>
+          <a:prstGeom prst="rect">
+            <a:avLst/>
+          </a:prstGeom>
+          <a:blipFill dpi="0" rotWithShape="1">
+            <a:blip r:embed="rId2">
+              <a:alphaModFix amt="85000"/>
+              <a:lum bright="70000" contrast="-70000"/>
+              <a:extLst>
+                <a:ext uri="{BEBA8EAE-BF5A-486C-A8C5-ECC9F3942E4B}">
+                  <a14:imgProps xmlns:a14="http://schemas.microsoft.com/office/drawing/2010/main">
+                    <a14:imgLayer r:embed="rId3">
+                      <a14:imgEffect>
+                        <a14:sharpenSoften amount="61000"/>
+                      </a14:imgEffect>
+                    </a14:imgLayer>
+                  </a14:imgProps>
+                </a:ext>
+                <a:ext uri="{28A0092B-C50C-407E-A947-70E740481C1C}">
+                  <a14:useLocalDpi xmlns:a14="http://schemas.microsoft.com/office/drawing/2010/main" val="0"/>
+                </a:ext>
+              </a:extLst>
+            </a:blip>
+            <a:srcRect/>
+            <a:tile tx="0" ty="-762000" sx="92000" sy="89000" flip="xy" algn="ctr"/>
+          </a:blipFill>
+          <a:ln>
+            <a:noFill/>
+          </a:ln>
+        </p:spPr>
+        <p:style>
+          <a:lnRef idx="2">
+            <a:schemeClr val="accent1">
+              <a:shade val="50000"/>
+            </a:schemeClr>
+          </a:lnRef>
+          <a:fillRef idx="1">
+            <a:schemeClr val="accent1"/>
+          </a:fillRef>
+          <a:effectRef idx="0">
+            <a:schemeClr val="accent1"/>
+          </a:effectRef>
+          <a:fontRef idx="minor">
+            <a:schemeClr val="lt1"/>
+          </a:fontRef>
+        </p:style>
+      </p:sp>
+      <p:sp>
+        <p:nvSpPr>
+          <p:cNvPr id="9" name="Rectangle 8"/>
+          <p:cNvSpPr>
+            <a:spLocks noGrp="1" noRot="1" noChangeAspect="1" noMove="1" noResize="1" noEditPoints="1" noAdjustHandles="1" noChangeArrowheads="1" noChangeShapeType="1" noTextEdit="1"/>
+          </p:cNvSpPr>
+          <p:nvPr/>
+        </p:nvSpPr>
+        <p:spPr>
+          <a:xfrm>
+            <a:off x="920834" y="4299696"/>
+            <a:ext cx="10222992" cy="80683"/>
+          </a:xfrm>
+          <a:prstGeom prst="rect">
+            <a:avLst/>
+          </a:prstGeom>
+          <a:blipFill dpi="0" rotWithShape="1">
+            <a:blip r:embed="rId2">
+              <a:alphaModFix amt="85000"/>
+              <a:lum bright="70000" contrast="-70000"/>
+              <a:extLst>
+                <a:ext uri="{BEBA8EAE-BF5A-486C-A8C5-ECC9F3942E4B}">
+                  <a14:imgProps xmlns:a14="http://schemas.microsoft.com/office/drawing/2010/main">
+                    <a14:imgLayer r:embed="rId3">
+                      <a14:imgEffect>
+                        <a14:sharpenSoften amount="61000"/>
+                      </a14:imgEffect>
+                    </a14:imgLayer>
+                  </a14:imgProps>
+                </a:ext>
+                <a:ext uri="{28A0092B-C50C-407E-A947-70E740481C1C}">
+                  <a14:useLocalDpi xmlns:a14="http://schemas.microsoft.com/office/drawing/2010/main" val="0"/>
+                </a:ext>
+              </a:extLst>
+            </a:blip>
+            <a:srcRect/>
+            <a:tile tx="0" ty="-717550" sx="92000" sy="89000" flip="xy" algn="ctr"/>
+          </a:blipFill>
+          <a:ln>
+            <a:noFill/>
+          </a:ln>
+        </p:spPr>
+        <p:style>
+          <a:lnRef idx="2">
+            <a:schemeClr val="accent1">
+              <a:shade val="50000"/>
+            </a:schemeClr>
+          </a:lnRef>
+          <a:fillRef idx="1">
+            <a:schemeClr val="accent1"/>
+          </a:fillRef>
+          <a:effectRef idx="0">
+            <a:schemeClr val="accent1"/>
+          </a:effectRef>
+          <a:fontRef idx="minor">
+            <a:schemeClr val="lt1"/>
+          </a:fontRef>
+        </p:style>
+      </p:sp>
+      <p:sp>
+        <p:nvSpPr>
+          <p:cNvPr id="11" name="Rectangle 10"/>
+          <p:cNvSpPr>
+            <a:spLocks noGrp="1" noRot="1" noChangeAspect="1" noMove="1" noResize="1" noEditPoints="1" noAdjustHandles="1" noChangeArrowheads="1" noChangeShapeType="1" noTextEdit="1"/>
+          </p:cNvSpPr>
+          <p:nvPr/>
+        </p:nvSpPr>
+        <p:spPr>
+          <a:xfrm>
+            <a:off x="920834" y="1484779"/>
+            <a:ext cx="10222992" cy="2743200"/>
+          </a:xfrm>
+          <a:prstGeom prst="rect">
+            <a:avLst/>
+          </a:prstGeom>
+          <a:blipFill dpi="0" rotWithShape="1">
+            <a:blip r:embed="rId2">
+              <a:alphaModFix amt="85000"/>
+              <a:lum bright="70000" contrast="-70000"/>
+              <a:extLst>
+                <a:ext uri="{BEBA8EAE-BF5A-486C-A8C5-ECC9F3942E4B}">
+                  <a14:imgProps xmlns:a14="http://schemas.microsoft.com/office/drawing/2010/main">
+                    <a14:imgLayer r:embed="rId3">
+                      <a14:imgEffect>
+                        <a14:sharpenSoften amount="61000"/>
+                      </a14:imgEffect>
+                    </a14:imgLayer>
+                  </a14:imgProps>
+                </a:ext>
+                <a:ext uri="{28A0092B-C50C-407E-A947-70E740481C1C}">
+                  <a14:useLocalDpi xmlns:a14="http://schemas.microsoft.com/office/drawing/2010/main" val="0"/>
+                </a:ext>
+              </a:extLst>
+            </a:blip>
+            <a:srcRect/>
+            <a:tile tx="0" ty="-704850" sx="92000" sy="89000" flip="xy" algn="ctr"/>
+          </a:blipFill>
+          <a:ln>
+            <a:noFill/>
+          </a:ln>
+        </p:spPr>
+        <p:style>
+          <a:lnRef idx="2">
+            <a:schemeClr val="accent1">
+              <a:shade val="50000"/>
+            </a:schemeClr>
+          </a:lnRef>
+          <a:fillRef idx="1">
+            <a:schemeClr val="accent1"/>
+          </a:fillRef>
+          <a:effectRef idx="0">
+            <a:schemeClr val="accent1"/>
+          </a:effectRef>
+          <a:fontRef idx="minor">
+            <a:schemeClr val="lt1"/>
+          </a:fontRef>
+        </p:style>
+      </p:sp>
+      <p:grpSp>
+        <p:nvGrpSpPr>
+          <p:cNvPr id="13" name="Group 12"/>
+          <p:cNvGrpSpPr>
+            <a:grpSpLocks noGrp="1" noUngrp="1" noRot="1" noChangeAspect="1" noMove="1" noResize="1"/>
+          </p:cNvGrpSpPr>
+          <p:nvPr/>
+        </p:nvGrpSpPr>
+        <p:grpSpPr>
+          <a:xfrm>
+            <a:off x="9649215" y="4068923"/>
+            <a:ext cx="1080904" cy="1080902"/>
+            <a:chOff x="9685338" y="4460675"/>
+            <a:chExt cx="1080904" cy="1080902"/>
+          </a:xfrm>
+        </p:grpSpPr>
+        <p:sp>
+          <p:nvSpPr>
+            <p:cNvPr id="14" name="Oval 13"/>
+            <p:cNvSpPr/>
+            <p:nvPr/>
+          </p:nvSpPr>
+          <p:spPr>
+            <a:xfrm>
+              <a:off x="9685338" y="4460675"/>
+              <a:ext cx="1080904" cy="1080902"/>
+            </a:xfrm>
+            <a:prstGeom prst="ellipse">
+              <a:avLst/>
+            </a:prstGeom>
+            <a:blipFill dpi="0" rotWithShape="1">
+              <a:blip r:embed="rId4">
+                <a:duotone>
+                  <a:schemeClr val="accent1">
+                    <a:shade val="45000"/>
+                    <a:satMod val="135000"/>
+                  </a:schemeClr>
+                  <a:prstClr val="white"/>
+                </a:duotone>
+                <a:extLst>
+                  <a:ext uri="{BEBA8EAE-BF5A-486C-A8C5-ECC9F3942E4B}">
+                    <a14:imgProps xmlns:a14="http://schemas.microsoft.com/office/drawing/2010/main">
+                      <a14:imgLayer r:embed="rId5">
+                        <a14:imgEffect>
+                          <a14:saturation sat="95000"/>
+                        </a14:imgEffect>
+                      </a14:imgLayer>
+                    </a14:imgProps>
+                  </a:ext>
+                </a:extLst>
+              </a:blip>
+              <a:srcRect/>
+              <a:tile tx="0" ty="0" sx="85000" sy="85000" flip="none" algn="tl"/>
+            </a:blipFill>
+            <a:ln w="25400" cap="flat" cmpd="sng" algn="ctr">
+              <a:noFill/>
+              <a:prstDash val="solid"/>
+            </a:ln>
+            <a:effectLst/>
+          </p:spPr>
+        </p:sp>
+        <p:sp>
+          <p:nvSpPr>
+            <p:cNvPr id="15" name="Oval 14"/>
+            <p:cNvSpPr/>
+            <p:nvPr/>
+          </p:nvSpPr>
+          <p:spPr>
+            <a:xfrm>
+              <a:off x="9793429" y="4568765"/>
+              <a:ext cx="864723" cy="864722"/>
+            </a:xfrm>
+            <a:prstGeom prst="ellipse">
+              <a:avLst/>
+            </a:prstGeom>
+            <a:noFill/>
+            <a:ln w="25400" cap="flat" cmpd="sng" algn="ctr">
+              <a:solidFill>
+                <a:sysClr val="window" lastClr="FFFFFF"/>
+              </a:solidFill>
+              <a:prstDash val="solid"/>
+            </a:ln>
+            <a:effectLst/>
+          </p:spPr>
+        </p:sp>
+      </p:grpSp>
+      <p:sp useBgFill="1">
+        <p:nvSpPr>
+          <p:cNvPr id="17" name="Rectangle 16"/>
+          <p:cNvSpPr>
+            <a:spLocks noGrp="1" noRot="1" noChangeAspect="1" noMove="1" noResize="1" noEditPoints="1" noAdjustHandles="1" noChangeArrowheads="1" noChangeShapeType="1" noTextEdit="1"/>
+          </p:cNvSpPr>
+          <p:nvPr/>
+        </p:nvSpPr>
+        <p:spPr bwMode="white">
+          <a:xfrm>
+            <a:off x="0" y="0"/>
+            <a:ext cx="12188952" cy="6858001"/>
+          </a:xfrm>
+          <a:prstGeom prst="rect">
+            <a:avLst/>
+          </a:prstGeom>
+          <a:ln>
+            <a:noFill/>
+          </a:ln>
+        </p:spPr>
+        <p:style>
+          <a:lnRef idx="2">
+            <a:schemeClr val="accent1">
+              <a:shade val="50000"/>
+            </a:schemeClr>
+          </a:lnRef>
+          <a:fillRef idx="1">
+            <a:schemeClr val="accent1"/>
+          </a:fillRef>
+          <a:effectRef idx="0">
+            <a:schemeClr val="accent1"/>
+          </a:effectRef>
+          <a:fontRef idx="minor">
+            <a:schemeClr val="lt1"/>
+          </a:fontRef>
+        </p:style>
+        <p:txBody>
+          <a:bodyPr rot="0" spcFirstLastPara="0" vert="horz" wrap="square" lIns="91440" tIns="45720" rIns="91440" bIns="45720" numCol="1" spcCol="0" rtlCol="0" fromWordArt="0" anchor="ctr" anchorCtr="0" forceAA="0" compatLnSpc="1">
+            <a:noAutofit/>
+          </a:bodyPr>
+          <a:lstStyle>
+            <a:defPPr>
+              <a:defRPr lang="en-US"/>
+            </a:defPPr>
+            <a:lvl1pPr marL="0" algn="l" defTabSz="914400" rtl="0" eaLnBrk="1" latinLnBrk="0" hangingPunct="1">
+              <a:defRPr sz="1800" kern="1200">
+                <a:solidFill>
+                  <a:schemeClr val="lt1"/>
+                </a:solidFill>
+                <a:latin typeface="+mn-lt"/>
+                <a:ea typeface="+mn-ea"/>
+                <a:cs typeface="+mn-cs"/>
+              </a:defRPr>
+            </a:lvl1pPr>
+            <a:lvl2pPr marL="457200" algn="l" defTabSz="914400" rtl="0" eaLnBrk="1" latinLnBrk="0" hangingPunct="1">
+              <a:defRPr sz="1800" kern="1200">
+                <a:solidFill>
+                  <a:schemeClr val="lt1"/>
+                </a:solidFill>
+                <a:latin typeface="+mn-lt"/>
+                <a:ea typeface="+mn-ea"/>
+                <a:cs typeface="+mn-cs"/>
+              </a:defRPr>
+            </a:lvl2pPr>
+            <a:lvl3pPr marL="914400" algn="l" defTabSz="914400" rtl="0" eaLnBrk="1" latinLnBrk="0" hangingPunct="1">
+              <a:defRPr sz="1800" kern="1200">
+                <a:solidFill>
+                  <a:schemeClr val="lt1"/>
+                </a:solidFill>
+                <a:latin typeface="+mn-lt"/>
+                <a:ea typeface="+mn-ea"/>
+                <a:cs typeface="+mn-cs"/>
+              </a:defRPr>
+            </a:lvl3pPr>
+            <a:lvl4pPr marL="1371600" algn="l" defTabSz="914400" rtl="0" eaLnBrk="1" latinLnBrk="0" hangingPunct="1">
+              <a:defRPr sz="1800" kern="1200">
+                <a:solidFill>
+                  <a:schemeClr val="lt1"/>
+                </a:solidFill>
+                <a:latin typeface="+mn-lt"/>
+                <a:ea typeface="+mn-ea"/>
+                <a:cs typeface="+mn-cs"/>
+              </a:defRPr>
+            </a:lvl4pPr>
+            <a:lvl5pPr marL="1828800" algn="l" defTabSz="914400" rtl="0" eaLnBrk="1" latinLnBrk="0" hangingPunct="1">
+              <a:defRPr sz="1800" kern="1200">
+                <a:solidFill>
+                  <a:schemeClr val="lt1"/>
+                </a:solidFill>
+                <a:latin typeface="+mn-lt"/>
+                <a:ea typeface="+mn-ea"/>
+                <a:cs typeface="+mn-cs"/>
+              </a:defRPr>
+            </a:lvl5pPr>
+            <a:lvl6pPr marL="2286000" algn="l" defTabSz="914400" rtl="0" eaLnBrk="1" latinLnBrk="0" hangingPunct="1">
+              <a:defRPr sz="1800" kern="1200">
+                <a:solidFill>
+                  <a:schemeClr val="lt1"/>
+                </a:solidFill>
+                <a:latin typeface="+mn-lt"/>
+                <a:ea typeface="+mn-ea"/>
+                <a:cs typeface="+mn-cs"/>
+              </a:defRPr>
+            </a:lvl6pPr>
+            <a:lvl7pPr marL="2743200" algn="l" defTabSz="914400" rtl="0" eaLnBrk="1" latinLnBrk="0" hangingPunct="1">
+              <a:defRPr sz="1800" kern="1200">
+                <a:solidFill>
+                  <a:schemeClr val="lt1"/>
+                </a:solidFill>
+                <a:latin typeface="+mn-lt"/>
+                <a:ea typeface="+mn-ea"/>
+                <a:cs typeface="+mn-cs"/>
+              </a:defRPr>
+            </a:lvl7pPr>
+            <a:lvl8pPr marL="3200400" algn="l" defTabSz="914400" rtl="0" eaLnBrk="1" latinLnBrk="0" hangingPunct="1">
+              <a:defRPr sz="1800" kern="1200">
+                <a:solidFill>
+                  <a:schemeClr val="lt1"/>
+                </a:solidFill>
+                <a:latin typeface="+mn-lt"/>
+                <a:ea typeface="+mn-ea"/>
+                <a:cs typeface="+mn-cs"/>
+              </a:defRPr>
+            </a:lvl8pPr>
+            <a:lvl9pPr marL="3657600" algn="l" defTabSz="914400" rtl="0" eaLnBrk="1" latinLnBrk="0" hangingPunct="1">
+              <a:defRPr sz="1800" kern="1200">
+                <a:solidFill>
+                  <a:schemeClr val="lt1"/>
+                </a:solidFill>
+                <a:latin typeface="+mn-lt"/>
+                <a:ea typeface="+mn-ea"/>
+                <a:cs typeface="+mn-cs"/>
+              </a:defRPr>
+            </a:lvl9pPr>
+          </a:lstStyle>
+          <a:p>
+            <a:pPr algn="ctr"/>
+            <a:endParaRPr lang="en-US"/>
+          </a:p>
+        </p:txBody>
+      </p:sp>
+      <p:sp>
+        <p:nvSpPr>
+          <p:cNvPr id="2" name="Title 1"/>
+          <p:cNvSpPr>
+            <a:spLocks noGrp="1"/>
+          </p:cNvSpPr>
+          <p:nvPr>
+            <p:ph type="title"/>
+          </p:nvPr>
+        </p:nvSpPr>
+        <p:spPr>
+          <a:xfrm>
+            <a:off x="3431527" y="1619250"/>
+            <a:ext cx="5605793" cy="2117318"/>
+          </a:xfrm>
+        </p:spPr>
+        <p:txBody>
+          <a:bodyPr vert="horz" lIns="91440" tIns="45720" rIns="91440" bIns="45720" rtlCol="0" anchor="ctr">
+            <a:normAutofit/>
+          </a:bodyPr>
+          <a:lstStyle/>
+          <a:p>
+            <a:pPr>
+              <a:lnSpc>
+                <a:spcPct val="80000"/>
+              </a:lnSpc>
+            </a:pPr>
+            <a:r>
+              <a:rPr lang="en-US" altLang="zh-CN" sz="9600" dirty="0">
+                <a:blipFill dpi="0" rotWithShape="1">
+                  <a:blip r:embed="rId4"/>
+                  <a:srcRect/>
+                  <a:tile tx="6350" ty="-127000" sx="65000" sy="64000" flip="none" algn="tl"/>
+                </a:blipFill>
+              </a:rPr>
+              <a:t>Thank you</a:t>
+            </a:r>
+            <a:endParaRPr lang="en-US" sz="9600" dirty="0">
+              <a:blipFill dpi="0" rotWithShape="1">
+                <a:blip r:embed="rId4"/>
+                <a:srcRect/>
+                <a:tile tx="6350" ty="-127000" sx="65000" sy="64000" flip="none" algn="tl"/>
+              </a:blipFill>
+            </a:endParaRPr>
+          </a:p>
+        </p:txBody>
+      </p:sp>
+      <p:sp>
+        <p:nvSpPr>
+          <p:cNvPr id="19" name="Rectangle 18"/>
+          <p:cNvSpPr>
+            <a:spLocks noGrp="1" noRot="1" noChangeAspect="1" noMove="1" noResize="1" noEditPoints="1" noAdjustHandles="1" noChangeArrowheads="1" noChangeShapeType="1" noTextEdit="1"/>
+          </p:cNvSpPr>
+          <p:nvPr/>
+        </p:nvSpPr>
+        <p:spPr>
+          <a:xfrm>
+            <a:off x="0" y="4572000"/>
+            <a:ext cx="12192000" cy="2295831"/>
+          </a:xfrm>
+          <a:prstGeom prst="rect">
+            <a:avLst/>
+          </a:prstGeom>
+          <a:blipFill dpi="0" rotWithShape="1">
+            <a:blip r:embed="rId2">
+              <a:alphaModFix amt="85000"/>
+              <a:lum bright="70000" contrast="-70000"/>
+              <a:extLst>
+                <a:ext uri="{28A0092B-C50C-407E-A947-70E740481C1C}">
+                  <a14:useLocalDpi xmlns:a14="http://schemas.microsoft.com/office/drawing/2010/main" val="0"/>
+                </a:ext>
+              </a:extLst>
+            </a:blip>
+            <a:srcRect/>
+            <a:tile tx="0" ty="-704850" sx="92000" sy="89000" flip="xy" algn="ctr"/>
+          </a:blipFill>
+          <a:ln>
+            <a:noFill/>
+          </a:ln>
+        </p:spPr>
+        <p:style>
+          <a:lnRef idx="2">
+            <a:schemeClr val="accent1">
+              <a:shade val="50000"/>
+            </a:schemeClr>
+          </a:lnRef>
+          <a:fillRef idx="1">
+            <a:schemeClr val="accent1"/>
+          </a:fillRef>
+          <a:effectRef idx="0">
+            <a:schemeClr val="accent1"/>
+          </a:effectRef>
+          <a:fontRef idx="minor">
+            <a:schemeClr val="lt1"/>
+          </a:fontRef>
+        </p:style>
+        <p:txBody>
+          <a:bodyPr rtlCol="0" anchor="ctr"/>
+          <a:lstStyle/>
+          <a:p>
+            <a:pPr algn="ctr"/>
+            <a:endParaRPr lang="en-US"/>
+          </a:p>
+        </p:txBody>
+      </p:sp>
+      <p:grpSp>
+        <p:nvGrpSpPr>
+          <p:cNvPr id="21" name="Group 20"/>
+          <p:cNvGrpSpPr>
+            <a:grpSpLocks noGrp="1" noUngrp="1" noRot="1" noChangeAspect="1" noMove="1" noResize="1"/>
+          </p:cNvGrpSpPr>
+          <p:nvPr/>
+        </p:nvGrpSpPr>
+        <p:grpSpPr>
+          <a:xfrm>
+            <a:off x="10245590" y="5111496"/>
+            <a:ext cx="1080904" cy="1080902"/>
+            <a:chOff x="10245590" y="5111496"/>
+            <a:chExt cx="1080904" cy="1080902"/>
+          </a:xfrm>
+        </p:grpSpPr>
+        <p:sp>
+          <p:nvSpPr>
+            <p:cNvPr id="22" name="Oval 21"/>
+            <p:cNvSpPr/>
+            <p:nvPr/>
+          </p:nvSpPr>
+          <p:spPr>
+            <a:xfrm>
+              <a:off x="10245590" y="5111496"/>
+              <a:ext cx="1080904" cy="1080902"/>
+            </a:xfrm>
+            <a:prstGeom prst="ellipse">
+              <a:avLst/>
+            </a:prstGeom>
+            <a:blipFill dpi="0" rotWithShape="1">
+              <a:blip r:embed="rId4">
+                <a:duotone>
+                  <a:schemeClr val="accent1">
+                    <a:shade val="45000"/>
+                    <a:satMod val="135000"/>
+                  </a:schemeClr>
+                  <a:prstClr val="white"/>
+                </a:duotone>
+              </a:blip>
+              <a:srcRect/>
+              <a:tile tx="0" ty="0" sx="85000" sy="85000" flip="none" algn="tl"/>
+            </a:blipFill>
+            <a:ln w="25400" cap="flat" cmpd="sng" algn="ctr">
+              <a:noFill/>
+              <a:prstDash val="solid"/>
+            </a:ln>
+            <a:effectLst/>
+          </p:spPr>
+          <p:txBody>
+            <a:bodyPr lIns="0" tIns="0" rIns="0" bIns="0" rtlCol="0" anchor="ctr"/>
+            <a:lstStyle/>
+            <a:p>
+              <a:pPr marL="0" marR="0" lvl="0" indent="0" algn="ctr" defTabSz="914400" eaLnBrk="1" fontAlgn="auto" latinLnBrk="0" hangingPunct="1">
+                <a:lnSpc>
+                  <a:spcPct val="100000"/>
+                </a:lnSpc>
+                <a:spcBef>
+                  <a:spcPts val="0"/>
+                </a:spcBef>
+                <a:spcAft>
+                  <a:spcPts val="0"/>
+                </a:spcAft>
+                <a:buClrTx/>
+                <a:buSzTx/>
+                <a:buFontTx/>
+                <a:buNone/>
+                <a:defRPr/>
+              </a:pPr>
+              <a:endParaRPr kumimoji="0" lang="en-US" sz="2000" b="0" i="0" u="none" strike="noStrike" kern="0" cap="none" spc="0" normalizeH="0" baseline="0" noProof="0" dirty="0">
+                <a:ln>
+                  <a:noFill/>
+                </a:ln>
+                <a:solidFill>
+                  <a:prstClr val="white"/>
+                </a:solidFill>
+                <a:effectLst/>
+                <a:uLnTx/>
+                <a:uFillTx/>
+                <a:latin typeface="Rockwell Extra Bold" panose="02060903040505020403" pitchFamily="18" charset="0"/>
+                <a:ea typeface="+mn-ea"/>
+                <a:cs typeface="+mn-cs"/>
+              </a:endParaRPr>
+            </a:p>
+          </p:txBody>
+        </p:sp>
+        <p:sp>
+          <p:nvSpPr>
+            <p:cNvPr id="23" name="Oval 22"/>
+            <p:cNvSpPr/>
+            <p:nvPr/>
+          </p:nvSpPr>
+          <p:spPr>
+            <a:xfrm>
+              <a:off x="10353681" y="5219586"/>
+              <a:ext cx="864723" cy="864722"/>
+            </a:xfrm>
+            <a:prstGeom prst="ellipse">
+              <a:avLst/>
+            </a:prstGeom>
+            <a:noFill/>
+            <a:ln w="25400" cap="flat" cmpd="sng" algn="ctr">
+              <a:solidFill>
+                <a:sysClr val="window" lastClr="FFFFFF"/>
+              </a:solidFill>
+              <a:prstDash val="solid"/>
+            </a:ln>
+            <a:effectLst/>
+          </p:spPr>
+          <p:txBody>
+            <a:bodyPr rtlCol="0" anchor="ctr"/>
+            <a:lstStyle/>
+            <a:p>
+              <a:pPr marL="0" marR="0" lvl="0" indent="0" algn="ctr" defTabSz="914400" eaLnBrk="1" fontAlgn="auto" latinLnBrk="0" hangingPunct="1">
+                <a:lnSpc>
+                  <a:spcPct val="100000"/>
+                </a:lnSpc>
+                <a:spcBef>
+                  <a:spcPts val="0"/>
+                </a:spcBef>
+                <a:spcAft>
+                  <a:spcPts val="0"/>
+                </a:spcAft>
+                <a:buClrTx/>
+                <a:buSzTx/>
+                <a:buFontTx/>
+                <a:buNone/>
+                <a:defRPr/>
+              </a:pPr>
+              <a:endParaRPr kumimoji="0" lang="en-US" sz="1800" b="0" i="0" u="none" strike="noStrike" kern="0" cap="none" spc="0" normalizeH="0" baseline="0" noProof="0" dirty="0">
+                <a:ln>
+                  <a:noFill/>
+                </a:ln>
+                <a:solidFill>
+                  <a:prstClr val="white"/>
+                </a:solidFill>
+                <a:effectLst/>
+                <a:uLnTx/>
+                <a:uFillTx/>
+                <a:latin typeface="Calibri" panose="020F0502020204030204"/>
+                <a:ea typeface="+mn-ea"/>
+                <a:cs typeface="+mn-cs"/>
+              </a:endParaRPr>
+            </a:p>
+          </p:txBody>
+        </p:sp>
+      </p:grpSp>
+    </p:spTree>
+  </p:cSld>
+  <p:clrMapOvr>
+    <a:masterClrMapping/>
+  </p:clrMapOvr>
 </p:sld>
 </file>
 

--- a/final_pre.pptx
+++ b/final_pre.pptx
@@ -12,12 +12,13 @@
     <p:sldId id="261" r:id="rId6"/>
     <p:sldId id="275" r:id="rId7"/>
     <p:sldId id="271" r:id="rId8"/>
-    <p:sldId id="263" r:id="rId9"/>
-    <p:sldId id="264" r:id="rId10"/>
-    <p:sldId id="269" r:id="rId11"/>
-    <p:sldId id="265" r:id="rId12"/>
-    <p:sldId id="262" r:id="rId13"/>
-    <p:sldId id="257" r:id="rId14"/>
+    <p:sldId id="276" r:id="rId9"/>
+    <p:sldId id="263" r:id="rId10"/>
+    <p:sldId id="264" r:id="rId11"/>
+    <p:sldId id="269" r:id="rId12"/>
+    <p:sldId id="265" r:id="rId13"/>
+    <p:sldId id="262" r:id="rId14"/>
+    <p:sldId id="257" r:id="rId15"/>
   </p:sldIdLst>
   <p:sldSz cx="12192000" cy="6858000"/>
   <p:notesSz cx="6858000" cy="9144000"/>
@@ -8392,6 +8393,14 @@
 <file path=ppt/slides/slide10.xml><?xml version="1.0" encoding="utf-8"?>
 <p:sld xmlns:a="http://schemas.openxmlformats.org/drawingml/2006/main" xmlns:r="http://schemas.openxmlformats.org/officeDocument/2006/relationships" xmlns:p="http://schemas.openxmlformats.org/presentationml/2006/main">
   <p:cSld>
+    <p:bg>
+      <p:bgPr>
+        <a:solidFill>
+          <a:schemeClr val="bg1"/>
+        </a:solidFill>
+        <a:effectLst/>
+      </p:bgPr>
+    </p:bg>
     <p:spTree>
       <p:nvGrpSpPr>
         <p:cNvPr id="1" name=""/>
@@ -8822,6 +8831,687 @@
         </p:nvSpPr>
         <p:spPr>
           <a:xfrm>
+            <a:off x="3431527" y="1619250"/>
+            <a:ext cx="5605793" cy="2117318"/>
+          </a:xfrm>
+        </p:spPr>
+        <p:txBody>
+          <a:bodyPr vert="horz" lIns="91440" tIns="45720" rIns="91440" bIns="45720" rtlCol="0" anchor="ctr">
+            <a:normAutofit/>
+          </a:bodyPr>
+          <a:lstStyle/>
+          <a:p>
+            <a:pPr>
+              <a:lnSpc>
+                <a:spcPct val="80000"/>
+              </a:lnSpc>
+            </a:pPr>
+            <a:r>
+              <a:rPr lang="en-US" altLang="zh-CN" sz="9600" dirty="0">
+                <a:blipFill dpi="0" rotWithShape="1">
+                  <a:blip r:embed="rId4"/>
+                  <a:srcRect/>
+                  <a:tile tx="6350" ty="-127000" sx="65000" sy="64000" flip="none" algn="tl"/>
+                </a:blipFill>
+              </a:rPr>
+              <a:t>Thank you</a:t>
+            </a:r>
+            <a:endParaRPr lang="en-US" sz="9600" dirty="0">
+              <a:blipFill dpi="0" rotWithShape="1">
+                <a:blip r:embed="rId4"/>
+                <a:srcRect/>
+                <a:tile tx="6350" ty="-127000" sx="65000" sy="64000" flip="none" algn="tl"/>
+              </a:blipFill>
+            </a:endParaRPr>
+          </a:p>
+        </p:txBody>
+      </p:sp>
+      <p:sp>
+        <p:nvSpPr>
+          <p:cNvPr id="19" name="Rectangle 18"/>
+          <p:cNvSpPr>
+            <a:spLocks noGrp="1" noRot="1" noChangeAspect="1" noMove="1" noResize="1" noEditPoints="1" noAdjustHandles="1" noChangeArrowheads="1" noChangeShapeType="1" noTextEdit="1"/>
+          </p:cNvSpPr>
+          <p:nvPr/>
+        </p:nvSpPr>
+        <p:spPr>
+          <a:xfrm>
+            <a:off x="0" y="4572000"/>
+            <a:ext cx="12192000" cy="2295831"/>
+          </a:xfrm>
+          <a:prstGeom prst="rect">
+            <a:avLst/>
+          </a:prstGeom>
+          <a:blipFill dpi="0" rotWithShape="1">
+            <a:blip r:embed="rId2">
+              <a:alphaModFix amt="85000"/>
+              <a:lum bright="70000" contrast="-70000"/>
+              <a:extLst>
+                <a:ext uri="{28A0092B-C50C-407E-A947-70E740481C1C}">
+                  <a14:useLocalDpi xmlns:a14="http://schemas.microsoft.com/office/drawing/2010/main" val="0"/>
+                </a:ext>
+              </a:extLst>
+            </a:blip>
+            <a:srcRect/>
+            <a:tile tx="0" ty="-704850" sx="92000" sy="89000" flip="xy" algn="ctr"/>
+          </a:blipFill>
+          <a:ln>
+            <a:noFill/>
+          </a:ln>
+        </p:spPr>
+        <p:style>
+          <a:lnRef idx="2">
+            <a:schemeClr val="accent1">
+              <a:shade val="50000"/>
+            </a:schemeClr>
+          </a:lnRef>
+          <a:fillRef idx="1">
+            <a:schemeClr val="accent1"/>
+          </a:fillRef>
+          <a:effectRef idx="0">
+            <a:schemeClr val="accent1"/>
+          </a:effectRef>
+          <a:fontRef idx="minor">
+            <a:schemeClr val="lt1"/>
+          </a:fontRef>
+        </p:style>
+        <p:txBody>
+          <a:bodyPr rtlCol="0" anchor="ctr"/>
+          <a:lstStyle/>
+          <a:p>
+            <a:pPr algn="ctr"/>
+            <a:endParaRPr lang="en-US"/>
+          </a:p>
+        </p:txBody>
+      </p:sp>
+      <p:grpSp>
+        <p:nvGrpSpPr>
+          <p:cNvPr id="21" name="Group 20"/>
+          <p:cNvGrpSpPr>
+            <a:grpSpLocks noGrp="1" noUngrp="1" noRot="1" noChangeAspect="1" noMove="1" noResize="1"/>
+          </p:cNvGrpSpPr>
+          <p:nvPr/>
+        </p:nvGrpSpPr>
+        <p:grpSpPr>
+          <a:xfrm>
+            <a:off x="10245590" y="5111496"/>
+            <a:ext cx="1080904" cy="1080902"/>
+            <a:chOff x="10245590" y="5111496"/>
+            <a:chExt cx="1080904" cy="1080902"/>
+          </a:xfrm>
+        </p:grpSpPr>
+        <p:sp>
+          <p:nvSpPr>
+            <p:cNvPr id="22" name="Oval 21"/>
+            <p:cNvSpPr/>
+            <p:nvPr/>
+          </p:nvSpPr>
+          <p:spPr>
+            <a:xfrm>
+              <a:off x="10245590" y="5111496"/>
+              <a:ext cx="1080904" cy="1080902"/>
+            </a:xfrm>
+            <a:prstGeom prst="ellipse">
+              <a:avLst/>
+            </a:prstGeom>
+            <a:blipFill dpi="0" rotWithShape="1">
+              <a:blip r:embed="rId4">
+                <a:duotone>
+                  <a:schemeClr val="accent1">
+                    <a:shade val="45000"/>
+                    <a:satMod val="135000"/>
+                  </a:schemeClr>
+                  <a:prstClr val="white"/>
+                </a:duotone>
+              </a:blip>
+              <a:srcRect/>
+              <a:tile tx="0" ty="0" sx="85000" sy="85000" flip="none" algn="tl"/>
+            </a:blipFill>
+            <a:ln w="25400" cap="flat" cmpd="sng" algn="ctr">
+              <a:noFill/>
+              <a:prstDash val="solid"/>
+            </a:ln>
+            <a:effectLst/>
+          </p:spPr>
+          <p:txBody>
+            <a:bodyPr lIns="0" tIns="0" rIns="0" bIns="0" rtlCol="0" anchor="ctr"/>
+            <a:lstStyle/>
+            <a:p>
+              <a:pPr marL="0" marR="0" lvl="0" indent="0" algn="ctr" defTabSz="914400" eaLnBrk="1" fontAlgn="auto" latinLnBrk="0" hangingPunct="1">
+                <a:lnSpc>
+                  <a:spcPct val="100000"/>
+                </a:lnSpc>
+                <a:spcBef>
+                  <a:spcPts val="0"/>
+                </a:spcBef>
+                <a:spcAft>
+                  <a:spcPts val="0"/>
+                </a:spcAft>
+                <a:buClrTx/>
+                <a:buSzTx/>
+                <a:buFontTx/>
+                <a:buNone/>
+                <a:defRPr/>
+              </a:pPr>
+              <a:endParaRPr kumimoji="0" lang="en-US" sz="2000" b="0" i="0" u="none" strike="noStrike" kern="0" cap="none" spc="0" normalizeH="0" baseline="0" noProof="0" dirty="0">
+                <a:ln>
+                  <a:noFill/>
+                </a:ln>
+                <a:solidFill>
+                  <a:prstClr val="white"/>
+                </a:solidFill>
+                <a:effectLst/>
+                <a:uLnTx/>
+                <a:uFillTx/>
+                <a:latin typeface="Rockwell Extra Bold" panose="02060903040505020403" pitchFamily="18" charset="0"/>
+                <a:ea typeface="+mn-ea"/>
+                <a:cs typeface="+mn-cs"/>
+              </a:endParaRPr>
+            </a:p>
+          </p:txBody>
+        </p:sp>
+        <p:sp>
+          <p:nvSpPr>
+            <p:cNvPr id="23" name="Oval 22"/>
+            <p:cNvSpPr/>
+            <p:nvPr/>
+          </p:nvSpPr>
+          <p:spPr>
+            <a:xfrm>
+              <a:off x="10353681" y="5219586"/>
+              <a:ext cx="864723" cy="864722"/>
+            </a:xfrm>
+            <a:prstGeom prst="ellipse">
+              <a:avLst/>
+            </a:prstGeom>
+            <a:noFill/>
+            <a:ln w="25400" cap="flat" cmpd="sng" algn="ctr">
+              <a:solidFill>
+                <a:sysClr val="window" lastClr="FFFFFF"/>
+              </a:solidFill>
+              <a:prstDash val="solid"/>
+            </a:ln>
+            <a:effectLst/>
+          </p:spPr>
+          <p:txBody>
+            <a:bodyPr rtlCol="0" anchor="ctr"/>
+            <a:lstStyle/>
+            <a:p>
+              <a:pPr marL="0" marR="0" lvl="0" indent="0" algn="ctr" defTabSz="914400" eaLnBrk="1" fontAlgn="auto" latinLnBrk="0" hangingPunct="1">
+                <a:lnSpc>
+                  <a:spcPct val="100000"/>
+                </a:lnSpc>
+                <a:spcBef>
+                  <a:spcPts val="0"/>
+                </a:spcBef>
+                <a:spcAft>
+                  <a:spcPts val="0"/>
+                </a:spcAft>
+                <a:buClrTx/>
+                <a:buSzTx/>
+                <a:buFontTx/>
+                <a:buNone/>
+                <a:defRPr/>
+              </a:pPr>
+              <a:endParaRPr kumimoji="0" lang="en-US" sz="1800" b="0" i="0" u="none" strike="noStrike" kern="0" cap="none" spc="0" normalizeH="0" baseline="0" noProof="0" dirty="0">
+                <a:ln>
+                  <a:noFill/>
+                </a:ln>
+                <a:solidFill>
+                  <a:prstClr val="white"/>
+                </a:solidFill>
+                <a:effectLst/>
+                <a:uLnTx/>
+                <a:uFillTx/>
+                <a:latin typeface="Calibri" panose="020F0502020204030204"/>
+                <a:ea typeface="+mn-ea"/>
+                <a:cs typeface="+mn-cs"/>
+              </a:endParaRPr>
+            </a:p>
+          </p:txBody>
+        </p:sp>
+      </p:grpSp>
+    </p:spTree>
+  </p:cSld>
+  <p:clrMapOvr>
+    <a:masterClrMapping/>
+  </p:clrMapOvr>
+</p:sld>
+</file>
+
+<file path=ppt/slides/slide11.xml><?xml version="1.0" encoding="utf-8"?>
+<p:sld xmlns:a="http://schemas.openxmlformats.org/drawingml/2006/main" xmlns:r="http://schemas.openxmlformats.org/officeDocument/2006/relationships" xmlns:p="http://schemas.openxmlformats.org/presentationml/2006/main">
+  <p:cSld>
+    <p:spTree>
+      <p:nvGrpSpPr>
+        <p:cNvPr id="1" name=""/>
+        <p:cNvGrpSpPr/>
+        <p:nvPr/>
+      </p:nvGrpSpPr>
+      <p:grpSpPr>
+        <a:xfrm>
+          <a:off x="0" y="0"/>
+          <a:ext cx="0" cy="0"/>
+          <a:chOff x="0" y="0"/>
+          <a:chExt cx="0" cy="0"/>
+        </a:xfrm>
+      </p:grpSpPr>
+      <p:sp>
+        <p:nvSpPr>
+          <p:cNvPr id="7" name="Rectangle 6"/>
+          <p:cNvSpPr>
+            <a:spLocks noGrp="1" noRot="1" noChangeAspect="1" noMove="1" noResize="1" noEditPoints="1" noAdjustHandles="1" noChangeArrowheads="1" noChangeShapeType="1" noTextEdit="1"/>
+          </p:cNvSpPr>
+          <p:nvPr/>
+        </p:nvSpPr>
+        <p:spPr>
+          <a:xfrm>
+            <a:off x="920834" y="1346946"/>
+            <a:ext cx="10222992" cy="80683"/>
+          </a:xfrm>
+          <a:prstGeom prst="rect">
+            <a:avLst/>
+          </a:prstGeom>
+          <a:blipFill dpi="0" rotWithShape="1">
+            <a:blip r:embed="rId2">
+              <a:alphaModFix amt="85000"/>
+              <a:lum bright="70000" contrast="-70000"/>
+              <a:extLst>
+                <a:ext uri="{BEBA8EAE-BF5A-486C-A8C5-ECC9F3942E4B}">
+                  <a14:imgProps xmlns:a14="http://schemas.microsoft.com/office/drawing/2010/main">
+                    <a14:imgLayer r:embed="rId3">
+                      <a14:imgEffect>
+                        <a14:sharpenSoften amount="61000"/>
+                      </a14:imgEffect>
+                    </a14:imgLayer>
+                  </a14:imgProps>
+                </a:ext>
+                <a:ext uri="{28A0092B-C50C-407E-A947-70E740481C1C}">
+                  <a14:useLocalDpi xmlns:a14="http://schemas.microsoft.com/office/drawing/2010/main" val="0"/>
+                </a:ext>
+              </a:extLst>
+            </a:blip>
+            <a:srcRect/>
+            <a:tile tx="0" ty="-762000" sx="92000" sy="89000" flip="xy" algn="ctr"/>
+          </a:blipFill>
+          <a:ln>
+            <a:noFill/>
+          </a:ln>
+        </p:spPr>
+        <p:style>
+          <a:lnRef idx="2">
+            <a:schemeClr val="accent1">
+              <a:shade val="50000"/>
+            </a:schemeClr>
+          </a:lnRef>
+          <a:fillRef idx="1">
+            <a:schemeClr val="accent1"/>
+          </a:fillRef>
+          <a:effectRef idx="0">
+            <a:schemeClr val="accent1"/>
+          </a:effectRef>
+          <a:fontRef idx="minor">
+            <a:schemeClr val="lt1"/>
+          </a:fontRef>
+        </p:style>
+      </p:sp>
+      <p:sp>
+        <p:nvSpPr>
+          <p:cNvPr id="9" name="Rectangle 8"/>
+          <p:cNvSpPr>
+            <a:spLocks noGrp="1" noRot="1" noChangeAspect="1" noMove="1" noResize="1" noEditPoints="1" noAdjustHandles="1" noChangeArrowheads="1" noChangeShapeType="1" noTextEdit="1"/>
+          </p:cNvSpPr>
+          <p:nvPr/>
+        </p:nvSpPr>
+        <p:spPr>
+          <a:xfrm>
+            <a:off x="920834" y="4299696"/>
+            <a:ext cx="10222992" cy="80683"/>
+          </a:xfrm>
+          <a:prstGeom prst="rect">
+            <a:avLst/>
+          </a:prstGeom>
+          <a:blipFill dpi="0" rotWithShape="1">
+            <a:blip r:embed="rId2">
+              <a:alphaModFix amt="85000"/>
+              <a:lum bright="70000" contrast="-70000"/>
+              <a:extLst>
+                <a:ext uri="{BEBA8EAE-BF5A-486C-A8C5-ECC9F3942E4B}">
+                  <a14:imgProps xmlns:a14="http://schemas.microsoft.com/office/drawing/2010/main">
+                    <a14:imgLayer r:embed="rId3">
+                      <a14:imgEffect>
+                        <a14:sharpenSoften amount="61000"/>
+                      </a14:imgEffect>
+                    </a14:imgLayer>
+                  </a14:imgProps>
+                </a:ext>
+                <a:ext uri="{28A0092B-C50C-407E-A947-70E740481C1C}">
+                  <a14:useLocalDpi xmlns:a14="http://schemas.microsoft.com/office/drawing/2010/main" val="0"/>
+                </a:ext>
+              </a:extLst>
+            </a:blip>
+            <a:srcRect/>
+            <a:tile tx="0" ty="-717550" sx="92000" sy="89000" flip="xy" algn="ctr"/>
+          </a:blipFill>
+          <a:ln>
+            <a:noFill/>
+          </a:ln>
+        </p:spPr>
+        <p:style>
+          <a:lnRef idx="2">
+            <a:schemeClr val="accent1">
+              <a:shade val="50000"/>
+            </a:schemeClr>
+          </a:lnRef>
+          <a:fillRef idx="1">
+            <a:schemeClr val="accent1"/>
+          </a:fillRef>
+          <a:effectRef idx="0">
+            <a:schemeClr val="accent1"/>
+          </a:effectRef>
+          <a:fontRef idx="minor">
+            <a:schemeClr val="lt1"/>
+          </a:fontRef>
+        </p:style>
+      </p:sp>
+      <p:sp>
+        <p:nvSpPr>
+          <p:cNvPr id="11" name="Rectangle 10"/>
+          <p:cNvSpPr>
+            <a:spLocks noGrp="1" noRot="1" noChangeAspect="1" noMove="1" noResize="1" noEditPoints="1" noAdjustHandles="1" noChangeArrowheads="1" noChangeShapeType="1" noTextEdit="1"/>
+          </p:cNvSpPr>
+          <p:nvPr/>
+        </p:nvSpPr>
+        <p:spPr>
+          <a:xfrm>
+            <a:off x="920834" y="1484779"/>
+            <a:ext cx="10222992" cy="2743200"/>
+          </a:xfrm>
+          <a:prstGeom prst="rect">
+            <a:avLst/>
+          </a:prstGeom>
+          <a:blipFill dpi="0" rotWithShape="1">
+            <a:blip r:embed="rId2">
+              <a:alphaModFix amt="85000"/>
+              <a:lum bright="70000" contrast="-70000"/>
+              <a:extLst>
+                <a:ext uri="{BEBA8EAE-BF5A-486C-A8C5-ECC9F3942E4B}">
+                  <a14:imgProps xmlns:a14="http://schemas.microsoft.com/office/drawing/2010/main">
+                    <a14:imgLayer r:embed="rId3">
+                      <a14:imgEffect>
+                        <a14:sharpenSoften amount="61000"/>
+                      </a14:imgEffect>
+                    </a14:imgLayer>
+                  </a14:imgProps>
+                </a:ext>
+                <a:ext uri="{28A0092B-C50C-407E-A947-70E740481C1C}">
+                  <a14:useLocalDpi xmlns:a14="http://schemas.microsoft.com/office/drawing/2010/main" val="0"/>
+                </a:ext>
+              </a:extLst>
+            </a:blip>
+            <a:srcRect/>
+            <a:tile tx="0" ty="-704850" sx="92000" sy="89000" flip="xy" algn="ctr"/>
+          </a:blipFill>
+          <a:ln>
+            <a:noFill/>
+          </a:ln>
+        </p:spPr>
+        <p:style>
+          <a:lnRef idx="2">
+            <a:schemeClr val="accent1">
+              <a:shade val="50000"/>
+            </a:schemeClr>
+          </a:lnRef>
+          <a:fillRef idx="1">
+            <a:schemeClr val="accent1"/>
+          </a:fillRef>
+          <a:effectRef idx="0">
+            <a:schemeClr val="accent1"/>
+          </a:effectRef>
+          <a:fontRef idx="minor">
+            <a:schemeClr val="lt1"/>
+          </a:fontRef>
+        </p:style>
+      </p:sp>
+      <p:grpSp>
+        <p:nvGrpSpPr>
+          <p:cNvPr id="13" name="Group 12"/>
+          <p:cNvGrpSpPr>
+            <a:grpSpLocks noGrp="1" noUngrp="1" noRot="1" noChangeAspect="1" noMove="1" noResize="1"/>
+          </p:cNvGrpSpPr>
+          <p:nvPr/>
+        </p:nvGrpSpPr>
+        <p:grpSpPr>
+          <a:xfrm>
+            <a:off x="9649215" y="4068923"/>
+            <a:ext cx="1080904" cy="1080902"/>
+            <a:chOff x="9685338" y="4460675"/>
+            <a:chExt cx="1080904" cy="1080902"/>
+          </a:xfrm>
+        </p:grpSpPr>
+        <p:sp>
+          <p:nvSpPr>
+            <p:cNvPr id="14" name="Oval 13"/>
+            <p:cNvSpPr/>
+            <p:nvPr/>
+          </p:nvSpPr>
+          <p:spPr>
+            <a:xfrm>
+              <a:off x="9685338" y="4460675"/>
+              <a:ext cx="1080904" cy="1080902"/>
+            </a:xfrm>
+            <a:prstGeom prst="ellipse">
+              <a:avLst/>
+            </a:prstGeom>
+            <a:blipFill dpi="0" rotWithShape="1">
+              <a:blip r:embed="rId4">
+                <a:duotone>
+                  <a:schemeClr val="accent1">
+                    <a:shade val="45000"/>
+                    <a:satMod val="135000"/>
+                  </a:schemeClr>
+                  <a:prstClr val="white"/>
+                </a:duotone>
+                <a:extLst>
+                  <a:ext uri="{BEBA8EAE-BF5A-486C-A8C5-ECC9F3942E4B}">
+                    <a14:imgProps xmlns:a14="http://schemas.microsoft.com/office/drawing/2010/main">
+                      <a14:imgLayer r:embed="rId5">
+                        <a14:imgEffect>
+                          <a14:saturation sat="95000"/>
+                        </a14:imgEffect>
+                      </a14:imgLayer>
+                    </a14:imgProps>
+                  </a:ext>
+                </a:extLst>
+              </a:blip>
+              <a:srcRect/>
+              <a:tile tx="0" ty="0" sx="85000" sy="85000" flip="none" algn="tl"/>
+            </a:blipFill>
+            <a:ln w="25400" cap="flat" cmpd="sng" algn="ctr">
+              <a:noFill/>
+              <a:prstDash val="solid"/>
+            </a:ln>
+            <a:effectLst/>
+          </p:spPr>
+        </p:sp>
+        <p:sp>
+          <p:nvSpPr>
+            <p:cNvPr id="15" name="Oval 14"/>
+            <p:cNvSpPr/>
+            <p:nvPr/>
+          </p:nvSpPr>
+          <p:spPr>
+            <a:xfrm>
+              <a:off x="9793429" y="4568765"/>
+              <a:ext cx="864723" cy="864722"/>
+            </a:xfrm>
+            <a:prstGeom prst="ellipse">
+              <a:avLst/>
+            </a:prstGeom>
+            <a:noFill/>
+            <a:ln w="25400" cap="flat" cmpd="sng" algn="ctr">
+              <a:solidFill>
+                <a:sysClr val="window" lastClr="FFFFFF"/>
+              </a:solidFill>
+              <a:prstDash val="solid"/>
+            </a:ln>
+            <a:effectLst/>
+          </p:spPr>
+        </p:sp>
+      </p:grpSp>
+      <p:sp useBgFill="1">
+        <p:nvSpPr>
+          <p:cNvPr id="17" name="Rectangle 16"/>
+          <p:cNvSpPr>
+            <a:spLocks noGrp="1" noRot="1" noChangeAspect="1" noMove="1" noResize="1" noEditPoints="1" noAdjustHandles="1" noChangeArrowheads="1" noChangeShapeType="1" noTextEdit="1"/>
+          </p:cNvSpPr>
+          <p:nvPr/>
+        </p:nvSpPr>
+        <p:spPr bwMode="white">
+          <a:xfrm>
+            <a:off x="0" y="0"/>
+            <a:ext cx="12188952" cy="6858001"/>
+          </a:xfrm>
+          <a:prstGeom prst="rect">
+            <a:avLst/>
+          </a:prstGeom>
+          <a:ln>
+            <a:noFill/>
+          </a:ln>
+        </p:spPr>
+        <p:style>
+          <a:lnRef idx="2">
+            <a:schemeClr val="accent1">
+              <a:shade val="50000"/>
+            </a:schemeClr>
+          </a:lnRef>
+          <a:fillRef idx="1">
+            <a:schemeClr val="accent1"/>
+          </a:fillRef>
+          <a:effectRef idx="0">
+            <a:schemeClr val="accent1"/>
+          </a:effectRef>
+          <a:fontRef idx="minor">
+            <a:schemeClr val="lt1"/>
+          </a:fontRef>
+        </p:style>
+        <p:txBody>
+          <a:bodyPr rot="0" spcFirstLastPara="0" vert="horz" wrap="square" lIns="91440" tIns="45720" rIns="91440" bIns="45720" numCol="1" spcCol="0" rtlCol="0" fromWordArt="0" anchor="ctr" anchorCtr="0" forceAA="0" compatLnSpc="1">
+            <a:noAutofit/>
+          </a:bodyPr>
+          <a:lstStyle>
+            <a:defPPr>
+              <a:defRPr lang="en-US"/>
+            </a:defPPr>
+            <a:lvl1pPr marL="0" algn="l" defTabSz="914400" rtl="0" eaLnBrk="1" latinLnBrk="0" hangingPunct="1">
+              <a:defRPr sz="1800" kern="1200">
+                <a:solidFill>
+                  <a:schemeClr val="lt1"/>
+                </a:solidFill>
+                <a:latin typeface="+mn-lt"/>
+                <a:ea typeface="+mn-ea"/>
+                <a:cs typeface="+mn-cs"/>
+              </a:defRPr>
+            </a:lvl1pPr>
+            <a:lvl2pPr marL="457200" algn="l" defTabSz="914400" rtl="0" eaLnBrk="1" latinLnBrk="0" hangingPunct="1">
+              <a:defRPr sz="1800" kern="1200">
+                <a:solidFill>
+                  <a:schemeClr val="lt1"/>
+                </a:solidFill>
+                <a:latin typeface="+mn-lt"/>
+                <a:ea typeface="+mn-ea"/>
+                <a:cs typeface="+mn-cs"/>
+              </a:defRPr>
+            </a:lvl2pPr>
+            <a:lvl3pPr marL="914400" algn="l" defTabSz="914400" rtl="0" eaLnBrk="1" latinLnBrk="0" hangingPunct="1">
+              <a:defRPr sz="1800" kern="1200">
+                <a:solidFill>
+                  <a:schemeClr val="lt1"/>
+                </a:solidFill>
+                <a:latin typeface="+mn-lt"/>
+                <a:ea typeface="+mn-ea"/>
+                <a:cs typeface="+mn-cs"/>
+              </a:defRPr>
+            </a:lvl3pPr>
+            <a:lvl4pPr marL="1371600" algn="l" defTabSz="914400" rtl="0" eaLnBrk="1" latinLnBrk="0" hangingPunct="1">
+              <a:defRPr sz="1800" kern="1200">
+                <a:solidFill>
+                  <a:schemeClr val="lt1"/>
+                </a:solidFill>
+                <a:latin typeface="+mn-lt"/>
+                <a:ea typeface="+mn-ea"/>
+                <a:cs typeface="+mn-cs"/>
+              </a:defRPr>
+            </a:lvl4pPr>
+            <a:lvl5pPr marL="1828800" algn="l" defTabSz="914400" rtl="0" eaLnBrk="1" latinLnBrk="0" hangingPunct="1">
+              <a:defRPr sz="1800" kern="1200">
+                <a:solidFill>
+                  <a:schemeClr val="lt1"/>
+                </a:solidFill>
+                <a:latin typeface="+mn-lt"/>
+                <a:ea typeface="+mn-ea"/>
+                <a:cs typeface="+mn-cs"/>
+              </a:defRPr>
+            </a:lvl5pPr>
+            <a:lvl6pPr marL="2286000" algn="l" defTabSz="914400" rtl="0" eaLnBrk="1" latinLnBrk="0" hangingPunct="1">
+              <a:defRPr sz="1800" kern="1200">
+                <a:solidFill>
+                  <a:schemeClr val="lt1"/>
+                </a:solidFill>
+                <a:latin typeface="+mn-lt"/>
+                <a:ea typeface="+mn-ea"/>
+                <a:cs typeface="+mn-cs"/>
+              </a:defRPr>
+            </a:lvl6pPr>
+            <a:lvl7pPr marL="2743200" algn="l" defTabSz="914400" rtl="0" eaLnBrk="1" latinLnBrk="0" hangingPunct="1">
+              <a:defRPr sz="1800" kern="1200">
+                <a:solidFill>
+                  <a:schemeClr val="lt1"/>
+                </a:solidFill>
+                <a:latin typeface="+mn-lt"/>
+                <a:ea typeface="+mn-ea"/>
+                <a:cs typeface="+mn-cs"/>
+              </a:defRPr>
+            </a:lvl7pPr>
+            <a:lvl8pPr marL="3200400" algn="l" defTabSz="914400" rtl="0" eaLnBrk="1" latinLnBrk="0" hangingPunct="1">
+              <a:defRPr sz="1800" kern="1200">
+                <a:solidFill>
+                  <a:schemeClr val="lt1"/>
+                </a:solidFill>
+                <a:latin typeface="+mn-lt"/>
+                <a:ea typeface="+mn-ea"/>
+                <a:cs typeface="+mn-cs"/>
+              </a:defRPr>
+            </a:lvl8pPr>
+            <a:lvl9pPr marL="3657600" algn="l" defTabSz="914400" rtl="0" eaLnBrk="1" latinLnBrk="0" hangingPunct="1">
+              <a:defRPr sz="1800" kern="1200">
+                <a:solidFill>
+                  <a:schemeClr val="lt1"/>
+                </a:solidFill>
+                <a:latin typeface="+mn-lt"/>
+                <a:ea typeface="+mn-ea"/>
+                <a:cs typeface="+mn-cs"/>
+              </a:defRPr>
+            </a:lvl9pPr>
+          </a:lstStyle>
+          <a:p>
+            <a:pPr algn="ctr"/>
+            <a:endParaRPr lang="en-US"/>
+          </a:p>
+        </p:txBody>
+      </p:sp>
+      <p:sp>
+        <p:nvSpPr>
+          <p:cNvPr id="2" name="Title 1"/>
+          <p:cNvSpPr>
+            <a:spLocks noGrp="1"/>
+          </p:cNvSpPr>
+          <p:nvPr>
+            <p:ph type="title"/>
+          </p:nvPr>
+        </p:nvSpPr>
+        <p:spPr>
+          <a:xfrm>
             <a:off x="3329250" y="1224709"/>
             <a:ext cx="8337139" cy="3104284"/>
           </a:xfrm>
@@ -9075,7 +9765,7 @@
 </p:sld>
 </file>
 
-<file path=ppt/slides/slide11.xml><?xml version="1.0" encoding="utf-8"?>
+<file path=ppt/slides/slide12.xml><?xml version="1.0" encoding="utf-8"?>
 <p:sld xmlns:a="http://schemas.openxmlformats.org/drawingml/2006/main" xmlns:r="http://schemas.openxmlformats.org/officeDocument/2006/relationships" xmlns:p="http://schemas.openxmlformats.org/presentationml/2006/main">
   <p:cSld>
     <p:bg>
@@ -9155,7 +9845,7 @@
 </p:sld>
 </file>
 
-<file path=ppt/slides/slide12.xml><?xml version="1.0" encoding="utf-8"?>
+<file path=ppt/slides/slide13.xml><?xml version="1.0" encoding="utf-8"?>
 <p:sld xmlns:a="http://schemas.openxmlformats.org/drawingml/2006/main" xmlns:r="http://schemas.openxmlformats.org/officeDocument/2006/relationships" xmlns:p="http://schemas.openxmlformats.org/presentationml/2006/main">
   <p:cSld>
     <p:bg>
@@ -9305,7 +9995,7 @@
 </p:sld>
 </file>
 
-<file path=ppt/slides/slide13.xml><?xml version="1.0" encoding="utf-8"?>
+<file path=ppt/slides/slide14.xml><?xml version="1.0" encoding="utf-8"?>
 <p:sld xmlns:a="http://schemas.openxmlformats.org/drawingml/2006/main" xmlns:r="http://schemas.openxmlformats.org/officeDocument/2006/relationships" xmlns:p="http://schemas.openxmlformats.org/presentationml/2006/main">
   <p:cSld>
     <p:spTree>
@@ -19347,14 +20037,6 @@
 <file path=ppt/slides/slide8.xml><?xml version="1.0" encoding="utf-8"?>
 <p:sld xmlns:a="http://schemas.openxmlformats.org/drawingml/2006/main" xmlns:r="http://schemas.openxmlformats.org/officeDocument/2006/relationships" xmlns:p="http://schemas.openxmlformats.org/presentationml/2006/main">
   <p:cSld>
-    <p:bg>
-      <p:bgPr>
-        <a:solidFill>
-          <a:schemeClr val="bg1"/>
-        </a:solidFill>
-        <a:effectLst/>
-      </p:bgPr>
-    </p:bg>
     <p:spTree>
       <p:nvGrpSpPr>
         <p:cNvPr id="1" name=""/>
@@ -19615,7 +20297,7 @@
           <a:p>
             <a:r>
               <a:rPr lang="en-US" altLang="zh-CN" dirty="0"/>
-              <a:t>What</a:t>
+              <a:t>Hardware</a:t>
             </a:r>
             <a:r>
               <a:rPr lang="zh-CN" altLang="en-US" dirty="0"/>
@@ -19623,15 +20305,7 @@
             </a:r>
             <a:r>
               <a:rPr lang="en-US" altLang="zh-CN" dirty="0"/>
-              <a:t>we</a:t>
-            </a:r>
-            <a:r>
-              <a:rPr lang="zh-CN" altLang="en-US" dirty="0"/>
-              <a:t> </a:t>
-            </a:r>
-            <a:r>
-              <a:rPr lang="en-US" altLang="zh-CN" dirty="0"/>
-              <a:t>learned</a:t>
+              <a:t>idea</a:t>
             </a:r>
             <a:endParaRPr lang="en-US" dirty="0"/>
           </a:p>
@@ -19649,19 +20323,19 @@
         </p:nvSpPr>
         <p:spPr>
           <a:xfrm>
-            <a:off x="1069848" y="2320412"/>
-            <a:ext cx="10058400" cy="3851787"/>
+            <a:off x="984504" y="2170168"/>
+            <a:ext cx="10222992" cy="4738662"/>
           </a:xfrm>
         </p:spPr>
         <p:txBody>
           <a:bodyPr>
-            <a:normAutofit/>
+            <a:normAutofit fontScale="92500" lnSpcReduction="10000"/>
           </a:bodyPr>
           <a:lstStyle/>
           <a:p>
             <a:r>
               <a:rPr lang="en-US" altLang="zh-CN" sz="2400" dirty="0"/>
-              <a:t>Details</a:t>
+              <a:t>From</a:t>
             </a:r>
             <a:r>
               <a:rPr lang="zh-CN" altLang="en-US" sz="2400" dirty="0"/>
@@ -19669,7 +20343,7 @@
             </a:r>
             <a:r>
               <a:rPr lang="en-US" altLang="zh-CN" sz="2400" dirty="0"/>
-              <a:t>about</a:t>
+              <a:t>the</a:t>
             </a:r>
             <a:r>
               <a:rPr lang="zh-CN" altLang="en-US" sz="2400" dirty="0"/>
@@ -19677,22 +20351,479 @@
             </a:r>
             <a:r>
               <a:rPr lang="en-US" altLang="zh-CN" sz="2400" dirty="0"/>
+              <a:t>sequence</a:t>
+            </a:r>
+            <a:r>
+              <a:rPr lang="zh-CN" altLang="en-US" sz="2400" dirty="0"/>
+              <a:t> </a:t>
+            </a:r>
+            <a:r>
+              <a:rPr lang="en-US" altLang="zh-CN" sz="2400" dirty="0"/>
+              <a:t>to</a:t>
+            </a:r>
+            <a:r>
+              <a:rPr lang="zh-CN" altLang="en-US" sz="2400" dirty="0"/>
+              <a:t> </a:t>
+            </a:r>
+            <a:r>
+              <a:rPr lang="en-US" altLang="zh-CN" sz="2400" dirty="0"/>
+              <a:t>sequence</a:t>
+            </a:r>
+            <a:r>
+              <a:rPr lang="zh-CN" altLang="en-US" sz="2400" dirty="0"/>
+              <a:t> </a:t>
+            </a:r>
+            <a:r>
+              <a:rPr lang="en-US" altLang="zh-CN" sz="2400" dirty="0"/>
+              <a:t>model,</a:t>
+            </a:r>
+            <a:r>
+              <a:rPr lang="zh-CN" altLang="en-US" sz="2400" dirty="0"/>
+              <a:t> </a:t>
+            </a:r>
+            <a:r>
+              <a:rPr lang="en-US" altLang="zh-CN" sz="2400" dirty="0"/>
+              <a:t>one</a:t>
+            </a:r>
+            <a:r>
+              <a:rPr lang="zh-CN" altLang="en-US" sz="2400" dirty="0"/>
+              <a:t> </a:t>
+            </a:r>
+            <a:r>
+              <a:rPr lang="en-US" altLang="zh-CN" sz="2400" dirty="0"/>
+              <a:t>implication</a:t>
+            </a:r>
+            <a:r>
+              <a:rPr lang="zh-CN" altLang="en-US" sz="2400" dirty="0"/>
+              <a:t> </a:t>
+            </a:r>
+            <a:r>
+              <a:rPr lang="en-US" altLang="zh-CN" sz="2400" dirty="0"/>
+              <a:t>is</a:t>
+            </a:r>
+            <a:r>
+              <a:rPr lang="zh-CN" altLang="en-US" sz="2400" dirty="0"/>
+              <a:t> </a:t>
+            </a:r>
+            <a:r>
+              <a:rPr lang="en-US" altLang="zh-CN" sz="2400" dirty="0"/>
+              <a:t>to</a:t>
+            </a:r>
+            <a:r>
+              <a:rPr lang="zh-CN" altLang="en-US" sz="2400" dirty="0"/>
+              <a:t> </a:t>
+            </a:r>
+            <a:r>
+              <a:rPr lang="en-US" altLang="zh-CN" sz="2400" dirty="0"/>
+              <a:t>have</a:t>
+            </a:r>
+            <a:r>
+              <a:rPr lang="zh-CN" altLang="en-US" sz="2400" dirty="0"/>
+              <a:t> </a:t>
+            </a:r>
+            <a:r>
+              <a:rPr lang="en-US" altLang="zh-CN" sz="2400" dirty="0"/>
+              <a:t>both</a:t>
+            </a:r>
+            <a:r>
+              <a:rPr lang="zh-CN" altLang="en-US" sz="2400" dirty="0"/>
+              <a:t> </a:t>
+            </a:r>
+            <a:r>
+              <a:rPr lang="en-US" altLang="zh-CN" sz="2400" dirty="0"/>
+              <a:t>global</a:t>
+            </a:r>
+            <a:r>
+              <a:rPr lang="zh-CN" altLang="en-US" sz="2400" dirty="0"/>
+              <a:t> </a:t>
+            </a:r>
+            <a:r>
+              <a:rPr lang="en-US" altLang="zh-CN" sz="2400" dirty="0"/>
+              <a:t>and</a:t>
+            </a:r>
+            <a:r>
+              <a:rPr lang="zh-CN" altLang="en-US" sz="2400" dirty="0"/>
+              <a:t> </a:t>
+            </a:r>
+            <a:r>
+              <a:rPr lang="en-US" altLang="zh-CN" sz="2400" dirty="0"/>
+              <a:t>local</a:t>
+            </a:r>
+            <a:r>
+              <a:rPr lang="zh-CN" altLang="en-US" sz="2400" dirty="0"/>
+              <a:t> </a:t>
+            </a:r>
+            <a:r>
+              <a:rPr lang="en-US" altLang="zh-CN" sz="2400" dirty="0"/>
+              <a:t>information</a:t>
+            </a:r>
+          </a:p>
+          <a:p>
+            <a:pPr lvl="1"/>
+            <a:r>
+              <a:rPr lang="en-US" altLang="zh-CN" sz="2000" dirty="0"/>
+              <a:t>Global</a:t>
+            </a:r>
+            <a:r>
+              <a:rPr lang="zh-CN" altLang="en-US" sz="2000" dirty="0"/>
+              <a:t> </a:t>
+            </a:r>
+            <a:r>
+              <a:rPr lang="en-US" altLang="zh-CN" sz="2000" dirty="0"/>
+              <a:t>information</a:t>
+            </a:r>
+            <a:r>
+              <a:rPr lang="zh-CN" altLang="en-US" sz="2000" dirty="0"/>
+              <a:t> </a:t>
+            </a:r>
+            <a:r>
+              <a:rPr lang="en-US" altLang="zh-CN" sz="2000" dirty="0"/>
+              <a:t>represents</a:t>
+            </a:r>
+            <a:r>
+              <a:rPr lang="zh-CN" altLang="en-US" sz="2000" dirty="0"/>
+              <a:t> </a:t>
+            </a:r>
+            <a:r>
+              <a:rPr lang="en-US" altLang="zh-CN" sz="2000" dirty="0"/>
+              <a:t>program</a:t>
+            </a:r>
+            <a:r>
+              <a:rPr lang="zh-CN" altLang="en-US" sz="2000" dirty="0"/>
+              <a:t> </a:t>
+            </a:r>
+            <a:r>
+              <a:rPr lang="en-US" altLang="zh-CN" sz="2000" dirty="0"/>
               <a:t>memory</a:t>
             </a:r>
             <a:r>
+              <a:rPr lang="zh-CN" altLang="en-US" sz="2000" dirty="0"/>
+              <a:t> </a:t>
+            </a:r>
+            <a:r>
+              <a:rPr lang="en-US" altLang="zh-CN" sz="2000" dirty="0"/>
+              <a:t>access</a:t>
+            </a:r>
+            <a:r>
+              <a:rPr lang="zh-CN" altLang="en-US" sz="2000" dirty="0"/>
+              <a:t> </a:t>
+            </a:r>
+            <a:r>
+              <a:rPr lang="en-US" altLang="zh-CN" sz="2000" dirty="0"/>
+              <a:t>behavior</a:t>
+            </a:r>
+            <a:r>
+              <a:rPr lang="zh-CN" altLang="en-US" sz="2000" dirty="0"/>
+              <a:t> </a:t>
+            </a:r>
+            <a:r>
+              <a:rPr lang="en-US" altLang="zh-CN" sz="2000" dirty="0"/>
+              <a:t>pattern</a:t>
+            </a:r>
+          </a:p>
+          <a:p>
+            <a:pPr lvl="1"/>
+            <a:r>
+              <a:rPr lang="en-US" altLang="zh-CN" sz="2000" dirty="0"/>
+              <a:t>Local</a:t>
+            </a:r>
+            <a:r>
+              <a:rPr lang="zh-CN" altLang="en-US" sz="2000" dirty="0"/>
+              <a:t> </a:t>
+            </a:r>
+            <a:r>
+              <a:rPr lang="en-US" altLang="zh-CN" sz="2000" dirty="0"/>
+              <a:t>information</a:t>
+            </a:r>
+            <a:r>
+              <a:rPr lang="zh-CN" altLang="en-US" sz="2000" dirty="0"/>
+              <a:t> </a:t>
+            </a:r>
+            <a:r>
+              <a:rPr lang="en-US" altLang="zh-CN" sz="2000" dirty="0"/>
+              <a:t>indicates</a:t>
+            </a:r>
+            <a:r>
+              <a:rPr lang="zh-CN" altLang="en-US" sz="2000" dirty="0"/>
+              <a:t> </a:t>
+            </a:r>
+            <a:r>
+              <a:rPr lang="en-US" altLang="zh-CN" sz="2000" dirty="0"/>
+              <a:t>correlation</a:t>
+            </a:r>
+            <a:r>
+              <a:rPr lang="zh-CN" altLang="en-US" sz="2000" dirty="0"/>
+              <a:t> </a:t>
+            </a:r>
+            <a:r>
+              <a:rPr lang="en-US" altLang="zh-CN" sz="2000" dirty="0"/>
+              <a:t>between</a:t>
+            </a:r>
+            <a:r>
+              <a:rPr lang="zh-CN" altLang="en-US" sz="2000" dirty="0"/>
+              <a:t> </a:t>
+            </a:r>
+            <a:r>
+              <a:rPr lang="en-US" altLang="zh-CN" sz="2000" dirty="0"/>
+              <a:t>two</a:t>
+            </a:r>
+            <a:r>
+              <a:rPr lang="zh-CN" altLang="en-US" sz="2000" dirty="0"/>
+              <a:t> </a:t>
+            </a:r>
+            <a:r>
+              <a:rPr lang="en-US" altLang="zh-CN" sz="2000" dirty="0"/>
+              <a:t>instructions</a:t>
+            </a:r>
+          </a:p>
+          <a:p>
+            <a:pPr marL="0" indent="0">
+              <a:buNone/>
+            </a:pPr>
+            <a:endParaRPr lang="en-US" altLang="zh-CN" sz="2400" dirty="0"/>
+          </a:p>
+          <a:p>
+            <a:r>
+              <a:rPr lang="en-US" altLang="zh-CN" sz="2400" dirty="0"/>
+              <a:t>What</a:t>
+            </a:r>
+            <a:r>
               <a:rPr lang="zh-CN" altLang="en-US" sz="2400" dirty="0"/>
               <a:t> </a:t>
             </a:r>
             <a:r>
               <a:rPr lang="en-US" altLang="zh-CN" sz="2400" dirty="0"/>
-              <a:t>dependency</a:t>
+              <a:t>kind</a:t>
+            </a:r>
+            <a:r>
+              <a:rPr lang="zh-CN" altLang="en-US" sz="2400" dirty="0"/>
+              <a:t> </a:t>
+            </a:r>
+            <a:r>
+              <a:rPr lang="en-US" altLang="zh-CN" sz="2400" dirty="0"/>
+              <a:t>of</a:t>
+            </a:r>
+            <a:r>
+              <a:rPr lang="zh-CN" altLang="en-US" sz="2400" dirty="0"/>
+              <a:t> </a:t>
+            </a:r>
+            <a:r>
+              <a:rPr lang="en-US" altLang="zh-CN" sz="2400" dirty="0"/>
+              <a:t>global</a:t>
+            </a:r>
+            <a:r>
+              <a:rPr lang="zh-CN" altLang="en-US" sz="2400" dirty="0"/>
+              <a:t> </a:t>
+            </a:r>
+            <a:r>
+              <a:rPr lang="en-US" altLang="zh-CN" sz="2400" dirty="0"/>
+              <a:t>information</a:t>
+            </a:r>
+            <a:r>
+              <a:rPr lang="zh-CN" altLang="en-US" sz="2400" dirty="0"/>
+              <a:t> </a:t>
+            </a:r>
+            <a:r>
+              <a:rPr lang="en-US" altLang="zh-CN" sz="2400" dirty="0"/>
+              <a:t>is</a:t>
+            </a:r>
+            <a:r>
+              <a:rPr lang="zh-CN" altLang="en-US" sz="2400" dirty="0"/>
+              <a:t> </a:t>
+            </a:r>
+            <a:r>
+              <a:rPr lang="en-US" altLang="zh-CN" sz="2400" dirty="0"/>
+              <a:t>important?</a:t>
             </a:r>
           </a:p>
           <a:p>
             <a:pPr lvl="1"/>
             <a:r>
               <a:rPr lang="en-US" altLang="zh-CN" sz="2200" dirty="0"/>
-              <a:t>Load</a:t>
+              <a:t>Remember</a:t>
+            </a:r>
+            <a:r>
+              <a:rPr lang="zh-CN" altLang="en-US" sz="2200" dirty="0"/>
+              <a:t> </a:t>
+            </a:r>
+            <a:r>
+              <a:rPr lang="en-US" altLang="zh-CN" sz="2200" dirty="0"/>
+              <a:t>past</a:t>
+            </a:r>
+            <a:r>
+              <a:rPr lang="zh-CN" altLang="en-US" sz="2200" dirty="0"/>
+              <a:t> </a:t>
+            </a:r>
+            <a:r>
+              <a:rPr lang="en-US" altLang="zh-CN" sz="2200" dirty="0"/>
+              <a:t>accessed</a:t>
+            </a:r>
+            <a:r>
+              <a:rPr lang="zh-CN" altLang="en-US" sz="2200" dirty="0"/>
+              <a:t> </a:t>
+            </a:r>
+            <a:r>
+              <a:rPr lang="en-US" altLang="zh-CN" sz="2200" dirty="0"/>
+              <a:t>memory</a:t>
+            </a:r>
+            <a:r>
+              <a:rPr lang="zh-CN" altLang="en-US" sz="2200" dirty="0"/>
+              <a:t> </a:t>
+            </a:r>
+            <a:r>
+              <a:rPr lang="en-US" altLang="zh-CN" sz="2200" dirty="0"/>
+              <a:t>address?</a:t>
+            </a:r>
+          </a:p>
+          <a:p>
+            <a:pPr lvl="1"/>
+            <a:r>
+              <a:rPr lang="en-US" altLang="zh-CN" sz="2200" dirty="0"/>
+              <a:t>Past</a:t>
+            </a:r>
+            <a:r>
+              <a:rPr lang="zh-CN" altLang="en-US" sz="2200" dirty="0"/>
+              <a:t> </a:t>
+            </a:r>
+            <a:r>
+              <a:rPr lang="en-US" altLang="zh-CN" sz="2200" dirty="0"/>
+              <a:t>load/store</a:t>
+            </a:r>
+            <a:r>
+              <a:rPr lang="zh-CN" altLang="en-US" sz="2200" dirty="0"/>
+              <a:t> </a:t>
+            </a:r>
+            <a:r>
+              <a:rPr lang="en-US" altLang="zh-CN" sz="2200" dirty="0"/>
+              <a:t>PC?</a:t>
+            </a:r>
+          </a:p>
+          <a:p>
+            <a:endParaRPr lang="en-US" altLang="zh-CN" sz="2400" dirty="0"/>
+          </a:p>
+          <a:p>
+            <a:r>
+              <a:rPr lang="en-US" altLang="zh-CN" sz="2400" dirty="0"/>
+              <a:t>Local</a:t>
+            </a:r>
+            <a:r>
+              <a:rPr lang="zh-CN" altLang="en-US" sz="2400" dirty="0"/>
+              <a:t> </a:t>
+            </a:r>
+            <a:r>
+              <a:rPr lang="en-US" altLang="zh-CN" sz="2400" dirty="0"/>
+              <a:t>information?</a:t>
+            </a:r>
+          </a:p>
+          <a:p>
+            <a:pPr lvl="1"/>
+            <a:r>
+              <a:rPr lang="en-US" altLang="zh-CN" sz="2200" dirty="0"/>
+              <a:t>Use</a:t>
+            </a:r>
+            <a:r>
+              <a:rPr lang="zh-CN" altLang="en-US" sz="2200" dirty="0"/>
+              <a:t> </a:t>
+            </a:r>
+            <a:r>
+              <a:rPr lang="en-US" altLang="zh-CN" sz="2200" dirty="0"/>
+              <a:t>a</a:t>
+            </a:r>
+            <a:r>
+              <a:rPr lang="zh-CN" altLang="en-US" sz="2200" dirty="0"/>
+              <a:t> </a:t>
+            </a:r>
+            <a:r>
+              <a:rPr lang="en-US" altLang="zh-CN" sz="2200" dirty="0"/>
+              <a:t>perceptron-like</a:t>
+            </a:r>
+            <a:r>
+              <a:rPr lang="zh-CN" altLang="en-US" sz="2200" dirty="0"/>
+              <a:t> </a:t>
+            </a:r>
+            <a:r>
+              <a:rPr lang="en-US" altLang="zh-CN" sz="2200" dirty="0"/>
+              <a:t>design</a:t>
+            </a:r>
+            <a:r>
+              <a:rPr lang="zh-CN" altLang="en-US" sz="2200" dirty="0"/>
+              <a:t> </a:t>
+            </a:r>
+            <a:r>
+              <a:rPr lang="en-US" altLang="zh-CN" sz="2200" dirty="0"/>
+              <a:t>-&gt;</a:t>
+            </a:r>
+            <a:r>
+              <a:rPr lang="zh-CN" altLang="en-US" sz="2200" dirty="0"/>
+              <a:t> </a:t>
+            </a:r>
+            <a:r>
+              <a:rPr lang="en-US" altLang="zh-CN" sz="2200" dirty="0"/>
+              <a:t>a</a:t>
+            </a:r>
+            <a:r>
+              <a:rPr lang="zh-CN" altLang="en-US" sz="2200" dirty="0"/>
+              <a:t> </a:t>
+            </a:r>
+            <a:r>
+              <a:rPr lang="en-US" altLang="zh-CN" sz="2200" dirty="0"/>
+              <a:t>weight</a:t>
+            </a:r>
+            <a:r>
+              <a:rPr lang="zh-CN" altLang="en-US" sz="2200" dirty="0"/>
+              <a:t> </a:t>
+            </a:r>
+            <a:r>
+              <a:rPr lang="en-US" altLang="zh-CN" sz="2200" dirty="0"/>
+              <a:t>table</a:t>
+            </a:r>
+            <a:r>
+              <a:rPr lang="zh-CN" altLang="en-US" sz="2200" dirty="0"/>
+              <a:t> </a:t>
+            </a:r>
+            <a:r>
+              <a:rPr lang="en-US" altLang="zh-CN" sz="2200" dirty="0"/>
+              <a:t>to</a:t>
+            </a:r>
+            <a:r>
+              <a:rPr lang="zh-CN" altLang="en-US" sz="2200" dirty="0"/>
+              <a:t> </a:t>
+            </a:r>
+            <a:r>
+              <a:rPr lang="en-US" altLang="zh-CN" sz="2200" dirty="0"/>
+              <a:t>indicate</a:t>
+            </a:r>
+            <a:r>
+              <a:rPr lang="zh-CN" altLang="en-US" sz="2200" dirty="0"/>
+              <a:t> </a:t>
+            </a:r>
+            <a:r>
+              <a:rPr lang="en-US" altLang="zh-CN" sz="2200" dirty="0"/>
+              <a:t>whether</a:t>
+            </a:r>
+            <a:r>
+              <a:rPr lang="zh-CN" altLang="en-US" sz="2200" dirty="0"/>
+              <a:t> </a:t>
+            </a:r>
+            <a:r>
+              <a:rPr lang="en-US" altLang="zh-CN" sz="2200" dirty="0"/>
+              <a:t>a</a:t>
+            </a:r>
+            <a:r>
+              <a:rPr lang="zh-CN" altLang="en-US" sz="2200" dirty="0"/>
+              <a:t> </a:t>
+            </a:r>
+            <a:r>
+              <a:rPr lang="en-US" altLang="zh-CN" sz="2200" dirty="0"/>
+              <a:t>load</a:t>
+            </a:r>
+            <a:r>
+              <a:rPr lang="zh-CN" altLang="en-US" sz="2200" dirty="0"/>
+              <a:t> </a:t>
+            </a:r>
+            <a:r>
+              <a:rPr lang="en-US" altLang="zh-CN" sz="2200" dirty="0"/>
+              <a:t>and</a:t>
             </a:r>
             <a:r>
               <a:rPr lang="zh-CN" altLang="en-US" sz="2200" dirty="0"/>
@@ -19708,7 +20839,38 @@
             </a:r>
             <a:r>
               <a:rPr lang="en-US" altLang="zh-CN" sz="2200" dirty="0"/>
-              <a:t>queue</a:t>
+              <a:t>has</a:t>
+            </a:r>
+            <a:r>
+              <a:rPr lang="zh-CN" altLang="en-US" sz="2200" dirty="0"/>
+              <a:t> </a:t>
+            </a:r>
+            <a:r>
+              <a:rPr lang="en-US" altLang="zh-CN" sz="2200" dirty="0"/>
+              <a:t>dependency</a:t>
+            </a:r>
+          </a:p>
+          <a:p>
+            <a:pPr lvl="1"/>
+            <a:r>
+              <a:rPr lang="en-US" altLang="zh-CN" sz="2200" dirty="0"/>
+              <a:t>Build</a:t>
+            </a:r>
+            <a:r>
+              <a:rPr lang="zh-CN" altLang="en-US" sz="2200" dirty="0"/>
+              <a:t> </a:t>
+            </a:r>
+            <a:r>
+              <a:rPr lang="en-US" altLang="zh-CN" sz="2200" dirty="0"/>
+              <a:t>upon</a:t>
+            </a:r>
+            <a:r>
+              <a:rPr lang="zh-CN" altLang="en-US" sz="2200" dirty="0"/>
+              <a:t> </a:t>
+            </a:r>
+            <a:r>
+              <a:rPr lang="en-US" altLang="zh-CN" sz="2200" dirty="0"/>
+              <a:t>store-set</a:t>
             </a:r>
             <a:r>
               <a:rPr lang="zh-CN" altLang="en-US" sz="2200" dirty="0"/>
@@ -19717,143 +20879,6 @@
             <a:r>
               <a:rPr lang="en-US" altLang="zh-CN" sz="2200" dirty="0"/>
               <a:t>design</a:t>
-            </a:r>
-          </a:p>
-          <a:p>
-            <a:pPr lvl="1"/>
-            <a:r>
-              <a:rPr lang="en-US" altLang="zh-CN" sz="2200" dirty="0"/>
-              <a:t>Store</a:t>
-            </a:r>
-            <a:r>
-              <a:rPr lang="zh-CN" altLang="en-US" sz="2200" dirty="0"/>
-              <a:t> </a:t>
-            </a:r>
-            <a:r>
-              <a:rPr lang="en-US" altLang="zh-CN" sz="2200" dirty="0"/>
-              <a:t>sets…</a:t>
-            </a:r>
-          </a:p>
-          <a:p>
-            <a:endParaRPr lang="en-US" altLang="zh-CN" sz="2400" dirty="0"/>
-          </a:p>
-          <a:p>
-            <a:r>
-              <a:rPr lang="en-US" altLang="zh-CN" sz="2400" dirty="0"/>
-              <a:t>How</a:t>
-            </a:r>
-            <a:r>
-              <a:rPr lang="zh-CN" altLang="en-US" sz="2400" dirty="0"/>
-              <a:t> </a:t>
-            </a:r>
-            <a:r>
-              <a:rPr lang="en-US" altLang="zh-CN" sz="2400" dirty="0"/>
-              <a:t>to</a:t>
-            </a:r>
-            <a:r>
-              <a:rPr lang="zh-CN" altLang="en-US" sz="2400" dirty="0"/>
-              <a:t> </a:t>
-            </a:r>
-            <a:r>
-              <a:rPr lang="en-US" altLang="zh-CN" sz="2400" dirty="0"/>
-              <a:t>help</a:t>
-            </a:r>
-            <a:r>
-              <a:rPr lang="zh-CN" altLang="en-US" sz="2400" dirty="0"/>
-              <a:t> </a:t>
-            </a:r>
-            <a:r>
-              <a:rPr lang="en-US" altLang="zh-CN" sz="2400" dirty="0"/>
-              <a:t>architecture</a:t>
-            </a:r>
-            <a:r>
-              <a:rPr lang="zh-CN" altLang="en-US" sz="2400" dirty="0"/>
-              <a:t> </a:t>
-            </a:r>
-            <a:r>
-              <a:rPr lang="en-US" altLang="zh-CN" sz="2400" dirty="0"/>
-              <a:t>design</a:t>
-            </a:r>
-            <a:r>
-              <a:rPr lang="zh-CN" altLang="en-US" sz="2400" dirty="0"/>
-              <a:t> </a:t>
-            </a:r>
-            <a:r>
-              <a:rPr lang="en-US" altLang="zh-CN" sz="2400" dirty="0"/>
-              <a:t>with</a:t>
-            </a:r>
-            <a:r>
-              <a:rPr lang="zh-CN" altLang="en-US" sz="2400" dirty="0"/>
-              <a:t> </a:t>
-            </a:r>
-            <a:r>
-              <a:rPr lang="en-US" altLang="zh-CN" sz="2400" dirty="0"/>
-              <a:t>machine</a:t>
-            </a:r>
-            <a:r>
-              <a:rPr lang="zh-CN" altLang="en-US" sz="2400" dirty="0"/>
-              <a:t> </a:t>
-            </a:r>
-            <a:r>
-              <a:rPr lang="en-US" altLang="zh-CN" sz="2400" dirty="0"/>
-              <a:t>learning</a:t>
-            </a:r>
-            <a:r>
-              <a:rPr lang="zh-CN" altLang="en-US" sz="2400" dirty="0"/>
-              <a:t> </a:t>
-            </a:r>
-            <a:r>
-              <a:rPr lang="en-US" altLang="zh-CN" sz="2400" dirty="0"/>
-              <a:t>methodology</a:t>
-            </a:r>
-          </a:p>
-          <a:p>
-            <a:endParaRPr lang="en-US" altLang="zh-CN" sz="2400" dirty="0"/>
-          </a:p>
-          <a:p>
-            <a:r>
-              <a:rPr lang="en-US" altLang="zh-CN" sz="2400" dirty="0"/>
-              <a:t>Interaction</a:t>
-            </a:r>
-            <a:r>
-              <a:rPr lang="zh-CN" altLang="en-US" sz="2400" dirty="0"/>
-              <a:t> </a:t>
-            </a:r>
-            <a:r>
-              <a:rPr lang="en-US" altLang="zh-CN" sz="2400" dirty="0"/>
-              <a:t>between</a:t>
-            </a:r>
-            <a:r>
-              <a:rPr lang="zh-CN" altLang="en-US" sz="2400" dirty="0"/>
-              <a:t> </a:t>
-            </a:r>
-            <a:r>
-              <a:rPr lang="en-US" altLang="zh-CN" sz="2400" dirty="0"/>
-              <a:t>processor</a:t>
-            </a:r>
-            <a:r>
-              <a:rPr lang="zh-CN" altLang="en-US" sz="2400" dirty="0"/>
-              <a:t> </a:t>
-            </a:r>
-            <a:r>
-              <a:rPr lang="en-US" altLang="zh-CN" sz="2400" dirty="0"/>
-              <a:t>and</a:t>
-            </a:r>
-            <a:r>
-              <a:rPr lang="zh-CN" altLang="en-US" sz="2400" dirty="0"/>
-              <a:t> </a:t>
-            </a:r>
-            <a:r>
-              <a:rPr lang="en-US" altLang="zh-CN" sz="2400" dirty="0"/>
-              <a:t>memory</a:t>
-            </a:r>
-            <a:r>
-              <a:rPr lang="zh-CN" altLang="en-US" sz="2400" dirty="0"/>
-              <a:t> </a:t>
-            </a:r>
-            <a:r>
-              <a:rPr lang="en-US" altLang="zh-CN" sz="2400" dirty="0"/>
-              <a:t>subsystem</a:t>
             </a:r>
           </a:p>
         </p:txBody>
@@ -19993,6 +21018,11 @@
         </p:txBody>
       </p:sp>
     </p:spTree>
+    <p:extLst>
+      <p:ext uri="{BB962C8B-B14F-4D97-AF65-F5344CB8AC3E}">
+        <p14:creationId xmlns:p14="http://schemas.microsoft.com/office/powerpoint/2010/main" val="4232927703"/>
+      </p:ext>
+    </p:extLst>
   </p:cSld>
   <p:clrMapOvr>
     <a:masterClrMapping/>
@@ -20114,9 +21144,9 @@
           <a:chExt cx="0" cy="0"/>
         </a:xfrm>
       </p:grpSpPr>
-      <p:sp>
+      <p:sp useBgFill="1">
         <p:nvSpPr>
-          <p:cNvPr id="7" name="Rectangle 6"/>
+          <p:cNvPr id="8" name="Rectangle 7"/>
           <p:cNvSpPr>
             <a:spLocks noGrp="1" noRot="1" noChangeAspect="1" noMove="1" noResize="1" noEditPoints="1" noAdjustHandles="1" noChangeArrowheads="1" noChangeShapeType="1" noTextEdit="1"/>
           </p:cNvSpPr>
@@ -20124,7 +21154,52 @@
         </p:nvSpPr>
         <p:spPr>
           <a:xfrm>
-            <a:off x="920834" y="1346946"/>
+            <a:off x="0" y="0"/>
+            <a:ext cx="12192000" cy="6858000"/>
+          </a:xfrm>
+          <a:prstGeom prst="rect">
+            <a:avLst/>
+          </a:prstGeom>
+          <a:ln>
+            <a:noFill/>
+          </a:ln>
+        </p:spPr>
+        <p:style>
+          <a:lnRef idx="2">
+            <a:schemeClr val="accent1">
+              <a:shade val="50000"/>
+            </a:schemeClr>
+          </a:lnRef>
+          <a:fillRef idx="1">
+            <a:schemeClr val="accent1"/>
+          </a:fillRef>
+          <a:effectRef idx="0">
+            <a:schemeClr val="accent1"/>
+          </a:effectRef>
+          <a:fontRef idx="minor">
+            <a:schemeClr val="lt1"/>
+          </a:fontRef>
+        </p:style>
+        <p:txBody>
+          <a:bodyPr rtlCol="0" anchor="ctr"/>
+          <a:lstStyle/>
+          <a:p>
+            <a:pPr algn="ctr"/>
+            <a:endParaRPr lang="en-US"/>
+          </a:p>
+        </p:txBody>
+      </p:sp>
+      <p:sp>
+        <p:nvSpPr>
+          <p:cNvPr id="10" name="Rectangle 9"/>
+          <p:cNvSpPr>
+            <a:spLocks noGrp="1" noRot="1" noChangeAspect="1" noMove="1" noResize="1" noEditPoints="1" noAdjustHandles="1" noChangeArrowheads="1" noChangeShapeType="1" noTextEdit="1"/>
+          </p:cNvSpPr>
+          <p:nvPr/>
+        </p:nvSpPr>
+        <p:spPr>
+          <a:xfrm>
+            <a:off x="984504" y="464119"/>
             <a:ext cx="10222992" cy="80683"/>
           </a:xfrm>
           <a:prstGeom prst="rect">
@@ -20175,7 +21250,7 @@
       </p:sp>
       <p:sp>
         <p:nvSpPr>
-          <p:cNvPr id="9" name="Rectangle 8"/>
+          <p:cNvPr id="12" name="Rectangle 11"/>
           <p:cNvSpPr>
             <a:spLocks noGrp="1" noRot="1" noChangeAspect="1" noMove="1" noResize="1" noEditPoints="1" noAdjustHandles="1" noChangeArrowheads="1" noChangeShapeType="1" noTextEdit="1"/>
           </p:cNvSpPr>
@@ -20183,7 +21258,66 @@
         </p:nvSpPr>
         <p:spPr>
           <a:xfrm>
-            <a:off x="920834" y="4299696"/>
+            <a:off x="984504" y="601952"/>
+            <a:ext cx="10222992" cy="1385874"/>
+          </a:xfrm>
+          <a:prstGeom prst="rect">
+            <a:avLst/>
+          </a:prstGeom>
+          <a:blipFill dpi="0" rotWithShape="1">
+            <a:blip r:embed="rId2">
+              <a:alphaModFix amt="85000"/>
+              <a:lum bright="70000" contrast="-70000"/>
+              <a:extLst>
+                <a:ext uri="{BEBA8EAE-BF5A-486C-A8C5-ECC9F3942E4B}">
+                  <a14:imgProps xmlns:a14="http://schemas.microsoft.com/office/drawing/2010/main">
+                    <a14:imgLayer r:embed="rId3">
+                      <a14:imgEffect>
+                        <a14:sharpenSoften amount="61000"/>
+                      </a14:imgEffect>
+                    </a14:imgLayer>
+                  </a14:imgProps>
+                </a:ext>
+                <a:ext uri="{28A0092B-C50C-407E-A947-70E740481C1C}">
+                  <a14:useLocalDpi xmlns:a14="http://schemas.microsoft.com/office/drawing/2010/main" val="0"/>
+                </a:ext>
+              </a:extLst>
+            </a:blip>
+            <a:srcRect/>
+            <a:tile tx="0" ty="-704850" sx="92000" sy="89000" flip="xy" algn="ctr"/>
+          </a:blipFill>
+          <a:ln>
+            <a:noFill/>
+          </a:ln>
+        </p:spPr>
+        <p:style>
+          <a:lnRef idx="2">
+            <a:schemeClr val="accent1">
+              <a:shade val="50000"/>
+            </a:schemeClr>
+          </a:lnRef>
+          <a:fillRef idx="1">
+            <a:schemeClr val="accent1"/>
+          </a:fillRef>
+          <a:effectRef idx="0">
+            <a:schemeClr val="accent1"/>
+          </a:effectRef>
+          <a:fontRef idx="minor">
+            <a:schemeClr val="lt1"/>
+          </a:fontRef>
+        </p:style>
+      </p:sp>
+      <p:sp>
+        <p:nvSpPr>
+          <p:cNvPr id="14" name="Rectangle 13"/>
+          <p:cNvSpPr>
+            <a:spLocks noGrp="1" noRot="1" noChangeAspect="1" noMove="1" noResize="1" noEditPoints="1" noAdjustHandles="1" noChangeArrowheads="1" noChangeShapeType="1" noTextEdit="1"/>
+          </p:cNvSpPr>
+          <p:nvPr/>
+        </p:nvSpPr>
+        <p:spPr>
+          <a:xfrm>
+            <a:off x="984504" y="2038655"/>
             <a:ext cx="10222992" cy="80683"/>
           </a:xfrm>
           <a:prstGeom prst="rect">
@@ -20234,292 +21368,6 @@
       </p:sp>
       <p:sp>
         <p:nvSpPr>
-          <p:cNvPr id="11" name="Rectangle 10"/>
-          <p:cNvSpPr>
-            <a:spLocks noGrp="1" noRot="1" noChangeAspect="1" noMove="1" noResize="1" noEditPoints="1" noAdjustHandles="1" noChangeArrowheads="1" noChangeShapeType="1" noTextEdit="1"/>
-          </p:cNvSpPr>
-          <p:nvPr/>
-        </p:nvSpPr>
-        <p:spPr>
-          <a:xfrm>
-            <a:off x="920834" y="1484779"/>
-            <a:ext cx="10222992" cy="2743200"/>
-          </a:xfrm>
-          <a:prstGeom prst="rect">
-            <a:avLst/>
-          </a:prstGeom>
-          <a:blipFill dpi="0" rotWithShape="1">
-            <a:blip r:embed="rId2">
-              <a:alphaModFix amt="85000"/>
-              <a:lum bright="70000" contrast="-70000"/>
-              <a:extLst>
-                <a:ext uri="{BEBA8EAE-BF5A-486C-A8C5-ECC9F3942E4B}">
-                  <a14:imgProps xmlns:a14="http://schemas.microsoft.com/office/drawing/2010/main">
-                    <a14:imgLayer r:embed="rId3">
-                      <a14:imgEffect>
-                        <a14:sharpenSoften amount="61000"/>
-                      </a14:imgEffect>
-                    </a14:imgLayer>
-                  </a14:imgProps>
-                </a:ext>
-                <a:ext uri="{28A0092B-C50C-407E-A947-70E740481C1C}">
-                  <a14:useLocalDpi xmlns:a14="http://schemas.microsoft.com/office/drawing/2010/main" val="0"/>
-                </a:ext>
-              </a:extLst>
-            </a:blip>
-            <a:srcRect/>
-            <a:tile tx="0" ty="-704850" sx="92000" sy="89000" flip="xy" algn="ctr"/>
-          </a:blipFill>
-          <a:ln>
-            <a:noFill/>
-          </a:ln>
-        </p:spPr>
-        <p:style>
-          <a:lnRef idx="2">
-            <a:schemeClr val="accent1">
-              <a:shade val="50000"/>
-            </a:schemeClr>
-          </a:lnRef>
-          <a:fillRef idx="1">
-            <a:schemeClr val="accent1"/>
-          </a:fillRef>
-          <a:effectRef idx="0">
-            <a:schemeClr val="accent1"/>
-          </a:effectRef>
-          <a:fontRef idx="minor">
-            <a:schemeClr val="lt1"/>
-          </a:fontRef>
-        </p:style>
-      </p:sp>
-      <p:grpSp>
-        <p:nvGrpSpPr>
-          <p:cNvPr id="13" name="Group 12"/>
-          <p:cNvGrpSpPr>
-            <a:grpSpLocks noGrp="1" noUngrp="1" noRot="1" noChangeAspect="1" noMove="1" noResize="1"/>
-          </p:cNvGrpSpPr>
-          <p:nvPr/>
-        </p:nvGrpSpPr>
-        <p:grpSpPr>
-          <a:xfrm>
-            <a:off x="9649215" y="4068923"/>
-            <a:ext cx="1080904" cy="1080902"/>
-            <a:chOff x="9685338" y="4460675"/>
-            <a:chExt cx="1080904" cy="1080902"/>
-          </a:xfrm>
-        </p:grpSpPr>
-        <p:sp>
-          <p:nvSpPr>
-            <p:cNvPr id="14" name="Oval 13"/>
-            <p:cNvSpPr/>
-            <p:nvPr/>
-          </p:nvSpPr>
-          <p:spPr>
-            <a:xfrm>
-              <a:off x="9685338" y="4460675"/>
-              <a:ext cx="1080904" cy="1080902"/>
-            </a:xfrm>
-            <a:prstGeom prst="ellipse">
-              <a:avLst/>
-            </a:prstGeom>
-            <a:blipFill dpi="0" rotWithShape="1">
-              <a:blip r:embed="rId4">
-                <a:duotone>
-                  <a:schemeClr val="accent1">
-                    <a:shade val="45000"/>
-                    <a:satMod val="135000"/>
-                  </a:schemeClr>
-                  <a:prstClr val="white"/>
-                </a:duotone>
-                <a:extLst>
-                  <a:ext uri="{BEBA8EAE-BF5A-486C-A8C5-ECC9F3942E4B}">
-                    <a14:imgProps xmlns:a14="http://schemas.microsoft.com/office/drawing/2010/main">
-                      <a14:imgLayer r:embed="rId5">
-                        <a14:imgEffect>
-                          <a14:saturation sat="95000"/>
-                        </a14:imgEffect>
-                      </a14:imgLayer>
-                    </a14:imgProps>
-                  </a:ext>
-                </a:extLst>
-              </a:blip>
-              <a:srcRect/>
-              <a:tile tx="0" ty="0" sx="85000" sy="85000" flip="none" algn="tl"/>
-            </a:blipFill>
-            <a:ln w="25400" cap="flat" cmpd="sng" algn="ctr">
-              <a:noFill/>
-              <a:prstDash val="solid"/>
-            </a:ln>
-            <a:effectLst/>
-          </p:spPr>
-        </p:sp>
-        <p:sp>
-          <p:nvSpPr>
-            <p:cNvPr id="15" name="Oval 14"/>
-            <p:cNvSpPr/>
-            <p:nvPr/>
-          </p:nvSpPr>
-          <p:spPr>
-            <a:xfrm>
-              <a:off x="9793429" y="4568765"/>
-              <a:ext cx="864723" cy="864722"/>
-            </a:xfrm>
-            <a:prstGeom prst="ellipse">
-              <a:avLst/>
-            </a:prstGeom>
-            <a:noFill/>
-            <a:ln w="25400" cap="flat" cmpd="sng" algn="ctr">
-              <a:solidFill>
-                <a:sysClr val="window" lastClr="FFFFFF"/>
-              </a:solidFill>
-              <a:prstDash val="solid"/>
-            </a:ln>
-            <a:effectLst/>
-          </p:spPr>
-        </p:sp>
-      </p:grpSp>
-      <p:sp useBgFill="1">
-        <p:nvSpPr>
-          <p:cNvPr id="17" name="Rectangle 16"/>
-          <p:cNvSpPr>
-            <a:spLocks noGrp="1" noRot="1" noChangeAspect="1" noMove="1" noResize="1" noEditPoints="1" noAdjustHandles="1" noChangeArrowheads="1" noChangeShapeType="1" noTextEdit="1"/>
-          </p:cNvSpPr>
-          <p:nvPr/>
-        </p:nvSpPr>
-        <p:spPr bwMode="white">
-          <a:xfrm>
-            <a:off x="0" y="0"/>
-            <a:ext cx="12188952" cy="6858001"/>
-          </a:xfrm>
-          <a:prstGeom prst="rect">
-            <a:avLst/>
-          </a:prstGeom>
-          <a:ln>
-            <a:noFill/>
-          </a:ln>
-        </p:spPr>
-        <p:style>
-          <a:lnRef idx="2">
-            <a:schemeClr val="accent1">
-              <a:shade val="50000"/>
-            </a:schemeClr>
-          </a:lnRef>
-          <a:fillRef idx="1">
-            <a:schemeClr val="accent1"/>
-          </a:fillRef>
-          <a:effectRef idx="0">
-            <a:schemeClr val="accent1"/>
-          </a:effectRef>
-          <a:fontRef idx="minor">
-            <a:schemeClr val="lt1"/>
-          </a:fontRef>
-        </p:style>
-        <p:txBody>
-          <a:bodyPr rot="0" spcFirstLastPara="0" vert="horz" wrap="square" lIns="91440" tIns="45720" rIns="91440" bIns="45720" numCol="1" spcCol="0" rtlCol="0" fromWordArt="0" anchor="ctr" anchorCtr="0" forceAA="0" compatLnSpc="1">
-            <a:noAutofit/>
-          </a:bodyPr>
-          <a:lstStyle>
-            <a:defPPr>
-              <a:defRPr lang="en-US"/>
-            </a:defPPr>
-            <a:lvl1pPr marL="0" algn="l" defTabSz="914400" rtl="0" eaLnBrk="1" latinLnBrk="0" hangingPunct="1">
-              <a:defRPr sz="1800" kern="1200">
-                <a:solidFill>
-                  <a:schemeClr val="lt1"/>
-                </a:solidFill>
-                <a:latin typeface="+mn-lt"/>
-                <a:ea typeface="+mn-ea"/>
-                <a:cs typeface="+mn-cs"/>
-              </a:defRPr>
-            </a:lvl1pPr>
-            <a:lvl2pPr marL="457200" algn="l" defTabSz="914400" rtl="0" eaLnBrk="1" latinLnBrk="0" hangingPunct="1">
-              <a:defRPr sz="1800" kern="1200">
-                <a:solidFill>
-                  <a:schemeClr val="lt1"/>
-                </a:solidFill>
-                <a:latin typeface="+mn-lt"/>
-                <a:ea typeface="+mn-ea"/>
-                <a:cs typeface="+mn-cs"/>
-              </a:defRPr>
-            </a:lvl2pPr>
-            <a:lvl3pPr marL="914400" algn="l" defTabSz="914400" rtl="0" eaLnBrk="1" latinLnBrk="0" hangingPunct="1">
-              <a:defRPr sz="1800" kern="1200">
-                <a:solidFill>
-                  <a:schemeClr val="lt1"/>
-                </a:solidFill>
-                <a:latin typeface="+mn-lt"/>
-                <a:ea typeface="+mn-ea"/>
-                <a:cs typeface="+mn-cs"/>
-              </a:defRPr>
-            </a:lvl3pPr>
-            <a:lvl4pPr marL="1371600" algn="l" defTabSz="914400" rtl="0" eaLnBrk="1" latinLnBrk="0" hangingPunct="1">
-              <a:defRPr sz="1800" kern="1200">
-                <a:solidFill>
-                  <a:schemeClr val="lt1"/>
-                </a:solidFill>
-                <a:latin typeface="+mn-lt"/>
-                <a:ea typeface="+mn-ea"/>
-                <a:cs typeface="+mn-cs"/>
-              </a:defRPr>
-            </a:lvl4pPr>
-            <a:lvl5pPr marL="1828800" algn="l" defTabSz="914400" rtl="0" eaLnBrk="1" latinLnBrk="0" hangingPunct="1">
-              <a:defRPr sz="1800" kern="1200">
-                <a:solidFill>
-                  <a:schemeClr val="lt1"/>
-                </a:solidFill>
-                <a:latin typeface="+mn-lt"/>
-                <a:ea typeface="+mn-ea"/>
-                <a:cs typeface="+mn-cs"/>
-              </a:defRPr>
-            </a:lvl5pPr>
-            <a:lvl6pPr marL="2286000" algn="l" defTabSz="914400" rtl="0" eaLnBrk="1" latinLnBrk="0" hangingPunct="1">
-              <a:defRPr sz="1800" kern="1200">
-                <a:solidFill>
-                  <a:schemeClr val="lt1"/>
-                </a:solidFill>
-                <a:latin typeface="+mn-lt"/>
-                <a:ea typeface="+mn-ea"/>
-                <a:cs typeface="+mn-cs"/>
-              </a:defRPr>
-            </a:lvl6pPr>
-            <a:lvl7pPr marL="2743200" algn="l" defTabSz="914400" rtl="0" eaLnBrk="1" latinLnBrk="0" hangingPunct="1">
-              <a:defRPr sz="1800" kern="1200">
-                <a:solidFill>
-                  <a:schemeClr val="lt1"/>
-                </a:solidFill>
-                <a:latin typeface="+mn-lt"/>
-                <a:ea typeface="+mn-ea"/>
-                <a:cs typeface="+mn-cs"/>
-              </a:defRPr>
-            </a:lvl7pPr>
-            <a:lvl8pPr marL="3200400" algn="l" defTabSz="914400" rtl="0" eaLnBrk="1" latinLnBrk="0" hangingPunct="1">
-              <a:defRPr sz="1800" kern="1200">
-                <a:solidFill>
-                  <a:schemeClr val="lt1"/>
-                </a:solidFill>
-                <a:latin typeface="+mn-lt"/>
-                <a:ea typeface="+mn-ea"/>
-                <a:cs typeface="+mn-cs"/>
-              </a:defRPr>
-            </a:lvl8pPr>
-            <a:lvl9pPr marL="3657600" algn="l" defTabSz="914400" rtl="0" eaLnBrk="1" latinLnBrk="0" hangingPunct="1">
-              <a:defRPr sz="1800" kern="1200">
-                <a:solidFill>
-                  <a:schemeClr val="lt1"/>
-                </a:solidFill>
-                <a:latin typeface="+mn-lt"/>
-                <a:ea typeface="+mn-ea"/>
-                <a:cs typeface="+mn-cs"/>
-              </a:defRPr>
-            </a:lvl9pPr>
-          </a:lstStyle>
-          <a:p>
-            <a:pPr algn="ctr"/>
-            <a:endParaRPr lang="en-US"/>
-          </a:p>
-        </p:txBody>
-      </p:sp>
-      <p:sp>
-        <p:nvSpPr>
           <p:cNvPr id="2" name="Title 1"/>
           <p:cNvSpPr>
             <a:spLocks noGrp="1"/>
@@ -20530,44 +21378,264 @@
         </p:nvSpPr>
         <p:spPr>
           <a:xfrm>
-            <a:off x="3431527" y="1619250"/>
-            <a:ext cx="5605793" cy="2117318"/>
+            <a:off x="1069848" y="484632"/>
+            <a:ext cx="10058400" cy="1609344"/>
           </a:xfrm>
         </p:spPr>
         <p:txBody>
-          <a:bodyPr vert="horz" lIns="91440" tIns="45720" rIns="91440" bIns="45720" rtlCol="0" anchor="ctr">
+          <a:bodyPr>
             <a:normAutofit/>
           </a:bodyPr>
           <a:lstStyle/>
           <a:p>
-            <a:pPr>
-              <a:lnSpc>
-                <a:spcPct val="80000"/>
-              </a:lnSpc>
-            </a:pPr>
-            <a:r>
-              <a:rPr lang="en-US" altLang="zh-CN" sz="9600" dirty="0">
-                <a:blipFill dpi="0" rotWithShape="1">
-                  <a:blip r:embed="rId4"/>
-                  <a:srcRect/>
-                  <a:tile tx="6350" ty="-127000" sx="65000" sy="64000" flip="none" algn="tl"/>
-                </a:blipFill>
-              </a:rPr>
-              <a:t>Thank you</a:t>
-            </a:r>
-            <a:endParaRPr lang="en-US" sz="9600" dirty="0">
-              <a:blipFill dpi="0" rotWithShape="1">
-                <a:blip r:embed="rId4"/>
-                <a:srcRect/>
-                <a:tile tx="6350" ty="-127000" sx="65000" sy="64000" flip="none" algn="tl"/>
-              </a:blipFill>
-            </a:endParaRPr>
+            <a:r>
+              <a:rPr lang="en-US" altLang="zh-CN" dirty="0"/>
+              <a:t>What</a:t>
+            </a:r>
+            <a:r>
+              <a:rPr lang="zh-CN" altLang="en-US" dirty="0"/>
+              <a:t> </a:t>
+            </a:r>
+            <a:r>
+              <a:rPr lang="en-US" altLang="zh-CN" dirty="0"/>
+              <a:t>we</a:t>
+            </a:r>
+            <a:r>
+              <a:rPr lang="zh-CN" altLang="en-US" dirty="0"/>
+              <a:t> </a:t>
+            </a:r>
+            <a:r>
+              <a:rPr lang="en-US" altLang="zh-CN" dirty="0"/>
+              <a:t>learned</a:t>
+            </a:r>
+            <a:endParaRPr lang="en-US" dirty="0"/>
           </a:p>
         </p:txBody>
       </p:sp>
       <p:sp>
         <p:nvSpPr>
-          <p:cNvPr id="19" name="Rectangle 18"/>
+          <p:cNvPr id="3" name="Content Placeholder 2"/>
+          <p:cNvSpPr>
+            <a:spLocks noGrp="1"/>
+          </p:cNvSpPr>
+          <p:nvPr>
+            <p:ph idx="1"/>
+          </p:nvPr>
+        </p:nvSpPr>
+        <p:spPr>
+          <a:xfrm>
+            <a:off x="1069848" y="2320412"/>
+            <a:ext cx="10058400" cy="3851787"/>
+          </a:xfrm>
+        </p:spPr>
+        <p:txBody>
+          <a:bodyPr>
+            <a:normAutofit/>
+          </a:bodyPr>
+          <a:lstStyle/>
+          <a:p>
+            <a:r>
+              <a:rPr lang="en-US" altLang="zh-CN" sz="2400" dirty="0"/>
+              <a:t>Details</a:t>
+            </a:r>
+            <a:r>
+              <a:rPr lang="zh-CN" altLang="en-US" sz="2400" dirty="0"/>
+              <a:t> </a:t>
+            </a:r>
+            <a:r>
+              <a:rPr lang="en-US" altLang="zh-CN" sz="2400" dirty="0"/>
+              <a:t>about</a:t>
+            </a:r>
+            <a:r>
+              <a:rPr lang="zh-CN" altLang="en-US" sz="2400" dirty="0"/>
+              <a:t> </a:t>
+            </a:r>
+            <a:r>
+              <a:rPr lang="en-US" altLang="zh-CN" sz="2400" dirty="0"/>
+              <a:t>memory</a:t>
+            </a:r>
+            <a:r>
+              <a:rPr lang="zh-CN" altLang="en-US" sz="2400" dirty="0"/>
+              <a:t> </a:t>
+            </a:r>
+            <a:r>
+              <a:rPr lang="en-US" altLang="zh-CN" sz="2400" dirty="0"/>
+              <a:t>dependency</a:t>
+            </a:r>
+          </a:p>
+          <a:p>
+            <a:pPr lvl="1"/>
+            <a:r>
+              <a:rPr lang="en-US" altLang="zh-CN" sz="2200" dirty="0"/>
+              <a:t>Load</a:t>
+            </a:r>
+            <a:r>
+              <a:rPr lang="zh-CN" altLang="en-US" sz="2200" dirty="0"/>
+              <a:t> </a:t>
+            </a:r>
+            <a:r>
+              <a:rPr lang="en-US" altLang="zh-CN" sz="2200" dirty="0"/>
+              <a:t>store</a:t>
+            </a:r>
+            <a:r>
+              <a:rPr lang="zh-CN" altLang="en-US" sz="2200" dirty="0"/>
+              <a:t> </a:t>
+            </a:r>
+            <a:r>
+              <a:rPr lang="en-US" altLang="zh-CN" sz="2200" dirty="0"/>
+              <a:t>queue</a:t>
+            </a:r>
+            <a:r>
+              <a:rPr lang="zh-CN" altLang="en-US" sz="2200" dirty="0"/>
+              <a:t> </a:t>
+            </a:r>
+            <a:r>
+              <a:rPr lang="en-US" altLang="zh-CN" sz="2200" dirty="0"/>
+              <a:t>design</a:t>
+            </a:r>
+          </a:p>
+          <a:p>
+            <a:pPr lvl="1"/>
+            <a:r>
+              <a:rPr lang="en-US" altLang="zh-CN" sz="2200" dirty="0"/>
+              <a:t>Store</a:t>
+            </a:r>
+            <a:r>
+              <a:rPr lang="zh-CN" altLang="en-US" sz="2200" dirty="0"/>
+              <a:t> </a:t>
+            </a:r>
+            <a:r>
+              <a:rPr lang="en-US" altLang="zh-CN" sz="2200" dirty="0"/>
+              <a:t>sets…</a:t>
+            </a:r>
+          </a:p>
+          <a:p>
+            <a:endParaRPr lang="en-US" altLang="zh-CN" sz="2400" dirty="0"/>
+          </a:p>
+          <a:p>
+            <a:r>
+              <a:rPr lang="en-US" altLang="zh-CN" sz="2400" dirty="0"/>
+              <a:t>How</a:t>
+            </a:r>
+            <a:r>
+              <a:rPr lang="zh-CN" altLang="en-US" sz="2400" dirty="0"/>
+              <a:t> </a:t>
+            </a:r>
+            <a:r>
+              <a:rPr lang="en-US" altLang="zh-CN" sz="2400" dirty="0"/>
+              <a:t>to</a:t>
+            </a:r>
+            <a:r>
+              <a:rPr lang="zh-CN" altLang="en-US" sz="2400" dirty="0"/>
+              <a:t> </a:t>
+            </a:r>
+            <a:r>
+              <a:rPr lang="en-US" altLang="zh-CN" sz="2400" dirty="0"/>
+              <a:t>help</a:t>
+            </a:r>
+            <a:r>
+              <a:rPr lang="zh-CN" altLang="en-US" sz="2400" dirty="0"/>
+              <a:t> </a:t>
+            </a:r>
+            <a:r>
+              <a:rPr lang="en-US" altLang="zh-CN" sz="2400" dirty="0"/>
+              <a:t>architecture</a:t>
+            </a:r>
+            <a:r>
+              <a:rPr lang="zh-CN" altLang="en-US" sz="2400" dirty="0"/>
+              <a:t> </a:t>
+            </a:r>
+            <a:r>
+              <a:rPr lang="en-US" altLang="zh-CN" sz="2400" dirty="0"/>
+              <a:t>design</a:t>
+            </a:r>
+            <a:r>
+              <a:rPr lang="zh-CN" altLang="en-US" sz="2400" dirty="0"/>
+              <a:t> </a:t>
+            </a:r>
+            <a:r>
+              <a:rPr lang="en-US" altLang="zh-CN" sz="2400" dirty="0"/>
+              <a:t>with</a:t>
+            </a:r>
+            <a:r>
+              <a:rPr lang="zh-CN" altLang="en-US" sz="2400" dirty="0"/>
+              <a:t> </a:t>
+            </a:r>
+            <a:r>
+              <a:rPr lang="en-US" altLang="zh-CN" sz="2400" dirty="0"/>
+              <a:t>machine</a:t>
+            </a:r>
+            <a:r>
+              <a:rPr lang="zh-CN" altLang="en-US" sz="2400" dirty="0"/>
+              <a:t> </a:t>
+            </a:r>
+            <a:r>
+              <a:rPr lang="en-US" altLang="zh-CN" sz="2400" dirty="0"/>
+              <a:t>learning</a:t>
+            </a:r>
+            <a:r>
+              <a:rPr lang="zh-CN" altLang="en-US" sz="2400" dirty="0"/>
+              <a:t> </a:t>
+            </a:r>
+            <a:r>
+              <a:rPr lang="en-US" altLang="zh-CN" sz="2400" dirty="0"/>
+              <a:t>methodology</a:t>
+            </a:r>
+          </a:p>
+          <a:p>
+            <a:endParaRPr lang="en-US" altLang="zh-CN" sz="2400" dirty="0"/>
+          </a:p>
+          <a:p>
+            <a:r>
+              <a:rPr lang="en-US" altLang="zh-CN" sz="2400" dirty="0"/>
+              <a:t>Interaction</a:t>
+            </a:r>
+            <a:r>
+              <a:rPr lang="zh-CN" altLang="en-US" sz="2400" dirty="0"/>
+              <a:t> </a:t>
+            </a:r>
+            <a:r>
+              <a:rPr lang="en-US" altLang="zh-CN" sz="2400" dirty="0"/>
+              <a:t>between</a:t>
+            </a:r>
+            <a:r>
+              <a:rPr lang="zh-CN" altLang="en-US" sz="2400" dirty="0"/>
+              <a:t> </a:t>
+            </a:r>
+            <a:r>
+              <a:rPr lang="en-US" altLang="zh-CN" sz="2400" dirty="0"/>
+              <a:t>processor</a:t>
+            </a:r>
+            <a:r>
+              <a:rPr lang="zh-CN" altLang="en-US" sz="2400" dirty="0"/>
+              <a:t> </a:t>
+            </a:r>
+            <a:r>
+              <a:rPr lang="en-US" altLang="zh-CN" sz="2400" dirty="0"/>
+              <a:t>and</a:t>
+            </a:r>
+            <a:r>
+              <a:rPr lang="zh-CN" altLang="en-US" sz="2400" dirty="0"/>
+              <a:t> </a:t>
+            </a:r>
+            <a:r>
+              <a:rPr lang="en-US" altLang="zh-CN" sz="2400" dirty="0"/>
+              <a:t>memory</a:t>
+            </a:r>
+            <a:r>
+              <a:rPr lang="zh-CN" altLang="en-US" sz="2400" dirty="0"/>
+              <a:t> </a:t>
+            </a:r>
+            <a:r>
+              <a:rPr lang="en-US" altLang="zh-CN" sz="2400" dirty="0"/>
+              <a:t>subsystem</a:t>
+            </a:r>
+          </a:p>
+        </p:txBody>
+      </p:sp>
+      <p:sp>
+        <p:nvSpPr>
+          <p:cNvPr id="16" name="Oval 15"/>
           <p:cNvSpPr>
             <a:spLocks noGrp="1" noRot="1" noChangeAspect="1" noMove="1" noResize="1" noEditPoints="1" noAdjustHandles="1" noChangeArrowheads="1" noChangeShapeType="1" noTextEdit="1"/>
           </p:cNvSpPr>
@@ -20575,206 +21643,224 @@
         </p:nvSpPr>
         <p:spPr>
           <a:xfrm>
-            <a:off x="0" y="4572000"/>
-            <a:ext cx="12192000" cy="2295831"/>
+            <a:off x="11401725" y="6229681"/>
+            <a:ext cx="457200" cy="457200"/>
           </a:xfrm>
-          <a:prstGeom prst="rect">
+          <a:prstGeom prst="ellipse">
             <a:avLst/>
           </a:prstGeom>
           <a:blipFill dpi="0" rotWithShape="1">
-            <a:blip r:embed="rId2">
-              <a:alphaModFix amt="85000"/>
-              <a:lum bright="70000" contrast="-70000"/>
-              <a:extLst>
-                <a:ext uri="{28A0092B-C50C-407E-A947-70E740481C1C}">
-                  <a14:useLocalDpi xmlns:a14="http://schemas.microsoft.com/office/drawing/2010/main" val="0"/>
-                </a:ext>
-              </a:extLst>
+            <a:blip r:embed="rId4">
+              <a:duotone>
+                <a:schemeClr val="accent1">
+                  <a:shade val="45000"/>
+                  <a:satMod val="135000"/>
+                </a:schemeClr>
+                <a:prstClr val="white"/>
+              </a:duotone>
             </a:blip>
             <a:srcRect/>
-            <a:tile tx="0" ty="-704850" sx="92000" sy="89000" flip="xy" algn="ctr"/>
+            <a:tile tx="50800" ty="0" sx="85000" sy="85000" flip="none" algn="tl"/>
           </a:blipFill>
-          <a:ln>
+          <a:ln w="25400" cap="flat" cmpd="sng" algn="ctr">
             <a:noFill/>
+            <a:prstDash val="solid"/>
           </a:ln>
+          <a:effectLst/>
         </p:spPr>
-        <p:style>
-          <a:lnRef idx="2">
-            <a:schemeClr val="accent1">
-              <a:shade val="50000"/>
-            </a:schemeClr>
-          </a:lnRef>
-          <a:fillRef idx="1">
-            <a:schemeClr val="accent1"/>
-          </a:fillRef>
-          <a:effectRef idx="0">
-            <a:schemeClr val="accent1"/>
-          </a:effectRef>
-          <a:fontRef idx="minor">
-            <a:schemeClr val="lt1"/>
-          </a:fontRef>
-        </p:style>
+        <p:txBody>
+          <a:bodyPr lIns="0" tIns="0" rIns="0" bIns="0" rtlCol="0" anchor="ctr"/>
+          <a:lstStyle/>
+          <a:p>
+            <a:pPr marL="0" marR="0" lvl="0" indent="0" algn="ctr" defTabSz="914400" eaLnBrk="1" fontAlgn="auto" latinLnBrk="0" hangingPunct="1">
+              <a:lnSpc>
+                <a:spcPct val="100000"/>
+              </a:lnSpc>
+              <a:spcBef>
+                <a:spcPts val="0"/>
+              </a:spcBef>
+              <a:spcAft>
+                <a:spcPts val="0"/>
+              </a:spcAft>
+              <a:buClrTx/>
+              <a:buSzTx/>
+              <a:buFontTx/>
+              <a:buNone/>
+              <a:defRPr/>
+            </a:pPr>
+            <a:endParaRPr kumimoji="0" lang="en-US" sz="2000" b="0" i="0" u="none" strike="noStrike" kern="0" cap="none" spc="0" normalizeH="0" baseline="0" noProof="0" dirty="0">
+              <a:ln>
+                <a:noFill/>
+              </a:ln>
+              <a:solidFill>
+                <a:prstClr val="white"/>
+              </a:solidFill>
+              <a:effectLst/>
+              <a:uLnTx/>
+              <a:uFillTx/>
+              <a:latin typeface="Rockwell Extra Bold" panose="02060903040505020403" pitchFamily="18" charset="0"/>
+              <a:ea typeface="+mn-ea"/>
+              <a:cs typeface="+mn-cs"/>
+            </a:endParaRPr>
+          </a:p>
+        </p:txBody>
+      </p:sp>
+      <p:sp>
+        <p:nvSpPr>
+          <p:cNvPr id="18" name="Oval 17"/>
+          <p:cNvSpPr>
+            <a:spLocks noGrp="1" noRot="1" noChangeAspect="1" noMove="1" noResize="1" noEditPoints="1" noAdjustHandles="1" noChangeArrowheads="1" noChangeShapeType="1" noTextEdit="1"/>
+          </p:cNvSpPr>
+          <p:nvPr/>
+        </p:nvSpPr>
+        <p:spPr>
+          <a:xfrm>
+            <a:off x="11430918" y="6258874"/>
+            <a:ext cx="398813" cy="398815"/>
+          </a:xfrm>
+          <a:prstGeom prst="ellipse">
+            <a:avLst/>
+          </a:prstGeom>
+          <a:noFill/>
+          <a:ln w="12700" cap="flat" cmpd="sng" algn="ctr">
+            <a:solidFill>
+              <a:srgbClr val="FFFFFF"/>
+            </a:solidFill>
+            <a:prstDash val="solid"/>
+          </a:ln>
+          <a:effectLst/>
+        </p:spPr>
         <p:txBody>
           <a:bodyPr rtlCol="0" anchor="ctr"/>
           <a:lstStyle/>
           <a:p>
-            <a:pPr algn="ctr"/>
-            <a:endParaRPr lang="en-US"/>
+            <a:pPr marL="0" marR="0" lvl="0" indent="0" algn="ctr" defTabSz="914400" eaLnBrk="1" fontAlgn="auto" latinLnBrk="0" hangingPunct="1">
+              <a:lnSpc>
+                <a:spcPct val="100000"/>
+              </a:lnSpc>
+              <a:spcBef>
+                <a:spcPts val="0"/>
+              </a:spcBef>
+              <a:spcAft>
+                <a:spcPts val="0"/>
+              </a:spcAft>
+              <a:buClrTx/>
+              <a:buSzTx/>
+              <a:buFontTx/>
+              <a:buNone/>
+              <a:defRPr/>
+            </a:pPr>
+            <a:endParaRPr kumimoji="0" lang="en-US" sz="1800" b="0" i="0" u="none" strike="noStrike" kern="0" cap="none" spc="0" normalizeH="0" baseline="0" noProof="0" dirty="0">
+              <a:ln>
+                <a:noFill/>
+              </a:ln>
+              <a:solidFill>
+                <a:prstClr val="white"/>
+              </a:solidFill>
+              <a:effectLst/>
+              <a:uLnTx/>
+              <a:uFillTx/>
+              <a:latin typeface="Calibri" panose="020F0502020204030204"/>
+              <a:ea typeface="+mn-ea"/>
+              <a:cs typeface="+mn-cs"/>
+            </a:endParaRPr>
           </a:p>
         </p:txBody>
       </p:sp>
-      <p:grpSp>
-        <p:nvGrpSpPr>
-          <p:cNvPr id="21" name="Group 20"/>
-          <p:cNvGrpSpPr>
-            <a:grpSpLocks noGrp="1" noUngrp="1" noRot="1" noChangeAspect="1" noMove="1" noResize="1"/>
-          </p:cNvGrpSpPr>
-          <p:nvPr/>
-        </p:nvGrpSpPr>
-        <p:grpSpPr>
-          <a:xfrm>
-            <a:off x="10245590" y="5111496"/>
-            <a:ext cx="1080904" cy="1080902"/>
-            <a:chOff x="10245590" y="5111496"/>
-            <a:chExt cx="1080904" cy="1080902"/>
-          </a:xfrm>
-        </p:grpSpPr>
-        <p:sp>
-          <p:nvSpPr>
-            <p:cNvPr id="22" name="Oval 21"/>
-            <p:cNvSpPr/>
-            <p:nvPr/>
-          </p:nvSpPr>
-          <p:spPr>
-            <a:xfrm>
-              <a:off x="10245590" y="5111496"/>
-              <a:ext cx="1080904" cy="1080902"/>
-            </a:xfrm>
-            <a:prstGeom prst="ellipse">
-              <a:avLst/>
-            </a:prstGeom>
-            <a:blipFill dpi="0" rotWithShape="1">
-              <a:blip r:embed="rId4">
-                <a:duotone>
-                  <a:schemeClr val="accent1">
-                    <a:shade val="45000"/>
-                    <a:satMod val="135000"/>
-                  </a:schemeClr>
-                  <a:prstClr val="white"/>
-                </a:duotone>
-              </a:blip>
-              <a:srcRect/>
-              <a:tile tx="0" ty="0" sx="85000" sy="85000" flip="none" algn="tl"/>
-            </a:blipFill>
-            <a:ln w="25400" cap="flat" cmpd="sng" algn="ctr">
-              <a:noFill/>
-              <a:prstDash val="solid"/>
-            </a:ln>
-            <a:effectLst/>
-          </p:spPr>
-          <p:txBody>
-            <a:bodyPr lIns="0" tIns="0" rIns="0" bIns="0" rtlCol="0" anchor="ctr"/>
-            <a:lstStyle/>
-            <a:p>
-              <a:pPr marL="0" marR="0" lvl="0" indent="0" algn="ctr" defTabSz="914400" eaLnBrk="1" fontAlgn="auto" latinLnBrk="0" hangingPunct="1">
-                <a:lnSpc>
-                  <a:spcPct val="100000"/>
-                </a:lnSpc>
-                <a:spcBef>
-                  <a:spcPts val="0"/>
-                </a:spcBef>
-                <a:spcAft>
-                  <a:spcPts val="0"/>
-                </a:spcAft>
-                <a:buClrTx/>
-                <a:buSzTx/>
-                <a:buFontTx/>
-                <a:buNone/>
-                <a:defRPr/>
-              </a:pPr>
-              <a:endParaRPr kumimoji="0" lang="en-US" sz="2000" b="0" i="0" u="none" strike="noStrike" kern="0" cap="none" spc="0" normalizeH="0" baseline="0" noProof="0" dirty="0">
-                <a:ln>
-                  <a:noFill/>
-                </a:ln>
-                <a:solidFill>
-                  <a:prstClr val="white"/>
-                </a:solidFill>
-                <a:effectLst/>
-                <a:uLnTx/>
-                <a:uFillTx/>
-                <a:latin typeface="Rockwell Extra Bold" panose="02060903040505020403" pitchFamily="18" charset="0"/>
-                <a:ea typeface="+mn-ea"/>
-                <a:cs typeface="+mn-cs"/>
-              </a:endParaRPr>
-            </a:p>
-          </p:txBody>
-        </p:sp>
-        <p:sp>
-          <p:nvSpPr>
-            <p:cNvPr id="23" name="Oval 22"/>
-            <p:cNvSpPr/>
-            <p:nvPr/>
-          </p:nvSpPr>
-          <p:spPr>
-            <a:xfrm>
-              <a:off x="10353681" y="5219586"/>
-              <a:ext cx="864723" cy="864722"/>
-            </a:xfrm>
-            <a:prstGeom prst="ellipse">
-              <a:avLst/>
-            </a:prstGeom>
-            <a:noFill/>
-            <a:ln w="25400" cap="flat" cmpd="sng" algn="ctr">
-              <a:solidFill>
-                <a:sysClr val="window" lastClr="FFFFFF"/>
-              </a:solidFill>
-              <a:prstDash val="solid"/>
-            </a:ln>
-            <a:effectLst/>
-          </p:spPr>
-          <p:txBody>
-            <a:bodyPr rtlCol="0" anchor="ctr"/>
-            <a:lstStyle/>
-            <a:p>
-              <a:pPr marL="0" marR="0" lvl="0" indent="0" algn="ctr" defTabSz="914400" eaLnBrk="1" fontAlgn="auto" latinLnBrk="0" hangingPunct="1">
-                <a:lnSpc>
-                  <a:spcPct val="100000"/>
-                </a:lnSpc>
-                <a:spcBef>
-                  <a:spcPts val="0"/>
-                </a:spcBef>
-                <a:spcAft>
-                  <a:spcPts val="0"/>
-                </a:spcAft>
-                <a:buClrTx/>
-                <a:buSzTx/>
-                <a:buFontTx/>
-                <a:buNone/>
-                <a:defRPr/>
-              </a:pPr>
-              <a:endParaRPr kumimoji="0" lang="en-US" sz="1800" b="0" i="0" u="none" strike="noStrike" kern="0" cap="none" spc="0" normalizeH="0" baseline="0" noProof="0" dirty="0">
-                <a:ln>
-                  <a:noFill/>
-                </a:ln>
-                <a:solidFill>
-                  <a:prstClr val="white"/>
-                </a:solidFill>
-                <a:effectLst/>
-                <a:uLnTx/>
-                <a:uFillTx/>
-                <a:latin typeface="Calibri" panose="020F0502020204030204"/>
-                <a:ea typeface="+mn-ea"/>
-                <a:cs typeface="+mn-cs"/>
-              </a:endParaRPr>
-            </a:p>
-          </p:txBody>
-        </p:sp>
-      </p:grpSp>
     </p:spTree>
   </p:cSld>
   <p:clrMapOvr>
     <a:masterClrMapping/>
   </p:clrMapOvr>
+  <p:timing>
+    <p:tnLst>
+      <p:par>
+        <p:cTn id="1" dur="indefinite" restart="never" nodeType="tmRoot">
+          <p:childTnLst>
+            <p:seq concurrent="1" nextAc="seek">
+              <p:cTn id="2" dur="indefinite" nodeType="mainSeq">
+                <p:childTnLst>
+                  <p:par>
+                    <p:cTn id="3" fill="hold">
+                      <p:stCondLst>
+                        <p:cond delay="indefinite"/>
+                        <p:cond evt="onBegin" delay="0">
+                          <p:tn val="2"/>
+                        </p:cond>
+                      </p:stCondLst>
+                      <p:childTnLst>
+                        <p:par>
+                          <p:cTn id="4" fill="hold">
+                            <p:stCondLst>
+                              <p:cond delay="0"/>
+                            </p:stCondLst>
+                            <p:childTnLst>
+                              <p:par>
+                                <p:cTn id="5" presetID="10" presetClass="entr" presetSubtype="0" fill="hold" grpId="0" nodeType="withEffect">
+                                  <p:stCondLst>
+                                    <p:cond delay="500"/>
+                                  </p:stCondLst>
+                                  <p:childTnLst>
+                                    <p:set>
+                                      <p:cBhvr>
+                                        <p:cTn id="6" dur="1" fill="hold">
+                                          <p:stCondLst>
+                                            <p:cond delay="0"/>
+                                          </p:stCondLst>
+                                        </p:cTn>
+                                        <p:tgtEl>
+                                          <p:spTgt spid="2"/>
+                                        </p:tgtEl>
+                                        <p:attrNameLst>
+                                          <p:attrName>style.visibility</p:attrName>
+                                        </p:attrNameLst>
+                                      </p:cBhvr>
+                                      <p:to>
+                                        <p:strVal val="visible"/>
+                                      </p:to>
+                                    </p:set>
+                                    <p:animEffect transition="in" filter="fade">
+                                      <p:cBhvr>
+                                        <p:cTn id="7" dur="700"/>
+                                        <p:tgtEl>
+                                          <p:spTgt spid="2"/>
+                                        </p:tgtEl>
+                                      </p:cBhvr>
+                                    </p:animEffect>
+                                  </p:childTnLst>
+                                </p:cTn>
+                              </p:par>
+                            </p:childTnLst>
+                          </p:cTn>
+                        </p:par>
+                      </p:childTnLst>
+                    </p:cTn>
+                  </p:par>
+                </p:childTnLst>
+              </p:cTn>
+              <p:prevCondLst>
+                <p:cond evt="onPrev" delay="0">
+                  <p:tgtEl>
+                    <p:sldTgt/>
+                  </p:tgtEl>
+                </p:cond>
+              </p:prevCondLst>
+              <p:nextCondLst>
+                <p:cond evt="onNext" delay="0">
+                  <p:tgtEl>
+                    <p:sldTgt/>
+                  </p:tgtEl>
+                </p:cond>
+              </p:nextCondLst>
+            </p:seq>
+          </p:childTnLst>
+        </p:cTn>
+      </p:par>
+    </p:tnLst>
+    <p:bldLst>
+      <p:bldP spid="2" grpId="0"/>
+    </p:bldLst>
+  </p:timing>
 </p:sld>
 </file>
 

--- a/final_pre.pptx
+++ b/final_pre.pptx
@@ -11826,17 +11826,54 @@
           </a:bodyPr>
           <a:lstStyle/>
           <a:p>
+            <a:endParaRPr lang="en-US" sz="2400" dirty="0"/>
+          </a:p>
+          <a:p>
             <a:pPr lvl="0"/>
             <a:r>
               <a:rPr lang="en-US" sz="2400" dirty="0"/>
-              <a:t>The advances in core performance have outpaced the advances in memory subsystem performance over the previous decade. </a:t>
-            </a:r>
-          </a:p>
-          <a:p>
-            <a:endParaRPr lang="en-US" sz="2400" dirty="0"/>
-          </a:p>
-          <a:p>
-            <a:pPr lvl="0"/>
+              <a:t>Mem</a:t>
+            </a:r>
+            <a:r>
+              <a:rPr lang="en-US" altLang="zh-CN" sz="2400" dirty="0"/>
+              <a:t>ory</a:t>
+            </a:r>
+            <a:r>
+              <a:rPr lang="zh-CN" altLang="en-US" sz="2400" dirty="0"/>
+              <a:t> </a:t>
+            </a:r>
+            <a:r>
+              <a:rPr lang="en-US" altLang="zh-CN" sz="2400" dirty="0"/>
+              <a:t>access</a:t>
+            </a:r>
+            <a:r>
+              <a:rPr lang="zh-CN" altLang="en-US" sz="2400" dirty="0"/>
+              <a:t> </a:t>
+            </a:r>
+            <a:r>
+              <a:rPr lang="en-US" altLang="zh-CN" sz="2400" dirty="0"/>
+              <a:t>has</a:t>
+            </a:r>
+            <a:r>
+              <a:rPr lang="zh-CN" altLang="en-US" sz="2400" dirty="0"/>
+              <a:t> </a:t>
+            </a:r>
+            <a:r>
+              <a:rPr lang="en-US" altLang="zh-CN" sz="2400" dirty="0"/>
+              <a:t>large</a:t>
+            </a:r>
+            <a:r>
+              <a:rPr lang="zh-CN" altLang="en-US" sz="2400" dirty="0"/>
+              <a:t> </a:t>
+            </a:r>
+            <a:r>
+              <a:rPr lang="en-US" altLang="zh-CN" sz="2400" dirty="0"/>
+              <a:t>latency.</a:t>
+            </a:r>
+            <a:r>
+              <a:rPr lang="zh-CN" altLang="en-US" sz="2400" dirty="0"/>
+              <a:t> </a:t>
+            </a:r>
             <a:r>
               <a:rPr lang="en-US" sz="2400" dirty="0"/>
               <a:t>Avoiding</a:t>

--- a/final_pre.pptx
+++ b/final_pre.pptx
@@ -12493,8 +12493,8 @@
         </p:nvSpPr>
         <p:spPr>
           <a:xfrm>
-            <a:off x="1069848" y="2320412"/>
-            <a:ext cx="10058400" cy="3851787"/>
+            <a:off x="1069848" y="2320413"/>
+            <a:ext cx="10058400" cy="2888358"/>
           </a:xfrm>
         </p:spPr>
         <p:txBody>
@@ -12540,7 +12540,31 @@
             <a:pPr lvl="1"/>
             <a:r>
               <a:rPr lang="en-US" altLang="zh-CN" sz="2200" dirty="0"/>
-              <a:t>Causes</a:t>
+              <a:t>Wrong</a:t>
+            </a:r>
+            <a:r>
+              <a:rPr lang="zh-CN" altLang="en-US" sz="2200" dirty="0"/>
+              <a:t> </a:t>
+            </a:r>
+            <a:r>
+              <a:rPr lang="en-US" altLang="zh-CN" sz="2200" dirty="0"/>
+              <a:t>speculative</a:t>
+            </a:r>
+            <a:r>
+              <a:rPr lang="zh-CN" altLang="en-US" sz="2200" dirty="0"/>
+              <a:t> </a:t>
+            </a:r>
+            <a:r>
+              <a:rPr lang="en-US" altLang="zh-CN" sz="2200" dirty="0"/>
+              <a:t>execution</a:t>
+            </a:r>
+            <a:r>
+              <a:rPr lang="zh-CN" altLang="en-US" sz="2200" dirty="0"/>
+              <a:t> </a:t>
+            </a:r>
+            <a:r>
+              <a:rPr lang="en-US" altLang="zh-CN" sz="2200" dirty="0"/>
+              <a:t>causes</a:t>
             </a:r>
             <a:r>
               <a:rPr lang="zh-CN" altLang="en-US" sz="2200" dirty="0"/>
@@ -12556,8 +12580,9 @@
             </a:r>
             <a:r>
               <a:rPr lang="en-US" sz="2200" dirty="0"/>
-              <a:t>flushing when they are speculatively executed. </a:t>
-            </a:r>
+              <a:t>flushing</a:t>
+            </a:r>
+            <a:endParaRPr lang="en-US" sz="2400" dirty="0"/>
           </a:p>
           <a:p>
             <a:endParaRPr lang="en-US" sz="2400" dirty="0"/>
@@ -13732,7 +13757,7 @@
         </p:spPr>
         <p:txBody>
           <a:bodyPr>
-            <a:normAutofit/>
+            <a:normAutofit lnSpcReduction="10000"/>
           </a:bodyPr>
           <a:lstStyle/>
           <a:p>
@@ -13823,22 +13848,109 @@
             </a:r>
             <a:r>
               <a:rPr lang="en-US" sz="2400" dirty="0"/>
-              <a:t>(IW) with specific size as inputs and output a sequence of</a:t>
-            </a:r>
-            <a:r>
-              <a:rPr lang="zh-CN" altLang="en-US" sz="2400" dirty="0"/>
-              <a:t> </a:t>
-            </a:r>
-            <a:r>
-              <a:rPr lang="en-US" sz="2400" dirty="0"/>
+              <a:t>(IW) </a:t>
+            </a:r>
+          </a:p>
+          <a:p>
+            <a:pPr lvl="1"/>
+            <a:r>
+              <a:rPr lang="en-US" sz="2200" dirty="0"/>
+              <a:t>Input</a:t>
+            </a:r>
+            <a:r>
+              <a:rPr lang="zh-CN" altLang="en-US" sz="2200" dirty="0"/>
+              <a:t> </a:t>
+            </a:r>
+            <a:r>
+              <a:rPr lang="en-US" altLang="zh-CN" sz="2200" dirty="0"/>
+              <a:t>sequences</a:t>
+            </a:r>
+            <a:r>
+              <a:rPr lang="zh-CN" altLang="en-US" sz="2200" dirty="0"/>
+              <a:t> </a:t>
+            </a:r>
+            <a:r>
+              <a:rPr lang="en-US" altLang="zh-CN" sz="2200" dirty="0"/>
+              <a:t>has</a:t>
+            </a:r>
+            <a:r>
+              <a:rPr lang="zh-CN" altLang="en-US" sz="2200" dirty="0"/>
+              <a:t> </a:t>
+            </a:r>
+            <a:r>
+              <a:rPr lang="en-US" altLang="zh-CN" sz="2200" dirty="0"/>
+              <a:t>same</a:t>
+            </a:r>
+            <a:r>
+              <a:rPr lang="zh-CN" altLang="en-US" sz="2200" dirty="0"/>
+              <a:t> </a:t>
+            </a:r>
+            <a:r>
+              <a:rPr lang="en-US" altLang="zh-CN" sz="2200" dirty="0"/>
+              <a:t>size</a:t>
+            </a:r>
+            <a:r>
+              <a:rPr lang="zh-CN" altLang="en-US" sz="2200" dirty="0"/>
+              <a:t> </a:t>
+            </a:r>
+            <a:r>
+              <a:rPr lang="en-US" sz="2200" dirty="0"/>
+              <a:t>as</a:t>
+            </a:r>
+            <a:r>
+              <a:rPr lang="zh-CN" altLang="en-US" sz="2200" dirty="0"/>
+              <a:t> </a:t>
+            </a:r>
+            <a:r>
+              <a:rPr lang="en-US" altLang="zh-CN" sz="2200" dirty="0"/>
+              <a:t>instruction</a:t>
+            </a:r>
+            <a:r>
+              <a:rPr lang="zh-CN" altLang="en-US" sz="2200" dirty="0"/>
+              <a:t> </a:t>
+            </a:r>
+            <a:r>
+              <a:rPr lang="en-US" altLang="zh-CN" sz="2200" dirty="0"/>
+              <a:t>window</a:t>
+            </a:r>
+            <a:endParaRPr lang="en-US" sz="2200" dirty="0"/>
+          </a:p>
+          <a:p>
+            <a:pPr lvl="1"/>
+            <a:r>
+              <a:rPr lang="en-US" altLang="zh-CN" sz="2200" dirty="0"/>
+              <a:t>O</a:t>
+            </a:r>
+            <a:r>
+              <a:rPr lang="en-US" sz="2200" dirty="0"/>
+              <a:t>utput </a:t>
+            </a:r>
+            <a:r>
+              <a:rPr lang="en-US" altLang="zh-CN" sz="2200" dirty="0"/>
+              <a:t>is</a:t>
+            </a:r>
+            <a:r>
+              <a:rPr lang="zh-CN" altLang="en-US" sz="2200" dirty="0"/>
+              <a:t> </a:t>
+            </a:r>
+            <a:r>
+              <a:rPr lang="en-US" sz="2200" dirty="0"/>
+              <a:t>a sequence of</a:t>
+            </a:r>
+            <a:r>
+              <a:rPr lang="zh-CN" altLang="en-US" sz="2200" dirty="0"/>
+              <a:t> </a:t>
+            </a:r>
+            <a:r>
+              <a:rPr lang="en-US" sz="2200" dirty="0"/>
               <a:t>binary decisions to indicate whether dependency exist or</a:t>
             </a:r>
             <a:r>
-              <a:rPr lang="zh-CN" altLang="en-US" sz="2400" dirty="0"/>
-              <a:t> </a:t>
-            </a:r>
-            <a:r>
-              <a:rPr lang="en-US" sz="2400" dirty="0"/>
+              <a:rPr lang="zh-CN" altLang="en-US" sz="2200" dirty="0"/>
+              <a:t> </a:t>
+            </a:r>
+            <a:r>
+              <a:rPr lang="en-US" sz="2200" dirty="0"/>
               <a:t>not</a:t>
             </a:r>
           </a:p>

--- a/final_pre.pptx
+++ b/final_pre.pptx
@@ -15881,7 +15881,7 @@
         <p:spPr>
           <a:xfrm>
             <a:off x="134527" y="1391438"/>
-            <a:ext cx="5711483" cy="5355312"/>
+            <a:ext cx="5711483" cy="5078313"/>
           </a:xfrm>
           <a:prstGeom prst="rect">
             <a:avLst/>
@@ -15895,11 +15895,9 @@
           <a:lstStyle/>
           <a:p>
             <a:r>
-              <a:rPr lang="en-US" altLang="zh-CN" dirty="0"/>
+              <a:rPr lang="en-US" altLang="zh-CN"/>
               <a:t>Input:</a:t>
             </a:r>
-          </a:p>
-          <a:p>
             <a:endParaRPr lang="en-US" altLang="zh-CN" dirty="0"/>
           </a:p>
           <a:p>

--- a/final_pre.pptx
+++ b/final_pre.pptx
@@ -13862,11 +13862,11 @@
               <a:t> </a:t>
             </a:r>
             <a:r>
-              <a:rPr lang="en-US" altLang="zh-CN" sz="2200" dirty="0"/>
-              <a:t>sequences</a:t>
-            </a:r>
-            <a:r>
-              <a:rPr lang="zh-CN" altLang="en-US" sz="2200" dirty="0"/>
+              <a:rPr lang="en-US" altLang="zh-CN" sz="2200"/>
+              <a:t>sequence</a:t>
+            </a:r>
+            <a:r>
+              <a:rPr lang="zh-CN" altLang="en-US" sz="2200"/>
               <a:t> </a:t>
             </a:r>
             <a:r>
@@ -15895,10 +15895,9 @@
           <a:lstStyle/>
           <a:p>
             <a:r>
-              <a:rPr lang="en-US" altLang="zh-CN"/>
+              <a:rPr lang="en-US" altLang="zh-CN" dirty="0"/>
               <a:t>Input:</a:t>
             </a:r>
-            <a:endParaRPr lang="en-US" altLang="zh-CN" dirty="0"/>
           </a:p>
           <a:p>
             <a:pPr marL="285750" indent="-285750">

--- a/final_pre.pptx
+++ b/final_pre.pptx
@@ -16,9 +16,6 @@
     <p:sldId id="263" r:id="rId10"/>
     <p:sldId id="264" r:id="rId11"/>
     <p:sldId id="269" r:id="rId12"/>
-    <p:sldId id="265" r:id="rId13"/>
-    <p:sldId id="262" r:id="rId14"/>
-    <p:sldId id="257" r:id="rId15"/>
   </p:sldIdLst>
   <p:sldSz cx="12192000" cy="6858000"/>
   <p:notesSz cx="6858000" cy="9144000"/>
@@ -123,3426 +120,6 @@
     </p:ext>
   </p:extLst>
 </p:presentation>
-</file>
-
-<file path=ppt/diagrams/colors1.xml><?xml version="1.0" encoding="utf-8"?>
-<dgm:colorsDef xmlns:dgm="http://schemas.openxmlformats.org/drawingml/2006/diagram" xmlns:a="http://schemas.openxmlformats.org/drawingml/2006/main" uniqueId="urn:microsoft.com/office/officeart/2005/8/colors/colorful2#1">
-  <dgm:title val=""/>
-  <dgm:desc val=""/>
-  <dgm:catLst>
-    <dgm:cat type="colorful" pri="10200"/>
-  </dgm:catLst>
-  <dgm:styleLbl name="alignAcc1">
-    <dgm:fillClrLst meth="repeat">
-      <a:schemeClr val="lt1">
-        <a:alpha val="90000"/>
-      </a:schemeClr>
-    </dgm:fillClrLst>
-    <dgm:linClrLst>
-      <a:schemeClr val="accent2"/>
-      <a:schemeClr val="accent3"/>
-    </dgm:linClrLst>
-    <dgm:effectClrLst/>
-    <dgm:txLinClrLst/>
-    <dgm:txFillClrLst meth="repeat">
-      <a:schemeClr val="dk1"/>
-    </dgm:txFillClrLst>
-    <dgm:txEffectClrLst/>
-  </dgm:styleLbl>
-  <dgm:styleLbl name="alignAccFollowNode1">
-    <dgm:fillClrLst>
-      <a:schemeClr val="accent2">
-        <a:tint val="40000"/>
-        <a:alpha val="90000"/>
-      </a:schemeClr>
-      <a:schemeClr val="accent3">
-        <a:tint val="40000"/>
-        <a:alpha val="90000"/>
-      </a:schemeClr>
-    </dgm:fillClrLst>
-    <dgm:linClrLst>
-      <a:schemeClr val="accent2">
-        <a:tint val="40000"/>
-        <a:alpha val="90000"/>
-      </a:schemeClr>
-      <a:schemeClr val="accent3">
-        <a:tint val="40000"/>
-        <a:alpha val="90000"/>
-      </a:schemeClr>
-    </dgm:linClrLst>
-    <dgm:effectClrLst/>
-    <dgm:txLinClrLst/>
-    <dgm:txFillClrLst meth="repeat">
-      <a:schemeClr val="dk1"/>
-    </dgm:txFillClrLst>
-    <dgm:txEffectClrLst/>
-  </dgm:styleLbl>
-  <dgm:styleLbl name="alignImgPlace1">
-    <dgm:fillClrLst>
-      <a:schemeClr val="accent2">
-        <a:tint val="50000"/>
-      </a:schemeClr>
-      <a:schemeClr val="accent3">
-        <a:tint val="20000"/>
-      </a:schemeClr>
-    </dgm:fillClrLst>
-    <dgm:linClrLst meth="repeat">
-      <a:schemeClr val="lt1"/>
-    </dgm:linClrLst>
-    <dgm:effectClrLst/>
-    <dgm:txLinClrLst/>
-    <dgm:txFillClrLst meth="repeat">
-      <a:schemeClr val="lt1"/>
-    </dgm:txFillClrLst>
-    <dgm:txEffectClrLst/>
-  </dgm:styleLbl>
-  <dgm:styleLbl name="alignNode1">
-    <dgm:fillClrLst>
-      <a:schemeClr val="accent2"/>
-      <a:schemeClr val="accent3"/>
-    </dgm:fillClrLst>
-    <dgm:linClrLst>
-      <a:schemeClr val="accent2"/>
-      <a:schemeClr val="accent3"/>
-    </dgm:linClrLst>
-    <dgm:effectClrLst/>
-    <dgm:txLinClrLst/>
-    <dgm:txFillClrLst/>
-    <dgm:txEffectClrLst/>
-  </dgm:styleLbl>
-  <dgm:styleLbl name="asst0">
-    <dgm:fillClrLst meth="repeat">
-      <a:schemeClr val="accent2"/>
-    </dgm:fillClrLst>
-    <dgm:linClrLst meth="repeat">
-      <a:schemeClr val="lt1">
-        <a:shade val="80000"/>
-      </a:schemeClr>
-    </dgm:linClrLst>
-    <dgm:effectClrLst/>
-    <dgm:txLinClrLst/>
-    <dgm:txFillClrLst/>
-    <dgm:txEffectClrLst/>
-  </dgm:styleLbl>
-  <dgm:styleLbl name="asst1">
-    <dgm:fillClrLst meth="repeat">
-      <a:schemeClr val="accent3"/>
-    </dgm:fillClrLst>
-    <dgm:linClrLst meth="repeat">
-      <a:schemeClr val="lt1">
-        <a:shade val="80000"/>
-      </a:schemeClr>
-    </dgm:linClrLst>
-    <dgm:effectClrLst/>
-    <dgm:txLinClrLst/>
-    <dgm:txFillClrLst/>
-    <dgm:txEffectClrLst/>
-  </dgm:styleLbl>
-  <dgm:styleLbl name="asst2">
-    <dgm:fillClrLst>
-      <a:schemeClr val="accent4"/>
-    </dgm:fillClrLst>
-    <dgm:linClrLst meth="repeat">
-      <a:schemeClr val="lt1"/>
-    </dgm:linClrLst>
-    <dgm:effectClrLst/>
-    <dgm:txLinClrLst/>
-    <dgm:txFillClrLst/>
-    <dgm:txEffectClrLst/>
-  </dgm:styleLbl>
-  <dgm:styleLbl name="asst3">
-    <dgm:fillClrLst>
-      <a:schemeClr val="accent5"/>
-    </dgm:fillClrLst>
-    <dgm:linClrLst meth="repeat">
-      <a:schemeClr val="lt1"/>
-    </dgm:linClrLst>
-    <dgm:effectClrLst/>
-    <dgm:txLinClrLst/>
-    <dgm:txFillClrLst/>
-    <dgm:txEffectClrLst/>
-  </dgm:styleLbl>
-  <dgm:styleLbl name="asst4">
-    <dgm:fillClrLst>
-      <a:schemeClr val="accent6"/>
-    </dgm:fillClrLst>
-    <dgm:linClrLst meth="repeat">
-      <a:schemeClr val="lt1"/>
-    </dgm:linClrLst>
-    <dgm:effectClrLst/>
-    <dgm:txLinClrLst/>
-    <dgm:txFillClrLst/>
-    <dgm:txEffectClrLst/>
-  </dgm:styleLbl>
-  <dgm:styleLbl name="bgAcc1">
-    <dgm:fillClrLst meth="repeat">
-      <a:schemeClr val="lt1">
-        <a:alpha val="90000"/>
-      </a:schemeClr>
-    </dgm:fillClrLst>
-    <dgm:linClrLst>
-      <a:schemeClr val="accent2"/>
-      <a:schemeClr val="accent3"/>
-    </dgm:linClrLst>
-    <dgm:effectClrLst/>
-    <dgm:txLinClrLst/>
-    <dgm:txFillClrLst meth="repeat">
-      <a:schemeClr val="dk1"/>
-    </dgm:txFillClrLst>
-    <dgm:txEffectClrLst/>
-  </dgm:styleLbl>
-  <dgm:styleLbl name="bgAccFollowNode1">
-    <dgm:fillClrLst>
-      <a:schemeClr val="accent2">
-        <a:tint val="40000"/>
-        <a:alpha val="90000"/>
-      </a:schemeClr>
-      <a:schemeClr val="accent3">
-        <a:tint val="40000"/>
-        <a:alpha val="90000"/>
-      </a:schemeClr>
-    </dgm:fillClrLst>
-    <dgm:linClrLst>
-      <a:schemeClr val="accent2">
-        <a:tint val="40000"/>
-        <a:alpha val="90000"/>
-      </a:schemeClr>
-      <a:schemeClr val="accent3">
-        <a:tint val="40000"/>
-        <a:alpha val="90000"/>
-      </a:schemeClr>
-    </dgm:linClrLst>
-    <dgm:effectClrLst/>
-    <dgm:txLinClrLst/>
-    <dgm:txFillClrLst meth="repeat">
-      <a:schemeClr val="dk1"/>
-    </dgm:txFillClrLst>
-    <dgm:txEffectClrLst/>
-  </dgm:styleLbl>
-  <dgm:styleLbl name="bgImgPlace1">
-    <dgm:fillClrLst>
-      <a:schemeClr val="accent2">
-        <a:tint val="50000"/>
-      </a:schemeClr>
-      <a:schemeClr val="accent3">
-        <a:tint val="20000"/>
-      </a:schemeClr>
-    </dgm:fillClrLst>
-    <dgm:linClrLst meth="repeat">
-      <a:schemeClr val="lt1"/>
-    </dgm:linClrLst>
-    <dgm:effectClrLst/>
-    <dgm:txLinClrLst/>
-    <dgm:txFillClrLst meth="repeat">
-      <a:schemeClr val="lt1"/>
-    </dgm:txFillClrLst>
-    <dgm:txEffectClrLst/>
-  </dgm:styleLbl>
-  <dgm:styleLbl name="bgShp">
-    <dgm:fillClrLst meth="repeat">
-      <a:schemeClr val="accent2">
-        <a:tint val="40000"/>
-      </a:schemeClr>
-    </dgm:fillClrLst>
-    <dgm:linClrLst meth="repeat">
-      <a:schemeClr val="dk1"/>
-    </dgm:linClrLst>
-    <dgm:effectClrLst/>
-    <dgm:txLinClrLst/>
-    <dgm:txFillClrLst meth="repeat">
-      <a:schemeClr val="dk1"/>
-    </dgm:txFillClrLst>
-    <dgm:txEffectClrLst/>
-  </dgm:styleLbl>
-  <dgm:styleLbl name="bgSibTrans2D1">
-    <dgm:fillClrLst>
-      <a:schemeClr val="accent2"/>
-      <a:schemeClr val="accent3"/>
-    </dgm:fillClrLst>
-    <dgm:linClrLst meth="repeat">
-      <a:schemeClr val="lt1"/>
-    </dgm:linClrLst>
-    <dgm:effectClrLst/>
-    <dgm:txLinClrLst/>
-    <dgm:txFillClrLst meth="repeat">
-      <a:schemeClr val="lt1"/>
-    </dgm:txFillClrLst>
-    <dgm:txEffectClrLst/>
-  </dgm:styleLbl>
-  <dgm:styleLbl name="callout">
-    <dgm:fillClrLst meth="repeat">
-      <a:schemeClr val="accent2"/>
-    </dgm:fillClrLst>
-    <dgm:linClrLst meth="repeat">
-      <a:schemeClr val="accent2">
-        <a:tint val="50000"/>
-      </a:schemeClr>
-    </dgm:linClrLst>
-    <dgm:effectClrLst/>
-    <dgm:txLinClrLst/>
-    <dgm:txFillClrLst meth="repeat">
-      <a:schemeClr val="tx1"/>
-    </dgm:txFillClrLst>
-    <dgm:txEffectClrLst/>
-  </dgm:styleLbl>
-  <dgm:styleLbl name="conFgAcc1">
-    <dgm:fillClrLst meth="repeat">
-      <a:schemeClr val="lt1">
-        <a:alpha val="90000"/>
-      </a:schemeClr>
-    </dgm:fillClrLst>
-    <dgm:linClrLst>
-      <a:schemeClr val="accent2"/>
-      <a:schemeClr val="accent3"/>
-    </dgm:linClrLst>
-    <dgm:effectClrLst/>
-    <dgm:txLinClrLst/>
-    <dgm:txFillClrLst meth="repeat">
-      <a:schemeClr val="dk1"/>
-    </dgm:txFillClrLst>
-    <dgm:txEffectClrLst/>
-  </dgm:styleLbl>
-  <dgm:styleLbl name="dkBgShp">
-    <dgm:fillClrLst meth="repeat">
-      <a:schemeClr val="accent2">
-        <a:shade val="90000"/>
-      </a:schemeClr>
-    </dgm:fillClrLst>
-    <dgm:linClrLst meth="repeat">
-      <a:schemeClr val="dk1"/>
-    </dgm:linClrLst>
-    <dgm:effectClrLst/>
-    <dgm:txLinClrLst/>
-    <dgm:txFillClrLst meth="repeat">
-      <a:schemeClr val="lt1"/>
-    </dgm:txFillClrLst>
-    <dgm:txEffectClrLst/>
-  </dgm:styleLbl>
-  <dgm:styleLbl name="fgAcc0">
-    <dgm:fillClrLst meth="repeat">
-      <a:schemeClr val="lt1">
-        <a:alpha val="90000"/>
-      </a:schemeClr>
-    </dgm:fillClrLst>
-    <dgm:linClrLst>
-      <a:schemeClr val="accent1"/>
-    </dgm:linClrLst>
-    <dgm:effectClrLst/>
-    <dgm:txLinClrLst/>
-    <dgm:txFillClrLst meth="repeat">
-      <a:schemeClr val="dk1"/>
-    </dgm:txFillClrLst>
-    <dgm:txEffectClrLst/>
-  </dgm:styleLbl>
-  <dgm:styleLbl name="fgAcc1">
-    <dgm:fillClrLst meth="repeat">
-      <a:schemeClr val="lt1">
-        <a:alpha val="90000"/>
-      </a:schemeClr>
-    </dgm:fillClrLst>
-    <dgm:linClrLst>
-      <a:schemeClr val="accent2"/>
-      <a:schemeClr val="accent3"/>
-    </dgm:linClrLst>
-    <dgm:effectClrLst/>
-    <dgm:txLinClrLst/>
-    <dgm:txFillClrLst meth="repeat">
-      <a:schemeClr val="dk1"/>
-    </dgm:txFillClrLst>
-    <dgm:txEffectClrLst/>
-  </dgm:styleLbl>
-  <dgm:styleLbl name="fgAcc2">
-    <dgm:fillClrLst meth="repeat">
-      <a:schemeClr val="lt1">
-        <a:alpha val="90000"/>
-      </a:schemeClr>
-    </dgm:fillClrLst>
-    <dgm:linClrLst>
-      <a:schemeClr val="accent3"/>
-    </dgm:linClrLst>
-    <dgm:effectClrLst/>
-    <dgm:txLinClrLst/>
-    <dgm:txFillClrLst meth="repeat">
-      <a:schemeClr val="dk1"/>
-    </dgm:txFillClrLst>
-    <dgm:txEffectClrLst/>
-  </dgm:styleLbl>
-  <dgm:styleLbl name="fgAcc3">
-    <dgm:fillClrLst meth="repeat">
-      <a:schemeClr val="lt1">
-        <a:alpha val="90000"/>
-      </a:schemeClr>
-    </dgm:fillClrLst>
-    <dgm:linClrLst>
-      <a:schemeClr val="accent4"/>
-    </dgm:linClrLst>
-    <dgm:effectClrLst/>
-    <dgm:txLinClrLst/>
-    <dgm:txFillClrLst meth="repeat">
-      <a:schemeClr val="dk1"/>
-    </dgm:txFillClrLst>
-    <dgm:txEffectClrLst/>
-  </dgm:styleLbl>
-  <dgm:styleLbl name="fgAcc4">
-    <dgm:fillClrLst meth="repeat">
-      <a:schemeClr val="lt1">
-        <a:alpha val="90000"/>
-      </a:schemeClr>
-    </dgm:fillClrLst>
-    <dgm:linClrLst>
-      <a:schemeClr val="accent5"/>
-    </dgm:linClrLst>
-    <dgm:effectClrLst/>
-    <dgm:txLinClrLst/>
-    <dgm:txFillClrLst meth="repeat">
-      <a:schemeClr val="dk1"/>
-    </dgm:txFillClrLst>
-    <dgm:txEffectClrLst/>
-  </dgm:styleLbl>
-  <dgm:styleLbl name="fgAccFollowNode1">
-    <dgm:fillClrLst>
-      <a:schemeClr val="accent2">
-        <a:tint val="40000"/>
-        <a:alpha val="90000"/>
-      </a:schemeClr>
-      <a:schemeClr val="accent3">
-        <a:tint val="40000"/>
-        <a:alpha val="90000"/>
-      </a:schemeClr>
-    </dgm:fillClrLst>
-    <dgm:linClrLst>
-      <a:schemeClr val="accent2">
-        <a:tint val="40000"/>
-        <a:alpha val="90000"/>
-      </a:schemeClr>
-      <a:schemeClr val="accent3">
-        <a:tint val="40000"/>
-        <a:alpha val="90000"/>
-      </a:schemeClr>
-    </dgm:linClrLst>
-    <dgm:effectClrLst/>
-    <dgm:txLinClrLst/>
-    <dgm:txFillClrLst meth="repeat">
-      <a:schemeClr val="dk1"/>
-    </dgm:txFillClrLst>
-    <dgm:txEffectClrLst/>
-  </dgm:styleLbl>
-  <dgm:styleLbl name="fgImgPlace1">
-    <dgm:fillClrLst>
-      <a:schemeClr val="accent2">
-        <a:tint val="50000"/>
-      </a:schemeClr>
-      <a:schemeClr val="accent3">
-        <a:tint val="50000"/>
-      </a:schemeClr>
-    </dgm:fillClrLst>
-    <dgm:linClrLst meth="repeat">
-      <a:schemeClr val="lt1"/>
-    </dgm:linClrLst>
-    <dgm:effectClrLst/>
-    <dgm:txLinClrLst/>
-    <dgm:txFillClrLst meth="repeat">
-      <a:schemeClr val="lt1"/>
-    </dgm:txFillClrLst>
-    <dgm:txEffectClrLst/>
-  </dgm:styleLbl>
-  <dgm:styleLbl name="fgShp">
-    <dgm:fillClrLst meth="repeat">
-      <a:schemeClr val="accent2">
-        <a:tint val="40000"/>
-      </a:schemeClr>
-    </dgm:fillClrLst>
-    <dgm:linClrLst meth="repeat">
-      <a:schemeClr val="lt1"/>
-    </dgm:linClrLst>
-    <dgm:effectClrLst/>
-    <dgm:txLinClrLst/>
-    <dgm:txFillClrLst meth="repeat">
-      <a:schemeClr val="dk1"/>
-    </dgm:txFillClrLst>
-    <dgm:txEffectClrLst/>
-  </dgm:styleLbl>
-  <dgm:styleLbl name="fgSibTrans2D1">
-    <dgm:fillClrLst>
-      <a:schemeClr val="accent2"/>
-      <a:schemeClr val="accent3"/>
-    </dgm:fillClrLst>
-    <dgm:linClrLst meth="repeat">
-      <a:schemeClr val="lt1"/>
-    </dgm:linClrLst>
-    <dgm:effectClrLst/>
-    <dgm:txLinClrLst/>
-    <dgm:txFillClrLst meth="repeat">
-      <a:schemeClr val="lt1"/>
-    </dgm:txFillClrLst>
-    <dgm:txEffectClrLst/>
-  </dgm:styleLbl>
-  <dgm:styleLbl name="lnNode1">
-    <dgm:fillClrLst>
-      <a:schemeClr val="accent2"/>
-      <a:schemeClr val="accent3"/>
-    </dgm:fillClrLst>
-    <dgm:linClrLst meth="repeat">
-      <a:schemeClr val="lt1"/>
-    </dgm:linClrLst>
-    <dgm:effectClrLst/>
-    <dgm:txLinClrLst/>
-    <dgm:txFillClrLst/>
-    <dgm:txEffectClrLst/>
-  </dgm:styleLbl>
-  <dgm:styleLbl name="node0">
-    <dgm:fillClrLst meth="repeat">
-      <a:schemeClr val="accent1"/>
-    </dgm:fillClrLst>
-    <dgm:linClrLst meth="repeat">
-      <a:schemeClr val="lt1"/>
-    </dgm:linClrLst>
-    <dgm:effectClrLst/>
-    <dgm:txLinClrLst/>
-    <dgm:txFillClrLst/>
-    <dgm:txEffectClrLst/>
-  </dgm:styleLbl>
-  <dgm:styleLbl name="node1">
-    <dgm:fillClrLst>
-      <a:schemeClr val="accent2"/>
-      <a:schemeClr val="accent3"/>
-    </dgm:fillClrLst>
-    <dgm:linClrLst meth="repeat">
-      <a:schemeClr val="lt1"/>
-    </dgm:linClrLst>
-    <dgm:effectClrLst/>
-    <dgm:txLinClrLst/>
-    <dgm:txFillClrLst/>
-    <dgm:txEffectClrLst/>
-  </dgm:styleLbl>
-  <dgm:styleLbl name="node2">
-    <dgm:fillClrLst>
-      <a:schemeClr val="accent3"/>
-    </dgm:fillClrLst>
-    <dgm:linClrLst meth="repeat">
-      <a:schemeClr val="lt1"/>
-    </dgm:linClrLst>
-    <dgm:effectClrLst/>
-    <dgm:txLinClrLst/>
-    <dgm:txFillClrLst/>
-    <dgm:txEffectClrLst/>
-  </dgm:styleLbl>
-  <dgm:styleLbl name="node3">
-    <dgm:fillClrLst>
-      <a:schemeClr val="accent4"/>
-    </dgm:fillClrLst>
-    <dgm:linClrLst meth="repeat">
-      <a:schemeClr val="lt1"/>
-    </dgm:linClrLst>
-    <dgm:effectClrLst/>
-    <dgm:txLinClrLst/>
-    <dgm:txFillClrLst/>
-    <dgm:txEffectClrLst/>
-  </dgm:styleLbl>
-  <dgm:styleLbl name="node4">
-    <dgm:fillClrLst>
-      <a:schemeClr val="accent5"/>
-    </dgm:fillClrLst>
-    <dgm:linClrLst meth="repeat">
-      <a:schemeClr val="lt1"/>
-    </dgm:linClrLst>
-    <dgm:effectClrLst/>
-    <dgm:txLinClrLst/>
-    <dgm:txFillClrLst/>
-    <dgm:txEffectClrLst/>
-  </dgm:styleLbl>
-  <dgm:styleLbl name="parChTrans1D1">
-    <dgm:fillClrLst meth="repeat">
-      <a:schemeClr val="accent2"/>
-    </dgm:fillClrLst>
-    <dgm:linClrLst meth="repeat">
-      <a:schemeClr val="accent2"/>
-    </dgm:linClrLst>
-    <dgm:effectClrLst/>
-    <dgm:txLinClrLst/>
-    <dgm:txFillClrLst meth="repeat">
-      <a:schemeClr val="tx1"/>
-    </dgm:txFillClrLst>
-    <dgm:txEffectClrLst/>
-  </dgm:styleLbl>
-  <dgm:styleLbl name="parChTrans1D2">
-    <dgm:fillClrLst meth="repeat">
-      <a:schemeClr val="accent2">
-        <a:tint val="90000"/>
-      </a:schemeClr>
-    </dgm:fillClrLst>
-    <dgm:linClrLst meth="repeat">
-      <a:schemeClr val="accent3"/>
-    </dgm:linClrLst>
-    <dgm:effectClrLst/>
-    <dgm:txLinClrLst/>
-    <dgm:txFillClrLst meth="repeat">
-      <a:schemeClr val="tx1"/>
-    </dgm:txFillClrLst>
-    <dgm:txEffectClrLst/>
-  </dgm:styleLbl>
-  <dgm:styleLbl name="parChTrans1D3">
-    <dgm:fillClrLst meth="repeat">
-      <a:schemeClr val="accent2">
-        <a:tint val="70000"/>
-      </a:schemeClr>
-    </dgm:fillClrLst>
-    <dgm:linClrLst meth="repeat">
-      <a:schemeClr val="accent4"/>
-    </dgm:linClrLst>
-    <dgm:effectClrLst/>
-    <dgm:txLinClrLst/>
-    <dgm:txFillClrLst meth="repeat">
-      <a:schemeClr val="tx1"/>
-    </dgm:txFillClrLst>
-    <dgm:txEffectClrLst/>
-  </dgm:styleLbl>
-  <dgm:styleLbl name="parChTrans1D4">
-    <dgm:fillClrLst meth="repeat">
-      <a:schemeClr val="accent2">
-        <a:tint val="50000"/>
-      </a:schemeClr>
-    </dgm:fillClrLst>
-    <dgm:linClrLst meth="repeat">
-      <a:schemeClr val="accent5"/>
-    </dgm:linClrLst>
-    <dgm:effectClrLst/>
-    <dgm:txLinClrLst/>
-    <dgm:txFillClrLst meth="repeat">
-      <a:schemeClr val="tx1"/>
-    </dgm:txFillClrLst>
-    <dgm:txEffectClrLst/>
-  </dgm:styleLbl>
-  <dgm:styleLbl name="parChTrans2D1">
-    <dgm:fillClrLst meth="repeat">
-      <a:schemeClr val="accent2"/>
-    </dgm:fillClrLst>
-    <dgm:linClrLst meth="repeat">
-      <a:schemeClr val="lt1"/>
-    </dgm:linClrLst>
-    <dgm:effectClrLst/>
-    <dgm:txLinClrLst/>
-    <dgm:txFillClrLst meth="repeat">
-      <a:schemeClr val="lt1"/>
-    </dgm:txFillClrLst>
-    <dgm:txEffectClrLst/>
-  </dgm:styleLbl>
-  <dgm:styleLbl name="parChTrans2D2">
-    <dgm:fillClrLst meth="repeat">
-      <a:schemeClr val="accent3"/>
-    </dgm:fillClrLst>
-    <dgm:linClrLst meth="repeat">
-      <a:schemeClr val="lt1"/>
-    </dgm:linClrLst>
-    <dgm:effectClrLst/>
-    <dgm:txLinClrLst/>
-    <dgm:txFillClrLst/>
-    <dgm:txEffectClrLst/>
-  </dgm:styleLbl>
-  <dgm:styleLbl name="parChTrans2D3">
-    <dgm:fillClrLst meth="repeat">
-      <a:schemeClr val="accent4"/>
-    </dgm:fillClrLst>
-    <dgm:linClrLst meth="repeat">
-      <a:schemeClr val="lt1"/>
-    </dgm:linClrLst>
-    <dgm:effectClrLst/>
-    <dgm:txLinClrLst/>
-    <dgm:txFillClrLst/>
-    <dgm:txEffectClrLst/>
-  </dgm:styleLbl>
-  <dgm:styleLbl name="parChTrans2D4">
-    <dgm:fillClrLst meth="repeat">
-      <a:schemeClr val="accent5"/>
-    </dgm:fillClrLst>
-    <dgm:linClrLst meth="repeat">
-      <a:schemeClr val="lt1"/>
-    </dgm:linClrLst>
-    <dgm:effectClrLst/>
-    <dgm:txLinClrLst/>
-    <dgm:txFillClrLst meth="repeat">
-      <a:schemeClr val="lt1"/>
-    </dgm:txFillClrLst>
-    <dgm:txEffectClrLst/>
-  </dgm:styleLbl>
-  <dgm:styleLbl name="revTx">
-    <dgm:fillClrLst meth="repeat">
-      <a:schemeClr val="lt1">
-        <a:alpha val="0"/>
-      </a:schemeClr>
-    </dgm:fillClrLst>
-    <dgm:linClrLst meth="repeat">
-      <a:schemeClr val="dk1">
-        <a:alpha val="0"/>
-      </a:schemeClr>
-    </dgm:linClrLst>
-    <dgm:effectClrLst/>
-    <dgm:txLinClrLst/>
-    <dgm:txFillClrLst meth="repeat">
-      <a:schemeClr val="tx1"/>
-    </dgm:txFillClrLst>
-    <dgm:txEffectClrLst/>
-  </dgm:styleLbl>
-  <dgm:styleLbl name="sibTrans1D1">
-    <dgm:fillClrLst/>
-    <dgm:linClrLst>
-      <a:schemeClr val="accent2"/>
-      <a:schemeClr val="accent3"/>
-    </dgm:linClrLst>
-    <dgm:effectClrLst/>
-    <dgm:txLinClrLst/>
-    <dgm:txFillClrLst meth="repeat">
-      <a:schemeClr val="tx1"/>
-    </dgm:txFillClrLst>
-    <dgm:txEffectClrLst/>
-  </dgm:styleLbl>
-  <dgm:styleLbl name="sibTrans2D1">
-    <dgm:fillClrLst>
-      <a:schemeClr val="accent2"/>
-      <a:schemeClr val="accent3"/>
-    </dgm:fillClrLst>
-    <dgm:linClrLst meth="repeat">
-      <a:schemeClr val="lt1"/>
-    </dgm:linClrLst>
-    <dgm:effectClrLst/>
-    <dgm:txLinClrLst/>
-    <dgm:txFillClrLst/>
-    <dgm:txEffectClrLst/>
-  </dgm:styleLbl>
-  <dgm:styleLbl name="solidAlignAcc1">
-    <dgm:fillClrLst meth="repeat">
-      <a:schemeClr val="lt1"/>
-    </dgm:fillClrLst>
-    <dgm:linClrLst>
-      <a:schemeClr val="accent2"/>
-      <a:schemeClr val="accent3"/>
-    </dgm:linClrLst>
-    <dgm:effectClrLst/>
-    <dgm:txLinClrLst/>
-    <dgm:txFillClrLst meth="repeat">
-      <a:schemeClr val="dk1"/>
-    </dgm:txFillClrLst>
-    <dgm:txEffectClrLst/>
-  </dgm:styleLbl>
-  <dgm:styleLbl name="solidBgAcc1">
-    <dgm:fillClrLst meth="repeat">
-      <a:schemeClr val="lt1"/>
-    </dgm:fillClrLst>
-    <dgm:linClrLst>
-      <a:schemeClr val="accent2"/>
-      <a:schemeClr val="accent3"/>
-    </dgm:linClrLst>
-    <dgm:effectClrLst/>
-    <dgm:txLinClrLst/>
-    <dgm:txFillClrLst meth="repeat">
-      <a:schemeClr val="dk1"/>
-    </dgm:txFillClrLst>
-    <dgm:txEffectClrLst/>
-  </dgm:styleLbl>
-  <dgm:styleLbl name="solidFgAcc1">
-    <dgm:fillClrLst meth="repeat">
-      <a:schemeClr val="lt1"/>
-    </dgm:fillClrLst>
-    <dgm:linClrLst>
-      <a:schemeClr val="accent2"/>
-      <a:schemeClr val="accent3"/>
-    </dgm:linClrLst>
-    <dgm:effectClrLst/>
-    <dgm:txLinClrLst/>
-    <dgm:txFillClrLst meth="repeat">
-      <a:schemeClr val="dk1"/>
-    </dgm:txFillClrLst>
-    <dgm:txEffectClrLst/>
-  </dgm:styleLbl>
-  <dgm:styleLbl name="trAlignAcc1">
-    <dgm:fillClrLst meth="repeat">
-      <a:schemeClr val="lt1">
-        <a:alpha val="40000"/>
-      </a:schemeClr>
-    </dgm:fillClrLst>
-    <dgm:linClrLst meth="repeat">
-      <a:schemeClr val="accent2"/>
-    </dgm:linClrLst>
-    <dgm:effectClrLst/>
-    <dgm:txLinClrLst/>
-    <dgm:txFillClrLst meth="repeat">
-      <a:schemeClr val="dk1"/>
-    </dgm:txFillClrLst>
-    <dgm:txEffectClrLst/>
-  </dgm:styleLbl>
-  <dgm:styleLbl name="trBgShp">
-    <dgm:fillClrLst meth="repeat">
-      <a:schemeClr val="accent2">
-        <a:tint val="50000"/>
-        <a:alpha val="40000"/>
-      </a:schemeClr>
-    </dgm:fillClrLst>
-    <dgm:linClrLst meth="repeat">
-      <a:schemeClr val="accent2"/>
-    </dgm:linClrLst>
-    <dgm:effectClrLst/>
-    <dgm:txLinClrLst/>
-    <dgm:txFillClrLst meth="repeat">
-      <a:schemeClr val="lt1"/>
-    </dgm:txFillClrLst>
-    <dgm:txEffectClrLst/>
-  </dgm:styleLbl>
-  <dgm:styleLbl name="vennNode1">
-    <dgm:fillClrLst>
-      <a:schemeClr val="accent2">
-        <a:alpha val="50000"/>
-      </a:schemeClr>
-      <a:schemeClr val="accent3">
-        <a:alpha val="50000"/>
-      </a:schemeClr>
-    </dgm:fillClrLst>
-    <dgm:linClrLst meth="repeat">
-      <a:schemeClr val="lt1"/>
-    </dgm:linClrLst>
-    <dgm:effectClrLst/>
-    <dgm:txLinClrLst/>
-    <dgm:txFillClrLst/>
-    <dgm:txEffectClrLst/>
-  </dgm:styleLbl>
-</dgm:colorsDef>
-</file>
-
-<file path=ppt/diagrams/data1.xml><?xml version="1.0" encoding="utf-8"?>
-<dgm:dataModel xmlns:dgm="http://schemas.openxmlformats.org/drawingml/2006/diagram" xmlns:a="http://schemas.openxmlformats.org/drawingml/2006/main">
-  <dgm:ptLst>
-    <dgm:pt modelId="{31D01A05-8D91-4A3B-B0F2-8CC4A100B0D7}" type="doc">
-      <dgm:prSet loTypeId="urn:microsoft.com/office/officeart/2005/8/layout/hList1" loCatId="list" qsTypeId="urn:microsoft.com/office/officeart/2005/8/quickstyle/simple1#1" qsCatId="simple" csTypeId="urn:microsoft.com/office/officeart/2005/8/colors/colorful2#1" csCatId="colorful" phldr="1"/>
-      <dgm:spPr/>
-      <dgm:t>
-        <a:bodyPr/>
-        <a:lstStyle/>
-        <a:p>
-          <a:endParaRPr lang="en-US"/>
-        </a:p>
-      </dgm:t>
-    </dgm:pt>
-    <dgm:pt modelId="{D7A6A9A9-F808-4A85-A9D0-D5EB87187CF0}">
-      <dgm:prSet/>
-      <dgm:spPr/>
-      <dgm:t>
-        <a:bodyPr/>
-        <a:lstStyle/>
-        <a:p>
-          <a:r>
-            <a:rPr lang="en-US" b="1" dirty="0"/>
-            <a:t>RNN Memory Dependency Model </a:t>
-          </a:r>
-        </a:p>
-        <a:p>
-          <a:r>
-            <a:rPr lang="en-US" dirty="0"/>
-            <a:t>(</a:t>
-          </a:r>
-          <a:r>
-            <a:rPr lang="en-US" altLang="zh-CN" dirty="0"/>
-            <a:t>1</a:t>
-          </a:r>
-          <a:r>
-            <a:rPr lang="en-US" dirty="0"/>
-            <a:t>-</a:t>
-          </a:r>
-          <a:r>
-            <a:rPr lang="en-US" altLang="zh-CN" dirty="0"/>
-            <a:t>2</a:t>
-          </a:r>
-          <a:r>
-            <a:rPr lang="en-US" dirty="0"/>
-            <a:t> weeks): </a:t>
-          </a:r>
-        </a:p>
-      </dgm:t>
-    </dgm:pt>
-    <dgm:pt modelId="{F912DCFF-72CB-49D6-8B6E-D5ECA5ABFFFE}" type="parTrans" cxnId="{A6B2B16C-3F5A-4CA4-B02C-643CE314DDB0}">
-      <dgm:prSet/>
-      <dgm:spPr/>
-      <dgm:t>
-        <a:bodyPr/>
-        <a:lstStyle/>
-        <a:p>
-          <a:endParaRPr lang="en-US"/>
-        </a:p>
-      </dgm:t>
-    </dgm:pt>
-    <dgm:pt modelId="{30E03E2C-933F-4F27-A01C-7799786D2EB7}" type="sibTrans" cxnId="{A6B2B16C-3F5A-4CA4-B02C-643CE314DDB0}">
-      <dgm:prSet/>
-      <dgm:spPr/>
-      <dgm:t>
-        <a:bodyPr/>
-        <a:lstStyle/>
-        <a:p>
-          <a:endParaRPr lang="en-US"/>
-        </a:p>
-      </dgm:t>
-    </dgm:pt>
-    <dgm:pt modelId="{44975CE7-1C59-4287-9DDF-CBA763A696A4}">
-      <dgm:prSet/>
-      <dgm:spPr/>
-      <dgm:t>
-        <a:bodyPr/>
-        <a:lstStyle/>
-        <a:p>
-          <a:r>
-            <a:rPr lang="en-US" dirty="0"/>
-            <a:t>We firstly design a RNN model to predict memory dependency for a give program. </a:t>
-          </a:r>
-        </a:p>
-      </dgm:t>
-    </dgm:pt>
-    <dgm:pt modelId="{A5E30762-6AA5-4785-887C-9979405CC5B8}" type="parTrans" cxnId="{4E2E5AD9-9E27-4FA6-A3C1-F3C9504E0F95}">
-      <dgm:prSet/>
-      <dgm:spPr/>
-      <dgm:t>
-        <a:bodyPr/>
-        <a:lstStyle/>
-        <a:p>
-          <a:endParaRPr lang="en-US"/>
-        </a:p>
-      </dgm:t>
-    </dgm:pt>
-    <dgm:pt modelId="{F0B1CC82-C1F6-4BC6-8AAF-97E7951F2319}" type="sibTrans" cxnId="{4E2E5AD9-9E27-4FA6-A3C1-F3C9504E0F95}">
-      <dgm:prSet/>
-      <dgm:spPr/>
-      <dgm:t>
-        <a:bodyPr/>
-        <a:lstStyle/>
-        <a:p>
-          <a:endParaRPr lang="en-US"/>
-        </a:p>
-      </dgm:t>
-    </dgm:pt>
-    <dgm:pt modelId="{C54C2861-8BE1-4111-A291-2B5CC4747EAF}">
-      <dgm:prSet/>
-      <dgm:spPr/>
-      <dgm:t>
-        <a:bodyPr/>
-        <a:lstStyle/>
-        <a:p>
-          <a:r>
-            <a:rPr lang="en-US" altLang="zh-CN" dirty="0"/>
-            <a:t>T</a:t>
-          </a:r>
-          <a:r>
-            <a:rPr lang="en-US" dirty="0"/>
-            <a:t>raining and </a:t>
-          </a:r>
-          <a:r>
-            <a:rPr lang="en-US" altLang="zh-CN" dirty="0"/>
-            <a:t>validation</a:t>
-          </a:r>
-          <a:r>
-            <a:rPr lang="zh-CN" altLang="en-US" dirty="0"/>
-            <a:t> </a:t>
-          </a:r>
-          <a:r>
-            <a:rPr lang="en-US" dirty="0"/>
-            <a:t>data comes from the traces of SPEC 2017. </a:t>
-          </a:r>
-        </a:p>
-      </dgm:t>
-    </dgm:pt>
-    <dgm:pt modelId="{118FE798-D21A-4BC1-BC2A-D13F0E93655D}" type="parTrans" cxnId="{41BCF9CC-8D4D-4C04-BFC5-A1C7F0A2410C}">
-      <dgm:prSet/>
-      <dgm:spPr/>
-      <dgm:t>
-        <a:bodyPr/>
-        <a:lstStyle/>
-        <a:p>
-          <a:endParaRPr lang="en-US"/>
-        </a:p>
-      </dgm:t>
-    </dgm:pt>
-    <dgm:pt modelId="{9E6DF62C-2980-418D-A86E-DFBA40E6F4E0}" type="sibTrans" cxnId="{41BCF9CC-8D4D-4C04-BFC5-A1C7F0A2410C}">
-      <dgm:prSet/>
-      <dgm:spPr/>
-      <dgm:t>
-        <a:bodyPr/>
-        <a:lstStyle/>
-        <a:p>
-          <a:endParaRPr lang="en-US"/>
-        </a:p>
-      </dgm:t>
-    </dgm:pt>
-    <dgm:pt modelId="{F5EF76F0-80A4-4120-BF00-235506D2A7CE}">
-      <dgm:prSet/>
-      <dgm:spPr/>
-      <dgm:t>
-        <a:bodyPr/>
-        <a:lstStyle/>
-        <a:p>
-          <a:r>
-            <a:rPr lang="en-US" b="1" dirty="0"/>
-            <a:t>RNN Model Analysis </a:t>
-          </a:r>
-        </a:p>
-        <a:p>
-          <a:r>
-            <a:rPr lang="en-US" dirty="0"/>
-            <a:t>(1 week): </a:t>
-          </a:r>
-        </a:p>
-      </dgm:t>
-    </dgm:pt>
-    <dgm:pt modelId="{24FE4FC9-2672-4857-97C3-03B794D5B0BE}" type="parTrans" cxnId="{2B20CF45-3100-4CE1-9118-BEE1F6E03503}">
-      <dgm:prSet/>
-      <dgm:spPr/>
-      <dgm:t>
-        <a:bodyPr/>
-        <a:lstStyle/>
-        <a:p>
-          <a:endParaRPr lang="en-US"/>
-        </a:p>
-      </dgm:t>
-    </dgm:pt>
-    <dgm:pt modelId="{1AA11E8A-0807-4463-A017-1F71E46DEEF2}" type="sibTrans" cxnId="{2B20CF45-3100-4CE1-9118-BEE1F6E03503}">
-      <dgm:prSet/>
-      <dgm:spPr/>
-      <dgm:t>
-        <a:bodyPr/>
-        <a:lstStyle/>
-        <a:p>
-          <a:endParaRPr lang="en-US"/>
-        </a:p>
-      </dgm:t>
-    </dgm:pt>
-    <dgm:pt modelId="{C7A16025-A073-49EB-952A-7E7127E09444}">
-      <dgm:prSet/>
-      <dgm:spPr/>
-      <dgm:t>
-        <a:bodyPr/>
-        <a:lstStyle/>
-        <a:p>
-          <a:r>
-            <a:rPr lang="en-US" dirty="0"/>
-            <a:t>Gain insights from visualizations and understand why model performs well. </a:t>
-          </a:r>
-        </a:p>
-      </dgm:t>
-    </dgm:pt>
-    <dgm:pt modelId="{4319C5CB-7E9B-4A7A-99D1-D476A09AFA54}" type="parTrans" cxnId="{1BE0FDC4-43AB-4585-8171-19CC807BF642}">
-      <dgm:prSet/>
-      <dgm:spPr/>
-      <dgm:t>
-        <a:bodyPr/>
-        <a:lstStyle/>
-        <a:p>
-          <a:endParaRPr lang="en-US"/>
-        </a:p>
-      </dgm:t>
-    </dgm:pt>
-    <dgm:pt modelId="{931EE775-BF15-4E37-B1FC-03038F19C388}" type="sibTrans" cxnId="{1BE0FDC4-43AB-4585-8171-19CC807BF642}">
-      <dgm:prSet/>
-      <dgm:spPr/>
-      <dgm:t>
-        <a:bodyPr/>
-        <a:lstStyle/>
-        <a:p>
-          <a:endParaRPr lang="en-US"/>
-        </a:p>
-      </dgm:t>
-    </dgm:pt>
-    <dgm:pt modelId="{94274408-9966-4E6D-B340-58875D5382F4}">
-      <dgm:prSet/>
-      <dgm:spPr/>
-      <dgm:t>
-        <a:bodyPr/>
-        <a:lstStyle/>
-        <a:p>
-          <a:r>
-            <a:rPr lang="en-US" dirty="0"/>
-            <a:t>Would be</a:t>
-          </a:r>
-          <a:r>
-            <a:rPr lang="zh-CN" dirty="0"/>
-            <a:t> </a:t>
-          </a:r>
-          <a:r>
-            <a:rPr lang="en-US" dirty="0"/>
-            <a:t>helpful to remove redundancy from our model and prepare us for the next step.</a:t>
-          </a:r>
-        </a:p>
-      </dgm:t>
-    </dgm:pt>
-    <dgm:pt modelId="{703BF3F6-CFB9-47C8-85B4-6EEF15CB873D}" type="parTrans" cxnId="{B0D3BD67-865C-46BD-8D17-BFDD4271371D}">
-      <dgm:prSet/>
-      <dgm:spPr/>
-      <dgm:t>
-        <a:bodyPr/>
-        <a:lstStyle/>
-        <a:p>
-          <a:endParaRPr lang="en-US"/>
-        </a:p>
-      </dgm:t>
-    </dgm:pt>
-    <dgm:pt modelId="{F699C137-1E3D-40F3-95E1-FF19B96EB972}" type="sibTrans" cxnId="{B0D3BD67-865C-46BD-8D17-BFDD4271371D}">
-      <dgm:prSet/>
-      <dgm:spPr/>
-      <dgm:t>
-        <a:bodyPr/>
-        <a:lstStyle/>
-        <a:p>
-          <a:endParaRPr lang="en-US"/>
-        </a:p>
-      </dgm:t>
-    </dgm:pt>
-    <dgm:pt modelId="{4437EA7E-EE2F-4555-A66E-FEB294F89DB3}">
-      <dgm:prSet/>
-      <dgm:spPr/>
-      <dgm:t>
-        <a:bodyPr/>
-        <a:lstStyle/>
-        <a:p>
-          <a:r>
-            <a:rPr lang="en-US" b="1" dirty="0"/>
-            <a:t>Practical Model for Hardware Implementation </a:t>
-          </a:r>
-        </a:p>
-        <a:p>
-          <a:r>
-            <a:rPr lang="en-US" dirty="0"/>
-            <a:t>(2-3 weeks)</a:t>
-          </a:r>
-        </a:p>
-      </dgm:t>
-    </dgm:pt>
-    <dgm:pt modelId="{88BA01BC-F953-4DB0-88B3-88A850E6A89C}" type="parTrans" cxnId="{BAF59BCA-E034-462B-B2C6-75FA18750E45}">
-      <dgm:prSet/>
-      <dgm:spPr/>
-      <dgm:t>
-        <a:bodyPr/>
-        <a:lstStyle/>
-        <a:p>
-          <a:endParaRPr lang="en-US"/>
-        </a:p>
-      </dgm:t>
-    </dgm:pt>
-    <dgm:pt modelId="{A964AE30-387E-4EBF-BA5A-6C4A1D31601B}" type="sibTrans" cxnId="{BAF59BCA-E034-462B-B2C6-75FA18750E45}">
-      <dgm:prSet/>
-      <dgm:spPr/>
-      <dgm:t>
-        <a:bodyPr/>
-        <a:lstStyle/>
-        <a:p>
-          <a:endParaRPr lang="en-US"/>
-        </a:p>
-      </dgm:t>
-    </dgm:pt>
-    <dgm:pt modelId="{F1A4302F-0008-43F8-880C-5FAD7FDFB3F1}">
-      <dgm:prSet/>
-      <dgm:spPr/>
-      <dgm:t>
-        <a:bodyPr/>
-        <a:lstStyle/>
-        <a:p>
-          <a:r>
-            <a:rPr lang="en-US" dirty="0"/>
-            <a:t>Simplified the previous proposed RNN model and implement on </a:t>
-          </a:r>
-          <a:r>
-            <a:rPr lang="en-US" dirty="0" err="1"/>
-            <a:t>MacSim</a:t>
-          </a:r>
-          <a:r>
-            <a:rPr lang="zh-CN" altLang="en-US" dirty="0"/>
-            <a:t> </a:t>
-          </a:r>
-          <a:r>
-            <a:rPr lang="en-US" altLang="zh-CN" dirty="0"/>
-            <a:t>or</a:t>
-          </a:r>
-          <a:r>
-            <a:rPr lang="zh-CN" altLang="en-US" dirty="0"/>
-            <a:t> </a:t>
-          </a:r>
-          <a:r>
-            <a:rPr lang="en-US" altLang="zh-CN" dirty="0"/>
-            <a:t>Gem5</a:t>
-          </a:r>
-          <a:r>
-            <a:rPr lang="en-US" dirty="0"/>
-            <a:t>. </a:t>
-          </a:r>
-        </a:p>
-      </dgm:t>
-    </dgm:pt>
-    <dgm:pt modelId="{ED9C6B5F-E589-4467-AEEB-C79AC33CEB50}" type="parTrans" cxnId="{53440280-421F-462A-A809-695E04ED6FAC}">
-      <dgm:prSet/>
-      <dgm:spPr/>
-      <dgm:t>
-        <a:bodyPr/>
-        <a:lstStyle/>
-        <a:p>
-          <a:endParaRPr lang="en-US"/>
-        </a:p>
-      </dgm:t>
-    </dgm:pt>
-    <dgm:pt modelId="{423E4D96-FE09-4AEF-B36D-CAB0BC91B580}" type="sibTrans" cxnId="{53440280-421F-462A-A809-695E04ED6FAC}">
-      <dgm:prSet/>
-      <dgm:spPr/>
-      <dgm:t>
-        <a:bodyPr/>
-        <a:lstStyle/>
-        <a:p>
-          <a:endParaRPr lang="en-US"/>
-        </a:p>
-      </dgm:t>
-    </dgm:pt>
-    <dgm:pt modelId="{9E457520-C275-AC4E-AF68-B8BFF9C30ADE}">
-      <dgm:prSet/>
-      <dgm:spPr/>
-      <dgm:t>
-        <a:bodyPr/>
-        <a:lstStyle/>
-        <a:p>
-          <a:endParaRPr lang="en-US" dirty="0"/>
-        </a:p>
-      </dgm:t>
-    </dgm:pt>
-    <dgm:pt modelId="{30E4E898-3796-CD4E-96EE-7EB34AFB444D}" type="parTrans" cxnId="{D713EBA6-9F95-7242-A6B5-9D6BED7F22BC}">
-      <dgm:prSet/>
-      <dgm:spPr/>
-      <dgm:t>
-        <a:bodyPr/>
-        <a:lstStyle/>
-        <a:p>
-          <a:endParaRPr lang="en-US"/>
-        </a:p>
-      </dgm:t>
-    </dgm:pt>
-    <dgm:pt modelId="{1AC9E847-CEA8-EC45-AD69-EF66A4E79436}" type="sibTrans" cxnId="{D713EBA6-9F95-7242-A6B5-9D6BED7F22BC}">
-      <dgm:prSet/>
-      <dgm:spPr/>
-      <dgm:t>
-        <a:bodyPr/>
-        <a:lstStyle/>
-        <a:p>
-          <a:endParaRPr lang="en-US"/>
-        </a:p>
-      </dgm:t>
-    </dgm:pt>
-    <dgm:pt modelId="{F17D96DA-7393-FD41-87AB-F33FC72D739D}">
-      <dgm:prSet/>
-      <dgm:spPr/>
-      <dgm:t>
-        <a:bodyPr/>
-        <a:lstStyle/>
-        <a:p>
-          <a:endParaRPr lang="en-US" dirty="0"/>
-        </a:p>
-      </dgm:t>
-    </dgm:pt>
-    <dgm:pt modelId="{0A42C2F9-D3EF-A74B-9456-0953D7AC68BC}" type="parTrans" cxnId="{FE9F3FC7-20E3-3B4B-A50C-E9E3E3D2752F}">
-      <dgm:prSet/>
-      <dgm:spPr/>
-      <dgm:t>
-        <a:bodyPr/>
-        <a:lstStyle/>
-        <a:p>
-          <a:endParaRPr lang="en-US"/>
-        </a:p>
-      </dgm:t>
-    </dgm:pt>
-    <dgm:pt modelId="{B6346A88-8459-CC4B-B209-A3B63845285B}" type="sibTrans" cxnId="{FE9F3FC7-20E3-3B4B-A50C-E9E3E3D2752F}">
-      <dgm:prSet/>
-      <dgm:spPr/>
-      <dgm:t>
-        <a:bodyPr/>
-        <a:lstStyle/>
-        <a:p>
-          <a:endParaRPr lang="en-US"/>
-        </a:p>
-      </dgm:t>
-    </dgm:pt>
-    <dgm:pt modelId="{459499F1-F154-A24B-8A72-864D37A2713C}">
-      <dgm:prSet/>
-      <dgm:spPr/>
-      <dgm:t>
-        <a:bodyPr/>
-        <a:lstStyle/>
-        <a:p>
-          <a:r>
-            <a:rPr lang="en-US" dirty="0"/>
-            <a:t>Evaluate the result</a:t>
-          </a:r>
-          <a:r>
-            <a:rPr lang="zh-CN" altLang="en-US" dirty="0"/>
-            <a:t> </a:t>
-          </a:r>
-          <a:r>
-            <a:rPr lang="en-US" altLang="zh-CN" dirty="0"/>
-            <a:t>and</a:t>
-          </a:r>
-          <a:r>
-            <a:rPr lang="zh-CN" altLang="en-US" dirty="0"/>
-            <a:t> </a:t>
-          </a:r>
-          <a:r>
-            <a:rPr lang="en-US" altLang="zh-CN" dirty="0"/>
-            <a:t>write</a:t>
-          </a:r>
-          <a:r>
-            <a:rPr lang="zh-CN" altLang="en-US" dirty="0"/>
-            <a:t> </a:t>
-          </a:r>
-          <a:r>
-            <a:rPr lang="en-US" altLang="zh-CN" dirty="0"/>
-            <a:t>the</a:t>
-          </a:r>
-          <a:r>
-            <a:rPr lang="zh-CN" altLang="en-US" dirty="0"/>
-            <a:t> </a:t>
-          </a:r>
-          <a:r>
-            <a:rPr lang="en-US" altLang="zh-CN" dirty="0"/>
-            <a:t>paper</a:t>
-          </a:r>
-          <a:endParaRPr lang="en-US" dirty="0"/>
-        </a:p>
-      </dgm:t>
-    </dgm:pt>
-    <dgm:pt modelId="{557D1A43-118B-B148-8CC8-019419D223BD}" type="parTrans" cxnId="{4F00CDE3-6ABA-3142-BAD0-C2DA31E43ECE}">
-      <dgm:prSet/>
-      <dgm:spPr/>
-    </dgm:pt>
-    <dgm:pt modelId="{8040B919-47B8-9844-8D34-25FB29D8F6D6}" type="sibTrans" cxnId="{4F00CDE3-6ABA-3142-BAD0-C2DA31E43ECE}">
-      <dgm:prSet/>
-      <dgm:spPr/>
-    </dgm:pt>
-    <dgm:pt modelId="{AE4566BD-5B53-C54D-87AD-9EF21CB2F77B}">
-      <dgm:prSet/>
-      <dgm:spPr/>
-      <dgm:t>
-        <a:bodyPr/>
-        <a:lstStyle/>
-        <a:p>
-          <a:endParaRPr lang="en-US" dirty="0"/>
-        </a:p>
-      </dgm:t>
-    </dgm:pt>
-    <dgm:pt modelId="{A57B505F-EEEE-8840-9B1A-10A3A17C1E71}" type="parTrans" cxnId="{D7BB28A4-EB9B-AC48-B4FA-35DF2541E78E}">
-      <dgm:prSet/>
-      <dgm:spPr/>
-    </dgm:pt>
-    <dgm:pt modelId="{B00F7234-5F09-E44F-B455-04A43361D0D3}" type="sibTrans" cxnId="{D7BB28A4-EB9B-AC48-B4FA-35DF2541E78E}">
-      <dgm:prSet/>
-      <dgm:spPr/>
-    </dgm:pt>
-    <dgm:pt modelId="{5BFBC0BF-4494-3645-845C-537223B69E15}" type="pres">
-      <dgm:prSet presAssocID="{31D01A05-8D91-4A3B-B0F2-8CC4A100B0D7}" presName="Name0" presStyleCnt="0">
-        <dgm:presLayoutVars>
-          <dgm:dir/>
-          <dgm:animLvl val="lvl"/>
-          <dgm:resizeHandles val="exact"/>
-        </dgm:presLayoutVars>
-      </dgm:prSet>
-      <dgm:spPr/>
-    </dgm:pt>
-    <dgm:pt modelId="{6D40CAC0-A32C-6946-8439-DA2D1B6BEFB0}" type="pres">
-      <dgm:prSet presAssocID="{D7A6A9A9-F808-4A85-A9D0-D5EB87187CF0}" presName="composite" presStyleCnt="0"/>
-      <dgm:spPr/>
-    </dgm:pt>
-    <dgm:pt modelId="{D98604DA-E303-894D-9487-8FC70D01E634}" type="pres">
-      <dgm:prSet presAssocID="{D7A6A9A9-F808-4A85-A9D0-D5EB87187CF0}" presName="parTx" presStyleLbl="alignNode1" presStyleIdx="0" presStyleCnt="3">
-        <dgm:presLayoutVars>
-          <dgm:chMax val="0"/>
-          <dgm:chPref val="0"/>
-          <dgm:bulletEnabled val="1"/>
-        </dgm:presLayoutVars>
-      </dgm:prSet>
-      <dgm:spPr/>
-    </dgm:pt>
-    <dgm:pt modelId="{4A61995E-F971-874C-8BEC-4E797C4B04BD}" type="pres">
-      <dgm:prSet presAssocID="{D7A6A9A9-F808-4A85-A9D0-D5EB87187CF0}" presName="desTx" presStyleLbl="alignAccFollowNode1" presStyleIdx="0" presStyleCnt="3">
-        <dgm:presLayoutVars>
-          <dgm:bulletEnabled val="1"/>
-        </dgm:presLayoutVars>
-      </dgm:prSet>
-      <dgm:spPr/>
-    </dgm:pt>
-    <dgm:pt modelId="{EC145C07-82BF-F543-A837-1B16063B5E77}" type="pres">
-      <dgm:prSet presAssocID="{30E03E2C-933F-4F27-A01C-7799786D2EB7}" presName="space" presStyleCnt="0"/>
-      <dgm:spPr/>
-    </dgm:pt>
-    <dgm:pt modelId="{F1E0F399-3A39-9A46-A777-E3202C11C980}" type="pres">
-      <dgm:prSet presAssocID="{F5EF76F0-80A4-4120-BF00-235506D2A7CE}" presName="composite" presStyleCnt="0"/>
-      <dgm:spPr/>
-    </dgm:pt>
-    <dgm:pt modelId="{9DF9274B-1D67-8D4D-911F-4B3A37C9948D}" type="pres">
-      <dgm:prSet presAssocID="{F5EF76F0-80A4-4120-BF00-235506D2A7CE}" presName="parTx" presStyleLbl="alignNode1" presStyleIdx="1" presStyleCnt="3">
-        <dgm:presLayoutVars>
-          <dgm:chMax val="0"/>
-          <dgm:chPref val="0"/>
-          <dgm:bulletEnabled val="1"/>
-        </dgm:presLayoutVars>
-      </dgm:prSet>
-      <dgm:spPr/>
-    </dgm:pt>
-    <dgm:pt modelId="{9D840ACB-5713-984F-BBE1-B79B5212E13E}" type="pres">
-      <dgm:prSet presAssocID="{F5EF76F0-80A4-4120-BF00-235506D2A7CE}" presName="desTx" presStyleLbl="alignAccFollowNode1" presStyleIdx="1" presStyleCnt="3">
-        <dgm:presLayoutVars>
-          <dgm:bulletEnabled val="1"/>
-        </dgm:presLayoutVars>
-      </dgm:prSet>
-      <dgm:spPr/>
-    </dgm:pt>
-    <dgm:pt modelId="{7679BFBF-15DF-EE4C-ADBD-227E33A4BD71}" type="pres">
-      <dgm:prSet presAssocID="{1AA11E8A-0807-4463-A017-1F71E46DEEF2}" presName="space" presStyleCnt="0"/>
-      <dgm:spPr/>
-    </dgm:pt>
-    <dgm:pt modelId="{606211EF-8502-3C4C-9D81-09B4EE4CF6ED}" type="pres">
-      <dgm:prSet presAssocID="{4437EA7E-EE2F-4555-A66E-FEB294F89DB3}" presName="composite" presStyleCnt="0"/>
-      <dgm:spPr/>
-    </dgm:pt>
-    <dgm:pt modelId="{5B03C5EE-7797-5D42-9D72-F7E05D574061}" type="pres">
-      <dgm:prSet presAssocID="{4437EA7E-EE2F-4555-A66E-FEB294F89DB3}" presName="parTx" presStyleLbl="alignNode1" presStyleIdx="2" presStyleCnt="3">
-        <dgm:presLayoutVars>
-          <dgm:chMax val="0"/>
-          <dgm:chPref val="0"/>
-          <dgm:bulletEnabled val="1"/>
-        </dgm:presLayoutVars>
-      </dgm:prSet>
-      <dgm:spPr/>
-    </dgm:pt>
-    <dgm:pt modelId="{76322DA3-88ED-1E4D-A18E-C0A4CD60367C}" type="pres">
-      <dgm:prSet presAssocID="{4437EA7E-EE2F-4555-A66E-FEB294F89DB3}" presName="desTx" presStyleLbl="alignAccFollowNode1" presStyleIdx="2" presStyleCnt="3">
-        <dgm:presLayoutVars>
-          <dgm:bulletEnabled val="1"/>
-        </dgm:presLayoutVars>
-      </dgm:prSet>
-      <dgm:spPr/>
-    </dgm:pt>
-  </dgm:ptLst>
-  <dgm:cxnLst>
-    <dgm:cxn modelId="{F5F8D911-060B-9C40-A826-2918F8B023FE}" type="presOf" srcId="{94274408-9966-4E6D-B340-58875D5382F4}" destId="{9D840ACB-5713-984F-BBE1-B79B5212E13E}" srcOrd="0" destOrd="2" presId="urn:microsoft.com/office/officeart/2005/8/layout/hList1"/>
-    <dgm:cxn modelId="{30DF381E-3E9F-A446-B68E-C93D5D8038E5}" type="presOf" srcId="{F5EF76F0-80A4-4120-BF00-235506D2A7CE}" destId="{9DF9274B-1D67-8D4D-911F-4B3A37C9948D}" srcOrd="0" destOrd="0" presId="urn:microsoft.com/office/officeart/2005/8/layout/hList1"/>
-    <dgm:cxn modelId="{54026534-C288-BE4F-9F07-0E5BE8626AA9}" type="presOf" srcId="{F1A4302F-0008-43F8-880C-5FAD7FDFB3F1}" destId="{76322DA3-88ED-1E4D-A18E-C0A4CD60367C}" srcOrd="0" destOrd="0" presId="urn:microsoft.com/office/officeart/2005/8/layout/hList1"/>
-    <dgm:cxn modelId="{2B20CF45-3100-4CE1-9118-BEE1F6E03503}" srcId="{31D01A05-8D91-4A3B-B0F2-8CC4A100B0D7}" destId="{F5EF76F0-80A4-4120-BF00-235506D2A7CE}" srcOrd="1" destOrd="0" parTransId="{24FE4FC9-2672-4857-97C3-03B794D5B0BE}" sibTransId="{1AA11E8A-0807-4463-A017-1F71E46DEEF2}"/>
-    <dgm:cxn modelId="{70CEDE48-671E-DB47-820D-910EB2720C5B}" type="presOf" srcId="{C54C2861-8BE1-4111-A291-2B5CC4747EAF}" destId="{4A61995E-F971-874C-8BEC-4E797C4B04BD}" srcOrd="0" destOrd="2" presId="urn:microsoft.com/office/officeart/2005/8/layout/hList1"/>
-    <dgm:cxn modelId="{9406D65B-DD6A-9044-B16C-E5060F1407E4}" type="presOf" srcId="{459499F1-F154-A24B-8A72-864D37A2713C}" destId="{76322DA3-88ED-1E4D-A18E-C0A4CD60367C}" srcOrd="0" destOrd="2" presId="urn:microsoft.com/office/officeart/2005/8/layout/hList1"/>
-    <dgm:cxn modelId="{B0D3BD67-865C-46BD-8D17-BFDD4271371D}" srcId="{F5EF76F0-80A4-4120-BF00-235506D2A7CE}" destId="{94274408-9966-4E6D-B340-58875D5382F4}" srcOrd="2" destOrd="0" parTransId="{703BF3F6-CFB9-47C8-85B4-6EEF15CB873D}" sibTransId="{F699C137-1E3D-40F3-95E1-FF19B96EB972}"/>
-    <dgm:cxn modelId="{66ACA46A-3956-854D-B47A-097F08141C06}" type="presOf" srcId="{AE4566BD-5B53-C54D-87AD-9EF21CB2F77B}" destId="{76322DA3-88ED-1E4D-A18E-C0A4CD60367C}" srcOrd="0" destOrd="1" presId="urn:microsoft.com/office/officeart/2005/8/layout/hList1"/>
-    <dgm:cxn modelId="{A6B2B16C-3F5A-4CA4-B02C-643CE314DDB0}" srcId="{31D01A05-8D91-4A3B-B0F2-8CC4A100B0D7}" destId="{D7A6A9A9-F808-4A85-A9D0-D5EB87187CF0}" srcOrd="0" destOrd="0" parTransId="{F912DCFF-72CB-49D6-8B6E-D5ECA5ABFFFE}" sibTransId="{30E03E2C-933F-4F27-A01C-7799786D2EB7}"/>
-    <dgm:cxn modelId="{53440280-421F-462A-A809-695E04ED6FAC}" srcId="{4437EA7E-EE2F-4555-A66E-FEB294F89DB3}" destId="{F1A4302F-0008-43F8-880C-5FAD7FDFB3F1}" srcOrd="0" destOrd="0" parTransId="{ED9C6B5F-E589-4467-AEEB-C79AC33CEB50}" sibTransId="{423E4D96-FE09-4AEF-B36D-CAB0BC91B580}"/>
-    <dgm:cxn modelId="{E924BAA2-6BF3-C847-A9CA-D81725925FC8}" type="presOf" srcId="{C7A16025-A073-49EB-952A-7E7127E09444}" destId="{9D840ACB-5713-984F-BBE1-B79B5212E13E}" srcOrd="0" destOrd="0" presId="urn:microsoft.com/office/officeart/2005/8/layout/hList1"/>
-    <dgm:cxn modelId="{D7BB28A4-EB9B-AC48-B4FA-35DF2541E78E}" srcId="{4437EA7E-EE2F-4555-A66E-FEB294F89DB3}" destId="{AE4566BD-5B53-C54D-87AD-9EF21CB2F77B}" srcOrd="1" destOrd="0" parTransId="{A57B505F-EEEE-8840-9B1A-10A3A17C1E71}" sibTransId="{B00F7234-5F09-E44F-B455-04A43361D0D3}"/>
-    <dgm:cxn modelId="{D713EBA6-9F95-7242-A6B5-9D6BED7F22BC}" srcId="{D7A6A9A9-F808-4A85-A9D0-D5EB87187CF0}" destId="{9E457520-C275-AC4E-AF68-B8BFF9C30ADE}" srcOrd="1" destOrd="0" parTransId="{30E4E898-3796-CD4E-96EE-7EB34AFB444D}" sibTransId="{1AC9E847-CEA8-EC45-AD69-EF66A4E79436}"/>
-    <dgm:cxn modelId="{676D23AB-FA0C-E444-B8A8-B0C12EDE1C99}" type="presOf" srcId="{44975CE7-1C59-4287-9DDF-CBA763A696A4}" destId="{4A61995E-F971-874C-8BEC-4E797C4B04BD}" srcOrd="0" destOrd="0" presId="urn:microsoft.com/office/officeart/2005/8/layout/hList1"/>
-    <dgm:cxn modelId="{065D2CAD-B294-ED41-B73F-0842A2386114}" type="presOf" srcId="{4437EA7E-EE2F-4555-A66E-FEB294F89DB3}" destId="{5B03C5EE-7797-5D42-9D72-F7E05D574061}" srcOrd="0" destOrd="0" presId="urn:microsoft.com/office/officeart/2005/8/layout/hList1"/>
-    <dgm:cxn modelId="{914686B1-EDDB-D449-8368-691E90270E00}" type="presOf" srcId="{F17D96DA-7393-FD41-87AB-F33FC72D739D}" destId="{9D840ACB-5713-984F-BBE1-B79B5212E13E}" srcOrd="0" destOrd="1" presId="urn:microsoft.com/office/officeart/2005/8/layout/hList1"/>
-    <dgm:cxn modelId="{1BE0FDC4-43AB-4585-8171-19CC807BF642}" srcId="{F5EF76F0-80A4-4120-BF00-235506D2A7CE}" destId="{C7A16025-A073-49EB-952A-7E7127E09444}" srcOrd="0" destOrd="0" parTransId="{4319C5CB-7E9B-4A7A-99D1-D476A09AFA54}" sibTransId="{931EE775-BF15-4E37-B1FC-03038F19C388}"/>
-    <dgm:cxn modelId="{FE9F3FC7-20E3-3B4B-A50C-E9E3E3D2752F}" srcId="{F5EF76F0-80A4-4120-BF00-235506D2A7CE}" destId="{F17D96DA-7393-FD41-87AB-F33FC72D739D}" srcOrd="1" destOrd="0" parTransId="{0A42C2F9-D3EF-A74B-9456-0953D7AC68BC}" sibTransId="{B6346A88-8459-CC4B-B209-A3B63845285B}"/>
-    <dgm:cxn modelId="{BAF59BCA-E034-462B-B2C6-75FA18750E45}" srcId="{31D01A05-8D91-4A3B-B0F2-8CC4A100B0D7}" destId="{4437EA7E-EE2F-4555-A66E-FEB294F89DB3}" srcOrd="2" destOrd="0" parTransId="{88BA01BC-F953-4DB0-88B3-88A850E6A89C}" sibTransId="{A964AE30-387E-4EBF-BA5A-6C4A1D31601B}"/>
-    <dgm:cxn modelId="{41BCF9CC-8D4D-4C04-BFC5-A1C7F0A2410C}" srcId="{D7A6A9A9-F808-4A85-A9D0-D5EB87187CF0}" destId="{C54C2861-8BE1-4111-A291-2B5CC4747EAF}" srcOrd="2" destOrd="0" parTransId="{118FE798-D21A-4BC1-BC2A-D13F0E93655D}" sibTransId="{9E6DF62C-2980-418D-A86E-DFBA40E6F4E0}"/>
-    <dgm:cxn modelId="{6A4CE9CF-8BC7-A241-A4E7-A621A0F1D36C}" type="presOf" srcId="{31D01A05-8D91-4A3B-B0F2-8CC4A100B0D7}" destId="{5BFBC0BF-4494-3645-845C-537223B69E15}" srcOrd="0" destOrd="0" presId="urn:microsoft.com/office/officeart/2005/8/layout/hList1"/>
-    <dgm:cxn modelId="{4B7B28D1-DBCB-744B-9E7E-C5AE1244A2BD}" type="presOf" srcId="{D7A6A9A9-F808-4A85-A9D0-D5EB87187CF0}" destId="{D98604DA-E303-894D-9487-8FC70D01E634}" srcOrd="0" destOrd="0" presId="urn:microsoft.com/office/officeart/2005/8/layout/hList1"/>
-    <dgm:cxn modelId="{4E2E5AD9-9E27-4FA6-A3C1-F3C9504E0F95}" srcId="{D7A6A9A9-F808-4A85-A9D0-D5EB87187CF0}" destId="{44975CE7-1C59-4287-9DDF-CBA763A696A4}" srcOrd="0" destOrd="0" parTransId="{A5E30762-6AA5-4785-887C-9979405CC5B8}" sibTransId="{F0B1CC82-C1F6-4BC6-8AAF-97E7951F2319}"/>
-    <dgm:cxn modelId="{4F00CDE3-6ABA-3142-BAD0-C2DA31E43ECE}" srcId="{4437EA7E-EE2F-4555-A66E-FEB294F89DB3}" destId="{459499F1-F154-A24B-8A72-864D37A2713C}" srcOrd="2" destOrd="0" parTransId="{557D1A43-118B-B148-8CC8-019419D223BD}" sibTransId="{8040B919-47B8-9844-8D34-25FB29D8F6D6}"/>
-    <dgm:cxn modelId="{0CEA51ED-12D1-5C4D-A790-35BC7FECAD68}" type="presOf" srcId="{9E457520-C275-AC4E-AF68-B8BFF9C30ADE}" destId="{4A61995E-F971-874C-8BEC-4E797C4B04BD}" srcOrd="0" destOrd="1" presId="urn:microsoft.com/office/officeart/2005/8/layout/hList1"/>
-    <dgm:cxn modelId="{66C09830-A576-1F41-B4EB-3505B9C1D259}" type="presParOf" srcId="{5BFBC0BF-4494-3645-845C-537223B69E15}" destId="{6D40CAC0-A32C-6946-8439-DA2D1B6BEFB0}" srcOrd="0" destOrd="0" presId="urn:microsoft.com/office/officeart/2005/8/layout/hList1"/>
-    <dgm:cxn modelId="{85C7930A-E818-4046-BD62-6BBA4B98952F}" type="presParOf" srcId="{6D40CAC0-A32C-6946-8439-DA2D1B6BEFB0}" destId="{D98604DA-E303-894D-9487-8FC70D01E634}" srcOrd="0" destOrd="0" presId="urn:microsoft.com/office/officeart/2005/8/layout/hList1"/>
-    <dgm:cxn modelId="{0576BB72-B057-3C4D-AC40-EC45CEBDC9C6}" type="presParOf" srcId="{6D40CAC0-A32C-6946-8439-DA2D1B6BEFB0}" destId="{4A61995E-F971-874C-8BEC-4E797C4B04BD}" srcOrd="1" destOrd="0" presId="urn:microsoft.com/office/officeart/2005/8/layout/hList1"/>
-    <dgm:cxn modelId="{1B9C61ED-4657-8B4B-9183-126DABA43CF6}" type="presParOf" srcId="{5BFBC0BF-4494-3645-845C-537223B69E15}" destId="{EC145C07-82BF-F543-A837-1B16063B5E77}" srcOrd="1" destOrd="0" presId="urn:microsoft.com/office/officeart/2005/8/layout/hList1"/>
-    <dgm:cxn modelId="{987AE273-542C-B346-A17F-2FDD7B73B346}" type="presParOf" srcId="{5BFBC0BF-4494-3645-845C-537223B69E15}" destId="{F1E0F399-3A39-9A46-A777-E3202C11C980}" srcOrd="2" destOrd="0" presId="urn:microsoft.com/office/officeart/2005/8/layout/hList1"/>
-    <dgm:cxn modelId="{66B2505B-6FD0-9E4D-A9A0-D8F035FFE239}" type="presParOf" srcId="{F1E0F399-3A39-9A46-A777-E3202C11C980}" destId="{9DF9274B-1D67-8D4D-911F-4B3A37C9948D}" srcOrd="0" destOrd="0" presId="urn:microsoft.com/office/officeart/2005/8/layout/hList1"/>
-    <dgm:cxn modelId="{3400F98E-04DA-B942-A568-75ACAB7D5DF9}" type="presParOf" srcId="{F1E0F399-3A39-9A46-A777-E3202C11C980}" destId="{9D840ACB-5713-984F-BBE1-B79B5212E13E}" srcOrd="1" destOrd="0" presId="urn:microsoft.com/office/officeart/2005/8/layout/hList1"/>
-    <dgm:cxn modelId="{761A7C6A-EB97-F044-B715-44B5E40AB2E2}" type="presParOf" srcId="{5BFBC0BF-4494-3645-845C-537223B69E15}" destId="{7679BFBF-15DF-EE4C-ADBD-227E33A4BD71}" srcOrd="3" destOrd="0" presId="urn:microsoft.com/office/officeart/2005/8/layout/hList1"/>
-    <dgm:cxn modelId="{E457B72C-F9A0-094A-90A8-9D7E6D624AC3}" type="presParOf" srcId="{5BFBC0BF-4494-3645-845C-537223B69E15}" destId="{606211EF-8502-3C4C-9D81-09B4EE4CF6ED}" srcOrd="4" destOrd="0" presId="urn:microsoft.com/office/officeart/2005/8/layout/hList1"/>
-    <dgm:cxn modelId="{1E9B074D-23AE-E847-922D-205EE9215195}" type="presParOf" srcId="{606211EF-8502-3C4C-9D81-09B4EE4CF6ED}" destId="{5B03C5EE-7797-5D42-9D72-F7E05D574061}" srcOrd="0" destOrd="0" presId="urn:microsoft.com/office/officeart/2005/8/layout/hList1"/>
-    <dgm:cxn modelId="{87E7616A-C1D1-604C-B2FF-428C482049E6}" type="presParOf" srcId="{606211EF-8502-3C4C-9D81-09B4EE4CF6ED}" destId="{76322DA3-88ED-1E4D-A18E-C0A4CD60367C}" srcOrd="1" destOrd="0" presId="urn:microsoft.com/office/officeart/2005/8/layout/hList1"/>
-  </dgm:cxnLst>
-  <dgm:bg/>
-  <dgm:whole/>
-  <dgm:extLst>
-    <a:ext uri="http://schemas.microsoft.com/office/drawing/2008/diagram">
-      <dsp:dataModelExt xmlns:dsp="http://schemas.microsoft.com/office/drawing/2008/diagram" relId="rId8" minVer="http://schemas.openxmlformats.org/drawingml/2006/diagram"/>
-    </a:ext>
-  </dgm:extLst>
-</dgm:dataModel>
-</file>
-
-<file path=ppt/diagrams/drawing1.xml><?xml version="1.0" encoding="utf-8"?>
-<dsp:drawing xmlns:dgm="http://schemas.openxmlformats.org/drawingml/2006/diagram" xmlns:dsp="http://schemas.microsoft.com/office/drawing/2008/diagram" xmlns:a="http://schemas.openxmlformats.org/drawingml/2006/main">
-  <dsp:spTree>
-    <dsp:nvGrpSpPr>
-      <dsp:cNvPr id="0" name=""/>
-      <dsp:cNvGrpSpPr/>
-    </dsp:nvGrpSpPr>
-    <dsp:grpSpPr/>
-    <dsp:sp modelId="{D98604DA-E303-894D-9487-8FC70D01E634}">
-      <dsp:nvSpPr>
-        <dsp:cNvPr id="0" name=""/>
-        <dsp:cNvSpPr/>
-      </dsp:nvSpPr>
-      <dsp:spPr>
-        <a:xfrm>
-          <a:off x="3143" y="201722"/>
-          <a:ext cx="3064668" cy="1210668"/>
-        </a:xfrm>
-        <a:prstGeom prst="rect">
-          <a:avLst/>
-        </a:prstGeom>
-        <a:solidFill>
-          <a:schemeClr val="accent2">
-            <a:hueOff val="0"/>
-            <a:satOff val="0"/>
-            <a:lumOff val="0"/>
-            <a:alphaOff val="0"/>
-          </a:schemeClr>
-        </a:solidFill>
-        <a:ln w="12700" cap="flat" cmpd="sng" algn="ctr">
-          <a:solidFill>
-            <a:schemeClr val="accent2">
-              <a:hueOff val="0"/>
-              <a:satOff val="0"/>
-              <a:lumOff val="0"/>
-              <a:alphaOff val="0"/>
-            </a:schemeClr>
-          </a:solidFill>
-          <a:prstDash val="solid"/>
-        </a:ln>
-        <a:effectLst/>
-      </dsp:spPr>
-      <dsp:style>
-        <a:lnRef idx="2">
-          <a:scrgbClr r="0" g="0" b="0"/>
-        </a:lnRef>
-        <a:fillRef idx="1">
-          <a:scrgbClr r="0" g="0" b="0"/>
-        </a:fillRef>
-        <a:effectRef idx="0">
-          <a:scrgbClr r="0" g="0" b="0"/>
-        </a:effectRef>
-        <a:fontRef idx="minor">
-          <a:schemeClr val="lt1"/>
-        </a:fontRef>
-      </dsp:style>
-      <dsp:txBody>
-        <a:bodyPr spcFirstLastPara="0" vert="horz" wrap="square" lIns="128016" tIns="73152" rIns="128016" bIns="73152" numCol="1" spcCol="1270" anchor="ctr" anchorCtr="0">
-          <a:noAutofit/>
-        </a:bodyPr>
-        <a:lstStyle/>
-        <a:p>
-          <a:pPr marL="0" lvl="0" indent="0" algn="ctr" defTabSz="800100">
-            <a:lnSpc>
-              <a:spcPct val="90000"/>
-            </a:lnSpc>
-            <a:spcBef>
-              <a:spcPct val="0"/>
-            </a:spcBef>
-            <a:spcAft>
-              <a:spcPct val="35000"/>
-            </a:spcAft>
-            <a:buNone/>
-          </a:pPr>
-          <a:r>
-            <a:rPr lang="en-US" sz="1800" b="1" kern="1200" dirty="0"/>
-            <a:t>RNN Memory Dependency Model </a:t>
-          </a:r>
-        </a:p>
-        <a:p>
-          <a:pPr marL="0" lvl="0" indent="0" algn="ctr" defTabSz="800100">
-            <a:lnSpc>
-              <a:spcPct val="90000"/>
-            </a:lnSpc>
-            <a:spcBef>
-              <a:spcPct val="0"/>
-            </a:spcBef>
-            <a:spcAft>
-              <a:spcPct val="35000"/>
-            </a:spcAft>
-            <a:buNone/>
-          </a:pPr>
-          <a:r>
-            <a:rPr lang="en-US" sz="1800" kern="1200" dirty="0"/>
-            <a:t>(</a:t>
-          </a:r>
-          <a:r>
-            <a:rPr lang="en-US" altLang="zh-CN" sz="1800" kern="1200" dirty="0"/>
-            <a:t>1</a:t>
-          </a:r>
-          <a:r>
-            <a:rPr lang="en-US" sz="1800" kern="1200" dirty="0"/>
-            <a:t>-</a:t>
-          </a:r>
-          <a:r>
-            <a:rPr lang="en-US" altLang="zh-CN" sz="1800" kern="1200" dirty="0"/>
-            <a:t>2</a:t>
-          </a:r>
-          <a:r>
-            <a:rPr lang="en-US" sz="1800" kern="1200" dirty="0"/>
-            <a:t> weeks): </a:t>
-          </a:r>
-        </a:p>
-      </dsp:txBody>
-      <dsp:txXfrm>
-        <a:off x="3143" y="201722"/>
-        <a:ext cx="3064668" cy="1210668"/>
-      </dsp:txXfrm>
-    </dsp:sp>
-    <dsp:sp modelId="{4A61995E-F971-874C-8BEC-4E797C4B04BD}">
-      <dsp:nvSpPr>
-        <dsp:cNvPr id="0" name=""/>
-        <dsp:cNvSpPr/>
-      </dsp:nvSpPr>
-      <dsp:spPr>
-        <a:xfrm>
-          <a:off x="3143" y="1412390"/>
-          <a:ext cx="3064668" cy="2556967"/>
-        </a:xfrm>
-        <a:prstGeom prst="rect">
-          <a:avLst/>
-        </a:prstGeom>
-        <a:solidFill>
-          <a:schemeClr val="accent2">
-            <a:tint val="40000"/>
-            <a:alpha val="90000"/>
-            <a:hueOff val="0"/>
-            <a:satOff val="0"/>
-            <a:lumOff val="0"/>
-            <a:alphaOff val="0"/>
-          </a:schemeClr>
-        </a:solidFill>
-        <a:ln w="12700" cap="flat" cmpd="sng" algn="ctr">
-          <a:solidFill>
-            <a:schemeClr val="accent2">
-              <a:tint val="40000"/>
-              <a:alpha val="90000"/>
-              <a:hueOff val="0"/>
-              <a:satOff val="0"/>
-              <a:lumOff val="0"/>
-              <a:alphaOff val="0"/>
-            </a:schemeClr>
-          </a:solidFill>
-          <a:prstDash val="solid"/>
-        </a:ln>
-        <a:effectLst/>
-      </dsp:spPr>
-      <dsp:style>
-        <a:lnRef idx="2">
-          <a:scrgbClr r="0" g="0" b="0"/>
-        </a:lnRef>
-        <a:fillRef idx="1">
-          <a:scrgbClr r="0" g="0" b="0"/>
-        </a:fillRef>
-        <a:effectRef idx="0">
-          <a:scrgbClr r="0" g="0" b="0"/>
-        </a:effectRef>
-        <a:fontRef idx="minor"/>
-      </dsp:style>
-      <dsp:txBody>
-        <a:bodyPr spcFirstLastPara="0" vert="horz" wrap="square" lIns="96012" tIns="96012" rIns="128016" bIns="144018" numCol="1" spcCol="1270" anchor="t" anchorCtr="0">
-          <a:noAutofit/>
-        </a:bodyPr>
-        <a:lstStyle/>
-        <a:p>
-          <a:pPr marL="171450" lvl="1" indent="-171450" algn="l" defTabSz="800100">
-            <a:lnSpc>
-              <a:spcPct val="90000"/>
-            </a:lnSpc>
-            <a:spcBef>
-              <a:spcPct val="0"/>
-            </a:spcBef>
-            <a:spcAft>
-              <a:spcPct val="15000"/>
-            </a:spcAft>
-            <a:buChar char="•"/>
-          </a:pPr>
-          <a:r>
-            <a:rPr lang="en-US" sz="1800" kern="1200" dirty="0"/>
-            <a:t>We firstly design a RNN model to predict memory dependency for a give program. </a:t>
-          </a:r>
-        </a:p>
-        <a:p>
-          <a:pPr marL="171450" lvl="1" indent="-171450" algn="l" defTabSz="800100">
-            <a:lnSpc>
-              <a:spcPct val="90000"/>
-            </a:lnSpc>
-            <a:spcBef>
-              <a:spcPct val="0"/>
-            </a:spcBef>
-            <a:spcAft>
-              <a:spcPct val="15000"/>
-            </a:spcAft>
-            <a:buChar char="•"/>
-          </a:pPr>
-          <a:endParaRPr lang="en-US" sz="1800" kern="1200" dirty="0"/>
-        </a:p>
-        <a:p>
-          <a:pPr marL="171450" lvl="1" indent="-171450" algn="l" defTabSz="800100">
-            <a:lnSpc>
-              <a:spcPct val="90000"/>
-            </a:lnSpc>
-            <a:spcBef>
-              <a:spcPct val="0"/>
-            </a:spcBef>
-            <a:spcAft>
-              <a:spcPct val="15000"/>
-            </a:spcAft>
-            <a:buChar char="•"/>
-          </a:pPr>
-          <a:r>
-            <a:rPr lang="en-US" altLang="zh-CN" sz="1800" kern="1200" dirty="0"/>
-            <a:t>T</a:t>
-          </a:r>
-          <a:r>
-            <a:rPr lang="en-US" sz="1800" kern="1200" dirty="0"/>
-            <a:t>raining and </a:t>
-          </a:r>
-          <a:r>
-            <a:rPr lang="en-US" altLang="zh-CN" sz="1800" kern="1200" dirty="0"/>
-            <a:t>validation</a:t>
-          </a:r>
-          <a:r>
-            <a:rPr lang="zh-CN" altLang="en-US" sz="1800" kern="1200" dirty="0"/>
-            <a:t> </a:t>
-          </a:r>
-          <a:r>
-            <a:rPr lang="en-US" sz="1800" kern="1200" dirty="0"/>
-            <a:t>data comes from the traces of SPEC 2017. </a:t>
-          </a:r>
-        </a:p>
-      </dsp:txBody>
-      <dsp:txXfrm>
-        <a:off x="3143" y="1412390"/>
-        <a:ext cx="3064668" cy="2556967"/>
-      </dsp:txXfrm>
-    </dsp:sp>
-    <dsp:sp modelId="{9DF9274B-1D67-8D4D-911F-4B3A37C9948D}">
-      <dsp:nvSpPr>
-        <dsp:cNvPr id="0" name=""/>
-        <dsp:cNvSpPr/>
-      </dsp:nvSpPr>
-      <dsp:spPr>
-        <a:xfrm>
-          <a:off x="3496865" y="201722"/>
-          <a:ext cx="3064668" cy="1210668"/>
-        </a:xfrm>
-        <a:prstGeom prst="rect">
-          <a:avLst/>
-        </a:prstGeom>
-        <a:solidFill>
-          <a:schemeClr val="accent2">
-            <a:hueOff val="19519"/>
-            <a:satOff val="-13438"/>
-            <a:lumOff val="-3431"/>
-            <a:alphaOff val="0"/>
-          </a:schemeClr>
-        </a:solidFill>
-        <a:ln w="12700" cap="flat" cmpd="sng" algn="ctr">
-          <a:solidFill>
-            <a:schemeClr val="accent2">
-              <a:hueOff val="19519"/>
-              <a:satOff val="-13438"/>
-              <a:lumOff val="-3431"/>
-              <a:alphaOff val="0"/>
-            </a:schemeClr>
-          </a:solidFill>
-          <a:prstDash val="solid"/>
-        </a:ln>
-        <a:effectLst/>
-      </dsp:spPr>
-      <dsp:style>
-        <a:lnRef idx="2">
-          <a:scrgbClr r="0" g="0" b="0"/>
-        </a:lnRef>
-        <a:fillRef idx="1">
-          <a:scrgbClr r="0" g="0" b="0"/>
-        </a:fillRef>
-        <a:effectRef idx="0">
-          <a:scrgbClr r="0" g="0" b="0"/>
-        </a:effectRef>
-        <a:fontRef idx="minor">
-          <a:schemeClr val="lt1"/>
-        </a:fontRef>
-      </dsp:style>
-      <dsp:txBody>
-        <a:bodyPr spcFirstLastPara="0" vert="horz" wrap="square" lIns="128016" tIns="73152" rIns="128016" bIns="73152" numCol="1" spcCol="1270" anchor="ctr" anchorCtr="0">
-          <a:noAutofit/>
-        </a:bodyPr>
-        <a:lstStyle/>
-        <a:p>
-          <a:pPr marL="0" lvl="0" indent="0" algn="ctr" defTabSz="800100">
-            <a:lnSpc>
-              <a:spcPct val="90000"/>
-            </a:lnSpc>
-            <a:spcBef>
-              <a:spcPct val="0"/>
-            </a:spcBef>
-            <a:spcAft>
-              <a:spcPct val="35000"/>
-            </a:spcAft>
-            <a:buNone/>
-          </a:pPr>
-          <a:r>
-            <a:rPr lang="en-US" sz="1800" b="1" kern="1200" dirty="0"/>
-            <a:t>RNN Model Analysis </a:t>
-          </a:r>
-        </a:p>
-        <a:p>
-          <a:pPr marL="0" lvl="0" indent="0" algn="ctr" defTabSz="800100">
-            <a:lnSpc>
-              <a:spcPct val="90000"/>
-            </a:lnSpc>
-            <a:spcBef>
-              <a:spcPct val="0"/>
-            </a:spcBef>
-            <a:spcAft>
-              <a:spcPct val="35000"/>
-            </a:spcAft>
-            <a:buNone/>
-          </a:pPr>
-          <a:r>
-            <a:rPr lang="en-US" sz="1800" kern="1200" dirty="0"/>
-            <a:t>(1 week): </a:t>
-          </a:r>
-        </a:p>
-      </dsp:txBody>
-      <dsp:txXfrm>
-        <a:off x="3496865" y="201722"/>
-        <a:ext cx="3064668" cy="1210668"/>
-      </dsp:txXfrm>
-    </dsp:sp>
-    <dsp:sp modelId="{9D840ACB-5713-984F-BBE1-B79B5212E13E}">
-      <dsp:nvSpPr>
-        <dsp:cNvPr id="0" name=""/>
-        <dsp:cNvSpPr/>
-      </dsp:nvSpPr>
-      <dsp:spPr>
-        <a:xfrm>
-          <a:off x="3496865" y="1412390"/>
-          <a:ext cx="3064668" cy="2556967"/>
-        </a:xfrm>
-        <a:prstGeom prst="rect">
-          <a:avLst/>
-        </a:prstGeom>
-        <a:solidFill>
-          <a:schemeClr val="accent2">
-            <a:tint val="40000"/>
-            <a:alpha val="90000"/>
-            <a:hueOff val="123599"/>
-            <a:satOff val="-11908"/>
-            <a:lumOff val="-1255"/>
-            <a:alphaOff val="0"/>
-          </a:schemeClr>
-        </a:solidFill>
-        <a:ln w="12700" cap="flat" cmpd="sng" algn="ctr">
-          <a:solidFill>
-            <a:schemeClr val="accent2">
-              <a:tint val="40000"/>
-              <a:alpha val="90000"/>
-              <a:hueOff val="123599"/>
-              <a:satOff val="-11908"/>
-              <a:lumOff val="-1255"/>
-              <a:alphaOff val="0"/>
-            </a:schemeClr>
-          </a:solidFill>
-          <a:prstDash val="solid"/>
-        </a:ln>
-        <a:effectLst/>
-      </dsp:spPr>
-      <dsp:style>
-        <a:lnRef idx="2">
-          <a:scrgbClr r="0" g="0" b="0"/>
-        </a:lnRef>
-        <a:fillRef idx="1">
-          <a:scrgbClr r="0" g="0" b="0"/>
-        </a:fillRef>
-        <a:effectRef idx="0">
-          <a:scrgbClr r="0" g="0" b="0"/>
-        </a:effectRef>
-        <a:fontRef idx="minor"/>
-      </dsp:style>
-      <dsp:txBody>
-        <a:bodyPr spcFirstLastPara="0" vert="horz" wrap="square" lIns="96012" tIns="96012" rIns="128016" bIns="144018" numCol="1" spcCol="1270" anchor="t" anchorCtr="0">
-          <a:noAutofit/>
-        </a:bodyPr>
-        <a:lstStyle/>
-        <a:p>
-          <a:pPr marL="171450" lvl="1" indent="-171450" algn="l" defTabSz="800100">
-            <a:lnSpc>
-              <a:spcPct val="90000"/>
-            </a:lnSpc>
-            <a:spcBef>
-              <a:spcPct val="0"/>
-            </a:spcBef>
-            <a:spcAft>
-              <a:spcPct val="15000"/>
-            </a:spcAft>
-            <a:buChar char="•"/>
-          </a:pPr>
-          <a:r>
-            <a:rPr lang="en-US" sz="1800" kern="1200" dirty="0"/>
-            <a:t>Gain insights from visualizations and understand why model performs well. </a:t>
-          </a:r>
-        </a:p>
-        <a:p>
-          <a:pPr marL="171450" lvl="1" indent="-171450" algn="l" defTabSz="800100">
-            <a:lnSpc>
-              <a:spcPct val="90000"/>
-            </a:lnSpc>
-            <a:spcBef>
-              <a:spcPct val="0"/>
-            </a:spcBef>
-            <a:spcAft>
-              <a:spcPct val="15000"/>
-            </a:spcAft>
-            <a:buChar char="•"/>
-          </a:pPr>
-          <a:endParaRPr lang="en-US" sz="1800" kern="1200" dirty="0"/>
-        </a:p>
-        <a:p>
-          <a:pPr marL="171450" lvl="1" indent="-171450" algn="l" defTabSz="800100">
-            <a:lnSpc>
-              <a:spcPct val="90000"/>
-            </a:lnSpc>
-            <a:spcBef>
-              <a:spcPct val="0"/>
-            </a:spcBef>
-            <a:spcAft>
-              <a:spcPct val="15000"/>
-            </a:spcAft>
-            <a:buChar char="•"/>
-          </a:pPr>
-          <a:r>
-            <a:rPr lang="en-US" sz="1800" kern="1200" dirty="0"/>
-            <a:t>Would be</a:t>
-          </a:r>
-          <a:r>
-            <a:rPr lang="zh-CN" sz="1800" kern="1200" dirty="0"/>
-            <a:t> </a:t>
-          </a:r>
-          <a:r>
-            <a:rPr lang="en-US" sz="1800" kern="1200" dirty="0"/>
-            <a:t>helpful to remove redundancy from our model and prepare us for the next step.</a:t>
-          </a:r>
-        </a:p>
-      </dsp:txBody>
-      <dsp:txXfrm>
-        <a:off x="3496865" y="1412390"/>
-        <a:ext cx="3064668" cy="2556967"/>
-      </dsp:txXfrm>
-    </dsp:sp>
-    <dsp:sp modelId="{5B03C5EE-7797-5D42-9D72-F7E05D574061}">
-      <dsp:nvSpPr>
-        <dsp:cNvPr id="0" name=""/>
-        <dsp:cNvSpPr/>
-      </dsp:nvSpPr>
-      <dsp:spPr>
-        <a:xfrm>
-          <a:off x="6990588" y="201722"/>
-          <a:ext cx="3064668" cy="1210668"/>
-        </a:xfrm>
-        <a:prstGeom prst="rect">
-          <a:avLst/>
-        </a:prstGeom>
-        <a:solidFill>
-          <a:schemeClr val="accent2">
-            <a:hueOff val="39038"/>
-            <a:satOff val="-26876"/>
-            <a:lumOff val="-6863"/>
-            <a:alphaOff val="0"/>
-          </a:schemeClr>
-        </a:solidFill>
-        <a:ln w="12700" cap="flat" cmpd="sng" algn="ctr">
-          <a:solidFill>
-            <a:schemeClr val="accent2">
-              <a:hueOff val="39038"/>
-              <a:satOff val="-26876"/>
-              <a:lumOff val="-6863"/>
-              <a:alphaOff val="0"/>
-            </a:schemeClr>
-          </a:solidFill>
-          <a:prstDash val="solid"/>
-        </a:ln>
-        <a:effectLst/>
-      </dsp:spPr>
-      <dsp:style>
-        <a:lnRef idx="2">
-          <a:scrgbClr r="0" g="0" b="0"/>
-        </a:lnRef>
-        <a:fillRef idx="1">
-          <a:scrgbClr r="0" g="0" b="0"/>
-        </a:fillRef>
-        <a:effectRef idx="0">
-          <a:scrgbClr r="0" g="0" b="0"/>
-        </a:effectRef>
-        <a:fontRef idx="minor">
-          <a:schemeClr val="lt1"/>
-        </a:fontRef>
-      </dsp:style>
-      <dsp:txBody>
-        <a:bodyPr spcFirstLastPara="0" vert="horz" wrap="square" lIns="128016" tIns="73152" rIns="128016" bIns="73152" numCol="1" spcCol="1270" anchor="ctr" anchorCtr="0">
-          <a:noAutofit/>
-        </a:bodyPr>
-        <a:lstStyle/>
-        <a:p>
-          <a:pPr marL="0" lvl="0" indent="0" algn="ctr" defTabSz="800100">
-            <a:lnSpc>
-              <a:spcPct val="90000"/>
-            </a:lnSpc>
-            <a:spcBef>
-              <a:spcPct val="0"/>
-            </a:spcBef>
-            <a:spcAft>
-              <a:spcPct val="35000"/>
-            </a:spcAft>
-            <a:buNone/>
-          </a:pPr>
-          <a:r>
-            <a:rPr lang="en-US" sz="1800" b="1" kern="1200" dirty="0"/>
-            <a:t>Practical Model for Hardware Implementation </a:t>
-          </a:r>
-        </a:p>
-        <a:p>
-          <a:pPr marL="0" lvl="0" indent="0" algn="ctr" defTabSz="800100">
-            <a:lnSpc>
-              <a:spcPct val="90000"/>
-            </a:lnSpc>
-            <a:spcBef>
-              <a:spcPct val="0"/>
-            </a:spcBef>
-            <a:spcAft>
-              <a:spcPct val="35000"/>
-            </a:spcAft>
-            <a:buNone/>
-          </a:pPr>
-          <a:r>
-            <a:rPr lang="en-US" sz="1800" kern="1200" dirty="0"/>
-            <a:t>(2-3 weeks)</a:t>
-          </a:r>
-        </a:p>
-      </dsp:txBody>
-      <dsp:txXfrm>
-        <a:off x="6990588" y="201722"/>
-        <a:ext cx="3064668" cy="1210668"/>
-      </dsp:txXfrm>
-    </dsp:sp>
-    <dsp:sp modelId="{76322DA3-88ED-1E4D-A18E-C0A4CD60367C}">
-      <dsp:nvSpPr>
-        <dsp:cNvPr id="0" name=""/>
-        <dsp:cNvSpPr/>
-      </dsp:nvSpPr>
-      <dsp:spPr>
-        <a:xfrm>
-          <a:off x="6990588" y="1412390"/>
-          <a:ext cx="3064668" cy="2556967"/>
-        </a:xfrm>
-        <a:prstGeom prst="rect">
-          <a:avLst/>
-        </a:prstGeom>
-        <a:solidFill>
-          <a:schemeClr val="accent2">
-            <a:tint val="40000"/>
-            <a:alpha val="90000"/>
-            <a:hueOff val="247198"/>
-            <a:satOff val="-23816"/>
-            <a:lumOff val="-2511"/>
-            <a:alphaOff val="0"/>
-          </a:schemeClr>
-        </a:solidFill>
-        <a:ln w="12700" cap="flat" cmpd="sng" algn="ctr">
-          <a:solidFill>
-            <a:schemeClr val="accent2">
-              <a:tint val="40000"/>
-              <a:alpha val="90000"/>
-              <a:hueOff val="247198"/>
-              <a:satOff val="-23816"/>
-              <a:lumOff val="-2511"/>
-              <a:alphaOff val="0"/>
-            </a:schemeClr>
-          </a:solidFill>
-          <a:prstDash val="solid"/>
-        </a:ln>
-        <a:effectLst/>
-      </dsp:spPr>
-      <dsp:style>
-        <a:lnRef idx="2">
-          <a:scrgbClr r="0" g="0" b="0"/>
-        </a:lnRef>
-        <a:fillRef idx="1">
-          <a:scrgbClr r="0" g="0" b="0"/>
-        </a:fillRef>
-        <a:effectRef idx="0">
-          <a:scrgbClr r="0" g="0" b="0"/>
-        </a:effectRef>
-        <a:fontRef idx="minor"/>
-      </dsp:style>
-      <dsp:txBody>
-        <a:bodyPr spcFirstLastPara="0" vert="horz" wrap="square" lIns="96012" tIns="96012" rIns="128016" bIns="144018" numCol="1" spcCol="1270" anchor="t" anchorCtr="0">
-          <a:noAutofit/>
-        </a:bodyPr>
-        <a:lstStyle/>
-        <a:p>
-          <a:pPr marL="171450" lvl="1" indent="-171450" algn="l" defTabSz="800100">
-            <a:lnSpc>
-              <a:spcPct val="90000"/>
-            </a:lnSpc>
-            <a:spcBef>
-              <a:spcPct val="0"/>
-            </a:spcBef>
-            <a:spcAft>
-              <a:spcPct val="15000"/>
-            </a:spcAft>
-            <a:buChar char="•"/>
-          </a:pPr>
-          <a:r>
-            <a:rPr lang="en-US" sz="1800" kern="1200" dirty="0"/>
-            <a:t>Simplified the previous proposed RNN model and implement on </a:t>
-          </a:r>
-          <a:r>
-            <a:rPr lang="en-US" sz="1800" kern="1200" dirty="0" err="1"/>
-            <a:t>MacSim</a:t>
-          </a:r>
-          <a:r>
-            <a:rPr lang="zh-CN" altLang="en-US" sz="1800" kern="1200" dirty="0"/>
-            <a:t> </a:t>
-          </a:r>
-          <a:r>
-            <a:rPr lang="en-US" altLang="zh-CN" sz="1800" kern="1200" dirty="0"/>
-            <a:t>or</a:t>
-          </a:r>
-          <a:r>
-            <a:rPr lang="zh-CN" altLang="en-US" sz="1800" kern="1200" dirty="0"/>
-            <a:t> </a:t>
-          </a:r>
-          <a:r>
-            <a:rPr lang="en-US" altLang="zh-CN" sz="1800" kern="1200" dirty="0"/>
-            <a:t>Gem5</a:t>
-          </a:r>
-          <a:r>
-            <a:rPr lang="en-US" sz="1800" kern="1200" dirty="0"/>
-            <a:t>. </a:t>
-          </a:r>
-        </a:p>
-        <a:p>
-          <a:pPr marL="171450" lvl="1" indent="-171450" algn="l" defTabSz="800100">
-            <a:lnSpc>
-              <a:spcPct val="90000"/>
-            </a:lnSpc>
-            <a:spcBef>
-              <a:spcPct val="0"/>
-            </a:spcBef>
-            <a:spcAft>
-              <a:spcPct val="15000"/>
-            </a:spcAft>
-            <a:buChar char="•"/>
-          </a:pPr>
-          <a:endParaRPr lang="en-US" sz="1800" kern="1200" dirty="0"/>
-        </a:p>
-        <a:p>
-          <a:pPr marL="171450" lvl="1" indent="-171450" algn="l" defTabSz="800100">
-            <a:lnSpc>
-              <a:spcPct val="90000"/>
-            </a:lnSpc>
-            <a:spcBef>
-              <a:spcPct val="0"/>
-            </a:spcBef>
-            <a:spcAft>
-              <a:spcPct val="15000"/>
-            </a:spcAft>
-            <a:buChar char="•"/>
-          </a:pPr>
-          <a:r>
-            <a:rPr lang="en-US" sz="1800" kern="1200" dirty="0"/>
-            <a:t>Evaluate the result</a:t>
-          </a:r>
-          <a:r>
-            <a:rPr lang="zh-CN" altLang="en-US" sz="1800" kern="1200" dirty="0"/>
-            <a:t> </a:t>
-          </a:r>
-          <a:r>
-            <a:rPr lang="en-US" altLang="zh-CN" sz="1800" kern="1200" dirty="0"/>
-            <a:t>and</a:t>
-          </a:r>
-          <a:r>
-            <a:rPr lang="zh-CN" altLang="en-US" sz="1800" kern="1200" dirty="0"/>
-            <a:t> </a:t>
-          </a:r>
-          <a:r>
-            <a:rPr lang="en-US" altLang="zh-CN" sz="1800" kern="1200" dirty="0"/>
-            <a:t>write</a:t>
-          </a:r>
-          <a:r>
-            <a:rPr lang="zh-CN" altLang="en-US" sz="1800" kern="1200" dirty="0"/>
-            <a:t> </a:t>
-          </a:r>
-          <a:r>
-            <a:rPr lang="en-US" altLang="zh-CN" sz="1800" kern="1200" dirty="0"/>
-            <a:t>the</a:t>
-          </a:r>
-          <a:r>
-            <a:rPr lang="zh-CN" altLang="en-US" sz="1800" kern="1200" dirty="0"/>
-            <a:t> </a:t>
-          </a:r>
-          <a:r>
-            <a:rPr lang="en-US" altLang="zh-CN" sz="1800" kern="1200" dirty="0"/>
-            <a:t>paper</a:t>
-          </a:r>
-          <a:endParaRPr lang="en-US" sz="1800" kern="1200" dirty="0"/>
-        </a:p>
-      </dsp:txBody>
-      <dsp:txXfrm>
-        <a:off x="6990588" y="1412390"/>
-        <a:ext cx="3064668" cy="2556967"/>
-      </dsp:txXfrm>
-    </dsp:sp>
-  </dsp:spTree>
-</dsp:drawing>
-</file>
-
-<file path=ppt/diagrams/layout1.xml><?xml version="1.0" encoding="utf-8"?>
-<dgm:layoutDef xmlns:dgm="http://schemas.openxmlformats.org/drawingml/2006/diagram" xmlns:a="http://schemas.openxmlformats.org/drawingml/2006/main" uniqueId="urn:microsoft.com/office/officeart/2005/8/layout/hList1">
-  <dgm:title val=""/>
-  <dgm:desc val=""/>
-  <dgm:catLst>
-    <dgm:cat type="list" pri="5000"/>
-    <dgm:cat type="convert" pri="5000"/>
-  </dgm:catLst>
-  <dgm:sampData>
-    <dgm:dataModel>
-      <dgm:ptLst>
-        <dgm:pt modelId="0" type="doc"/>
-        <dgm:pt modelId="1">
-          <dgm:prSet phldr="1"/>
-        </dgm:pt>
-        <dgm:pt modelId="11">
-          <dgm:prSet phldr="1"/>
-        </dgm:pt>
-        <dgm:pt modelId="12">
-          <dgm:prSet phldr="1"/>
-        </dgm:pt>
-        <dgm:pt modelId="2">
-          <dgm:prSet phldr="1"/>
-        </dgm:pt>
-        <dgm:pt modelId="21">
-          <dgm:prSet phldr="1"/>
-        </dgm:pt>
-        <dgm:pt modelId="22">
-          <dgm:prSet phldr="1"/>
-        </dgm:pt>
-        <dgm:pt modelId="3">
-          <dgm:prSet phldr="1"/>
-        </dgm:pt>
-        <dgm:pt modelId="31">
-          <dgm:prSet phldr="1"/>
-        </dgm:pt>
-        <dgm:pt modelId="32">
-          <dgm:prSet phldr="1"/>
-        </dgm:pt>
-      </dgm:ptLst>
-      <dgm:cxnLst>
-        <dgm:cxn modelId="4" srcId="0" destId="1" srcOrd="0" destOrd="0"/>
-        <dgm:cxn modelId="5" srcId="0" destId="2" srcOrd="1" destOrd="0"/>
-        <dgm:cxn modelId="6" srcId="0" destId="3" srcOrd="2" destOrd="0"/>
-        <dgm:cxn modelId="13" srcId="1" destId="11" srcOrd="0" destOrd="0"/>
-        <dgm:cxn modelId="14" srcId="1" destId="12" srcOrd="1" destOrd="0"/>
-        <dgm:cxn modelId="23" srcId="2" destId="21" srcOrd="0" destOrd="0"/>
-        <dgm:cxn modelId="24" srcId="2" destId="22" srcOrd="1" destOrd="0"/>
-        <dgm:cxn modelId="33" srcId="3" destId="31" srcOrd="0" destOrd="0"/>
-        <dgm:cxn modelId="34" srcId="3" destId="32" srcOrd="1" destOrd="0"/>
-      </dgm:cxnLst>
-      <dgm:bg/>
-      <dgm:whole/>
-    </dgm:dataModel>
-  </dgm:sampData>
-  <dgm:styleData>
-    <dgm:dataModel>
-      <dgm:ptLst>
-        <dgm:pt modelId="0" type="doc"/>
-        <dgm:pt modelId="1">
-          <dgm:prSet phldr="1"/>
-        </dgm:pt>
-        <dgm:pt modelId="2">
-          <dgm:prSet phldr="1"/>
-        </dgm:pt>
-      </dgm:ptLst>
-      <dgm:cxnLst>
-        <dgm:cxn modelId="3" srcId="0" destId="1" srcOrd="0" destOrd="0"/>
-        <dgm:cxn modelId="4" srcId="0" destId="2" srcOrd="1" destOrd="0"/>
-      </dgm:cxnLst>
-      <dgm:bg/>
-      <dgm:whole/>
-    </dgm:dataModel>
-  </dgm:styleData>
-  <dgm:clrData>
-    <dgm:dataModel>
-      <dgm:ptLst>
-        <dgm:pt modelId="0" type="doc"/>
-        <dgm:pt modelId="1">
-          <dgm:prSet phldr="1"/>
-        </dgm:pt>
-        <dgm:pt modelId="2">
-          <dgm:prSet phldr="1"/>
-        </dgm:pt>
-        <dgm:pt modelId="3">
-          <dgm:prSet phldr="1"/>
-        </dgm:pt>
-        <dgm:pt modelId="4">
-          <dgm:prSet phldr="1"/>
-        </dgm:pt>
-      </dgm:ptLst>
-      <dgm:cxnLst>
-        <dgm:cxn modelId="5" srcId="0" destId="1" srcOrd="0" destOrd="0"/>
-        <dgm:cxn modelId="6" srcId="0" destId="2" srcOrd="1" destOrd="0"/>
-        <dgm:cxn modelId="7" srcId="0" destId="3" srcOrd="2" destOrd="0"/>
-        <dgm:cxn modelId="8" srcId="0" destId="4" srcOrd="3" destOrd="0"/>
-      </dgm:cxnLst>
-      <dgm:bg/>
-      <dgm:whole/>
-    </dgm:dataModel>
-  </dgm:clrData>
-  <dgm:layoutNode name="Name0">
-    <dgm:varLst>
-      <dgm:dir/>
-      <dgm:animLvl val="lvl"/>
-      <dgm:resizeHandles val="exact"/>
-    </dgm:varLst>
-    <dgm:choose name="Name1">
-      <dgm:if name="Name2" func="var" arg="dir" op="equ" val="norm">
-        <dgm:alg type="lin"/>
-      </dgm:if>
-      <dgm:else name="Name3">
-        <dgm:alg type="lin">
-          <dgm:param type="linDir" val="fromR"/>
-        </dgm:alg>
-      </dgm:else>
-    </dgm:choose>
-    <dgm:shape xmlns:r="http://schemas.openxmlformats.org/officeDocument/2006/relationships" r:blip="">
-      <dgm:adjLst/>
-    </dgm:shape>
-    <dgm:presOf/>
-    <dgm:constrLst>
-      <dgm:constr type="h" for="ch" forName="composite" refType="h"/>
-      <dgm:constr type="w" for="ch" forName="composite" refType="w"/>
-      <dgm:constr type="w" for="des" forName="parTx"/>
-      <dgm:constr type="h" for="des" forName="parTx" op="equ"/>
-      <dgm:constr type="w" for="des" forName="desTx"/>
-      <dgm:constr type="h" for="des" forName="desTx" op="equ"/>
-      <dgm:constr type="primFontSz" for="des" forName="parTx" val="65"/>
-      <dgm:constr type="secFontSz" for="des" forName="desTx" refType="primFontSz" refFor="des" refForName="parTx" op="equ"/>
-      <dgm:constr type="h" for="des" forName="parTx" refType="primFontSz" refFor="des" refForName="parTx" fact="0.8"/>
-      <dgm:constr type="h" for="des" forName="desTx" refType="primFontSz" refFor="des" refForName="parTx" fact="1.22"/>
-      <dgm:constr type="w" for="ch" forName="space" refType="w" refFor="ch" refForName="composite" op="equ" fact="0.14"/>
-    </dgm:constrLst>
-    <dgm:ruleLst>
-      <dgm:rule type="w" for="ch" forName="composite" val="0" fact="NaN" max="NaN"/>
-      <dgm:rule type="primFontSz" for="des" forName="parTx" val="5" fact="NaN" max="NaN"/>
-    </dgm:ruleLst>
-    <dgm:forEach name="Name4" axis="ch" ptType="node">
-      <dgm:layoutNode name="composite">
-        <dgm:alg type="composite"/>
-        <dgm:shape xmlns:r="http://schemas.openxmlformats.org/officeDocument/2006/relationships" r:blip="">
-          <dgm:adjLst/>
-        </dgm:shape>
-        <dgm:presOf/>
-        <dgm:constrLst>
-          <dgm:constr type="l" for="ch" forName="parTx"/>
-          <dgm:constr type="w" for="ch" forName="parTx" refType="w"/>
-          <dgm:constr type="t" for="ch" forName="parTx"/>
-          <dgm:constr type="l" for="ch" forName="desTx"/>
-          <dgm:constr type="w" for="ch" forName="desTx" refType="w" refFor="ch" refForName="parTx"/>
-          <dgm:constr type="t" for="ch" forName="desTx" refType="h" refFor="ch" refForName="parTx"/>
-        </dgm:constrLst>
-        <dgm:ruleLst>
-          <dgm:rule type="h" val="INF" fact="NaN" max="NaN"/>
-        </dgm:ruleLst>
-        <dgm:layoutNode name="parTx" styleLbl="alignNode1">
-          <dgm:varLst>
-            <dgm:chMax val="0"/>
-            <dgm:chPref val="0"/>
-            <dgm:bulletEnabled val="1"/>
-          </dgm:varLst>
-          <dgm:alg type="tx"/>
-          <dgm:shape xmlns:r="http://schemas.openxmlformats.org/officeDocument/2006/relationships" type="rect" r:blip="">
-            <dgm:adjLst/>
-          </dgm:shape>
-          <dgm:presOf axis="self" ptType="node"/>
-          <dgm:constrLst>
-            <dgm:constr type="h" refType="w" op="lte" fact="0.4"/>
-            <dgm:constr type="h"/>
-            <dgm:constr type="tMarg" refType="primFontSz" fact="0.32"/>
-            <dgm:constr type="bMarg" refType="primFontSz" fact="0.32"/>
-          </dgm:constrLst>
-          <dgm:ruleLst>
-            <dgm:rule type="h" val="INF" fact="NaN" max="NaN"/>
-          </dgm:ruleLst>
-        </dgm:layoutNode>
-        <dgm:layoutNode name="desTx" styleLbl="alignAccFollowNode1">
-          <dgm:varLst>
-            <dgm:bulletEnabled val="1"/>
-          </dgm:varLst>
-          <dgm:alg type="tx">
-            <dgm:param type="stBulletLvl" val="1"/>
-          </dgm:alg>
-          <dgm:shape xmlns:r="http://schemas.openxmlformats.org/officeDocument/2006/relationships" type="rect" r:blip="">
-            <dgm:adjLst/>
-          </dgm:shape>
-          <dgm:presOf axis="des" ptType="node"/>
-          <dgm:constrLst>
-            <dgm:constr type="secFontSz" val="65"/>
-            <dgm:constr type="primFontSz" refType="secFontSz"/>
-            <dgm:constr type="h"/>
-            <dgm:constr type="lMarg" refType="primFontSz" fact="0.42"/>
-            <dgm:constr type="tMarg" refType="primFontSz" fact="0.42"/>
-            <dgm:constr type="bMarg" refType="primFontSz" fact="0.63"/>
-          </dgm:constrLst>
-          <dgm:ruleLst>
-            <dgm:rule type="h" val="INF" fact="NaN" max="NaN"/>
-          </dgm:ruleLst>
-        </dgm:layoutNode>
-      </dgm:layoutNode>
-      <dgm:forEach name="Name5" axis="followSib" ptType="sibTrans" cnt="1">
-        <dgm:layoutNode name="space">
-          <dgm:alg type="sp"/>
-          <dgm:shape xmlns:r="http://schemas.openxmlformats.org/officeDocument/2006/relationships" r:blip="">
-            <dgm:adjLst/>
-          </dgm:shape>
-          <dgm:presOf/>
-          <dgm:constrLst/>
-          <dgm:ruleLst/>
-        </dgm:layoutNode>
-      </dgm:forEach>
-    </dgm:forEach>
-  </dgm:layoutNode>
-</dgm:layoutDef>
-</file>
-
-<file path=ppt/diagrams/quickStyle1.xml><?xml version="1.0" encoding="utf-8"?>
-<dgm:styleDef xmlns:dgm="http://schemas.openxmlformats.org/drawingml/2006/diagram" xmlns:a="http://schemas.openxmlformats.org/drawingml/2006/main" uniqueId="urn:microsoft.com/office/officeart/2005/8/quickstyle/simple1#1">
-  <dgm:title val=""/>
-  <dgm:desc val=""/>
-  <dgm:catLst>
-    <dgm:cat type="simple" pri="10100"/>
-  </dgm:catLst>
-  <dgm:scene3d>
-    <a:camera prst="orthographicFront"/>
-    <a:lightRig rig="threePt" dir="t"/>
-  </dgm:scene3d>
-  <dgm:styleLbl name="alignAcc1">
-    <dgm:scene3d>
-      <a:camera prst="orthographicFront"/>
-      <a:lightRig rig="threePt" dir="t"/>
-    </dgm:scene3d>
-    <dgm:sp3d/>
-    <dgm:txPr/>
-    <dgm:style>
-      <a:lnRef idx="2">
-        <a:scrgbClr r="0" g="0" b="0"/>
-      </a:lnRef>
-      <a:fillRef idx="1">
-        <a:scrgbClr r="0" g="0" b="0"/>
-      </a:fillRef>
-      <a:effectRef idx="0">
-        <a:scrgbClr r="0" g="0" b="0"/>
-      </a:effectRef>
-      <a:fontRef idx="minor"/>
-    </dgm:style>
-  </dgm:styleLbl>
-  <dgm:styleLbl name="alignAccFollowNode1">
-    <dgm:scene3d>
-      <a:camera prst="orthographicFront"/>
-      <a:lightRig rig="threePt" dir="t"/>
-    </dgm:scene3d>
-    <dgm:sp3d/>
-    <dgm:txPr/>
-    <dgm:style>
-      <a:lnRef idx="2">
-        <a:scrgbClr r="0" g="0" b="0"/>
-      </a:lnRef>
-      <a:fillRef idx="1">
-        <a:scrgbClr r="0" g="0" b="0"/>
-      </a:fillRef>
-      <a:effectRef idx="0">
-        <a:scrgbClr r="0" g="0" b="0"/>
-      </a:effectRef>
-      <a:fontRef idx="minor"/>
-    </dgm:style>
-  </dgm:styleLbl>
-  <dgm:styleLbl name="alignImgPlace1">
-    <dgm:scene3d>
-      <a:camera prst="orthographicFront"/>
-      <a:lightRig rig="threePt" dir="t"/>
-    </dgm:scene3d>
-    <dgm:sp3d/>
-    <dgm:txPr/>
-    <dgm:style>
-      <a:lnRef idx="2">
-        <a:scrgbClr r="0" g="0" b="0"/>
-      </a:lnRef>
-      <a:fillRef idx="1">
-        <a:scrgbClr r="0" g="0" b="0"/>
-      </a:fillRef>
-      <a:effectRef idx="0">
-        <a:scrgbClr r="0" g="0" b="0"/>
-      </a:effectRef>
-      <a:fontRef idx="minor"/>
-    </dgm:style>
-  </dgm:styleLbl>
-  <dgm:styleLbl name="alignNode1">
-    <dgm:scene3d>
-      <a:camera prst="orthographicFront"/>
-      <a:lightRig rig="threePt" dir="t"/>
-    </dgm:scene3d>
-    <dgm:sp3d/>
-    <dgm:txPr/>
-    <dgm:style>
-      <a:lnRef idx="2">
-        <a:scrgbClr r="0" g="0" b="0"/>
-      </a:lnRef>
-      <a:fillRef idx="1">
-        <a:scrgbClr r="0" g="0" b="0"/>
-      </a:fillRef>
-      <a:effectRef idx="0">
-        <a:scrgbClr r="0" g="0" b="0"/>
-      </a:effectRef>
-      <a:fontRef idx="minor">
-        <a:schemeClr val="lt1"/>
-      </a:fontRef>
-    </dgm:style>
-  </dgm:styleLbl>
-  <dgm:styleLbl name="asst0">
-    <dgm:scene3d>
-      <a:camera prst="orthographicFront"/>
-      <a:lightRig rig="threePt" dir="t"/>
-    </dgm:scene3d>
-    <dgm:sp3d/>
-    <dgm:txPr/>
-    <dgm:style>
-      <a:lnRef idx="2">
-        <a:scrgbClr r="0" g="0" b="0"/>
-      </a:lnRef>
-      <a:fillRef idx="1">
-        <a:scrgbClr r="0" g="0" b="0"/>
-      </a:fillRef>
-      <a:effectRef idx="0">
-        <a:scrgbClr r="0" g="0" b="0"/>
-      </a:effectRef>
-      <a:fontRef idx="minor">
-        <a:schemeClr val="lt1"/>
-      </a:fontRef>
-    </dgm:style>
-  </dgm:styleLbl>
-  <dgm:styleLbl name="asst1">
-    <dgm:scene3d>
-      <a:camera prst="orthographicFront"/>
-      <a:lightRig rig="threePt" dir="t"/>
-    </dgm:scene3d>
-    <dgm:sp3d/>
-    <dgm:txPr/>
-    <dgm:style>
-      <a:lnRef idx="2">
-        <a:scrgbClr r="0" g="0" b="0"/>
-      </a:lnRef>
-      <a:fillRef idx="1">
-        <a:scrgbClr r="0" g="0" b="0"/>
-      </a:fillRef>
-      <a:effectRef idx="0">
-        <a:scrgbClr r="0" g="0" b="0"/>
-      </a:effectRef>
-      <a:fontRef idx="minor">
-        <a:schemeClr val="lt1"/>
-      </a:fontRef>
-    </dgm:style>
-  </dgm:styleLbl>
-  <dgm:styleLbl name="asst2">
-    <dgm:scene3d>
-      <a:camera prst="orthographicFront"/>
-      <a:lightRig rig="threePt" dir="t"/>
-    </dgm:scene3d>
-    <dgm:sp3d/>
-    <dgm:txPr/>
-    <dgm:style>
-      <a:lnRef idx="2">
-        <a:scrgbClr r="0" g="0" b="0"/>
-      </a:lnRef>
-      <a:fillRef idx="1">
-        <a:scrgbClr r="0" g="0" b="0"/>
-      </a:fillRef>
-      <a:effectRef idx="0">
-        <a:scrgbClr r="0" g="0" b="0"/>
-      </a:effectRef>
-      <a:fontRef idx="minor">
-        <a:schemeClr val="lt1"/>
-      </a:fontRef>
-    </dgm:style>
-  </dgm:styleLbl>
-  <dgm:styleLbl name="asst3">
-    <dgm:scene3d>
-      <a:camera prst="orthographicFront"/>
-      <a:lightRig rig="threePt" dir="t"/>
-    </dgm:scene3d>
-    <dgm:sp3d/>
-    <dgm:txPr/>
-    <dgm:style>
-      <a:lnRef idx="2">
-        <a:scrgbClr r="0" g="0" b="0"/>
-      </a:lnRef>
-      <a:fillRef idx="1">
-        <a:scrgbClr r="0" g="0" b="0"/>
-      </a:fillRef>
-      <a:effectRef idx="0">
-        <a:scrgbClr r="0" g="0" b="0"/>
-      </a:effectRef>
-      <a:fontRef idx="minor">
-        <a:schemeClr val="lt1"/>
-      </a:fontRef>
-    </dgm:style>
-  </dgm:styleLbl>
-  <dgm:styleLbl name="asst4">
-    <dgm:scene3d>
-      <a:camera prst="orthographicFront"/>
-      <a:lightRig rig="threePt" dir="t"/>
-    </dgm:scene3d>
-    <dgm:sp3d/>
-    <dgm:txPr/>
-    <dgm:style>
-      <a:lnRef idx="2">
-        <a:scrgbClr r="0" g="0" b="0"/>
-      </a:lnRef>
-      <a:fillRef idx="1">
-        <a:scrgbClr r="0" g="0" b="0"/>
-      </a:fillRef>
-      <a:effectRef idx="0">
-        <a:scrgbClr r="0" g="0" b="0"/>
-      </a:effectRef>
-      <a:fontRef idx="minor">
-        <a:schemeClr val="lt1"/>
-      </a:fontRef>
-    </dgm:style>
-  </dgm:styleLbl>
-  <dgm:styleLbl name="bgAcc1">
-    <dgm:scene3d>
-      <a:camera prst="orthographicFront"/>
-      <a:lightRig rig="threePt" dir="t"/>
-    </dgm:scene3d>
-    <dgm:sp3d/>
-    <dgm:txPr/>
-    <dgm:style>
-      <a:lnRef idx="2">
-        <a:scrgbClr r="0" g="0" b="0"/>
-      </a:lnRef>
-      <a:fillRef idx="1">
-        <a:scrgbClr r="0" g="0" b="0"/>
-      </a:fillRef>
-      <a:effectRef idx="0">
-        <a:scrgbClr r="0" g="0" b="0"/>
-      </a:effectRef>
-      <a:fontRef idx="minor"/>
-    </dgm:style>
-  </dgm:styleLbl>
-  <dgm:styleLbl name="bgAccFollowNode1">
-    <dgm:scene3d>
-      <a:camera prst="orthographicFront"/>
-      <a:lightRig rig="threePt" dir="t"/>
-    </dgm:scene3d>
-    <dgm:sp3d/>
-    <dgm:txPr/>
-    <dgm:style>
-      <a:lnRef idx="2">
-        <a:scrgbClr r="0" g="0" b="0"/>
-      </a:lnRef>
-      <a:fillRef idx="1">
-        <a:scrgbClr r="0" g="0" b="0"/>
-      </a:fillRef>
-      <a:effectRef idx="0">
-        <a:scrgbClr r="0" g="0" b="0"/>
-      </a:effectRef>
-      <a:fontRef idx="minor"/>
-    </dgm:style>
-  </dgm:styleLbl>
-  <dgm:styleLbl name="bgImgPlace1">
-    <dgm:scene3d>
-      <a:camera prst="orthographicFront"/>
-      <a:lightRig rig="threePt" dir="t"/>
-    </dgm:scene3d>
-    <dgm:sp3d/>
-    <dgm:txPr/>
-    <dgm:style>
-      <a:lnRef idx="2">
-        <a:scrgbClr r="0" g="0" b="0"/>
-      </a:lnRef>
-      <a:fillRef idx="1">
-        <a:scrgbClr r="0" g="0" b="0"/>
-      </a:fillRef>
-      <a:effectRef idx="0">
-        <a:scrgbClr r="0" g="0" b="0"/>
-      </a:effectRef>
-      <a:fontRef idx="minor"/>
-    </dgm:style>
-  </dgm:styleLbl>
-  <dgm:styleLbl name="bgShp">
-    <dgm:scene3d>
-      <a:camera prst="orthographicFront"/>
-      <a:lightRig rig="threePt" dir="t"/>
-    </dgm:scene3d>
-    <dgm:sp3d/>
-    <dgm:txPr/>
-    <dgm:style>
-      <a:lnRef idx="0">
-        <a:scrgbClr r="0" g="0" b="0"/>
-      </a:lnRef>
-      <a:fillRef idx="1">
-        <a:scrgbClr r="0" g="0" b="0"/>
-      </a:fillRef>
-      <a:effectRef idx="0">
-        <a:scrgbClr r="0" g="0" b="0"/>
-      </a:effectRef>
-      <a:fontRef idx="minor"/>
-    </dgm:style>
-  </dgm:styleLbl>
-  <dgm:styleLbl name="bgSibTrans2D1">
-    <dgm:scene3d>
-      <a:camera prst="orthographicFront"/>
-      <a:lightRig rig="threePt" dir="t"/>
-    </dgm:scene3d>
-    <dgm:sp3d/>
-    <dgm:txPr/>
-    <dgm:style>
-      <a:lnRef idx="0">
-        <a:scrgbClr r="0" g="0" b="0"/>
-      </a:lnRef>
-      <a:fillRef idx="1">
-        <a:scrgbClr r="0" g="0" b="0"/>
-      </a:fillRef>
-      <a:effectRef idx="0">
-        <a:scrgbClr r="0" g="0" b="0"/>
-      </a:effectRef>
-      <a:fontRef idx="minor">
-        <a:schemeClr val="lt1"/>
-      </a:fontRef>
-    </dgm:style>
-  </dgm:styleLbl>
-  <dgm:styleLbl name="callout">
-    <dgm:scene3d>
-      <a:camera prst="orthographicFront"/>
-      <a:lightRig rig="threePt" dir="t"/>
-    </dgm:scene3d>
-    <dgm:sp3d/>
-    <dgm:txPr/>
-    <dgm:style>
-      <a:lnRef idx="2">
-        <a:scrgbClr r="0" g="0" b="0"/>
-      </a:lnRef>
-      <a:fillRef idx="1">
-        <a:scrgbClr r="0" g="0" b="0"/>
-      </a:fillRef>
-      <a:effectRef idx="0">
-        <a:scrgbClr r="0" g="0" b="0"/>
-      </a:effectRef>
-      <a:fontRef idx="minor"/>
-    </dgm:style>
-  </dgm:styleLbl>
-  <dgm:styleLbl name="conFgAcc1">
-    <dgm:scene3d>
-      <a:camera prst="orthographicFront"/>
-      <a:lightRig rig="threePt" dir="t"/>
-    </dgm:scene3d>
-    <dgm:sp3d/>
-    <dgm:txPr/>
-    <dgm:style>
-      <a:lnRef idx="2">
-        <a:scrgbClr r="0" g="0" b="0"/>
-      </a:lnRef>
-      <a:fillRef idx="1">
-        <a:scrgbClr r="0" g="0" b="0"/>
-      </a:fillRef>
-      <a:effectRef idx="0">
-        <a:scrgbClr r="0" g="0" b="0"/>
-      </a:effectRef>
-      <a:fontRef idx="minor"/>
-    </dgm:style>
-  </dgm:styleLbl>
-  <dgm:styleLbl name="dkBgShp">
-    <dgm:scene3d>
-      <a:camera prst="orthographicFront"/>
-      <a:lightRig rig="threePt" dir="t"/>
-    </dgm:scene3d>
-    <dgm:sp3d/>
-    <dgm:txPr/>
-    <dgm:style>
-      <a:lnRef idx="0">
-        <a:scrgbClr r="0" g="0" b="0"/>
-      </a:lnRef>
-      <a:fillRef idx="1">
-        <a:scrgbClr r="0" g="0" b="0"/>
-      </a:fillRef>
-      <a:effectRef idx="0">
-        <a:scrgbClr r="0" g="0" b="0"/>
-      </a:effectRef>
-      <a:fontRef idx="minor"/>
-    </dgm:style>
-  </dgm:styleLbl>
-  <dgm:styleLbl name="fgAcc0">
-    <dgm:scene3d>
-      <a:camera prst="orthographicFront"/>
-      <a:lightRig rig="threePt" dir="t"/>
-    </dgm:scene3d>
-    <dgm:sp3d/>
-    <dgm:txPr/>
-    <dgm:style>
-      <a:lnRef idx="2">
-        <a:scrgbClr r="0" g="0" b="0"/>
-      </a:lnRef>
-      <a:fillRef idx="1">
-        <a:scrgbClr r="0" g="0" b="0"/>
-      </a:fillRef>
-      <a:effectRef idx="0">
-        <a:scrgbClr r="0" g="0" b="0"/>
-      </a:effectRef>
-      <a:fontRef idx="minor"/>
-    </dgm:style>
-  </dgm:styleLbl>
-  <dgm:styleLbl name="fgAcc1">
-    <dgm:scene3d>
-      <a:camera prst="orthographicFront"/>
-      <a:lightRig rig="threePt" dir="t"/>
-    </dgm:scene3d>
-    <dgm:sp3d/>
-    <dgm:txPr/>
-    <dgm:style>
-      <a:lnRef idx="2">
-        <a:scrgbClr r="0" g="0" b="0"/>
-      </a:lnRef>
-      <a:fillRef idx="1">
-        <a:scrgbClr r="0" g="0" b="0"/>
-      </a:fillRef>
-      <a:effectRef idx="0">
-        <a:scrgbClr r="0" g="0" b="0"/>
-      </a:effectRef>
-      <a:fontRef idx="minor"/>
-    </dgm:style>
-  </dgm:styleLbl>
-  <dgm:styleLbl name="fgAcc2">
-    <dgm:scene3d>
-      <a:camera prst="orthographicFront"/>
-      <a:lightRig rig="threePt" dir="t"/>
-    </dgm:scene3d>
-    <dgm:sp3d/>
-    <dgm:txPr/>
-    <dgm:style>
-      <a:lnRef idx="2">
-        <a:scrgbClr r="0" g="0" b="0"/>
-      </a:lnRef>
-      <a:fillRef idx="1">
-        <a:scrgbClr r="0" g="0" b="0"/>
-      </a:fillRef>
-      <a:effectRef idx="0">
-        <a:scrgbClr r="0" g="0" b="0"/>
-      </a:effectRef>
-      <a:fontRef idx="minor"/>
-    </dgm:style>
-  </dgm:styleLbl>
-  <dgm:styleLbl name="fgAcc3">
-    <dgm:scene3d>
-      <a:camera prst="orthographicFront"/>
-      <a:lightRig rig="threePt" dir="t"/>
-    </dgm:scene3d>
-    <dgm:sp3d/>
-    <dgm:txPr/>
-    <dgm:style>
-      <a:lnRef idx="2">
-        <a:scrgbClr r="0" g="0" b="0"/>
-      </a:lnRef>
-      <a:fillRef idx="1">
-        <a:scrgbClr r="0" g="0" b="0"/>
-      </a:fillRef>
-      <a:effectRef idx="0">
-        <a:scrgbClr r="0" g="0" b="0"/>
-      </a:effectRef>
-      <a:fontRef idx="minor"/>
-    </dgm:style>
-  </dgm:styleLbl>
-  <dgm:styleLbl name="fgAcc4">
-    <dgm:scene3d>
-      <a:camera prst="orthographicFront"/>
-      <a:lightRig rig="threePt" dir="t"/>
-    </dgm:scene3d>
-    <dgm:sp3d/>
-    <dgm:txPr/>
-    <dgm:style>
-      <a:lnRef idx="2">
-        <a:scrgbClr r="0" g="0" b="0"/>
-      </a:lnRef>
-      <a:fillRef idx="1">
-        <a:scrgbClr r="0" g="0" b="0"/>
-      </a:fillRef>
-      <a:effectRef idx="0">
-        <a:scrgbClr r="0" g="0" b="0"/>
-      </a:effectRef>
-      <a:fontRef idx="minor"/>
-    </dgm:style>
-  </dgm:styleLbl>
-  <dgm:styleLbl name="fgAccFollowNode1">
-    <dgm:scene3d>
-      <a:camera prst="orthographicFront"/>
-      <a:lightRig rig="threePt" dir="t"/>
-    </dgm:scene3d>
-    <dgm:sp3d/>
-    <dgm:txPr/>
-    <dgm:style>
-      <a:lnRef idx="2">
-        <a:scrgbClr r="0" g="0" b="0"/>
-      </a:lnRef>
-      <a:fillRef idx="1">
-        <a:scrgbClr r="0" g="0" b="0"/>
-      </a:fillRef>
-      <a:effectRef idx="0">
-        <a:scrgbClr r="0" g="0" b="0"/>
-      </a:effectRef>
-      <a:fontRef idx="minor"/>
-    </dgm:style>
-  </dgm:styleLbl>
-  <dgm:styleLbl name="fgImgPlace1">
-    <dgm:scene3d>
-      <a:camera prst="orthographicFront"/>
-      <a:lightRig rig="threePt" dir="t"/>
-    </dgm:scene3d>
-    <dgm:sp3d/>
-    <dgm:txPr/>
-    <dgm:style>
-      <a:lnRef idx="2">
-        <a:scrgbClr r="0" g="0" b="0"/>
-      </a:lnRef>
-      <a:fillRef idx="1">
-        <a:scrgbClr r="0" g="0" b="0"/>
-      </a:fillRef>
-      <a:effectRef idx="0">
-        <a:scrgbClr r="0" g="0" b="0"/>
-      </a:effectRef>
-      <a:fontRef idx="minor"/>
-    </dgm:style>
-  </dgm:styleLbl>
-  <dgm:styleLbl name="fgShp">
-    <dgm:scene3d>
-      <a:camera prst="orthographicFront"/>
-      <a:lightRig rig="threePt" dir="t"/>
-    </dgm:scene3d>
-    <dgm:sp3d/>
-    <dgm:txPr/>
-    <dgm:style>
-      <a:lnRef idx="2">
-        <a:scrgbClr r="0" g="0" b="0"/>
-      </a:lnRef>
-      <a:fillRef idx="1">
-        <a:scrgbClr r="0" g="0" b="0"/>
-      </a:fillRef>
-      <a:effectRef idx="0">
-        <a:scrgbClr r="0" g="0" b="0"/>
-      </a:effectRef>
-      <a:fontRef idx="minor"/>
-    </dgm:style>
-  </dgm:styleLbl>
-  <dgm:styleLbl name="fgSibTrans2D1">
-    <dgm:scene3d>
-      <a:camera prst="orthographicFront"/>
-      <a:lightRig rig="threePt" dir="t"/>
-    </dgm:scene3d>
-    <dgm:sp3d/>
-    <dgm:txPr/>
-    <dgm:style>
-      <a:lnRef idx="0">
-        <a:scrgbClr r="0" g="0" b="0"/>
-      </a:lnRef>
-      <a:fillRef idx="1">
-        <a:scrgbClr r="0" g="0" b="0"/>
-      </a:fillRef>
-      <a:effectRef idx="0">
-        <a:scrgbClr r="0" g="0" b="0"/>
-      </a:effectRef>
-      <a:fontRef idx="minor">
-        <a:schemeClr val="lt1"/>
-      </a:fontRef>
-    </dgm:style>
-  </dgm:styleLbl>
-  <dgm:styleLbl name="lnNode1">
-    <dgm:scene3d>
-      <a:camera prst="orthographicFront"/>
-      <a:lightRig rig="threePt" dir="t"/>
-    </dgm:scene3d>
-    <dgm:sp3d/>
-    <dgm:txPr/>
-    <dgm:style>
-      <a:lnRef idx="2">
-        <a:scrgbClr r="0" g="0" b="0"/>
-      </a:lnRef>
-      <a:fillRef idx="1">
-        <a:scrgbClr r="0" g="0" b="0"/>
-      </a:fillRef>
-      <a:effectRef idx="0">
-        <a:scrgbClr r="0" g="0" b="0"/>
-      </a:effectRef>
-      <a:fontRef idx="minor">
-        <a:schemeClr val="lt1"/>
-      </a:fontRef>
-    </dgm:style>
-  </dgm:styleLbl>
-  <dgm:styleLbl name="node0">
-    <dgm:scene3d>
-      <a:camera prst="orthographicFront"/>
-      <a:lightRig rig="threePt" dir="t"/>
-    </dgm:scene3d>
-    <dgm:sp3d/>
-    <dgm:txPr/>
-    <dgm:style>
-      <a:lnRef idx="2">
-        <a:scrgbClr r="0" g="0" b="0"/>
-      </a:lnRef>
-      <a:fillRef idx="1">
-        <a:scrgbClr r="0" g="0" b="0"/>
-      </a:fillRef>
-      <a:effectRef idx="0">
-        <a:scrgbClr r="0" g="0" b="0"/>
-      </a:effectRef>
-      <a:fontRef idx="minor">
-        <a:schemeClr val="lt1"/>
-      </a:fontRef>
-    </dgm:style>
-  </dgm:styleLbl>
-  <dgm:styleLbl name="node1">
-    <dgm:scene3d>
-      <a:camera prst="orthographicFront"/>
-      <a:lightRig rig="threePt" dir="t"/>
-    </dgm:scene3d>
-    <dgm:sp3d/>
-    <dgm:txPr/>
-    <dgm:style>
-      <a:lnRef idx="2">
-        <a:scrgbClr r="0" g="0" b="0"/>
-      </a:lnRef>
-      <a:fillRef idx="1">
-        <a:scrgbClr r="0" g="0" b="0"/>
-      </a:fillRef>
-      <a:effectRef idx="0">
-        <a:scrgbClr r="0" g="0" b="0"/>
-      </a:effectRef>
-      <a:fontRef idx="minor">
-        <a:schemeClr val="lt1"/>
-      </a:fontRef>
-    </dgm:style>
-  </dgm:styleLbl>
-  <dgm:styleLbl name="node2">
-    <dgm:scene3d>
-      <a:camera prst="orthographicFront"/>
-      <a:lightRig rig="threePt" dir="t"/>
-    </dgm:scene3d>
-    <dgm:sp3d/>
-    <dgm:txPr/>
-    <dgm:style>
-      <a:lnRef idx="2">
-        <a:scrgbClr r="0" g="0" b="0"/>
-      </a:lnRef>
-      <a:fillRef idx="1">
-        <a:scrgbClr r="0" g="0" b="0"/>
-      </a:fillRef>
-      <a:effectRef idx="0">
-        <a:scrgbClr r="0" g="0" b="0"/>
-      </a:effectRef>
-      <a:fontRef idx="minor">
-        <a:schemeClr val="lt1"/>
-      </a:fontRef>
-    </dgm:style>
-  </dgm:styleLbl>
-  <dgm:styleLbl name="node3">
-    <dgm:scene3d>
-      <a:camera prst="orthographicFront"/>
-      <a:lightRig rig="threePt" dir="t"/>
-    </dgm:scene3d>
-    <dgm:sp3d/>
-    <dgm:txPr/>
-    <dgm:style>
-      <a:lnRef idx="2">
-        <a:scrgbClr r="0" g="0" b="0"/>
-      </a:lnRef>
-      <a:fillRef idx="1">
-        <a:scrgbClr r="0" g="0" b="0"/>
-      </a:fillRef>
-      <a:effectRef idx="0">
-        <a:scrgbClr r="0" g="0" b="0"/>
-      </a:effectRef>
-      <a:fontRef idx="minor">
-        <a:schemeClr val="lt1"/>
-      </a:fontRef>
-    </dgm:style>
-  </dgm:styleLbl>
-  <dgm:styleLbl name="node4">
-    <dgm:scene3d>
-      <a:camera prst="orthographicFront"/>
-      <a:lightRig rig="threePt" dir="t"/>
-    </dgm:scene3d>
-    <dgm:sp3d/>
-    <dgm:txPr/>
-    <dgm:style>
-      <a:lnRef idx="2">
-        <a:scrgbClr r="0" g="0" b="0"/>
-      </a:lnRef>
-      <a:fillRef idx="1">
-        <a:scrgbClr r="0" g="0" b="0"/>
-      </a:fillRef>
-      <a:effectRef idx="0">
-        <a:scrgbClr r="0" g="0" b="0"/>
-      </a:effectRef>
-      <a:fontRef idx="minor">
-        <a:schemeClr val="lt1"/>
-      </a:fontRef>
-    </dgm:style>
-  </dgm:styleLbl>
-  <dgm:styleLbl name="parChTrans1D1">
-    <dgm:scene3d>
-      <a:camera prst="orthographicFront"/>
-      <a:lightRig rig="threePt" dir="t"/>
-    </dgm:scene3d>
-    <dgm:sp3d/>
-    <dgm:txPr/>
-    <dgm:style>
-      <a:lnRef idx="2">
-        <a:scrgbClr r="0" g="0" b="0"/>
-      </a:lnRef>
-      <a:fillRef idx="0">
-        <a:scrgbClr r="0" g="0" b="0"/>
-      </a:fillRef>
-      <a:effectRef idx="0">
-        <a:scrgbClr r="0" g="0" b="0"/>
-      </a:effectRef>
-      <a:fontRef idx="minor"/>
-    </dgm:style>
-  </dgm:styleLbl>
-  <dgm:styleLbl name="parChTrans1D2">
-    <dgm:scene3d>
-      <a:camera prst="orthographicFront"/>
-      <a:lightRig rig="threePt" dir="t"/>
-    </dgm:scene3d>
-    <dgm:sp3d/>
-    <dgm:txPr/>
-    <dgm:style>
-      <a:lnRef idx="2">
-        <a:scrgbClr r="0" g="0" b="0"/>
-      </a:lnRef>
-      <a:fillRef idx="0">
-        <a:scrgbClr r="0" g="0" b="0"/>
-      </a:fillRef>
-      <a:effectRef idx="0">
-        <a:scrgbClr r="0" g="0" b="0"/>
-      </a:effectRef>
-      <a:fontRef idx="minor"/>
-    </dgm:style>
-  </dgm:styleLbl>
-  <dgm:styleLbl name="parChTrans1D3">
-    <dgm:scene3d>
-      <a:camera prst="orthographicFront"/>
-      <a:lightRig rig="threePt" dir="t"/>
-    </dgm:scene3d>
-    <dgm:sp3d/>
-    <dgm:txPr/>
-    <dgm:style>
-      <a:lnRef idx="2">
-        <a:scrgbClr r="0" g="0" b="0"/>
-      </a:lnRef>
-      <a:fillRef idx="0">
-        <a:scrgbClr r="0" g="0" b="0"/>
-      </a:fillRef>
-      <a:effectRef idx="0">
-        <a:scrgbClr r="0" g="0" b="0"/>
-      </a:effectRef>
-      <a:fontRef idx="minor"/>
-    </dgm:style>
-  </dgm:styleLbl>
-  <dgm:styleLbl name="parChTrans1D4">
-    <dgm:scene3d>
-      <a:camera prst="orthographicFront"/>
-      <a:lightRig rig="threePt" dir="t"/>
-    </dgm:scene3d>
-    <dgm:sp3d/>
-    <dgm:txPr/>
-    <dgm:style>
-      <a:lnRef idx="2">
-        <a:scrgbClr r="0" g="0" b="0"/>
-      </a:lnRef>
-      <a:fillRef idx="0">
-        <a:scrgbClr r="0" g="0" b="0"/>
-      </a:fillRef>
-      <a:effectRef idx="0">
-        <a:scrgbClr r="0" g="0" b="0"/>
-      </a:effectRef>
-      <a:fontRef idx="minor"/>
-    </dgm:style>
-  </dgm:styleLbl>
-  <dgm:styleLbl name="parChTrans2D1">
-    <dgm:scene3d>
-      <a:camera prst="orthographicFront"/>
-      <a:lightRig rig="threePt" dir="t"/>
-    </dgm:scene3d>
-    <dgm:sp3d/>
-    <dgm:txPr/>
-    <dgm:style>
-      <a:lnRef idx="2">
-        <a:scrgbClr r="0" g="0" b="0"/>
-      </a:lnRef>
-      <a:fillRef idx="1">
-        <a:scrgbClr r="0" g="0" b="0"/>
-      </a:fillRef>
-      <a:effectRef idx="0">
-        <a:scrgbClr r="0" g="0" b="0"/>
-      </a:effectRef>
-      <a:fontRef idx="minor">
-        <a:schemeClr val="lt1"/>
-      </a:fontRef>
-    </dgm:style>
-  </dgm:styleLbl>
-  <dgm:styleLbl name="parChTrans2D2">
-    <dgm:scene3d>
-      <a:camera prst="orthographicFront"/>
-      <a:lightRig rig="threePt" dir="t"/>
-    </dgm:scene3d>
-    <dgm:sp3d/>
-    <dgm:txPr/>
-    <dgm:style>
-      <a:lnRef idx="2">
-        <a:scrgbClr r="0" g="0" b="0"/>
-      </a:lnRef>
-      <a:fillRef idx="1">
-        <a:scrgbClr r="0" g="0" b="0"/>
-      </a:fillRef>
-      <a:effectRef idx="0">
-        <a:scrgbClr r="0" g="0" b="0"/>
-      </a:effectRef>
-      <a:fontRef idx="minor">
-        <a:schemeClr val="lt1"/>
-      </a:fontRef>
-    </dgm:style>
-  </dgm:styleLbl>
-  <dgm:styleLbl name="parChTrans2D3">
-    <dgm:scene3d>
-      <a:camera prst="orthographicFront"/>
-      <a:lightRig rig="threePt" dir="t"/>
-    </dgm:scene3d>
-    <dgm:sp3d/>
-    <dgm:txPr/>
-    <dgm:style>
-      <a:lnRef idx="2">
-        <a:scrgbClr r="0" g="0" b="0"/>
-      </a:lnRef>
-      <a:fillRef idx="1">
-        <a:scrgbClr r="0" g="0" b="0"/>
-      </a:fillRef>
-      <a:effectRef idx="0">
-        <a:scrgbClr r="0" g="0" b="0"/>
-      </a:effectRef>
-      <a:fontRef idx="minor">
-        <a:schemeClr val="lt1"/>
-      </a:fontRef>
-    </dgm:style>
-  </dgm:styleLbl>
-  <dgm:styleLbl name="parChTrans2D4">
-    <dgm:scene3d>
-      <a:camera prst="orthographicFront"/>
-      <a:lightRig rig="threePt" dir="t"/>
-    </dgm:scene3d>
-    <dgm:sp3d/>
-    <dgm:txPr/>
-    <dgm:style>
-      <a:lnRef idx="2">
-        <a:scrgbClr r="0" g="0" b="0"/>
-      </a:lnRef>
-      <a:fillRef idx="1">
-        <a:scrgbClr r="0" g="0" b="0"/>
-      </a:fillRef>
-      <a:effectRef idx="0">
-        <a:scrgbClr r="0" g="0" b="0"/>
-      </a:effectRef>
-      <a:fontRef idx="minor">
-        <a:schemeClr val="lt1"/>
-      </a:fontRef>
-    </dgm:style>
-  </dgm:styleLbl>
-  <dgm:styleLbl name="revTx">
-    <dgm:scene3d>
-      <a:camera prst="orthographicFront"/>
-      <a:lightRig rig="threePt" dir="t"/>
-    </dgm:scene3d>
-    <dgm:sp3d/>
-    <dgm:txPr/>
-    <dgm:style>
-      <a:lnRef idx="0">
-        <a:scrgbClr r="0" g="0" b="0"/>
-      </a:lnRef>
-      <a:fillRef idx="0">
-        <a:scrgbClr r="0" g="0" b="0"/>
-      </a:fillRef>
-      <a:effectRef idx="0">
-        <a:scrgbClr r="0" g="0" b="0"/>
-      </a:effectRef>
-      <a:fontRef idx="minor"/>
-    </dgm:style>
-  </dgm:styleLbl>
-  <dgm:styleLbl name="sibTrans1D1">
-    <dgm:scene3d>
-      <a:camera prst="orthographicFront"/>
-      <a:lightRig rig="threePt" dir="t"/>
-    </dgm:scene3d>
-    <dgm:sp3d/>
-    <dgm:txPr/>
-    <dgm:style>
-      <a:lnRef idx="1">
-        <a:scrgbClr r="0" g="0" b="0"/>
-      </a:lnRef>
-      <a:fillRef idx="0">
-        <a:scrgbClr r="0" g="0" b="0"/>
-      </a:fillRef>
-      <a:effectRef idx="0">
-        <a:scrgbClr r="0" g="0" b="0"/>
-      </a:effectRef>
-      <a:fontRef idx="minor"/>
-    </dgm:style>
-  </dgm:styleLbl>
-  <dgm:styleLbl name="sibTrans2D1">
-    <dgm:scene3d>
-      <a:camera prst="orthographicFront"/>
-      <a:lightRig rig="threePt" dir="t"/>
-    </dgm:scene3d>
-    <dgm:sp3d/>
-    <dgm:txPr/>
-    <dgm:style>
-      <a:lnRef idx="0">
-        <a:scrgbClr r="0" g="0" b="0"/>
-      </a:lnRef>
-      <a:fillRef idx="1">
-        <a:scrgbClr r="0" g="0" b="0"/>
-      </a:fillRef>
-      <a:effectRef idx="0">
-        <a:scrgbClr r="0" g="0" b="0"/>
-      </a:effectRef>
-      <a:fontRef idx="minor">
-        <a:schemeClr val="lt1"/>
-      </a:fontRef>
-    </dgm:style>
-  </dgm:styleLbl>
-  <dgm:styleLbl name="solidAlignAcc1">
-    <dgm:scene3d>
-      <a:camera prst="orthographicFront"/>
-      <a:lightRig rig="threePt" dir="t"/>
-    </dgm:scene3d>
-    <dgm:sp3d/>
-    <dgm:txPr/>
-    <dgm:style>
-      <a:lnRef idx="2">
-        <a:scrgbClr r="0" g="0" b="0"/>
-      </a:lnRef>
-      <a:fillRef idx="1">
-        <a:scrgbClr r="0" g="0" b="0"/>
-      </a:fillRef>
-      <a:effectRef idx="0">
-        <a:scrgbClr r="0" g="0" b="0"/>
-      </a:effectRef>
-      <a:fontRef idx="minor"/>
-    </dgm:style>
-  </dgm:styleLbl>
-  <dgm:styleLbl name="solidBgAcc1">
-    <dgm:scene3d>
-      <a:camera prst="orthographicFront"/>
-      <a:lightRig rig="threePt" dir="t"/>
-    </dgm:scene3d>
-    <dgm:sp3d/>
-    <dgm:txPr/>
-    <dgm:style>
-      <a:lnRef idx="2">
-        <a:scrgbClr r="0" g="0" b="0"/>
-      </a:lnRef>
-      <a:fillRef idx="1">
-        <a:scrgbClr r="0" g="0" b="0"/>
-      </a:fillRef>
-      <a:effectRef idx="0">
-        <a:scrgbClr r="0" g="0" b="0"/>
-      </a:effectRef>
-      <a:fontRef idx="minor"/>
-    </dgm:style>
-  </dgm:styleLbl>
-  <dgm:styleLbl name="solidFgAcc1">
-    <dgm:scene3d>
-      <a:camera prst="orthographicFront"/>
-      <a:lightRig rig="threePt" dir="t"/>
-    </dgm:scene3d>
-    <dgm:sp3d/>
-    <dgm:txPr/>
-    <dgm:style>
-      <a:lnRef idx="2">
-        <a:scrgbClr r="0" g="0" b="0"/>
-      </a:lnRef>
-      <a:fillRef idx="1">
-        <a:scrgbClr r="0" g="0" b="0"/>
-      </a:fillRef>
-      <a:effectRef idx="0">
-        <a:scrgbClr r="0" g="0" b="0"/>
-      </a:effectRef>
-      <a:fontRef idx="minor"/>
-    </dgm:style>
-  </dgm:styleLbl>
-  <dgm:styleLbl name="trAlignAcc1">
-    <dgm:scene3d>
-      <a:camera prst="orthographicFront"/>
-      <a:lightRig rig="threePt" dir="t"/>
-    </dgm:scene3d>
-    <dgm:sp3d/>
-    <dgm:txPr/>
-    <dgm:style>
-      <a:lnRef idx="1">
-        <a:scrgbClr r="0" g="0" b="0"/>
-      </a:lnRef>
-      <a:fillRef idx="1">
-        <a:scrgbClr r="0" g="0" b="0"/>
-      </a:fillRef>
-      <a:effectRef idx="0">
-        <a:scrgbClr r="0" g="0" b="0"/>
-      </a:effectRef>
-      <a:fontRef idx="minor"/>
-    </dgm:style>
-  </dgm:styleLbl>
-  <dgm:styleLbl name="trBgShp">
-    <dgm:scene3d>
-      <a:camera prst="orthographicFront"/>
-      <a:lightRig rig="threePt" dir="t"/>
-    </dgm:scene3d>
-    <dgm:sp3d/>
-    <dgm:txPr/>
-    <dgm:style>
-      <a:lnRef idx="0">
-        <a:scrgbClr r="0" g="0" b="0"/>
-      </a:lnRef>
-      <a:fillRef idx="1">
-        <a:scrgbClr r="0" g="0" b="0"/>
-      </a:fillRef>
-      <a:effectRef idx="0">
-        <a:scrgbClr r="0" g="0" b="0"/>
-      </a:effectRef>
-      <a:fontRef idx="minor"/>
-    </dgm:style>
-  </dgm:styleLbl>
-  <dgm:styleLbl name="vennNode1">
-    <dgm:scene3d>
-      <a:camera prst="orthographicFront"/>
-      <a:lightRig rig="threePt" dir="t"/>
-    </dgm:scene3d>
-    <dgm:sp3d/>
-    <dgm:txPr/>
-    <dgm:style>
-      <a:lnRef idx="2">
-        <a:scrgbClr r="0" g="0" b="0"/>
-      </a:lnRef>
-      <a:fillRef idx="1">
-        <a:scrgbClr r="0" g="0" b="0"/>
-      </a:fillRef>
-      <a:effectRef idx="0">
-        <a:scrgbClr r="0" g="0" b="0"/>
-      </a:effectRef>
-      <a:fontRef idx="minor">
-        <a:schemeClr val="tx1"/>
-      </a:fontRef>
-    </dgm:style>
-  </dgm:styleLbl>
-</dgm:styleDef>
 </file>
 
 <file path=ppt/slideLayouts/slideLayout1.xml><?xml version="1.0" encoding="utf-8"?>
@@ -9765,1768 +6342,6 @@
 </p:sld>
 </file>
 
-<file path=ppt/slides/slide12.xml><?xml version="1.0" encoding="utf-8"?>
-<p:sld xmlns:a="http://schemas.openxmlformats.org/drawingml/2006/main" xmlns:r="http://schemas.openxmlformats.org/officeDocument/2006/relationships" xmlns:p="http://schemas.openxmlformats.org/presentationml/2006/main">
-  <p:cSld>
-    <p:bg>
-      <p:bgPr>
-        <a:solidFill>
-          <a:schemeClr val="bg1"/>
-        </a:solidFill>
-        <a:effectLst/>
-      </p:bgPr>
-    </p:bg>
-    <p:spTree>
-      <p:nvGrpSpPr>
-        <p:cNvPr id="1" name=""/>
-        <p:cNvGrpSpPr/>
-        <p:nvPr/>
-      </p:nvGrpSpPr>
-      <p:grpSpPr>
-        <a:xfrm>
-          <a:off x="0" y="0"/>
-          <a:ext cx="0" cy="0"/>
-          <a:chOff x="0" y="0"/>
-          <a:chExt cx="0" cy="0"/>
-        </a:xfrm>
-      </p:grpSpPr>
-      <p:sp>
-        <p:nvSpPr>
-          <p:cNvPr id="2" name="Title 1"/>
-          <p:cNvSpPr>
-            <a:spLocks noGrp="1"/>
-          </p:cNvSpPr>
-          <p:nvPr>
-            <p:ph type="title"/>
-          </p:nvPr>
-        </p:nvSpPr>
-        <p:spPr>
-          <a:xfrm>
-            <a:off x="643467" y="643467"/>
-            <a:ext cx="6516241" cy="5571066"/>
-          </a:xfrm>
-        </p:spPr>
-        <p:txBody>
-          <a:bodyPr vert="horz" lIns="91440" tIns="45720" rIns="91440" bIns="45720" rtlCol="0" anchor="ctr">
-            <a:normAutofit/>
-          </a:bodyPr>
-          <a:lstStyle/>
-          <a:p>
-            <a:pPr algn="r">
-              <a:lnSpc>
-                <a:spcPct val="80000"/>
-              </a:lnSpc>
-            </a:pPr>
-            <a:r>
-              <a:rPr lang="en-US" altLang="zh-CN" sz="8800">
-                <a:blipFill dpi="0" rotWithShape="1">
-                  <a:blip r:embed="rId2"/>
-                  <a:srcRect/>
-                  <a:tile tx="6350" ty="-127000" sx="65000" sy="64000" flip="none" algn="tl"/>
-                </a:blipFill>
-              </a:rPr>
-              <a:t>appendix</a:t>
-            </a:r>
-            <a:endParaRPr lang="en-US" sz="8800">
-              <a:blipFill dpi="0" rotWithShape="1">
-                <a:blip r:embed="rId2"/>
-                <a:srcRect/>
-                <a:tile tx="6350" ty="-127000" sx="65000" sy="64000" flip="none" algn="tl"/>
-              </a:blipFill>
-            </a:endParaRPr>
-          </a:p>
-        </p:txBody>
-      </p:sp>
-    </p:spTree>
-  </p:cSld>
-  <p:clrMapOvr>
-    <a:masterClrMapping/>
-  </p:clrMapOvr>
-</p:sld>
-</file>
-
-<file path=ppt/slides/slide13.xml><?xml version="1.0" encoding="utf-8"?>
-<p:sld xmlns:a="http://schemas.openxmlformats.org/drawingml/2006/main" xmlns:r="http://schemas.openxmlformats.org/officeDocument/2006/relationships" xmlns:p="http://schemas.openxmlformats.org/presentationml/2006/main">
-  <p:cSld>
-    <p:bg>
-      <p:bgPr>
-        <a:solidFill>
-          <a:schemeClr val="bg1"/>
-        </a:solidFill>
-        <a:effectLst/>
-      </p:bgPr>
-    </p:bg>
-    <p:spTree>
-      <p:nvGrpSpPr>
-        <p:cNvPr id="1" name=""/>
-        <p:cNvGrpSpPr/>
-        <p:nvPr/>
-      </p:nvGrpSpPr>
-      <p:grpSpPr>
-        <a:xfrm>
-          <a:off x="0" y="0"/>
-          <a:ext cx="0" cy="0"/>
-          <a:chOff x="0" y="0"/>
-          <a:chExt cx="0" cy="0"/>
-        </a:xfrm>
-      </p:grpSpPr>
-      <p:sp>
-        <p:nvSpPr>
-          <p:cNvPr id="2" name="Title 1"/>
-          <p:cNvSpPr>
-            <a:spLocks noGrp="1"/>
-          </p:cNvSpPr>
-          <p:nvPr>
-            <p:ph type="title"/>
-          </p:nvPr>
-        </p:nvSpPr>
-        <p:spPr>
-          <a:xfrm>
-            <a:off x="1069848" y="484632"/>
-            <a:ext cx="10058400" cy="1609344"/>
-          </a:xfrm>
-        </p:spPr>
-        <p:txBody>
-          <a:bodyPr>
-            <a:normAutofit/>
-          </a:bodyPr>
-          <a:lstStyle/>
-          <a:p>
-            <a:r>
-              <a:rPr lang="en-US" altLang="zh-CN" dirty="0"/>
-              <a:t>Milestone</a:t>
-            </a:r>
-            <a:endParaRPr lang="en-US" dirty="0"/>
-          </a:p>
-        </p:txBody>
-      </p:sp>
-      <p:sp>
-        <p:nvSpPr>
-          <p:cNvPr id="10" name="Rectangle 9"/>
-          <p:cNvSpPr>
-            <a:spLocks noGrp="1" noRot="1" noChangeAspect="1" noMove="1" noResize="1" noEditPoints="1" noAdjustHandles="1" noChangeArrowheads="1" noChangeShapeType="1" noTextEdit="1"/>
-          </p:cNvSpPr>
-          <p:nvPr/>
-        </p:nvSpPr>
-        <p:spPr>
-          <a:xfrm>
-            <a:off x="1066800" y="2013293"/>
-            <a:ext cx="10058400" cy="80683"/>
-          </a:xfrm>
-          <a:prstGeom prst="rect">
-            <a:avLst/>
-          </a:prstGeom>
-          <a:blipFill dpi="0" rotWithShape="1">
-            <a:blip r:embed="rId2">
-              <a:alphaModFix amt="85000"/>
-              <a:lum bright="70000" contrast="-70000"/>
-              <a:extLst>
-                <a:ext uri="{BEBA8EAE-BF5A-486C-A8C5-ECC9F3942E4B}">
-                  <a14:imgProps xmlns:a14="http://schemas.microsoft.com/office/drawing/2010/main">
-                    <a14:imgLayer r:embed="rId3">
-                      <a14:imgEffect>
-                        <a14:sharpenSoften amount="61000"/>
-                      </a14:imgEffect>
-                    </a14:imgLayer>
-                  </a14:imgProps>
-                </a:ext>
-                <a:ext uri="{28A0092B-C50C-407E-A947-70E740481C1C}">
-                  <a14:useLocalDpi xmlns:a14="http://schemas.microsoft.com/office/drawing/2010/main" val="0"/>
-                </a:ext>
-              </a:extLst>
-            </a:blip>
-            <a:srcRect/>
-            <a:tile tx="0" ty="-762000" sx="92000" sy="89000" flip="xy" algn="ctr"/>
-          </a:blipFill>
-          <a:ln>
-            <a:noFill/>
-          </a:ln>
-        </p:spPr>
-        <p:style>
-          <a:lnRef idx="2">
-            <a:schemeClr val="accent1">
-              <a:shade val="50000"/>
-            </a:schemeClr>
-          </a:lnRef>
-          <a:fillRef idx="1">
-            <a:schemeClr val="accent1"/>
-          </a:fillRef>
-          <a:effectRef idx="0">
-            <a:schemeClr val="accent1"/>
-          </a:effectRef>
-          <a:fontRef idx="minor">
-            <a:schemeClr val="lt1"/>
-          </a:fontRef>
-        </p:style>
-        <p:txBody>
-          <a:bodyPr rtlCol="0" anchor="ctr"/>
-          <a:lstStyle/>
-          <a:p>
-            <a:pPr algn="ctr"/>
-            <a:endParaRPr lang="en-US"/>
-          </a:p>
-        </p:txBody>
-      </p:sp>
-      <p:graphicFrame>
-        <p:nvGraphicFramePr>
-          <p:cNvPr id="5" name="Content Placeholder 2"/>
-          <p:cNvGraphicFramePr>
-            <a:graphicFrameLocks noGrp="1"/>
-          </p:cNvGraphicFramePr>
-          <p:nvPr>
-            <p:ph idx="1"/>
-          </p:nvPr>
-        </p:nvGraphicFramePr>
-        <p:xfrm>
-          <a:off x="1069975" y="2202288"/>
-          <a:ext cx="10058400" cy="4171080"/>
-        </p:xfrm>
-        <a:graphic>
-          <a:graphicData uri="http://schemas.openxmlformats.org/drawingml/2006/diagram">
-            <dgm:relIds xmlns:dgm="http://schemas.openxmlformats.org/drawingml/2006/diagram" xmlns:r="http://schemas.openxmlformats.org/officeDocument/2006/relationships" r:dm="rId4" r:lo="rId5" r:qs="rId6" r:cs="rId7"/>
-          </a:graphicData>
-        </a:graphic>
-      </p:graphicFrame>
-    </p:spTree>
-  </p:cSld>
-  <p:clrMapOvr>
-    <a:masterClrMapping/>
-  </p:clrMapOvr>
-</p:sld>
-</file>
-
-<file path=ppt/slides/slide14.xml><?xml version="1.0" encoding="utf-8"?>
-<p:sld xmlns:a="http://schemas.openxmlformats.org/drawingml/2006/main" xmlns:r="http://schemas.openxmlformats.org/officeDocument/2006/relationships" xmlns:p="http://schemas.openxmlformats.org/presentationml/2006/main">
-  <p:cSld>
-    <p:spTree>
-      <p:nvGrpSpPr>
-        <p:cNvPr id="1" name=""/>
-        <p:cNvGrpSpPr/>
-        <p:nvPr/>
-      </p:nvGrpSpPr>
-      <p:grpSpPr>
-        <a:xfrm>
-          <a:off x="0" y="0"/>
-          <a:ext cx="0" cy="0"/>
-          <a:chOff x="0" y="0"/>
-          <a:chExt cx="0" cy="0"/>
-        </a:xfrm>
-      </p:grpSpPr>
-      <p:sp>
-        <p:nvSpPr>
-          <p:cNvPr id="3" name="Content Placeholder 2"/>
-          <p:cNvSpPr>
-            <a:spLocks noGrp="1"/>
-          </p:cNvSpPr>
-          <p:nvPr>
-            <p:ph idx="1"/>
-          </p:nvPr>
-        </p:nvSpPr>
-        <p:spPr>
-          <a:xfrm>
-            <a:off x="252248" y="801857"/>
-            <a:ext cx="2997390" cy="5092505"/>
-          </a:xfrm>
-        </p:spPr>
-        <p:txBody>
-          <a:bodyPr>
-            <a:normAutofit fontScale="92500" lnSpcReduction="10000"/>
-          </a:bodyPr>
-          <a:lstStyle/>
-          <a:p>
-            <a:pPr marL="0" indent="0">
-              <a:buNone/>
-            </a:pPr>
-            <a:r>
-              <a:rPr lang="en-US" altLang="zh-CN" sz="2000" dirty="0"/>
-              <a:t>Instruction</a:t>
-            </a:r>
-            <a:r>
-              <a:rPr lang="zh-CN" altLang="en-US" sz="2000" dirty="0"/>
-              <a:t> </a:t>
-            </a:r>
-            <a:r>
-              <a:rPr lang="en-US" altLang="zh-CN" sz="2000" dirty="0"/>
-              <a:t>Window:</a:t>
-            </a:r>
-          </a:p>
-          <a:p>
-            <a:pPr marL="0" indent="0">
-              <a:buNone/>
-            </a:pPr>
-            <a:r>
-              <a:rPr lang="en-US" altLang="zh-CN" sz="2000" dirty="0"/>
-              <a:t>PC</a:t>
-            </a:r>
-            <a:r>
-              <a:rPr lang="zh-CN" altLang="en-US" sz="2000" dirty="0"/>
-              <a:t>          </a:t>
-            </a:r>
-            <a:r>
-              <a:rPr lang="en-US" altLang="zh-CN" sz="2000" dirty="0"/>
-              <a:t>INST</a:t>
-            </a:r>
-          </a:p>
-          <a:p>
-            <a:pPr marL="0" indent="0">
-              <a:buNone/>
-            </a:pPr>
-            <a:r>
-              <a:rPr lang="en-US" altLang="zh-CN" sz="2000" dirty="0"/>
-              <a:t>1</a:t>
-            </a:r>
-            <a:r>
-              <a:rPr lang="zh-CN" altLang="en-US" sz="2000" dirty="0"/>
-              <a:t>             </a:t>
-            </a:r>
-            <a:r>
-              <a:rPr lang="en-US" altLang="zh-CN" sz="2000" dirty="0"/>
-              <a:t>LD</a:t>
-            </a:r>
-            <a:r>
-              <a:rPr lang="zh-CN" altLang="en-US" sz="2000" dirty="0"/>
-              <a:t> </a:t>
-            </a:r>
-            <a:r>
-              <a:rPr lang="en-US" altLang="zh-CN" sz="2000" dirty="0"/>
-              <a:t>R2,</a:t>
-            </a:r>
-            <a:r>
-              <a:rPr lang="zh-CN" altLang="en-US" sz="2000" dirty="0"/>
-              <a:t> </a:t>
-            </a:r>
-            <a:r>
-              <a:rPr lang="en-US" altLang="zh-CN" sz="2000" dirty="0"/>
-              <a:t>A</a:t>
-            </a:r>
-          </a:p>
-          <a:p>
-            <a:pPr marL="0" indent="0">
-              <a:buNone/>
-            </a:pPr>
-            <a:r>
-              <a:rPr lang="en-US" altLang="zh-CN" sz="2000" dirty="0"/>
-              <a:t>2</a:t>
-            </a:r>
-            <a:r>
-              <a:rPr lang="zh-CN" altLang="en-US" sz="2000" dirty="0"/>
-              <a:t>             </a:t>
-            </a:r>
-            <a:r>
-              <a:rPr lang="en-US" altLang="zh-CN" sz="2000" dirty="0"/>
-              <a:t>ADD</a:t>
-            </a:r>
-            <a:r>
-              <a:rPr lang="zh-CN" altLang="en-US" sz="2000" dirty="0"/>
-              <a:t> </a:t>
-            </a:r>
-            <a:r>
-              <a:rPr lang="en-US" altLang="zh-CN" sz="2000" dirty="0"/>
-              <a:t>R1,</a:t>
-            </a:r>
-            <a:r>
-              <a:rPr lang="zh-CN" altLang="en-US" sz="2000" dirty="0"/>
-              <a:t> </a:t>
-            </a:r>
-            <a:r>
-              <a:rPr lang="en-US" altLang="zh-CN" sz="2000" dirty="0"/>
-              <a:t>R2,</a:t>
-            </a:r>
-            <a:r>
-              <a:rPr lang="zh-CN" altLang="en-US" sz="2000" dirty="0"/>
-              <a:t> </a:t>
-            </a:r>
-            <a:r>
-              <a:rPr lang="en-US" altLang="zh-CN" sz="2000" dirty="0"/>
-              <a:t>R3</a:t>
-            </a:r>
-          </a:p>
-          <a:p>
-            <a:pPr marL="0" indent="0">
-              <a:buNone/>
-            </a:pPr>
-            <a:r>
-              <a:rPr lang="en-US" altLang="zh-CN" sz="2000" dirty="0"/>
-              <a:t>3</a:t>
-            </a:r>
-            <a:r>
-              <a:rPr lang="zh-CN" altLang="en-US" sz="2000" dirty="0"/>
-              <a:t>             </a:t>
-            </a:r>
-            <a:r>
-              <a:rPr lang="en-US" altLang="zh-CN" sz="2000" dirty="0"/>
-              <a:t>ST</a:t>
-            </a:r>
-            <a:r>
-              <a:rPr lang="zh-CN" altLang="en-US" sz="2000" dirty="0"/>
-              <a:t> </a:t>
-            </a:r>
-            <a:r>
-              <a:rPr lang="en-US" altLang="zh-CN" sz="2000" dirty="0"/>
-              <a:t>R1,</a:t>
-            </a:r>
-            <a:r>
-              <a:rPr lang="zh-CN" altLang="en-US" sz="2000" dirty="0"/>
-              <a:t> </a:t>
-            </a:r>
-            <a:r>
-              <a:rPr lang="en-US" altLang="zh-CN" sz="2000" dirty="0"/>
-              <a:t>B</a:t>
-            </a:r>
-          </a:p>
-          <a:p>
-            <a:pPr marL="0" indent="0">
-              <a:buNone/>
-            </a:pPr>
-            <a:r>
-              <a:rPr lang="en-US" altLang="zh-CN" sz="2000" dirty="0"/>
-              <a:t>4</a:t>
-            </a:r>
-            <a:r>
-              <a:rPr lang="zh-CN" altLang="en-US" sz="2000" dirty="0"/>
-              <a:t>             </a:t>
-            </a:r>
-            <a:r>
-              <a:rPr lang="en-US" altLang="zh-CN" sz="2000" dirty="0"/>
-              <a:t>ST</a:t>
-            </a:r>
-            <a:r>
-              <a:rPr lang="zh-CN" altLang="en-US" sz="2000" dirty="0"/>
-              <a:t> </a:t>
-            </a:r>
-            <a:r>
-              <a:rPr lang="en-US" altLang="zh-CN" sz="2000" dirty="0"/>
-              <a:t>R1,</a:t>
-            </a:r>
-            <a:r>
-              <a:rPr lang="zh-CN" altLang="en-US" sz="2000" dirty="0"/>
-              <a:t> </a:t>
-            </a:r>
-            <a:r>
-              <a:rPr lang="en-US" altLang="zh-CN" sz="2000" dirty="0"/>
-              <a:t>C,</a:t>
-            </a:r>
-          </a:p>
-          <a:p>
-            <a:pPr marL="0" indent="0">
-              <a:buNone/>
-            </a:pPr>
-            <a:r>
-              <a:rPr lang="en-US" altLang="zh-CN" sz="2000" dirty="0"/>
-              <a:t>5</a:t>
-            </a:r>
-            <a:r>
-              <a:rPr lang="zh-CN" altLang="en-US" sz="2000" dirty="0"/>
-              <a:t>             </a:t>
-            </a:r>
-            <a:r>
-              <a:rPr lang="en-US" altLang="zh-CN" sz="2000" dirty="0"/>
-              <a:t>LD</a:t>
-            </a:r>
-            <a:r>
-              <a:rPr lang="zh-CN" altLang="en-US" sz="2000" dirty="0"/>
-              <a:t> </a:t>
-            </a:r>
-            <a:r>
-              <a:rPr lang="en-US" altLang="zh-CN" sz="2000" dirty="0"/>
-              <a:t>R3,</a:t>
-            </a:r>
-            <a:r>
-              <a:rPr lang="zh-CN" altLang="en-US" sz="2000" dirty="0"/>
-              <a:t> </a:t>
-            </a:r>
-            <a:r>
-              <a:rPr lang="en-US" altLang="zh-CN" sz="2000" dirty="0"/>
-              <a:t>C</a:t>
-            </a:r>
-          </a:p>
-          <a:p>
-            <a:pPr marL="0" indent="0">
-              <a:buNone/>
-            </a:pPr>
-            <a:r>
-              <a:rPr lang="en-US" altLang="zh-CN" sz="2000" dirty="0"/>
-              <a:t>6</a:t>
-            </a:r>
-            <a:r>
-              <a:rPr lang="zh-CN" altLang="en-US" sz="2000" dirty="0"/>
-              <a:t>             </a:t>
-            </a:r>
-            <a:r>
-              <a:rPr lang="en-US" altLang="zh-CN" sz="2000" dirty="0"/>
-              <a:t>SUB</a:t>
-            </a:r>
-            <a:r>
-              <a:rPr lang="zh-CN" altLang="en-US" sz="2000" dirty="0"/>
-              <a:t> </a:t>
-            </a:r>
-            <a:r>
-              <a:rPr lang="en-US" altLang="zh-CN" sz="2000" dirty="0"/>
-              <a:t>R1,</a:t>
-            </a:r>
-            <a:r>
-              <a:rPr lang="zh-CN" altLang="en-US" sz="2000" dirty="0"/>
-              <a:t> </a:t>
-            </a:r>
-            <a:r>
-              <a:rPr lang="en-US" altLang="zh-CN" sz="2000" dirty="0"/>
-              <a:t>R2,</a:t>
-            </a:r>
-            <a:r>
-              <a:rPr lang="zh-CN" altLang="en-US" sz="2000" dirty="0"/>
-              <a:t> </a:t>
-            </a:r>
-            <a:r>
-              <a:rPr lang="en-US" altLang="zh-CN" sz="2000" dirty="0"/>
-              <a:t>R3</a:t>
-            </a:r>
-          </a:p>
-          <a:p>
-            <a:pPr marL="0" indent="0">
-              <a:buNone/>
-            </a:pPr>
-            <a:r>
-              <a:rPr lang="en-US" altLang="zh-CN" dirty="0"/>
-              <a:t>7</a:t>
-            </a:r>
-            <a:r>
-              <a:rPr lang="zh-CN" altLang="en-US" dirty="0"/>
-              <a:t>             </a:t>
-            </a:r>
-            <a:r>
-              <a:rPr lang="en-US" altLang="zh-CN" dirty="0"/>
-              <a:t>MUL</a:t>
-            </a:r>
-            <a:r>
-              <a:rPr lang="zh-CN" altLang="en-US" dirty="0"/>
-              <a:t> </a:t>
-            </a:r>
-            <a:r>
-              <a:rPr lang="en-US" altLang="zh-CN" dirty="0"/>
-              <a:t>R1,</a:t>
-            </a:r>
-            <a:r>
-              <a:rPr lang="zh-CN" altLang="en-US" dirty="0"/>
-              <a:t> </a:t>
-            </a:r>
-            <a:r>
-              <a:rPr lang="en-US" altLang="zh-CN" dirty="0"/>
-              <a:t>R1,</a:t>
-            </a:r>
-            <a:r>
-              <a:rPr lang="zh-CN" altLang="en-US" dirty="0"/>
-              <a:t> </a:t>
-            </a:r>
-            <a:r>
-              <a:rPr lang="en-US" altLang="zh-CN" dirty="0"/>
-              <a:t>R2</a:t>
-            </a:r>
-          </a:p>
-          <a:p>
-            <a:pPr marL="0" indent="0">
-              <a:buNone/>
-            </a:pPr>
-            <a:r>
-              <a:rPr lang="en-US" altLang="zh-CN" dirty="0"/>
-              <a:t>7</a:t>
-            </a:r>
-            <a:r>
-              <a:rPr lang="zh-CN" altLang="en-US" dirty="0"/>
-              <a:t>             </a:t>
-            </a:r>
-            <a:r>
-              <a:rPr lang="en-US" altLang="zh-CN" dirty="0"/>
-              <a:t>ST</a:t>
-            </a:r>
-            <a:r>
-              <a:rPr lang="zh-CN" altLang="en-US" dirty="0"/>
-              <a:t> </a:t>
-            </a:r>
-            <a:r>
-              <a:rPr lang="en-US" altLang="zh-CN" dirty="0"/>
-              <a:t>R1,</a:t>
-            </a:r>
-            <a:r>
-              <a:rPr lang="zh-CN" altLang="en-US" dirty="0"/>
-              <a:t> </a:t>
-            </a:r>
-            <a:r>
-              <a:rPr lang="en-US" altLang="zh-CN" dirty="0"/>
-              <a:t>B</a:t>
-            </a:r>
-          </a:p>
-          <a:p>
-            <a:pPr marL="0" indent="0">
-              <a:buNone/>
-            </a:pPr>
-            <a:r>
-              <a:rPr lang="en-US" altLang="zh-CN" sz="2000" dirty="0"/>
-              <a:t>7</a:t>
-            </a:r>
-            <a:r>
-              <a:rPr lang="zh-CN" altLang="en-US" sz="2000" dirty="0"/>
-              <a:t>             </a:t>
-            </a:r>
-            <a:r>
-              <a:rPr lang="en-US" altLang="zh-CN" sz="2000" dirty="0"/>
-              <a:t>ST</a:t>
-            </a:r>
-            <a:r>
-              <a:rPr lang="zh-CN" altLang="en-US" sz="2000" dirty="0"/>
-              <a:t> </a:t>
-            </a:r>
-            <a:r>
-              <a:rPr lang="en-US" altLang="zh-CN" sz="2000" dirty="0"/>
-              <a:t>R2,</a:t>
-            </a:r>
-            <a:r>
-              <a:rPr lang="zh-CN" altLang="en-US" sz="2000" dirty="0"/>
-              <a:t> </a:t>
-            </a:r>
-            <a:r>
-              <a:rPr lang="en-US" altLang="zh-CN" dirty="0"/>
-              <a:t>C</a:t>
-            </a:r>
-            <a:endParaRPr lang="en-US" altLang="zh-CN" sz="2000" dirty="0"/>
-          </a:p>
-          <a:p>
-            <a:pPr marL="0" indent="0">
-              <a:buNone/>
-            </a:pPr>
-            <a:r>
-              <a:rPr lang="en-US" altLang="zh-CN" sz="2000" dirty="0"/>
-              <a:t>8</a:t>
-            </a:r>
-            <a:r>
-              <a:rPr lang="zh-CN" altLang="en-US" sz="2000" dirty="0"/>
-              <a:t>             </a:t>
-            </a:r>
-            <a:r>
-              <a:rPr lang="en-US" altLang="zh-CN" sz="2000" dirty="0"/>
-              <a:t>LD</a:t>
-            </a:r>
-            <a:r>
-              <a:rPr lang="zh-CN" altLang="en-US" sz="2000" dirty="0"/>
-              <a:t> </a:t>
-            </a:r>
-            <a:r>
-              <a:rPr lang="en-US" altLang="zh-CN" sz="2000" dirty="0"/>
-              <a:t>R2,</a:t>
-            </a:r>
-            <a:r>
-              <a:rPr lang="zh-CN" altLang="en-US" sz="2000" dirty="0"/>
-              <a:t> </a:t>
-            </a:r>
-            <a:r>
-              <a:rPr lang="en-US" altLang="zh-CN" sz="2000" dirty="0"/>
-              <a:t>A</a:t>
-            </a:r>
-          </a:p>
-          <a:p>
-            <a:pPr marL="0" indent="0">
-              <a:buNone/>
-            </a:pPr>
-            <a:r>
-              <a:rPr lang="en-US" altLang="zh-CN" sz="2000" dirty="0"/>
-              <a:t>9</a:t>
-            </a:r>
-            <a:r>
-              <a:rPr lang="zh-CN" altLang="en-US" sz="2000" dirty="0"/>
-              <a:t>             </a:t>
-            </a:r>
-            <a:r>
-              <a:rPr lang="en-US" altLang="zh-CN" sz="2000" dirty="0"/>
-              <a:t>LD</a:t>
-            </a:r>
-            <a:r>
-              <a:rPr lang="zh-CN" altLang="en-US" sz="2000" dirty="0"/>
-              <a:t> </a:t>
-            </a:r>
-            <a:r>
-              <a:rPr lang="en-US" altLang="zh-CN" sz="2000" dirty="0"/>
-              <a:t>R3,</a:t>
-            </a:r>
-            <a:r>
-              <a:rPr lang="zh-CN" altLang="en-US" sz="2000" dirty="0"/>
-              <a:t> </a:t>
-            </a:r>
-            <a:r>
-              <a:rPr lang="en-US" altLang="zh-CN" sz="2000" dirty="0"/>
-              <a:t>B</a:t>
-            </a:r>
-          </a:p>
-          <a:p>
-            <a:pPr marL="0" indent="0">
-              <a:buNone/>
-            </a:pPr>
-            <a:endParaRPr lang="en-US" altLang="zh-CN" sz="2000" dirty="0"/>
-          </a:p>
-          <a:p>
-            <a:pPr marL="0" indent="0">
-              <a:buNone/>
-            </a:pPr>
-            <a:endParaRPr lang="en-US" altLang="zh-CN" sz="2000" dirty="0"/>
-          </a:p>
-        </p:txBody>
-      </p:sp>
-      <p:sp>
-        <p:nvSpPr>
-          <p:cNvPr id="4" name="Content Placeholder 2"/>
-          <p:cNvSpPr txBox="1"/>
-          <p:nvPr/>
-        </p:nvSpPr>
-        <p:spPr>
-          <a:xfrm>
-            <a:off x="3309429" y="1244709"/>
-            <a:ext cx="2646346" cy="2029548"/>
-          </a:xfrm>
-          <a:prstGeom prst="rect">
-            <a:avLst/>
-          </a:prstGeom>
-        </p:spPr>
-        <p:txBody>
-          <a:bodyPr vert="horz" lIns="91440" tIns="45720" rIns="91440" bIns="45720" rtlCol="0">
-            <a:normAutofit/>
-          </a:bodyPr>
-          <a:lstStyle>
-            <a:lvl1pPr marL="228600" indent="-228600" algn="l" defTabSz="914400" rtl="0" eaLnBrk="1" latinLnBrk="0" hangingPunct="1">
-              <a:lnSpc>
-                <a:spcPct val="90000"/>
-              </a:lnSpc>
-              <a:spcBef>
-                <a:spcPts val="1000"/>
-              </a:spcBef>
-              <a:buFont typeface="Arial" panose="020B0604020202020204" pitchFamily="34" charset="0"/>
-              <a:buChar char="•"/>
-              <a:defRPr sz="2800" kern="1200">
-                <a:solidFill>
-                  <a:schemeClr val="tx1"/>
-                </a:solidFill>
-                <a:latin typeface="+mn-lt"/>
-                <a:ea typeface="+mn-ea"/>
-                <a:cs typeface="+mn-cs"/>
-              </a:defRPr>
-            </a:lvl1pPr>
-            <a:lvl2pPr marL="685800" indent="-228600" algn="l" defTabSz="914400" rtl="0" eaLnBrk="1" latinLnBrk="0" hangingPunct="1">
-              <a:lnSpc>
-                <a:spcPct val="90000"/>
-              </a:lnSpc>
-              <a:spcBef>
-                <a:spcPts val="500"/>
-              </a:spcBef>
-              <a:buFont typeface="Arial" panose="020B0604020202020204" pitchFamily="34" charset="0"/>
-              <a:buChar char="•"/>
-              <a:defRPr sz="2400" kern="1200">
-                <a:solidFill>
-                  <a:schemeClr val="tx1"/>
-                </a:solidFill>
-                <a:latin typeface="+mn-lt"/>
-                <a:ea typeface="+mn-ea"/>
-                <a:cs typeface="+mn-cs"/>
-              </a:defRPr>
-            </a:lvl2pPr>
-            <a:lvl3pPr marL="1143000" indent="-228600" algn="l" defTabSz="914400" rtl="0" eaLnBrk="1" latinLnBrk="0" hangingPunct="1">
-              <a:lnSpc>
-                <a:spcPct val="90000"/>
-              </a:lnSpc>
-              <a:spcBef>
-                <a:spcPts val="500"/>
-              </a:spcBef>
-              <a:buFont typeface="Arial" panose="020B0604020202020204" pitchFamily="34" charset="0"/>
-              <a:buChar char="•"/>
-              <a:defRPr sz="2000" kern="1200">
-                <a:solidFill>
-                  <a:schemeClr val="tx1"/>
-                </a:solidFill>
-                <a:latin typeface="+mn-lt"/>
-                <a:ea typeface="+mn-ea"/>
-                <a:cs typeface="+mn-cs"/>
-              </a:defRPr>
-            </a:lvl3pPr>
-            <a:lvl4pPr marL="1600200" indent="-228600" algn="l" defTabSz="914400" rtl="0" eaLnBrk="1" latinLnBrk="0" hangingPunct="1">
-              <a:lnSpc>
-                <a:spcPct val="90000"/>
-              </a:lnSpc>
-              <a:spcBef>
-                <a:spcPts val="500"/>
-              </a:spcBef>
-              <a:buFont typeface="Arial" panose="020B0604020202020204" pitchFamily="34" charset="0"/>
-              <a:buChar char="•"/>
-              <a:defRPr sz="1800" kern="1200">
-                <a:solidFill>
-                  <a:schemeClr val="tx1"/>
-                </a:solidFill>
-                <a:latin typeface="+mn-lt"/>
-                <a:ea typeface="+mn-ea"/>
-                <a:cs typeface="+mn-cs"/>
-              </a:defRPr>
-            </a:lvl4pPr>
-            <a:lvl5pPr marL="2057400" indent="-228600" algn="l" defTabSz="914400" rtl="0" eaLnBrk="1" latinLnBrk="0" hangingPunct="1">
-              <a:lnSpc>
-                <a:spcPct val="90000"/>
-              </a:lnSpc>
-              <a:spcBef>
-                <a:spcPts val="500"/>
-              </a:spcBef>
-              <a:buFont typeface="Arial" panose="020B0604020202020204" pitchFamily="34" charset="0"/>
-              <a:buChar char="•"/>
-              <a:defRPr sz="1800" kern="1200">
-                <a:solidFill>
-                  <a:schemeClr val="tx1"/>
-                </a:solidFill>
-                <a:latin typeface="+mn-lt"/>
-                <a:ea typeface="+mn-ea"/>
-                <a:cs typeface="+mn-cs"/>
-              </a:defRPr>
-            </a:lvl5pPr>
-            <a:lvl6pPr marL="2514600" indent="-228600" algn="l" defTabSz="914400" rtl="0" eaLnBrk="1" latinLnBrk="0" hangingPunct="1">
-              <a:lnSpc>
-                <a:spcPct val="90000"/>
-              </a:lnSpc>
-              <a:spcBef>
-                <a:spcPts val="500"/>
-              </a:spcBef>
-              <a:buFont typeface="Arial" panose="020B0604020202020204" pitchFamily="34" charset="0"/>
-              <a:buChar char="•"/>
-              <a:defRPr sz="1800" kern="1200">
-                <a:solidFill>
-                  <a:schemeClr val="tx1"/>
-                </a:solidFill>
-                <a:latin typeface="+mn-lt"/>
-                <a:ea typeface="+mn-ea"/>
-                <a:cs typeface="+mn-cs"/>
-              </a:defRPr>
-            </a:lvl6pPr>
-            <a:lvl7pPr marL="2971800" indent="-228600" algn="l" defTabSz="914400" rtl="0" eaLnBrk="1" latinLnBrk="0" hangingPunct="1">
-              <a:lnSpc>
-                <a:spcPct val="90000"/>
-              </a:lnSpc>
-              <a:spcBef>
-                <a:spcPts val="500"/>
-              </a:spcBef>
-              <a:buFont typeface="Arial" panose="020B0604020202020204" pitchFamily="34" charset="0"/>
-              <a:buChar char="•"/>
-              <a:defRPr sz="1800" kern="1200">
-                <a:solidFill>
-                  <a:schemeClr val="tx1"/>
-                </a:solidFill>
-                <a:latin typeface="+mn-lt"/>
-                <a:ea typeface="+mn-ea"/>
-                <a:cs typeface="+mn-cs"/>
-              </a:defRPr>
-            </a:lvl7pPr>
-            <a:lvl8pPr marL="3429000" indent="-228600" algn="l" defTabSz="914400" rtl="0" eaLnBrk="1" latinLnBrk="0" hangingPunct="1">
-              <a:lnSpc>
-                <a:spcPct val="90000"/>
-              </a:lnSpc>
-              <a:spcBef>
-                <a:spcPts val="500"/>
-              </a:spcBef>
-              <a:buFont typeface="Arial" panose="020B0604020202020204" pitchFamily="34" charset="0"/>
-              <a:buChar char="•"/>
-              <a:defRPr sz="1800" kern="1200">
-                <a:solidFill>
-                  <a:schemeClr val="tx1"/>
-                </a:solidFill>
-                <a:latin typeface="+mn-lt"/>
-                <a:ea typeface="+mn-ea"/>
-                <a:cs typeface="+mn-cs"/>
-              </a:defRPr>
-            </a:lvl8pPr>
-            <a:lvl9pPr marL="3886200" indent="-228600" algn="l" defTabSz="914400" rtl="0" eaLnBrk="1" latinLnBrk="0" hangingPunct="1">
-              <a:lnSpc>
-                <a:spcPct val="90000"/>
-              </a:lnSpc>
-              <a:spcBef>
-                <a:spcPts val="500"/>
-              </a:spcBef>
-              <a:buFont typeface="Arial" panose="020B0604020202020204" pitchFamily="34" charset="0"/>
-              <a:buChar char="•"/>
-              <a:defRPr sz="1800" kern="1200">
-                <a:solidFill>
-                  <a:schemeClr val="tx1"/>
-                </a:solidFill>
-                <a:latin typeface="+mn-lt"/>
-                <a:ea typeface="+mn-ea"/>
-                <a:cs typeface="+mn-cs"/>
-              </a:defRPr>
-            </a:lvl9pPr>
-          </a:lstStyle>
-          <a:p>
-            <a:pPr marL="0" indent="0">
-              <a:buNone/>
-            </a:pPr>
-            <a:r>
-              <a:rPr lang="en-US" altLang="zh-CN" sz="1800" dirty="0">
-                <a:solidFill>
-                  <a:srgbClr val="FF0000"/>
-                </a:solidFill>
-              </a:rPr>
-              <a:t>Model</a:t>
-            </a:r>
-            <a:r>
-              <a:rPr lang="zh-CN" altLang="en-US" sz="1800" dirty="0">
-                <a:solidFill>
-                  <a:srgbClr val="FF0000"/>
-                </a:solidFill>
-              </a:rPr>
-              <a:t> </a:t>
-            </a:r>
-            <a:r>
-              <a:rPr lang="en-US" altLang="zh-CN" sz="1800" dirty="0">
-                <a:solidFill>
-                  <a:srgbClr val="FF0000"/>
-                </a:solidFill>
-              </a:rPr>
-              <a:t>input</a:t>
-            </a:r>
-            <a:r>
-              <a:rPr lang="zh-CN" altLang="en-US" sz="1800" dirty="0">
-                <a:solidFill>
-                  <a:srgbClr val="FF0000"/>
-                </a:solidFill>
-              </a:rPr>
-              <a:t> </a:t>
-            </a:r>
-            <a:r>
-              <a:rPr lang="en-US" altLang="zh-CN" sz="1800" dirty="0"/>
-              <a:t>:</a:t>
-            </a:r>
-            <a:r>
-              <a:rPr lang="zh-CN" altLang="en-US" sz="1800" dirty="0"/>
-              <a:t> </a:t>
-            </a:r>
-            <a:endParaRPr lang="en-US" altLang="zh-CN" sz="1800" dirty="0"/>
-          </a:p>
-          <a:p>
-            <a:pPr marL="0" indent="0">
-              <a:buFont typeface="Arial" panose="020B0604020202020204" pitchFamily="34" charset="0"/>
-              <a:buNone/>
-            </a:pPr>
-            <a:r>
-              <a:rPr lang="en-US" altLang="zh-CN" sz="1800" dirty="0"/>
-              <a:t>Unified</a:t>
-            </a:r>
-            <a:r>
-              <a:rPr lang="zh-CN" altLang="en-US" sz="1800" dirty="0"/>
-              <a:t> </a:t>
-            </a:r>
-            <a:r>
-              <a:rPr lang="en-US" altLang="zh-CN" sz="1800" dirty="0"/>
-              <a:t>memory</a:t>
-            </a:r>
-            <a:r>
-              <a:rPr lang="zh-CN" altLang="en-US" sz="1800" dirty="0"/>
-              <a:t> </a:t>
-            </a:r>
-            <a:r>
-              <a:rPr lang="en-US" altLang="zh-CN" sz="1800" dirty="0"/>
-              <a:t>access</a:t>
-            </a:r>
-            <a:r>
-              <a:rPr lang="zh-CN" altLang="en-US" sz="1800" dirty="0"/>
-              <a:t> </a:t>
-            </a:r>
-            <a:r>
-              <a:rPr lang="en-US" altLang="zh-CN" sz="1800" dirty="0"/>
-              <a:t>vector:</a:t>
-            </a:r>
-          </a:p>
-          <a:p>
-            <a:pPr marL="0" indent="0">
-              <a:buFont typeface="Arial" panose="020B0604020202020204" pitchFamily="34" charset="0"/>
-              <a:buNone/>
-            </a:pPr>
-            <a:r>
-              <a:rPr lang="en-US" altLang="zh-CN" sz="1800" dirty="0"/>
-              <a:t>[1</a:t>
-            </a:r>
-            <a:r>
-              <a:rPr lang="zh-CN" altLang="en-US" sz="1800" dirty="0"/>
-              <a:t> </a:t>
-            </a:r>
-            <a:r>
-              <a:rPr lang="en-US" altLang="zh-CN" sz="1800" dirty="0"/>
-              <a:t>3</a:t>
-            </a:r>
-            <a:r>
-              <a:rPr lang="zh-CN" altLang="en-US" sz="1800" dirty="0"/>
-              <a:t> </a:t>
-            </a:r>
-            <a:r>
-              <a:rPr lang="en-US" altLang="zh-CN" sz="1800" dirty="0"/>
-              <a:t>4</a:t>
-            </a:r>
-            <a:r>
-              <a:rPr lang="zh-CN" altLang="en-US" sz="1800" dirty="0"/>
-              <a:t> </a:t>
-            </a:r>
-            <a:r>
-              <a:rPr lang="en-US" altLang="zh-CN" sz="1800" dirty="0"/>
-              <a:t>5</a:t>
-            </a:r>
-            <a:r>
-              <a:rPr lang="zh-CN" altLang="en-US" sz="1800" dirty="0"/>
-              <a:t> </a:t>
-            </a:r>
-            <a:r>
-              <a:rPr lang="en-US" altLang="zh-CN" sz="1800" dirty="0"/>
-              <a:t>7</a:t>
-            </a:r>
-            <a:r>
-              <a:rPr lang="zh-CN" altLang="en-US" sz="1800" dirty="0"/>
-              <a:t> </a:t>
-            </a:r>
-            <a:r>
-              <a:rPr lang="en-US" altLang="zh-CN" sz="1800" dirty="0"/>
-              <a:t>8</a:t>
-            </a:r>
-            <a:r>
-              <a:rPr lang="zh-CN" altLang="en-US" sz="1800" dirty="0"/>
-              <a:t> </a:t>
-            </a:r>
-            <a:r>
-              <a:rPr lang="en-US" altLang="zh-CN" sz="1800" dirty="0"/>
-              <a:t>9]</a:t>
-            </a:r>
-          </a:p>
-          <a:p>
-            <a:pPr marL="0" indent="0">
-              <a:buFont typeface="Arial" panose="020B0604020202020204" pitchFamily="34" charset="0"/>
-              <a:buNone/>
-            </a:pPr>
-            <a:endParaRPr lang="en-US" altLang="zh-CN" sz="1800" dirty="0"/>
-          </a:p>
-          <a:p>
-            <a:pPr marL="0" indent="0">
-              <a:buFont typeface="Arial" panose="020B0604020202020204" pitchFamily="34" charset="0"/>
-              <a:buNone/>
-            </a:pPr>
-            <a:endParaRPr lang="en-US" altLang="zh-CN" sz="1800" dirty="0"/>
-          </a:p>
-        </p:txBody>
-      </p:sp>
-      <p:sp>
-        <p:nvSpPr>
-          <p:cNvPr id="7" name="Content Placeholder 2"/>
-          <p:cNvSpPr txBox="1"/>
-          <p:nvPr/>
-        </p:nvSpPr>
-        <p:spPr>
-          <a:xfrm>
-            <a:off x="5533894" y="1069144"/>
-            <a:ext cx="4671645" cy="4825218"/>
-          </a:xfrm>
-          <a:prstGeom prst="rect">
-            <a:avLst/>
-          </a:prstGeom>
-        </p:spPr>
-        <p:txBody>
-          <a:bodyPr vert="horz" lIns="91440" tIns="45720" rIns="91440" bIns="45720" rtlCol="0">
-            <a:normAutofit/>
-          </a:bodyPr>
-          <a:lstStyle>
-            <a:lvl1pPr marL="228600" indent="-228600" algn="l" defTabSz="914400" rtl="0" eaLnBrk="1" latinLnBrk="0" hangingPunct="1">
-              <a:lnSpc>
-                <a:spcPct val="90000"/>
-              </a:lnSpc>
-              <a:spcBef>
-                <a:spcPts val="1000"/>
-              </a:spcBef>
-              <a:buFont typeface="Arial" panose="020B0604020202020204" pitchFamily="34" charset="0"/>
-              <a:buChar char="•"/>
-              <a:defRPr sz="2800" kern="1200">
-                <a:solidFill>
-                  <a:schemeClr val="tx1"/>
-                </a:solidFill>
-                <a:latin typeface="+mn-lt"/>
-                <a:ea typeface="+mn-ea"/>
-                <a:cs typeface="+mn-cs"/>
-              </a:defRPr>
-            </a:lvl1pPr>
-            <a:lvl2pPr marL="685800" indent="-228600" algn="l" defTabSz="914400" rtl="0" eaLnBrk="1" latinLnBrk="0" hangingPunct="1">
-              <a:lnSpc>
-                <a:spcPct val="90000"/>
-              </a:lnSpc>
-              <a:spcBef>
-                <a:spcPts val="500"/>
-              </a:spcBef>
-              <a:buFont typeface="Arial" panose="020B0604020202020204" pitchFamily="34" charset="0"/>
-              <a:buChar char="•"/>
-              <a:defRPr sz="2400" kern="1200">
-                <a:solidFill>
-                  <a:schemeClr val="tx1"/>
-                </a:solidFill>
-                <a:latin typeface="+mn-lt"/>
-                <a:ea typeface="+mn-ea"/>
-                <a:cs typeface="+mn-cs"/>
-              </a:defRPr>
-            </a:lvl2pPr>
-            <a:lvl3pPr marL="1143000" indent="-228600" algn="l" defTabSz="914400" rtl="0" eaLnBrk="1" latinLnBrk="0" hangingPunct="1">
-              <a:lnSpc>
-                <a:spcPct val="90000"/>
-              </a:lnSpc>
-              <a:spcBef>
-                <a:spcPts val="500"/>
-              </a:spcBef>
-              <a:buFont typeface="Arial" panose="020B0604020202020204" pitchFamily="34" charset="0"/>
-              <a:buChar char="•"/>
-              <a:defRPr sz="2000" kern="1200">
-                <a:solidFill>
-                  <a:schemeClr val="tx1"/>
-                </a:solidFill>
-                <a:latin typeface="+mn-lt"/>
-                <a:ea typeface="+mn-ea"/>
-                <a:cs typeface="+mn-cs"/>
-              </a:defRPr>
-            </a:lvl3pPr>
-            <a:lvl4pPr marL="1600200" indent="-228600" algn="l" defTabSz="914400" rtl="0" eaLnBrk="1" latinLnBrk="0" hangingPunct="1">
-              <a:lnSpc>
-                <a:spcPct val="90000"/>
-              </a:lnSpc>
-              <a:spcBef>
-                <a:spcPts val="500"/>
-              </a:spcBef>
-              <a:buFont typeface="Arial" panose="020B0604020202020204" pitchFamily="34" charset="0"/>
-              <a:buChar char="•"/>
-              <a:defRPr sz="1800" kern="1200">
-                <a:solidFill>
-                  <a:schemeClr val="tx1"/>
-                </a:solidFill>
-                <a:latin typeface="+mn-lt"/>
-                <a:ea typeface="+mn-ea"/>
-                <a:cs typeface="+mn-cs"/>
-              </a:defRPr>
-            </a:lvl4pPr>
-            <a:lvl5pPr marL="2057400" indent="-228600" algn="l" defTabSz="914400" rtl="0" eaLnBrk="1" latinLnBrk="0" hangingPunct="1">
-              <a:lnSpc>
-                <a:spcPct val="90000"/>
-              </a:lnSpc>
-              <a:spcBef>
-                <a:spcPts val="500"/>
-              </a:spcBef>
-              <a:buFont typeface="Arial" panose="020B0604020202020204" pitchFamily="34" charset="0"/>
-              <a:buChar char="•"/>
-              <a:defRPr sz="1800" kern="1200">
-                <a:solidFill>
-                  <a:schemeClr val="tx1"/>
-                </a:solidFill>
-                <a:latin typeface="+mn-lt"/>
-                <a:ea typeface="+mn-ea"/>
-                <a:cs typeface="+mn-cs"/>
-              </a:defRPr>
-            </a:lvl5pPr>
-            <a:lvl6pPr marL="2514600" indent="-228600" algn="l" defTabSz="914400" rtl="0" eaLnBrk="1" latinLnBrk="0" hangingPunct="1">
-              <a:lnSpc>
-                <a:spcPct val="90000"/>
-              </a:lnSpc>
-              <a:spcBef>
-                <a:spcPts val="500"/>
-              </a:spcBef>
-              <a:buFont typeface="Arial" panose="020B0604020202020204" pitchFamily="34" charset="0"/>
-              <a:buChar char="•"/>
-              <a:defRPr sz="1800" kern="1200">
-                <a:solidFill>
-                  <a:schemeClr val="tx1"/>
-                </a:solidFill>
-                <a:latin typeface="+mn-lt"/>
-                <a:ea typeface="+mn-ea"/>
-                <a:cs typeface="+mn-cs"/>
-              </a:defRPr>
-            </a:lvl6pPr>
-            <a:lvl7pPr marL="2971800" indent="-228600" algn="l" defTabSz="914400" rtl="0" eaLnBrk="1" latinLnBrk="0" hangingPunct="1">
-              <a:lnSpc>
-                <a:spcPct val="90000"/>
-              </a:lnSpc>
-              <a:spcBef>
-                <a:spcPts val="500"/>
-              </a:spcBef>
-              <a:buFont typeface="Arial" panose="020B0604020202020204" pitchFamily="34" charset="0"/>
-              <a:buChar char="•"/>
-              <a:defRPr sz="1800" kern="1200">
-                <a:solidFill>
-                  <a:schemeClr val="tx1"/>
-                </a:solidFill>
-                <a:latin typeface="+mn-lt"/>
-                <a:ea typeface="+mn-ea"/>
-                <a:cs typeface="+mn-cs"/>
-              </a:defRPr>
-            </a:lvl7pPr>
-            <a:lvl8pPr marL="3429000" indent="-228600" algn="l" defTabSz="914400" rtl="0" eaLnBrk="1" latinLnBrk="0" hangingPunct="1">
-              <a:lnSpc>
-                <a:spcPct val="90000"/>
-              </a:lnSpc>
-              <a:spcBef>
-                <a:spcPts val="500"/>
-              </a:spcBef>
-              <a:buFont typeface="Arial" panose="020B0604020202020204" pitchFamily="34" charset="0"/>
-              <a:buChar char="•"/>
-              <a:defRPr sz="1800" kern="1200">
-                <a:solidFill>
-                  <a:schemeClr val="tx1"/>
-                </a:solidFill>
-                <a:latin typeface="+mn-lt"/>
-                <a:ea typeface="+mn-ea"/>
-                <a:cs typeface="+mn-cs"/>
-              </a:defRPr>
-            </a:lvl8pPr>
-            <a:lvl9pPr marL="3886200" indent="-228600" algn="l" defTabSz="914400" rtl="0" eaLnBrk="1" latinLnBrk="0" hangingPunct="1">
-              <a:lnSpc>
-                <a:spcPct val="90000"/>
-              </a:lnSpc>
-              <a:spcBef>
-                <a:spcPts val="500"/>
-              </a:spcBef>
-              <a:buFont typeface="Arial" panose="020B0604020202020204" pitchFamily="34" charset="0"/>
-              <a:buChar char="•"/>
-              <a:defRPr sz="1800" kern="1200">
-                <a:solidFill>
-                  <a:schemeClr val="tx1"/>
-                </a:solidFill>
-                <a:latin typeface="+mn-lt"/>
-                <a:ea typeface="+mn-ea"/>
-                <a:cs typeface="+mn-cs"/>
-              </a:defRPr>
-            </a:lvl9pPr>
-          </a:lstStyle>
-          <a:p>
-            <a:pPr marL="0" indent="0">
-              <a:buNone/>
-            </a:pPr>
-            <a:r>
-              <a:rPr lang="en-US" altLang="zh-CN" sz="1800" dirty="0"/>
-              <a:t>Model’s</a:t>
-            </a:r>
-            <a:r>
-              <a:rPr lang="zh-CN" altLang="en-US" sz="1800" dirty="0"/>
-              <a:t> </a:t>
-            </a:r>
-            <a:r>
-              <a:rPr lang="en-US" altLang="zh-CN" sz="1800" dirty="0"/>
-              <a:t>target/label</a:t>
-            </a:r>
-            <a:r>
-              <a:rPr lang="zh-CN" altLang="en-US" sz="1800" dirty="0"/>
-              <a:t> </a:t>
-            </a:r>
-            <a:r>
-              <a:rPr lang="en-US" altLang="zh-CN" sz="1800" dirty="0"/>
-              <a:t>represents</a:t>
-            </a:r>
-            <a:r>
-              <a:rPr lang="zh-CN" altLang="en-US" sz="1800" dirty="0"/>
-              <a:t> </a:t>
-            </a:r>
-            <a:r>
-              <a:rPr lang="en-US" altLang="zh-CN" sz="1800" dirty="0"/>
-              <a:t>the</a:t>
-            </a:r>
-            <a:r>
-              <a:rPr lang="zh-CN" altLang="en-US" sz="1800" dirty="0"/>
-              <a:t> </a:t>
-            </a:r>
-            <a:r>
-              <a:rPr lang="en-US" altLang="zh-CN" sz="1800" dirty="0"/>
-              <a:t>dependency</a:t>
-            </a:r>
-            <a:r>
-              <a:rPr lang="zh-CN" altLang="en-US" sz="1800" dirty="0"/>
-              <a:t> </a:t>
-            </a:r>
-            <a:r>
-              <a:rPr lang="en-US" altLang="zh-CN" sz="1800" dirty="0" err="1"/>
-              <a:t>w.r.t.</a:t>
-            </a:r>
-            <a:r>
-              <a:rPr lang="zh-CN" altLang="en-US" sz="1800" dirty="0"/>
-              <a:t> </a:t>
-            </a:r>
-            <a:r>
-              <a:rPr lang="en-US" altLang="zh-CN" sz="1800" dirty="0"/>
-              <a:t>latest</a:t>
-            </a:r>
-            <a:r>
-              <a:rPr lang="zh-CN" altLang="en-US" sz="1800" dirty="0"/>
-              <a:t> </a:t>
-            </a:r>
-            <a:r>
-              <a:rPr lang="en-US" altLang="zh-CN" sz="1800" dirty="0"/>
-              <a:t>LD</a:t>
-            </a:r>
-            <a:r>
-              <a:rPr lang="zh-CN" altLang="en-US" sz="1800" dirty="0"/>
-              <a:t> </a:t>
-            </a:r>
-            <a:r>
-              <a:rPr lang="en-US" altLang="zh-CN" sz="1800" dirty="0"/>
-              <a:t>in</a:t>
-            </a:r>
-            <a:r>
-              <a:rPr lang="zh-CN" altLang="en-US" sz="1800" dirty="0"/>
-              <a:t> </a:t>
-            </a:r>
-            <a:r>
-              <a:rPr lang="en-US" altLang="zh-CN" sz="1800" dirty="0"/>
-              <a:t>the</a:t>
-            </a:r>
-            <a:r>
-              <a:rPr lang="zh-CN" altLang="en-US" sz="1800" dirty="0"/>
-              <a:t> </a:t>
-            </a:r>
-            <a:r>
-              <a:rPr lang="en-US" altLang="zh-CN" sz="1800" dirty="0"/>
-              <a:t>current</a:t>
-            </a:r>
-            <a:r>
-              <a:rPr lang="zh-CN" altLang="en-US" sz="1800" dirty="0"/>
-              <a:t> </a:t>
-            </a:r>
-            <a:r>
-              <a:rPr lang="en-US" altLang="zh-CN" sz="1800" dirty="0"/>
-              <a:t>instruction</a:t>
-            </a:r>
-            <a:r>
-              <a:rPr lang="zh-CN" altLang="en-US" sz="1800" dirty="0"/>
-              <a:t> </a:t>
-            </a:r>
-            <a:r>
-              <a:rPr lang="en-US" altLang="zh-CN" sz="1800" dirty="0"/>
-              <a:t>window</a:t>
-            </a:r>
-          </a:p>
-          <a:p>
-            <a:pPr marL="0" indent="0">
-              <a:buNone/>
-            </a:pPr>
-            <a:endParaRPr lang="en-US" altLang="zh-CN" sz="1800" dirty="0"/>
-          </a:p>
-          <a:p>
-            <a:pPr marL="0" indent="0">
-              <a:buNone/>
-            </a:pPr>
-            <a:r>
-              <a:rPr lang="en-US" altLang="zh-CN" sz="1800" dirty="0">
-                <a:solidFill>
-                  <a:srgbClr val="FF0000"/>
-                </a:solidFill>
-              </a:rPr>
-              <a:t>Model</a:t>
-            </a:r>
-            <a:r>
-              <a:rPr lang="zh-CN" altLang="en-US" sz="1800" dirty="0">
-                <a:solidFill>
-                  <a:srgbClr val="FF0000"/>
-                </a:solidFill>
-              </a:rPr>
-              <a:t> </a:t>
-            </a:r>
-            <a:r>
-              <a:rPr lang="en-US" altLang="zh-CN" sz="1800" dirty="0">
-                <a:solidFill>
-                  <a:srgbClr val="FF0000"/>
-                </a:solidFill>
-              </a:rPr>
-              <a:t>output</a:t>
-            </a:r>
-            <a:r>
-              <a:rPr lang="zh-CN" altLang="en-US" sz="1800" dirty="0">
-                <a:solidFill>
-                  <a:srgbClr val="FF0000"/>
-                </a:solidFill>
-              </a:rPr>
-              <a:t> </a:t>
-            </a:r>
-            <a:r>
-              <a:rPr lang="en-US" altLang="zh-CN" sz="1800" dirty="0">
-                <a:solidFill>
-                  <a:srgbClr val="FF0000"/>
-                </a:solidFill>
-              </a:rPr>
-              <a:t>plan</a:t>
-            </a:r>
-            <a:r>
-              <a:rPr lang="zh-CN" altLang="en-US" sz="1800" dirty="0">
-                <a:solidFill>
-                  <a:srgbClr val="FF0000"/>
-                </a:solidFill>
-              </a:rPr>
-              <a:t> </a:t>
-            </a:r>
-            <a:r>
-              <a:rPr lang="en-US" altLang="zh-CN" sz="1800" dirty="0">
-                <a:solidFill>
-                  <a:srgbClr val="FF0000"/>
-                </a:solidFill>
-              </a:rPr>
-              <a:t>A</a:t>
-            </a:r>
-            <a:r>
-              <a:rPr lang="en-US" altLang="zh-CN" sz="1800" dirty="0"/>
-              <a:t>:</a:t>
-            </a:r>
-            <a:r>
-              <a:rPr lang="zh-CN" altLang="en-US" sz="1800" dirty="0"/>
-              <a:t> </a:t>
-            </a:r>
-            <a:r>
-              <a:rPr lang="en-US" altLang="zh-CN" sz="1800" dirty="0"/>
-              <a:t>[chosen]</a:t>
-            </a:r>
-          </a:p>
-          <a:p>
-            <a:pPr marL="0" indent="0">
-              <a:buNone/>
-            </a:pPr>
-            <a:r>
-              <a:rPr lang="en-US" altLang="zh-CN" sz="1800" dirty="0"/>
-              <a:t>Same</a:t>
-            </a:r>
-            <a:r>
-              <a:rPr lang="zh-CN" altLang="en-US" sz="1800" dirty="0"/>
-              <a:t> </a:t>
-            </a:r>
-            <a:r>
-              <a:rPr lang="en-US" altLang="zh-CN" sz="1800" dirty="0"/>
-              <a:t>size</a:t>
-            </a:r>
-            <a:r>
-              <a:rPr lang="zh-CN" altLang="en-US" sz="1800" dirty="0"/>
-              <a:t> </a:t>
-            </a:r>
-            <a:r>
-              <a:rPr lang="en-US" altLang="zh-CN" sz="1800" dirty="0"/>
-              <a:t>as</a:t>
-            </a:r>
-            <a:r>
-              <a:rPr lang="zh-CN" altLang="en-US" sz="1800" dirty="0"/>
-              <a:t> </a:t>
-            </a:r>
-            <a:r>
-              <a:rPr lang="en-US" altLang="zh-CN" sz="1800" dirty="0"/>
-              <a:t>instruction</a:t>
-            </a:r>
-            <a:r>
-              <a:rPr lang="zh-CN" altLang="en-US" sz="1800" dirty="0"/>
-              <a:t> </a:t>
-            </a:r>
-            <a:r>
-              <a:rPr lang="en-US" altLang="zh-CN" sz="1800" dirty="0"/>
-              <a:t>window</a:t>
-            </a:r>
-            <a:r>
-              <a:rPr lang="zh-CN" altLang="en-US" sz="1800" dirty="0"/>
-              <a:t> </a:t>
-            </a:r>
-            <a:r>
-              <a:rPr lang="en-US" altLang="zh-CN" sz="1800" dirty="0"/>
-              <a:t>(</a:t>
-            </a:r>
-            <a:r>
-              <a:rPr lang="en-US" altLang="zh-CN" sz="1800" dirty="0">
-                <a:solidFill>
-                  <a:srgbClr val="7030A0"/>
-                </a:solidFill>
-              </a:rPr>
-              <a:t>dependency</a:t>
-            </a:r>
-            <a:r>
-              <a:rPr lang="zh-CN" altLang="en-US" sz="1800" dirty="0">
-                <a:solidFill>
-                  <a:srgbClr val="7030A0"/>
-                </a:solidFill>
-              </a:rPr>
-              <a:t> </a:t>
-            </a:r>
-            <a:r>
-              <a:rPr lang="en-US" altLang="zh-CN" sz="1800" dirty="0" err="1">
-                <a:solidFill>
-                  <a:srgbClr val="7030A0"/>
-                </a:solidFill>
-              </a:rPr>
-              <a:t>w.r.t.</a:t>
-            </a:r>
-            <a:r>
-              <a:rPr lang="zh-CN" altLang="en-US" sz="1800" dirty="0">
-                <a:solidFill>
-                  <a:srgbClr val="7030A0"/>
-                </a:solidFill>
-              </a:rPr>
-              <a:t> </a:t>
-            </a:r>
-            <a:r>
-              <a:rPr lang="en-US" altLang="zh-CN" sz="1800" dirty="0">
-                <a:solidFill>
-                  <a:srgbClr val="7030A0"/>
-                </a:solidFill>
-              </a:rPr>
-              <a:t>PC</a:t>
-            </a:r>
-            <a:r>
-              <a:rPr lang="zh-CN" altLang="en-US" sz="1800" dirty="0">
-                <a:solidFill>
-                  <a:srgbClr val="7030A0"/>
-                </a:solidFill>
-              </a:rPr>
-              <a:t> </a:t>
-            </a:r>
-            <a:r>
-              <a:rPr lang="en-US" altLang="zh-CN" sz="1800" dirty="0">
-                <a:solidFill>
-                  <a:srgbClr val="7030A0"/>
-                </a:solidFill>
-              </a:rPr>
-              <a:t>9,</a:t>
-            </a:r>
-            <a:r>
-              <a:rPr lang="zh-CN" altLang="en-US" sz="1800" dirty="0">
-                <a:solidFill>
-                  <a:srgbClr val="7030A0"/>
-                </a:solidFill>
-              </a:rPr>
-              <a:t> </a:t>
-            </a:r>
-            <a:r>
-              <a:rPr lang="en-US" altLang="zh-CN" sz="1800" dirty="0">
-                <a:solidFill>
-                  <a:srgbClr val="7030A0"/>
-                </a:solidFill>
-              </a:rPr>
-              <a:t>aka</a:t>
-            </a:r>
-            <a:r>
-              <a:rPr lang="zh-CN" altLang="en-US" sz="1800" dirty="0">
-                <a:solidFill>
-                  <a:srgbClr val="7030A0"/>
-                </a:solidFill>
-              </a:rPr>
-              <a:t> </a:t>
-            </a:r>
-            <a:r>
-              <a:rPr lang="en-US" altLang="zh-CN" sz="1800" dirty="0">
-                <a:solidFill>
-                  <a:srgbClr val="7030A0"/>
-                </a:solidFill>
-              </a:rPr>
-              <a:t>the</a:t>
-            </a:r>
-            <a:r>
-              <a:rPr lang="zh-CN" altLang="en-US" sz="1800" dirty="0">
-                <a:solidFill>
-                  <a:srgbClr val="7030A0"/>
-                </a:solidFill>
-              </a:rPr>
-              <a:t> </a:t>
-            </a:r>
-            <a:r>
-              <a:rPr lang="en-US" altLang="zh-CN" sz="1800" dirty="0">
-                <a:solidFill>
-                  <a:srgbClr val="7030A0"/>
-                </a:solidFill>
-              </a:rPr>
-              <a:t>last</a:t>
-            </a:r>
-            <a:r>
-              <a:rPr lang="zh-CN" altLang="en-US" sz="1800" dirty="0">
-                <a:solidFill>
-                  <a:srgbClr val="7030A0"/>
-                </a:solidFill>
-              </a:rPr>
-              <a:t> </a:t>
-            </a:r>
-            <a:r>
-              <a:rPr lang="en-US" altLang="zh-CN" sz="1800" dirty="0">
-                <a:solidFill>
-                  <a:srgbClr val="7030A0"/>
-                </a:solidFill>
-              </a:rPr>
-              <a:t>load</a:t>
-            </a:r>
-            <a:r>
-              <a:rPr lang="zh-CN" altLang="en-US" sz="1800" dirty="0">
-                <a:solidFill>
-                  <a:srgbClr val="7030A0"/>
-                </a:solidFill>
-              </a:rPr>
-              <a:t> </a:t>
-            </a:r>
-            <a:r>
-              <a:rPr lang="en-US" altLang="zh-CN" sz="1800" dirty="0">
-                <a:solidFill>
-                  <a:srgbClr val="7030A0"/>
-                </a:solidFill>
-              </a:rPr>
-              <a:t>in</a:t>
-            </a:r>
-            <a:r>
-              <a:rPr lang="zh-CN" altLang="en-US" sz="1800" dirty="0">
-                <a:solidFill>
-                  <a:srgbClr val="7030A0"/>
-                </a:solidFill>
-              </a:rPr>
-              <a:t> </a:t>
-            </a:r>
-            <a:r>
-              <a:rPr lang="en-US" altLang="zh-CN" sz="1800" dirty="0">
-                <a:solidFill>
-                  <a:srgbClr val="7030A0"/>
-                </a:solidFill>
-              </a:rPr>
-              <a:t>IW</a:t>
-            </a:r>
-            <a:r>
-              <a:rPr lang="en-US" altLang="zh-CN" sz="1800" dirty="0"/>
-              <a:t>):</a:t>
-            </a:r>
-            <a:r>
-              <a:rPr lang="zh-CN" altLang="en-US" sz="1800" dirty="0"/>
-              <a:t> </a:t>
-            </a:r>
-            <a:endParaRPr lang="en-US" altLang="zh-CN" sz="1800" dirty="0"/>
-          </a:p>
-          <a:p>
-            <a:pPr marL="0" indent="0">
-              <a:buNone/>
-            </a:pPr>
-            <a:r>
-              <a:rPr lang="en-US" altLang="zh-CN" sz="1800" dirty="0"/>
-              <a:t>[0</a:t>
-            </a:r>
-            <a:r>
-              <a:rPr lang="zh-CN" altLang="en-US" sz="1800" dirty="0"/>
-              <a:t> </a:t>
-            </a:r>
-            <a:r>
-              <a:rPr lang="en-US" altLang="zh-CN" sz="1800" dirty="0"/>
-              <a:t>1</a:t>
-            </a:r>
-            <a:r>
-              <a:rPr lang="zh-CN" altLang="en-US" sz="1800" dirty="0"/>
-              <a:t> </a:t>
-            </a:r>
-            <a:r>
-              <a:rPr lang="en-US" altLang="zh-CN" sz="1800" dirty="0"/>
-              <a:t>0</a:t>
-            </a:r>
-            <a:r>
-              <a:rPr lang="zh-CN" altLang="en-US" sz="1800" dirty="0"/>
-              <a:t> </a:t>
-            </a:r>
-            <a:r>
-              <a:rPr lang="en-US" altLang="zh-CN" sz="1800" dirty="0"/>
-              <a:t>0</a:t>
-            </a:r>
-            <a:r>
-              <a:rPr lang="zh-CN" altLang="en-US" sz="1800" dirty="0"/>
-              <a:t> </a:t>
-            </a:r>
-            <a:r>
-              <a:rPr lang="en-US" altLang="zh-CN" sz="1800" dirty="0"/>
-              <a:t>1</a:t>
-            </a:r>
-            <a:r>
-              <a:rPr lang="zh-CN" altLang="en-US" sz="1800" dirty="0"/>
-              <a:t> </a:t>
-            </a:r>
-            <a:r>
-              <a:rPr lang="en-US" altLang="zh-CN" sz="1800" dirty="0"/>
-              <a:t>0</a:t>
-            </a:r>
-            <a:r>
-              <a:rPr lang="zh-CN" altLang="en-US" sz="1800" dirty="0"/>
-              <a:t> </a:t>
-            </a:r>
-            <a:r>
-              <a:rPr lang="en-US" altLang="zh-CN" sz="1800" dirty="0"/>
-              <a:t>0]</a:t>
-            </a:r>
-          </a:p>
-          <a:p>
-            <a:pPr marL="0" indent="0">
-              <a:buFont typeface="Arial" panose="020B0604020202020204" pitchFamily="34" charset="0"/>
-              <a:buNone/>
-            </a:pPr>
-            <a:endParaRPr lang="en-US" altLang="zh-CN" sz="1800" dirty="0"/>
-          </a:p>
-        </p:txBody>
-      </p:sp>
-      <p:cxnSp>
-        <p:nvCxnSpPr>
-          <p:cNvPr id="9" name="Straight Connector 8"/>
-          <p:cNvCxnSpPr/>
-          <p:nvPr/>
-        </p:nvCxnSpPr>
-        <p:spPr>
-          <a:xfrm>
-            <a:off x="5345360" y="673946"/>
-            <a:ext cx="0" cy="5092505"/>
-          </a:xfrm>
-          <a:prstGeom prst="line">
-            <a:avLst/>
-          </a:prstGeom>
-          <a:ln w="25400">
-            <a:solidFill>
-              <a:schemeClr val="tx1"/>
-            </a:solidFill>
-          </a:ln>
-        </p:spPr>
-        <p:style>
-          <a:lnRef idx="1">
-            <a:schemeClr val="accent1"/>
-          </a:lnRef>
-          <a:fillRef idx="0">
-            <a:schemeClr val="accent1"/>
-          </a:fillRef>
-          <a:effectRef idx="0">
-            <a:schemeClr val="accent1"/>
-          </a:effectRef>
-          <a:fontRef idx="minor">
-            <a:schemeClr val="tx1"/>
-          </a:fontRef>
-        </p:style>
-      </p:cxnSp>
-      <p:cxnSp>
-        <p:nvCxnSpPr>
-          <p:cNvPr id="10" name="Straight Connector 9"/>
-          <p:cNvCxnSpPr/>
-          <p:nvPr/>
-        </p:nvCxnSpPr>
-        <p:spPr>
-          <a:xfrm>
-            <a:off x="3038261" y="673946"/>
-            <a:ext cx="0" cy="5092505"/>
-          </a:xfrm>
-          <a:prstGeom prst="line">
-            <a:avLst/>
-          </a:prstGeom>
-          <a:ln w="25400">
-            <a:solidFill>
-              <a:schemeClr val="tx1"/>
-            </a:solidFill>
-          </a:ln>
-        </p:spPr>
-        <p:style>
-          <a:lnRef idx="1">
-            <a:schemeClr val="accent1"/>
-          </a:lnRef>
-          <a:fillRef idx="0">
-            <a:schemeClr val="accent1"/>
-          </a:fillRef>
-          <a:effectRef idx="0">
-            <a:schemeClr val="accent1"/>
-          </a:effectRef>
-          <a:fontRef idx="minor">
-            <a:schemeClr val="tx1"/>
-          </a:fontRef>
-        </p:style>
-      </p:cxnSp>
-    </p:spTree>
-  </p:cSld>
-  <p:clrMapOvr>
-    <a:masterClrMapping/>
-  </p:clrMapOvr>
-</p:sld>
-</file>
-
 <file path=ppt/slides/slide2.xml><?xml version="1.0" encoding="utf-8"?>
 <p:sld xmlns:a="http://schemas.openxmlformats.org/drawingml/2006/main" xmlns:r="http://schemas.openxmlformats.org/officeDocument/2006/relationships" xmlns:p="http://schemas.openxmlformats.org/presentationml/2006/main">
   <p:cSld>
@@ -13862,11 +8677,11 @@
               <a:t> </a:t>
             </a:r>
             <a:r>
-              <a:rPr lang="en-US" altLang="zh-CN" sz="2200"/>
+              <a:rPr lang="en-US" altLang="zh-CN" sz="2200" dirty="0"/>
               <a:t>sequence</a:t>
             </a:r>
             <a:r>
-              <a:rPr lang="zh-CN" altLang="en-US" sz="2200"/>
+              <a:rPr lang="zh-CN" altLang="en-US" sz="2200" dirty="0"/>
               <a:t> </a:t>
             </a:r>
             <a:r>

--- a/final_pre.pptx
+++ b/final_pre.pptx
@@ -12,10 +12,13 @@
     <p:sldId id="261" r:id="rId6"/>
     <p:sldId id="275" r:id="rId7"/>
     <p:sldId id="271" r:id="rId8"/>
-    <p:sldId id="276" r:id="rId9"/>
-    <p:sldId id="263" r:id="rId10"/>
-    <p:sldId id="264" r:id="rId11"/>
-    <p:sldId id="269" r:id="rId12"/>
+    <p:sldId id="277" r:id="rId9"/>
+    <p:sldId id="278" r:id="rId10"/>
+    <p:sldId id="279" r:id="rId11"/>
+    <p:sldId id="276" r:id="rId12"/>
+    <p:sldId id="263" r:id="rId13"/>
+    <p:sldId id="264" r:id="rId14"/>
+    <p:sldId id="269" r:id="rId15"/>
   </p:sldIdLst>
   <p:sldSz cx="12192000" cy="6858000"/>
   <p:notesSz cx="6858000" cy="9144000"/>
@@ -621,7 +624,7 @@
           <a:p>
             <a:fld id="{AEACF533-26F3-064A-A93F-8F02FFC49F4C}" type="datetimeFigureOut">
               <a:rPr lang="en-US" smtClean="0"/>
-              <a:t>4/29/21</a:t>
+              <a:t>4/30/21</a:t>
             </a:fld>
             <a:endParaRPr lang="en-US"/>
           </a:p>
@@ -793,7 +796,7 @@
           <a:p>
             <a:fld id="{AEACF533-26F3-064A-A93F-8F02FFC49F4C}" type="datetimeFigureOut">
               <a:rPr lang="en-US" smtClean="0"/>
-              <a:t>4/29/21</a:t>
+              <a:t>4/30/21</a:t>
             </a:fld>
             <a:endParaRPr lang="en-US"/>
           </a:p>
@@ -968,7 +971,7 @@
           <a:p>
             <a:fld id="{AEACF533-26F3-064A-A93F-8F02FFC49F4C}" type="datetimeFigureOut">
               <a:rPr lang="en-US" smtClean="0"/>
-              <a:t>4/29/21</a:t>
+              <a:t>4/30/21</a:t>
             </a:fld>
             <a:endParaRPr lang="en-US"/>
           </a:p>
@@ -1133,7 +1136,7 @@
           <a:p>
             <a:fld id="{AEACF533-26F3-064A-A93F-8F02FFC49F4C}" type="datetimeFigureOut">
               <a:rPr lang="en-US" smtClean="0"/>
-              <a:t>4/29/21</a:t>
+              <a:t>4/30/21</a:t>
             </a:fld>
             <a:endParaRPr lang="en-US"/>
           </a:p>
@@ -1449,7 +1452,7 @@
           <a:p>
             <a:fld id="{AEACF533-26F3-064A-A93F-8F02FFC49F4C}" type="datetimeFigureOut">
               <a:rPr lang="en-US" smtClean="0"/>
-              <a:t>4/29/21</a:t>
+              <a:t>4/30/21</a:t>
             </a:fld>
             <a:endParaRPr lang="en-US"/>
           </a:p>
@@ -1902,7 +1905,7 @@
           <a:p>
             <a:fld id="{AEACF533-26F3-064A-A93F-8F02FFC49F4C}" type="datetimeFigureOut">
               <a:rPr lang="en-US" smtClean="0"/>
-              <a:t>4/29/21</a:t>
+              <a:t>4/30/21</a:t>
             </a:fld>
             <a:endParaRPr lang="en-US"/>
           </a:p>
@@ -2308,7 +2311,7 @@
           <a:p>
             <a:fld id="{AEACF533-26F3-064A-A93F-8F02FFC49F4C}" type="datetimeFigureOut">
               <a:rPr lang="en-US" smtClean="0"/>
-              <a:t>4/29/21</a:t>
+              <a:t>4/30/21</a:t>
             </a:fld>
             <a:endParaRPr lang="en-US"/>
           </a:p>
@@ -2421,7 +2424,7 @@
           <a:p>
             <a:fld id="{AEACF533-26F3-064A-A93F-8F02FFC49F4C}" type="datetimeFigureOut">
               <a:rPr lang="en-US" smtClean="0"/>
-              <a:t>4/29/21</a:t>
+              <a:t>4/30/21</a:t>
             </a:fld>
             <a:endParaRPr lang="en-US"/>
           </a:p>
@@ -2533,7 +2536,7 @@
           <a:p>
             <a:fld id="{AEACF533-26F3-064A-A93F-8F02FFC49F4C}" type="datetimeFigureOut">
               <a:rPr lang="en-US" smtClean="0"/>
-              <a:t>4/29/21</a:t>
+              <a:t>4/30/21</a:t>
             </a:fld>
             <a:endParaRPr lang="en-US"/>
           </a:p>
@@ -2886,7 +2889,7 @@
           <a:p>
             <a:fld id="{AEACF533-26F3-064A-A93F-8F02FFC49F4C}" type="datetimeFigureOut">
               <a:rPr lang="en-US" smtClean="0"/>
-              <a:t>4/29/21</a:t>
+              <a:t>4/30/21</a:t>
             </a:fld>
             <a:endParaRPr lang="en-US"/>
           </a:p>
@@ -3386,7 +3389,7 @@
           <a:p>
             <a:fld id="{AEACF533-26F3-064A-A93F-8F02FFC49F4C}" type="datetimeFigureOut">
               <a:rPr lang="en-US" smtClean="0"/>
-              <a:t>4/29/21</a:t>
+              <a:t>4/30/21</a:t>
             </a:fld>
             <a:endParaRPr lang="en-US"/>
           </a:p>
@@ -3734,7 +3737,7 @@
           <a:p>
             <a:fld id="{AEACF533-26F3-064A-A93F-8F02FFC49F4C}" type="datetimeFigureOut">
               <a:rPr lang="en-US" smtClean="0"/>
-              <a:t>4/29/21</a:t>
+              <a:t>4/30/21</a:t>
             </a:fld>
             <a:endParaRPr lang="en-US"/>
           </a:p>
@@ -4970,6 +4973,2504 @@
 <file path=ppt/slides/slide10.xml><?xml version="1.0" encoding="utf-8"?>
 <p:sld xmlns:a="http://schemas.openxmlformats.org/drawingml/2006/main" xmlns:r="http://schemas.openxmlformats.org/officeDocument/2006/relationships" xmlns:p="http://schemas.openxmlformats.org/presentationml/2006/main">
   <p:cSld>
+    <p:spTree>
+      <p:nvGrpSpPr>
+        <p:cNvPr id="1" name=""/>
+        <p:cNvGrpSpPr/>
+        <p:nvPr/>
+      </p:nvGrpSpPr>
+      <p:grpSpPr>
+        <a:xfrm>
+          <a:off x="0" y="0"/>
+          <a:ext cx="0" cy="0"/>
+          <a:chOff x="0" y="0"/>
+          <a:chExt cx="0" cy="0"/>
+        </a:xfrm>
+      </p:grpSpPr>
+      <p:sp>
+        <p:nvSpPr>
+          <p:cNvPr id="80" name="Title 1">
+            <a:extLst>
+              <a:ext uri="{FF2B5EF4-FFF2-40B4-BE49-F238E27FC236}">
+                <a16:creationId xmlns:a16="http://schemas.microsoft.com/office/drawing/2014/main" id="{554532E7-7B3D-8845-B4E3-00DF52BB7006}"/>
+              </a:ext>
+            </a:extLst>
+          </p:cNvPr>
+          <p:cNvSpPr>
+            <a:spLocks noGrp="1"/>
+          </p:cNvSpPr>
+          <p:nvPr>
+            <p:ph type="title"/>
+          </p:nvPr>
+        </p:nvSpPr>
+        <p:spPr>
+          <a:xfrm>
+            <a:off x="204092" y="13012"/>
+            <a:ext cx="6705204" cy="1061268"/>
+          </a:xfrm>
+        </p:spPr>
+        <p:txBody>
+          <a:bodyPr>
+            <a:normAutofit/>
+          </a:bodyPr>
+          <a:lstStyle/>
+          <a:p>
+            <a:r>
+              <a:rPr lang="en-US" altLang="zh-CN" sz="4400" dirty="0"/>
+              <a:t>Seq2seq</a:t>
+            </a:r>
+            <a:r>
+              <a:rPr lang="zh-CN" altLang="en-US" sz="4400" dirty="0"/>
+              <a:t> </a:t>
+            </a:r>
+            <a:r>
+              <a:rPr lang="en-US" altLang="zh-CN" sz="4400" dirty="0"/>
+              <a:t>model</a:t>
+            </a:r>
+            <a:r>
+              <a:rPr lang="zh-CN" altLang="en-US" sz="4400" dirty="0"/>
+              <a:t> </a:t>
+            </a:r>
+            <a:r>
+              <a:rPr lang="en-US" altLang="zh-CN" sz="4400" dirty="0" err="1"/>
+              <a:t>TRaINING</a:t>
+            </a:r>
+            <a:r>
+              <a:rPr lang="en-US" altLang="zh-CN" sz="4400" dirty="0"/>
+              <a:t> Result</a:t>
+            </a:r>
+            <a:endParaRPr lang="en-US" sz="4400" dirty="0"/>
+          </a:p>
+        </p:txBody>
+      </p:sp>
+      <p:sp>
+        <p:nvSpPr>
+          <p:cNvPr id="4" name="TextBox 3">
+            <a:extLst>
+              <a:ext uri="{FF2B5EF4-FFF2-40B4-BE49-F238E27FC236}">
+                <a16:creationId xmlns:a16="http://schemas.microsoft.com/office/drawing/2014/main" id="{077BF712-844E-4602-A998-D28F1AB459E5}"/>
+              </a:ext>
+            </a:extLst>
+          </p:cNvPr>
+          <p:cNvSpPr txBox="1"/>
+          <p:nvPr/>
+        </p:nvSpPr>
+        <p:spPr>
+          <a:xfrm>
+            <a:off x="267628" y="1074280"/>
+            <a:ext cx="6705204" cy="646331"/>
+          </a:xfrm>
+          <a:prstGeom prst="rect">
+            <a:avLst/>
+          </a:prstGeom>
+          <a:noFill/>
+        </p:spPr>
+        <p:txBody>
+          <a:bodyPr wrap="square" rtlCol="0">
+            <a:spAutoFit/>
+          </a:bodyPr>
+          <a:lstStyle/>
+          <a:p>
+            <a:pPr marL="285750" indent="-285750">
+              <a:buFont typeface="Arial" panose="020B0604020202020204" pitchFamily="34" charset="0"/>
+              <a:buChar char="•"/>
+            </a:pPr>
+            <a:r>
+              <a:rPr lang="en-US" dirty="0"/>
+              <a:t>Tuning hyperparameter:  (641.leela)</a:t>
+            </a:r>
+          </a:p>
+          <a:p>
+            <a:endParaRPr lang="en-US" dirty="0"/>
+          </a:p>
+        </p:txBody>
+      </p:sp>
+      <p:graphicFrame>
+        <p:nvGraphicFramePr>
+          <p:cNvPr id="8" name="Table 8">
+            <a:extLst>
+              <a:ext uri="{FF2B5EF4-FFF2-40B4-BE49-F238E27FC236}">
+                <a16:creationId xmlns:a16="http://schemas.microsoft.com/office/drawing/2014/main" id="{8EA57AC9-F0DB-4C3F-BC8E-0D415DC8F1F4}"/>
+              </a:ext>
+            </a:extLst>
+          </p:cNvPr>
+          <p:cNvGraphicFramePr>
+            <a:graphicFrameLocks noGrp="1"/>
+          </p:cNvGraphicFramePr>
+          <p:nvPr/>
+        </p:nvGraphicFramePr>
+        <p:xfrm>
+          <a:off x="1043754" y="2148840"/>
+          <a:ext cx="9175224" cy="1554480"/>
+        </p:xfrm>
+        <a:graphic>
+          <a:graphicData uri="http://schemas.openxmlformats.org/drawingml/2006/table">
+            <a:tbl>
+              <a:tblPr firstRow="1" bandRow="1">
+                <a:tableStyleId>{5C22544A-7EE6-4342-B048-85BDC9FD1C3A}</a:tableStyleId>
+              </a:tblPr>
+              <a:tblGrid>
+                <a:gridCol w="2203481">
+                  <a:extLst>
+                    <a:ext uri="{9D8B030D-6E8A-4147-A177-3AD203B41FA5}">
+                      <a16:colId xmlns:a16="http://schemas.microsoft.com/office/drawing/2014/main" val="3156781924"/>
+                    </a:ext>
+                  </a:extLst>
+                </a:gridCol>
+                <a:gridCol w="1413975">
+                  <a:extLst>
+                    <a:ext uri="{9D8B030D-6E8A-4147-A177-3AD203B41FA5}">
+                      <a16:colId xmlns:a16="http://schemas.microsoft.com/office/drawing/2014/main" val="810022529"/>
+                    </a:ext>
+                  </a:extLst>
+                </a:gridCol>
+                <a:gridCol w="1182029">
+                  <a:extLst>
+                    <a:ext uri="{9D8B030D-6E8A-4147-A177-3AD203B41FA5}">
+                      <a16:colId xmlns:a16="http://schemas.microsoft.com/office/drawing/2014/main" val="356657565"/>
+                    </a:ext>
+                  </a:extLst>
+                </a:gridCol>
+                <a:gridCol w="1257858">
+                  <a:extLst>
+                    <a:ext uri="{9D8B030D-6E8A-4147-A177-3AD203B41FA5}">
+                      <a16:colId xmlns:a16="http://schemas.microsoft.com/office/drawing/2014/main" val="47335"/>
+                    </a:ext>
+                  </a:extLst>
+                </a:gridCol>
+                <a:gridCol w="1364909">
+                  <a:extLst>
+                    <a:ext uri="{9D8B030D-6E8A-4147-A177-3AD203B41FA5}">
+                      <a16:colId xmlns:a16="http://schemas.microsoft.com/office/drawing/2014/main" val="2156423652"/>
+                    </a:ext>
+                  </a:extLst>
+                </a:gridCol>
+                <a:gridCol w="1752972">
+                  <a:extLst>
+                    <a:ext uri="{9D8B030D-6E8A-4147-A177-3AD203B41FA5}">
+                      <a16:colId xmlns:a16="http://schemas.microsoft.com/office/drawing/2014/main" val="3343094758"/>
+                    </a:ext>
+                  </a:extLst>
+                </a:gridCol>
+              </a:tblGrid>
+              <a:tr h="537850">
+                <a:tc>
+                  <a:txBody>
+                    <a:bodyPr/>
+                    <a:lstStyle/>
+                    <a:p>
+                      <a:endParaRPr lang="en-US" dirty="0"/>
+                    </a:p>
+                  </a:txBody>
+                  <a:tcPr/>
+                </a:tc>
+                <a:tc>
+                  <a:txBody>
+                    <a:bodyPr/>
+                    <a:lstStyle/>
+                    <a:p>
+                      <a:r>
+                        <a:rPr lang="en-US" dirty="0"/>
+                        <a:t>Validate</a:t>
+                      </a:r>
+                    </a:p>
+                    <a:p>
+                      <a:r>
+                        <a:rPr lang="en-US" dirty="0"/>
+                        <a:t>Accuracy</a:t>
+                      </a:r>
+                    </a:p>
+                  </a:txBody>
+                  <a:tcPr/>
+                </a:tc>
+                <a:tc>
+                  <a:txBody>
+                    <a:bodyPr/>
+                    <a:lstStyle/>
+                    <a:p>
+                      <a:r>
+                        <a:rPr lang="en-US" dirty="0"/>
+                        <a:t>Train loss</a:t>
+                      </a:r>
+                    </a:p>
+                  </a:txBody>
+                  <a:tcPr/>
+                </a:tc>
+                <a:tc>
+                  <a:txBody>
+                    <a:bodyPr/>
+                    <a:lstStyle/>
+                    <a:p>
+                      <a:r>
+                        <a:rPr lang="en-US" dirty="0"/>
+                        <a:t>Validate loss</a:t>
+                      </a:r>
+                    </a:p>
+                  </a:txBody>
+                  <a:tcPr/>
+                </a:tc>
+                <a:tc>
+                  <a:txBody>
+                    <a:bodyPr/>
+                    <a:lstStyle/>
+                    <a:p>
+                      <a:r>
+                        <a:rPr lang="en-US" dirty="0"/>
+                        <a:t> Train PPL*</a:t>
+                      </a:r>
+                    </a:p>
+                  </a:txBody>
+                  <a:tcPr/>
+                </a:tc>
+                <a:tc>
+                  <a:txBody>
+                    <a:bodyPr/>
+                    <a:lstStyle/>
+                    <a:p>
+                      <a:r>
+                        <a:rPr lang="en-US" dirty="0"/>
+                        <a:t>Validate PPL</a:t>
+                      </a:r>
+                    </a:p>
+                  </a:txBody>
+                  <a:tcPr/>
+                </a:tc>
+                <a:extLst>
+                  <a:ext uri="{0D108BD9-81ED-4DB2-BD59-A6C34878D82A}">
+                    <a16:rowId xmlns:a16="http://schemas.microsoft.com/office/drawing/2014/main" val="1918655676"/>
+                  </a:ext>
+                </a:extLst>
+              </a:tr>
+              <a:tr h="300660">
+                <a:tc>
+                  <a:txBody>
+                    <a:bodyPr/>
+                    <a:lstStyle/>
+                    <a:p>
+                      <a:pPr marL="0" marR="0" lvl="0" indent="0" algn="l" defTabSz="914400" rtl="0" eaLnBrk="1" fontAlgn="auto" latinLnBrk="0" hangingPunct="1">
+                        <a:lnSpc>
+                          <a:spcPct val="100000"/>
+                        </a:lnSpc>
+                        <a:spcBef>
+                          <a:spcPts val="0"/>
+                        </a:spcBef>
+                        <a:spcAft>
+                          <a:spcPts val="0"/>
+                        </a:spcAft>
+                        <a:buClrTx/>
+                        <a:buSzTx/>
+                        <a:buFontTx/>
+                        <a:buNone/>
+                        <a:tabLst/>
+                        <a:defRPr/>
+                      </a:pPr>
+                      <a:r>
+                        <a:rPr lang="en-US" sz="1400" b="0" kern="1200" dirty="0" err="1">
+                          <a:solidFill>
+                            <a:schemeClr val="dk1"/>
+                          </a:solidFill>
+                          <a:effectLst/>
+                          <a:latin typeface="+mn-lt"/>
+                          <a:ea typeface="+mn-ea"/>
+                          <a:cs typeface="+mn-cs"/>
+                        </a:rPr>
+                        <a:t>tra_batch_size</a:t>
+                      </a:r>
+                      <a:r>
+                        <a:rPr lang="en-US" sz="1400" b="0" kern="1200" dirty="0">
+                          <a:solidFill>
+                            <a:schemeClr val="dk1"/>
+                          </a:solidFill>
+                          <a:effectLst/>
+                          <a:latin typeface="+mn-lt"/>
+                          <a:ea typeface="+mn-ea"/>
+                          <a:cs typeface="+mn-cs"/>
+                        </a:rPr>
+                        <a:t> </a:t>
+                      </a:r>
+                      <a:r>
+                        <a:rPr lang="en-US" sz="1400" dirty="0"/>
+                        <a:t>= 64</a:t>
+                      </a:r>
+                    </a:p>
+                  </a:txBody>
+                  <a:tcPr/>
+                </a:tc>
+                <a:tc>
+                  <a:txBody>
+                    <a:bodyPr/>
+                    <a:lstStyle/>
+                    <a:p>
+                      <a:r>
+                        <a:rPr lang="en-US" sz="1400" dirty="0"/>
+                        <a:t>0.9993</a:t>
+                      </a:r>
+                    </a:p>
+                  </a:txBody>
+                  <a:tcPr/>
+                </a:tc>
+                <a:tc>
+                  <a:txBody>
+                    <a:bodyPr/>
+                    <a:lstStyle/>
+                    <a:p>
+                      <a:r>
+                        <a:rPr lang="en-US" sz="1400" dirty="0"/>
+                        <a:t>0.029</a:t>
+                      </a:r>
+                    </a:p>
+                  </a:txBody>
+                  <a:tcPr/>
+                </a:tc>
+                <a:tc>
+                  <a:txBody>
+                    <a:bodyPr/>
+                    <a:lstStyle/>
+                    <a:p>
+                      <a:r>
+                        <a:rPr lang="en-US" sz="1400" dirty="0"/>
+                        <a:t>0.005</a:t>
+                      </a:r>
+                    </a:p>
+                  </a:txBody>
+                  <a:tcPr/>
+                </a:tc>
+                <a:tc>
+                  <a:txBody>
+                    <a:bodyPr/>
+                    <a:lstStyle/>
+                    <a:p>
+                      <a:r>
+                        <a:rPr lang="en-US" sz="1400" dirty="0"/>
+                        <a:t>1.029</a:t>
+                      </a:r>
+                    </a:p>
+                  </a:txBody>
+                  <a:tcPr/>
+                </a:tc>
+                <a:tc>
+                  <a:txBody>
+                    <a:bodyPr/>
+                    <a:lstStyle/>
+                    <a:p>
+                      <a:r>
+                        <a:rPr lang="en-US" sz="1400" dirty="0"/>
+                        <a:t>1.005</a:t>
+                      </a:r>
+                    </a:p>
+                  </a:txBody>
+                  <a:tcPr/>
+                </a:tc>
+                <a:extLst>
+                  <a:ext uri="{0D108BD9-81ED-4DB2-BD59-A6C34878D82A}">
+                    <a16:rowId xmlns:a16="http://schemas.microsoft.com/office/drawing/2014/main" val="3372276801"/>
+                  </a:ext>
+                </a:extLst>
+              </a:tr>
+              <a:tr h="177968">
+                <a:tc>
+                  <a:txBody>
+                    <a:bodyPr/>
+                    <a:lstStyle/>
+                    <a:p>
+                      <a:r>
+                        <a:rPr lang="en-US" sz="1400" dirty="0" err="1"/>
+                        <a:t>tra_batch_size</a:t>
+                      </a:r>
+                      <a:r>
+                        <a:rPr lang="en-US" sz="1400" dirty="0"/>
+                        <a:t> = 32</a:t>
+                      </a:r>
+                    </a:p>
+                  </a:txBody>
+                  <a:tcPr/>
+                </a:tc>
+                <a:tc>
+                  <a:txBody>
+                    <a:bodyPr/>
+                    <a:lstStyle/>
+                    <a:p>
+                      <a:r>
+                        <a:rPr lang="en-US" altLang="zh-CN" sz="1400" dirty="0"/>
+                        <a:t>0.9993</a:t>
+                      </a:r>
+                      <a:endParaRPr lang="en-US" sz="1400" dirty="0"/>
+                    </a:p>
+                  </a:txBody>
+                  <a:tcPr/>
+                </a:tc>
+                <a:tc>
+                  <a:txBody>
+                    <a:bodyPr/>
+                    <a:lstStyle/>
+                    <a:p>
+                      <a:r>
+                        <a:rPr lang="en-US" altLang="zh-CN" sz="1400" dirty="0"/>
+                        <a:t>0.041</a:t>
+                      </a:r>
+                      <a:endParaRPr lang="en-US" sz="1400" dirty="0"/>
+                    </a:p>
+                  </a:txBody>
+                  <a:tcPr/>
+                </a:tc>
+                <a:tc>
+                  <a:txBody>
+                    <a:bodyPr/>
+                    <a:lstStyle/>
+                    <a:p>
+                      <a:r>
+                        <a:rPr lang="en-US" altLang="zh-CN" sz="1400" dirty="0"/>
+                        <a:t>0.007</a:t>
+                      </a:r>
+                      <a:endParaRPr lang="en-US" sz="1400" dirty="0"/>
+                    </a:p>
+                  </a:txBody>
+                  <a:tcPr/>
+                </a:tc>
+                <a:tc>
+                  <a:txBody>
+                    <a:bodyPr/>
+                    <a:lstStyle/>
+                    <a:p>
+                      <a:r>
+                        <a:rPr lang="en-US" altLang="zh-CN" sz="1400" dirty="0"/>
+                        <a:t>1.042</a:t>
+                      </a:r>
+                      <a:endParaRPr lang="en-US" sz="1400" dirty="0"/>
+                    </a:p>
+                  </a:txBody>
+                  <a:tcPr/>
+                </a:tc>
+                <a:tc>
+                  <a:txBody>
+                    <a:bodyPr/>
+                    <a:lstStyle/>
+                    <a:p>
+                      <a:r>
+                        <a:rPr lang="en-US" altLang="zh-CN" sz="1400" dirty="0"/>
+                        <a:t>1.007</a:t>
+                      </a:r>
+                      <a:endParaRPr lang="en-US" sz="1400" dirty="0"/>
+                    </a:p>
+                  </a:txBody>
+                  <a:tcPr/>
+                </a:tc>
+                <a:extLst>
+                  <a:ext uri="{0D108BD9-81ED-4DB2-BD59-A6C34878D82A}">
+                    <a16:rowId xmlns:a16="http://schemas.microsoft.com/office/drawing/2014/main" val="882440027"/>
+                  </a:ext>
+                </a:extLst>
+              </a:tr>
+              <a:tr h="300660">
+                <a:tc>
+                  <a:txBody>
+                    <a:bodyPr/>
+                    <a:lstStyle/>
+                    <a:p>
+                      <a:r>
+                        <a:rPr lang="en-US" sz="1400" dirty="0" err="1"/>
+                        <a:t>tra_batch_size</a:t>
+                      </a:r>
+                      <a:r>
+                        <a:rPr lang="en-US" sz="1400" dirty="0"/>
+                        <a:t> = 128</a:t>
+                      </a:r>
+                    </a:p>
+                  </a:txBody>
+                  <a:tcPr/>
+                </a:tc>
+                <a:tc>
+                  <a:txBody>
+                    <a:bodyPr/>
+                    <a:lstStyle/>
+                    <a:p>
+                      <a:r>
+                        <a:rPr lang="en-US" sz="1400" dirty="0"/>
+                        <a:t>0.9993 </a:t>
+                      </a:r>
+                    </a:p>
+                  </a:txBody>
+                  <a:tcPr/>
+                </a:tc>
+                <a:tc>
+                  <a:txBody>
+                    <a:bodyPr/>
+                    <a:lstStyle/>
+                    <a:p>
+                      <a:r>
+                        <a:rPr lang="en-US" sz="1400" dirty="0"/>
+                        <a:t>0,017 </a:t>
+                      </a:r>
+                    </a:p>
+                  </a:txBody>
+                  <a:tcPr/>
+                </a:tc>
+                <a:tc>
+                  <a:txBody>
+                    <a:bodyPr/>
+                    <a:lstStyle/>
+                    <a:p>
+                      <a:r>
+                        <a:rPr lang="en-US" sz="1400" dirty="0"/>
+                        <a:t>0.009</a:t>
+                      </a:r>
+                    </a:p>
+                  </a:txBody>
+                  <a:tcPr/>
+                </a:tc>
+                <a:tc>
+                  <a:txBody>
+                    <a:bodyPr/>
+                    <a:lstStyle/>
+                    <a:p>
+                      <a:r>
+                        <a:rPr lang="en-US" sz="1400" dirty="0"/>
+                        <a:t>1.017</a:t>
+                      </a:r>
+                    </a:p>
+                  </a:txBody>
+                  <a:tcPr/>
+                </a:tc>
+                <a:tc>
+                  <a:txBody>
+                    <a:bodyPr/>
+                    <a:lstStyle/>
+                    <a:p>
+                      <a:r>
+                        <a:rPr lang="en-US" sz="1400" dirty="0"/>
+                        <a:t>1.009</a:t>
+                      </a:r>
+                    </a:p>
+                  </a:txBody>
+                  <a:tcPr/>
+                </a:tc>
+                <a:extLst>
+                  <a:ext uri="{0D108BD9-81ED-4DB2-BD59-A6C34878D82A}">
+                    <a16:rowId xmlns:a16="http://schemas.microsoft.com/office/drawing/2014/main" val="2484444268"/>
+                  </a:ext>
+                </a:extLst>
+              </a:tr>
+            </a:tbl>
+          </a:graphicData>
+        </a:graphic>
+      </p:graphicFrame>
+      <p:sp>
+        <p:nvSpPr>
+          <p:cNvPr id="10" name="TextBox 9">
+            <a:extLst>
+              <a:ext uri="{FF2B5EF4-FFF2-40B4-BE49-F238E27FC236}">
+                <a16:creationId xmlns:a16="http://schemas.microsoft.com/office/drawing/2014/main" id="{B3856F79-32BC-4303-9C8B-899CF27B034C}"/>
+              </a:ext>
+            </a:extLst>
+          </p:cNvPr>
+          <p:cNvSpPr txBox="1"/>
+          <p:nvPr/>
+        </p:nvSpPr>
+        <p:spPr>
+          <a:xfrm>
+            <a:off x="5638056" y="2972915"/>
+            <a:ext cx="914400" cy="914400"/>
+          </a:xfrm>
+          <a:prstGeom prst="rect">
+            <a:avLst/>
+          </a:prstGeom>
+          <a:noFill/>
+        </p:spPr>
+        <p:txBody>
+          <a:bodyPr wrap="square" rtlCol="0">
+            <a:spAutoFit/>
+          </a:bodyPr>
+          <a:lstStyle/>
+          <a:p>
+            <a:endParaRPr lang="en-US"/>
+          </a:p>
+        </p:txBody>
+      </p:sp>
+      <p:sp>
+        <p:nvSpPr>
+          <p:cNvPr id="11" name="TextBox 10">
+            <a:extLst>
+              <a:ext uri="{FF2B5EF4-FFF2-40B4-BE49-F238E27FC236}">
+                <a16:creationId xmlns:a16="http://schemas.microsoft.com/office/drawing/2014/main" id="{76E8EAAF-66F2-4DF4-9711-169523BAE456}"/>
+              </a:ext>
+            </a:extLst>
+          </p:cNvPr>
+          <p:cNvSpPr txBox="1"/>
+          <p:nvPr/>
+        </p:nvSpPr>
+        <p:spPr>
+          <a:xfrm>
+            <a:off x="298853" y="5779164"/>
+            <a:ext cx="9077092" cy="369332"/>
+          </a:xfrm>
+          <a:prstGeom prst="rect">
+            <a:avLst/>
+          </a:prstGeom>
+          <a:noFill/>
+        </p:spPr>
+        <p:txBody>
+          <a:bodyPr wrap="square" rtlCol="0">
+            <a:spAutoFit/>
+          </a:bodyPr>
+          <a:lstStyle/>
+          <a:p>
+            <a:r>
+              <a:rPr lang="en-US" dirty="0"/>
+              <a:t>*PPL:  </a:t>
+            </a:r>
+            <a:r>
+              <a:rPr lang="en-US" dirty="0" err="1"/>
+              <a:t>abbr</a:t>
+            </a:r>
+            <a:r>
+              <a:rPr lang="en-US" dirty="0"/>
+              <a:t> of perplexity, which is cross entropy’s application in NLP problem </a:t>
+            </a:r>
+          </a:p>
+        </p:txBody>
+      </p:sp>
+    </p:spTree>
+    <p:extLst>
+      <p:ext uri="{BB962C8B-B14F-4D97-AF65-F5344CB8AC3E}">
+        <p14:creationId xmlns:p14="http://schemas.microsoft.com/office/powerpoint/2010/main" val="2852195145"/>
+      </p:ext>
+    </p:extLst>
+  </p:cSld>
+  <p:clrMapOvr>
+    <a:masterClrMapping/>
+  </p:clrMapOvr>
+</p:sld>
+</file>
+
+<file path=ppt/slides/slide11.xml><?xml version="1.0" encoding="utf-8"?>
+<p:sld xmlns:a="http://schemas.openxmlformats.org/drawingml/2006/main" xmlns:r="http://schemas.openxmlformats.org/officeDocument/2006/relationships" xmlns:p="http://schemas.openxmlformats.org/presentationml/2006/main">
+  <p:cSld>
+    <p:spTree>
+      <p:nvGrpSpPr>
+        <p:cNvPr id="1" name=""/>
+        <p:cNvGrpSpPr/>
+        <p:nvPr/>
+      </p:nvGrpSpPr>
+      <p:grpSpPr>
+        <a:xfrm>
+          <a:off x="0" y="0"/>
+          <a:ext cx="0" cy="0"/>
+          <a:chOff x="0" y="0"/>
+          <a:chExt cx="0" cy="0"/>
+        </a:xfrm>
+      </p:grpSpPr>
+      <p:sp useBgFill="1">
+        <p:nvSpPr>
+          <p:cNvPr id="8" name="Rectangle 7"/>
+          <p:cNvSpPr>
+            <a:spLocks noGrp="1" noRot="1" noChangeAspect="1" noMove="1" noResize="1" noEditPoints="1" noAdjustHandles="1" noChangeArrowheads="1" noChangeShapeType="1" noTextEdit="1"/>
+          </p:cNvSpPr>
+          <p:nvPr/>
+        </p:nvSpPr>
+        <p:spPr>
+          <a:xfrm>
+            <a:off x="0" y="0"/>
+            <a:ext cx="12192000" cy="6858000"/>
+          </a:xfrm>
+          <a:prstGeom prst="rect">
+            <a:avLst/>
+          </a:prstGeom>
+          <a:ln>
+            <a:noFill/>
+          </a:ln>
+        </p:spPr>
+        <p:style>
+          <a:lnRef idx="2">
+            <a:schemeClr val="accent1">
+              <a:shade val="50000"/>
+            </a:schemeClr>
+          </a:lnRef>
+          <a:fillRef idx="1">
+            <a:schemeClr val="accent1"/>
+          </a:fillRef>
+          <a:effectRef idx="0">
+            <a:schemeClr val="accent1"/>
+          </a:effectRef>
+          <a:fontRef idx="minor">
+            <a:schemeClr val="lt1"/>
+          </a:fontRef>
+        </p:style>
+        <p:txBody>
+          <a:bodyPr rtlCol="0" anchor="ctr"/>
+          <a:lstStyle/>
+          <a:p>
+            <a:pPr algn="ctr"/>
+            <a:endParaRPr lang="en-US"/>
+          </a:p>
+        </p:txBody>
+      </p:sp>
+      <p:sp>
+        <p:nvSpPr>
+          <p:cNvPr id="10" name="Rectangle 9"/>
+          <p:cNvSpPr>
+            <a:spLocks noGrp="1" noRot="1" noChangeAspect="1" noMove="1" noResize="1" noEditPoints="1" noAdjustHandles="1" noChangeArrowheads="1" noChangeShapeType="1" noTextEdit="1"/>
+          </p:cNvSpPr>
+          <p:nvPr/>
+        </p:nvSpPr>
+        <p:spPr>
+          <a:xfrm>
+            <a:off x="984504" y="464119"/>
+            <a:ext cx="10222992" cy="80683"/>
+          </a:xfrm>
+          <a:prstGeom prst="rect">
+            <a:avLst/>
+          </a:prstGeom>
+          <a:blipFill dpi="0" rotWithShape="1">
+            <a:blip r:embed="rId2">
+              <a:alphaModFix amt="85000"/>
+              <a:lum bright="70000" contrast="-70000"/>
+              <a:extLst>
+                <a:ext uri="{BEBA8EAE-BF5A-486C-A8C5-ECC9F3942E4B}">
+                  <a14:imgProps xmlns:a14="http://schemas.microsoft.com/office/drawing/2010/main">
+                    <a14:imgLayer r:embed="rId3">
+                      <a14:imgEffect>
+                        <a14:sharpenSoften amount="61000"/>
+                      </a14:imgEffect>
+                    </a14:imgLayer>
+                  </a14:imgProps>
+                </a:ext>
+                <a:ext uri="{28A0092B-C50C-407E-A947-70E740481C1C}">
+                  <a14:useLocalDpi xmlns:a14="http://schemas.microsoft.com/office/drawing/2010/main" val="0"/>
+                </a:ext>
+              </a:extLst>
+            </a:blip>
+            <a:srcRect/>
+            <a:tile tx="0" ty="-762000" sx="92000" sy="89000" flip="xy" algn="ctr"/>
+          </a:blipFill>
+          <a:ln>
+            <a:noFill/>
+          </a:ln>
+        </p:spPr>
+        <p:style>
+          <a:lnRef idx="2">
+            <a:schemeClr val="accent1">
+              <a:shade val="50000"/>
+            </a:schemeClr>
+          </a:lnRef>
+          <a:fillRef idx="1">
+            <a:schemeClr val="accent1"/>
+          </a:fillRef>
+          <a:effectRef idx="0">
+            <a:schemeClr val="accent1"/>
+          </a:effectRef>
+          <a:fontRef idx="minor">
+            <a:schemeClr val="lt1"/>
+          </a:fontRef>
+        </p:style>
+      </p:sp>
+      <p:sp>
+        <p:nvSpPr>
+          <p:cNvPr id="12" name="Rectangle 11"/>
+          <p:cNvSpPr>
+            <a:spLocks noGrp="1" noRot="1" noChangeAspect="1" noMove="1" noResize="1" noEditPoints="1" noAdjustHandles="1" noChangeArrowheads="1" noChangeShapeType="1" noTextEdit="1"/>
+          </p:cNvSpPr>
+          <p:nvPr/>
+        </p:nvSpPr>
+        <p:spPr>
+          <a:xfrm>
+            <a:off x="984504" y="601952"/>
+            <a:ext cx="10222992" cy="1385874"/>
+          </a:xfrm>
+          <a:prstGeom prst="rect">
+            <a:avLst/>
+          </a:prstGeom>
+          <a:blipFill dpi="0" rotWithShape="1">
+            <a:blip r:embed="rId2">
+              <a:alphaModFix amt="85000"/>
+              <a:lum bright="70000" contrast="-70000"/>
+              <a:extLst>
+                <a:ext uri="{BEBA8EAE-BF5A-486C-A8C5-ECC9F3942E4B}">
+                  <a14:imgProps xmlns:a14="http://schemas.microsoft.com/office/drawing/2010/main">
+                    <a14:imgLayer r:embed="rId3">
+                      <a14:imgEffect>
+                        <a14:sharpenSoften amount="61000"/>
+                      </a14:imgEffect>
+                    </a14:imgLayer>
+                  </a14:imgProps>
+                </a:ext>
+                <a:ext uri="{28A0092B-C50C-407E-A947-70E740481C1C}">
+                  <a14:useLocalDpi xmlns:a14="http://schemas.microsoft.com/office/drawing/2010/main" val="0"/>
+                </a:ext>
+              </a:extLst>
+            </a:blip>
+            <a:srcRect/>
+            <a:tile tx="0" ty="-704850" sx="92000" sy="89000" flip="xy" algn="ctr"/>
+          </a:blipFill>
+          <a:ln>
+            <a:noFill/>
+          </a:ln>
+        </p:spPr>
+        <p:style>
+          <a:lnRef idx="2">
+            <a:schemeClr val="accent1">
+              <a:shade val="50000"/>
+            </a:schemeClr>
+          </a:lnRef>
+          <a:fillRef idx="1">
+            <a:schemeClr val="accent1"/>
+          </a:fillRef>
+          <a:effectRef idx="0">
+            <a:schemeClr val="accent1"/>
+          </a:effectRef>
+          <a:fontRef idx="minor">
+            <a:schemeClr val="lt1"/>
+          </a:fontRef>
+        </p:style>
+      </p:sp>
+      <p:sp>
+        <p:nvSpPr>
+          <p:cNvPr id="14" name="Rectangle 13"/>
+          <p:cNvSpPr>
+            <a:spLocks noGrp="1" noRot="1" noChangeAspect="1" noMove="1" noResize="1" noEditPoints="1" noAdjustHandles="1" noChangeArrowheads="1" noChangeShapeType="1" noTextEdit="1"/>
+          </p:cNvSpPr>
+          <p:nvPr/>
+        </p:nvSpPr>
+        <p:spPr>
+          <a:xfrm>
+            <a:off x="984504" y="2038655"/>
+            <a:ext cx="10222992" cy="80683"/>
+          </a:xfrm>
+          <a:prstGeom prst="rect">
+            <a:avLst/>
+          </a:prstGeom>
+          <a:blipFill dpi="0" rotWithShape="1">
+            <a:blip r:embed="rId2">
+              <a:alphaModFix amt="85000"/>
+              <a:lum bright="70000" contrast="-70000"/>
+              <a:extLst>
+                <a:ext uri="{BEBA8EAE-BF5A-486C-A8C5-ECC9F3942E4B}">
+                  <a14:imgProps xmlns:a14="http://schemas.microsoft.com/office/drawing/2010/main">
+                    <a14:imgLayer r:embed="rId3">
+                      <a14:imgEffect>
+                        <a14:sharpenSoften amount="61000"/>
+                      </a14:imgEffect>
+                    </a14:imgLayer>
+                  </a14:imgProps>
+                </a:ext>
+                <a:ext uri="{28A0092B-C50C-407E-A947-70E740481C1C}">
+                  <a14:useLocalDpi xmlns:a14="http://schemas.microsoft.com/office/drawing/2010/main" val="0"/>
+                </a:ext>
+              </a:extLst>
+            </a:blip>
+            <a:srcRect/>
+            <a:tile tx="0" ty="-717550" sx="92000" sy="89000" flip="xy" algn="ctr"/>
+          </a:blipFill>
+          <a:ln>
+            <a:noFill/>
+          </a:ln>
+        </p:spPr>
+        <p:style>
+          <a:lnRef idx="2">
+            <a:schemeClr val="accent1">
+              <a:shade val="50000"/>
+            </a:schemeClr>
+          </a:lnRef>
+          <a:fillRef idx="1">
+            <a:schemeClr val="accent1"/>
+          </a:fillRef>
+          <a:effectRef idx="0">
+            <a:schemeClr val="accent1"/>
+          </a:effectRef>
+          <a:fontRef idx="minor">
+            <a:schemeClr val="lt1"/>
+          </a:fontRef>
+        </p:style>
+      </p:sp>
+      <p:sp>
+        <p:nvSpPr>
+          <p:cNvPr id="2" name="Title 1"/>
+          <p:cNvSpPr>
+            <a:spLocks noGrp="1"/>
+          </p:cNvSpPr>
+          <p:nvPr>
+            <p:ph type="title"/>
+          </p:nvPr>
+        </p:nvSpPr>
+        <p:spPr>
+          <a:xfrm>
+            <a:off x="1069848" y="484632"/>
+            <a:ext cx="10058400" cy="1609344"/>
+          </a:xfrm>
+        </p:spPr>
+        <p:txBody>
+          <a:bodyPr>
+            <a:normAutofit/>
+          </a:bodyPr>
+          <a:lstStyle/>
+          <a:p>
+            <a:r>
+              <a:rPr lang="en-US" altLang="zh-CN" dirty="0"/>
+              <a:t>Hardware</a:t>
+            </a:r>
+            <a:r>
+              <a:rPr lang="zh-CN" altLang="en-US" dirty="0"/>
+              <a:t> </a:t>
+            </a:r>
+            <a:r>
+              <a:rPr lang="en-US" altLang="zh-CN" dirty="0"/>
+              <a:t>idea</a:t>
+            </a:r>
+            <a:endParaRPr lang="en-US" dirty="0"/>
+          </a:p>
+        </p:txBody>
+      </p:sp>
+      <p:sp>
+        <p:nvSpPr>
+          <p:cNvPr id="3" name="Content Placeholder 2"/>
+          <p:cNvSpPr>
+            <a:spLocks noGrp="1"/>
+          </p:cNvSpPr>
+          <p:nvPr>
+            <p:ph idx="1"/>
+          </p:nvPr>
+        </p:nvSpPr>
+        <p:spPr>
+          <a:xfrm>
+            <a:off x="984504" y="2170168"/>
+            <a:ext cx="10222992" cy="4738662"/>
+          </a:xfrm>
+        </p:spPr>
+        <p:txBody>
+          <a:bodyPr>
+            <a:normAutofit fontScale="92500" lnSpcReduction="10000"/>
+          </a:bodyPr>
+          <a:lstStyle/>
+          <a:p>
+            <a:r>
+              <a:rPr lang="en-US" altLang="zh-CN" sz="2400" dirty="0"/>
+              <a:t>From</a:t>
+            </a:r>
+            <a:r>
+              <a:rPr lang="zh-CN" altLang="en-US" sz="2400" dirty="0"/>
+              <a:t> </a:t>
+            </a:r>
+            <a:r>
+              <a:rPr lang="en-US" altLang="zh-CN" sz="2400" dirty="0"/>
+              <a:t>the</a:t>
+            </a:r>
+            <a:r>
+              <a:rPr lang="zh-CN" altLang="en-US" sz="2400" dirty="0"/>
+              <a:t> </a:t>
+            </a:r>
+            <a:r>
+              <a:rPr lang="en-US" altLang="zh-CN" sz="2400" dirty="0"/>
+              <a:t>sequence</a:t>
+            </a:r>
+            <a:r>
+              <a:rPr lang="zh-CN" altLang="en-US" sz="2400" dirty="0"/>
+              <a:t> </a:t>
+            </a:r>
+            <a:r>
+              <a:rPr lang="en-US" altLang="zh-CN" sz="2400" dirty="0"/>
+              <a:t>to</a:t>
+            </a:r>
+            <a:r>
+              <a:rPr lang="zh-CN" altLang="en-US" sz="2400" dirty="0"/>
+              <a:t> </a:t>
+            </a:r>
+            <a:r>
+              <a:rPr lang="en-US" altLang="zh-CN" sz="2400" dirty="0"/>
+              <a:t>sequence</a:t>
+            </a:r>
+            <a:r>
+              <a:rPr lang="zh-CN" altLang="en-US" sz="2400" dirty="0"/>
+              <a:t> </a:t>
+            </a:r>
+            <a:r>
+              <a:rPr lang="en-US" altLang="zh-CN" sz="2400" dirty="0"/>
+              <a:t>model,</a:t>
+            </a:r>
+            <a:r>
+              <a:rPr lang="zh-CN" altLang="en-US" sz="2400" dirty="0"/>
+              <a:t> </a:t>
+            </a:r>
+            <a:r>
+              <a:rPr lang="en-US" altLang="zh-CN" sz="2400" dirty="0"/>
+              <a:t>one</a:t>
+            </a:r>
+            <a:r>
+              <a:rPr lang="zh-CN" altLang="en-US" sz="2400" dirty="0"/>
+              <a:t> </a:t>
+            </a:r>
+            <a:r>
+              <a:rPr lang="en-US" altLang="zh-CN" sz="2400" dirty="0"/>
+              <a:t>implication</a:t>
+            </a:r>
+            <a:r>
+              <a:rPr lang="zh-CN" altLang="en-US" sz="2400" dirty="0"/>
+              <a:t> </a:t>
+            </a:r>
+            <a:r>
+              <a:rPr lang="en-US" altLang="zh-CN" sz="2400" dirty="0"/>
+              <a:t>is</a:t>
+            </a:r>
+            <a:r>
+              <a:rPr lang="zh-CN" altLang="en-US" sz="2400" dirty="0"/>
+              <a:t> </a:t>
+            </a:r>
+            <a:r>
+              <a:rPr lang="en-US" altLang="zh-CN" sz="2400" dirty="0"/>
+              <a:t>to</a:t>
+            </a:r>
+            <a:r>
+              <a:rPr lang="zh-CN" altLang="en-US" sz="2400" dirty="0"/>
+              <a:t> </a:t>
+            </a:r>
+            <a:r>
+              <a:rPr lang="en-US" altLang="zh-CN" sz="2400" dirty="0"/>
+              <a:t>have</a:t>
+            </a:r>
+            <a:r>
+              <a:rPr lang="zh-CN" altLang="en-US" sz="2400" dirty="0"/>
+              <a:t> </a:t>
+            </a:r>
+            <a:r>
+              <a:rPr lang="en-US" altLang="zh-CN" sz="2400" dirty="0"/>
+              <a:t>both</a:t>
+            </a:r>
+            <a:r>
+              <a:rPr lang="zh-CN" altLang="en-US" sz="2400" dirty="0"/>
+              <a:t> </a:t>
+            </a:r>
+            <a:r>
+              <a:rPr lang="en-US" altLang="zh-CN" sz="2400" dirty="0"/>
+              <a:t>global</a:t>
+            </a:r>
+            <a:r>
+              <a:rPr lang="zh-CN" altLang="en-US" sz="2400" dirty="0"/>
+              <a:t> </a:t>
+            </a:r>
+            <a:r>
+              <a:rPr lang="en-US" altLang="zh-CN" sz="2400" dirty="0"/>
+              <a:t>and</a:t>
+            </a:r>
+            <a:r>
+              <a:rPr lang="zh-CN" altLang="en-US" sz="2400" dirty="0"/>
+              <a:t> </a:t>
+            </a:r>
+            <a:r>
+              <a:rPr lang="en-US" altLang="zh-CN" sz="2400" dirty="0"/>
+              <a:t>local</a:t>
+            </a:r>
+            <a:r>
+              <a:rPr lang="zh-CN" altLang="en-US" sz="2400" dirty="0"/>
+              <a:t> </a:t>
+            </a:r>
+            <a:r>
+              <a:rPr lang="en-US" altLang="zh-CN" sz="2400" dirty="0"/>
+              <a:t>information</a:t>
+            </a:r>
+          </a:p>
+          <a:p>
+            <a:pPr lvl="1"/>
+            <a:r>
+              <a:rPr lang="en-US" altLang="zh-CN" sz="2000" dirty="0"/>
+              <a:t>Global</a:t>
+            </a:r>
+            <a:r>
+              <a:rPr lang="zh-CN" altLang="en-US" sz="2000" dirty="0"/>
+              <a:t> </a:t>
+            </a:r>
+            <a:r>
+              <a:rPr lang="en-US" altLang="zh-CN" sz="2000" dirty="0"/>
+              <a:t>information</a:t>
+            </a:r>
+            <a:r>
+              <a:rPr lang="zh-CN" altLang="en-US" sz="2000" dirty="0"/>
+              <a:t> </a:t>
+            </a:r>
+            <a:r>
+              <a:rPr lang="en-US" altLang="zh-CN" sz="2000" dirty="0"/>
+              <a:t>represents</a:t>
+            </a:r>
+            <a:r>
+              <a:rPr lang="zh-CN" altLang="en-US" sz="2000" dirty="0"/>
+              <a:t> </a:t>
+            </a:r>
+            <a:r>
+              <a:rPr lang="en-US" altLang="zh-CN" sz="2000" dirty="0"/>
+              <a:t>program</a:t>
+            </a:r>
+            <a:r>
+              <a:rPr lang="zh-CN" altLang="en-US" sz="2000" dirty="0"/>
+              <a:t> </a:t>
+            </a:r>
+            <a:r>
+              <a:rPr lang="en-US" altLang="zh-CN" sz="2000" dirty="0"/>
+              <a:t>memory</a:t>
+            </a:r>
+            <a:r>
+              <a:rPr lang="zh-CN" altLang="en-US" sz="2000" dirty="0"/>
+              <a:t> </a:t>
+            </a:r>
+            <a:r>
+              <a:rPr lang="en-US" altLang="zh-CN" sz="2000" dirty="0"/>
+              <a:t>access</a:t>
+            </a:r>
+            <a:r>
+              <a:rPr lang="zh-CN" altLang="en-US" sz="2000" dirty="0"/>
+              <a:t> </a:t>
+            </a:r>
+            <a:r>
+              <a:rPr lang="en-US" altLang="zh-CN" sz="2000" dirty="0"/>
+              <a:t>behavior</a:t>
+            </a:r>
+            <a:r>
+              <a:rPr lang="zh-CN" altLang="en-US" sz="2000" dirty="0"/>
+              <a:t> </a:t>
+            </a:r>
+            <a:r>
+              <a:rPr lang="en-US" altLang="zh-CN" sz="2000" dirty="0"/>
+              <a:t>pattern</a:t>
+            </a:r>
+          </a:p>
+          <a:p>
+            <a:pPr lvl="1"/>
+            <a:r>
+              <a:rPr lang="en-US" altLang="zh-CN" sz="2000" dirty="0"/>
+              <a:t>Local</a:t>
+            </a:r>
+            <a:r>
+              <a:rPr lang="zh-CN" altLang="en-US" sz="2000" dirty="0"/>
+              <a:t> </a:t>
+            </a:r>
+            <a:r>
+              <a:rPr lang="en-US" altLang="zh-CN" sz="2000" dirty="0"/>
+              <a:t>information</a:t>
+            </a:r>
+            <a:r>
+              <a:rPr lang="zh-CN" altLang="en-US" sz="2000" dirty="0"/>
+              <a:t> </a:t>
+            </a:r>
+            <a:r>
+              <a:rPr lang="en-US" altLang="zh-CN" sz="2000" dirty="0"/>
+              <a:t>indicates</a:t>
+            </a:r>
+            <a:r>
+              <a:rPr lang="zh-CN" altLang="en-US" sz="2000" dirty="0"/>
+              <a:t> </a:t>
+            </a:r>
+            <a:r>
+              <a:rPr lang="en-US" altLang="zh-CN" sz="2000" dirty="0"/>
+              <a:t>correlation</a:t>
+            </a:r>
+            <a:r>
+              <a:rPr lang="zh-CN" altLang="en-US" sz="2000" dirty="0"/>
+              <a:t> </a:t>
+            </a:r>
+            <a:r>
+              <a:rPr lang="en-US" altLang="zh-CN" sz="2000" dirty="0"/>
+              <a:t>between</a:t>
+            </a:r>
+            <a:r>
+              <a:rPr lang="zh-CN" altLang="en-US" sz="2000" dirty="0"/>
+              <a:t> </a:t>
+            </a:r>
+            <a:r>
+              <a:rPr lang="en-US" altLang="zh-CN" sz="2000" dirty="0"/>
+              <a:t>two</a:t>
+            </a:r>
+            <a:r>
+              <a:rPr lang="zh-CN" altLang="en-US" sz="2000" dirty="0"/>
+              <a:t> </a:t>
+            </a:r>
+            <a:r>
+              <a:rPr lang="en-US" altLang="zh-CN" sz="2000" dirty="0"/>
+              <a:t>instructions</a:t>
+            </a:r>
+          </a:p>
+          <a:p>
+            <a:pPr marL="0" indent="0">
+              <a:buNone/>
+            </a:pPr>
+            <a:endParaRPr lang="en-US" altLang="zh-CN" sz="2400" dirty="0"/>
+          </a:p>
+          <a:p>
+            <a:r>
+              <a:rPr lang="en-US" altLang="zh-CN" sz="2400" dirty="0"/>
+              <a:t>What</a:t>
+            </a:r>
+            <a:r>
+              <a:rPr lang="zh-CN" altLang="en-US" sz="2400" dirty="0"/>
+              <a:t> </a:t>
+            </a:r>
+            <a:r>
+              <a:rPr lang="en-US" altLang="zh-CN" sz="2400" dirty="0"/>
+              <a:t>kind</a:t>
+            </a:r>
+            <a:r>
+              <a:rPr lang="zh-CN" altLang="en-US" sz="2400" dirty="0"/>
+              <a:t> </a:t>
+            </a:r>
+            <a:r>
+              <a:rPr lang="en-US" altLang="zh-CN" sz="2400" dirty="0"/>
+              <a:t>of</a:t>
+            </a:r>
+            <a:r>
+              <a:rPr lang="zh-CN" altLang="en-US" sz="2400" dirty="0"/>
+              <a:t> </a:t>
+            </a:r>
+            <a:r>
+              <a:rPr lang="en-US" altLang="zh-CN" sz="2400" dirty="0"/>
+              <a:t>global</a:t>
+            </a:r>
+            <a:r>
+              <a:rPr lang="zh-CN" altLang="en-US" sz="2400" dirty="0"/>
+              <a:t> </a:t>
+            </a:r>
+            <a:r>
+              <a:rPr lang="en-US" altLang="zh-CN" sz="2400" dirty="0"/>
+              <a:t>information</a:t>
+            </a:r>
+            <a:r>
+              <a:rPr lang="zh-CN" altLang="en-US" sz="2400" dirty="0"/>
+              <a:t> </a:t>
+            </a:r>
+            <a:r>
+              <a:rPr lang="en-US" altLang="zh-CN" sz="2400" dirty="0"/>
+              <a:t>is</a:t>
+            </a:r>
+            <a:r>
+              <a:rPr lang="zh-CN" altLang="en-US" sz="2400" dirty="0"/>
+              <a:t> </a:t>
+            </a:r>
+            <a:r>
+              <a:rPr lang="en-US" altLang="zh-CN" sz="2400" dirty="0"/>
+              <a:t>important?</a:t>
+            </a:r>
+          </a:p>
+          <a:p>
+            <a:pPr lvl="1"/>
+            <a:r>
+              <a:rPr lang="en-US" altLang="zh-CN" sz="2200" dirty="0"/>
+              <a:t>Remember</a:t>
+            </a:r>
+            <a:r>
+              <a:rPr lang="zh-CN" altLang="en-US" sz="2200" dirty="0"/>
+              <a:t> </a:t>
+            </a:r>
+            <a:r>
+              <a:rPr lang="en-US" altLang="zh-CN" sz="2200" dirty="0"/>
+              <a:t>past</a:t>
+            </a:r>
+            <a:r>
+              <a:rPr lang="zh-CN" altLang="en-US" sz="2200" dirty="0"/>
+              <a:t> </a:t>
+            </a:r>
+            <a:r>
+              <a:rPr lang="en-US" altLang="zh-CN" sz="2200" dirty="0"/>
+              <a:t>accessed</a:t>
+            </a:r>
+            <a:r>
+              <a:rPr lang="zh-CN" altLang="en-US" sz="2200" dirty="0"/>
+              <a:t> </a:t>
+            </a:r>
+            <a:r>
+              <a:rPr lang="en-US" altLang="zh-CN" sz="2200" dirty="0"/>
+              <a:t>memory</a:t>
+            </a:r>
+            <a:r>
+              <a:rPr lang="zh-CN" altLang="en-US" sz="2200" dirty="0"/>
+              <a:t> </a:t>
+            </a:r>
+            <a:r>
+              <a:rPr lang="en-US" altLang="zh-CN" sz="2200" dirty="0"/>
+              <a:t>address?</a:t>
+            </a:r>
+          </a:p>
+          <a:p>
+            <a:pPr lvl="1"/>
+            <a:r>
+              <a:rPr lang="en-US" altLang="zh-CN" sz="2200" dirty="0"/>
+              <a:t>Past</a:t>
+            </a:r>
+            <a:r>
+              <a:rPr lang="zh-CN" altLang="en-US" sz="2200" dirty="0"/>
+              <a:t> </a:t>
+            </a:r>
+            <a:r>
+              <a:rPr lang="en-US" altLang="zh-CN" sz="2200" dirty="0"/>
+              <a:t>load/store</a:t>
+            </a:r>
+            <a:r>
+              <a:rPr lang="zh-CN" altLang="en-US" sz="2200" dirty="0"/>
+              <a:t> </a:t>
+            </a:r>
+            <a:r>
+              <a:rPr lang="en-US" altLang="zh-CN" sz="2200" dirty="0"/>
+              <a:t>PC?</a:t>
+            </a:r>
+          </a:p>
+          <a:p>
+            <a:endParaRPr lang="en-US" altLang="zh-CN" sz="2400" dirty="0"/>
+          </a:p>
+          <a:p>
+            <a:r>
+              <a:rPr lang="en-US" altLang="zh-CN" sz="2400" dirty="0"/>
+              <a:t>Local</a:t>
+            </a:r>
+            <a:r>
+              <a:rPr lang="zh-CN" altLang="en-US" sz="2400" dirty="0"/>
+              <a:t> </a:t>
+            </a:r>
+            <a:r>
+              <a:rPr lang="en-US" altLang="zh-CN" sz="2400" dirty="0"/>
+              <a:t>information?</a:t>
+            </a:r>
+          </a:p>
+          <a:p>
+            <a:pPr lvl="1"/>
+            <a:r>
+              <a:rPr lang="en-US" altLang="zh-CN" sz="2200" dirty="0"/>
+              <a:t>Use</a:t>
+            </a:r>
+            <a:r>
+              <a:rPr lang="zh-CN" altLang="en-US" sz="2200" dirty="0"/>
+              <a:t> </a:t>
+            </a:r>
+            <a:r>
+              <a:rPr lang="en-US" altLang="zh-CN" sz="2200" dirty="0"/>
+              <a:t>a</a:t>
+            </a:r>
+            <a:r>
+              <a:rPr lang="zh-CN" altLang="en-US" sz="2200" dirty="0"/>
+              <a:t> </a:t>
+            </a:r>
+            <a:r>
+              <a:rPr lang="en-US" altLang="zh-CN" sz="2200" dirty="0"/>
+              <a:t>perceptron-like</a:t>
+            </a:r>
+            <a:r>
+              <a:rPr lang="zh-CN" altLang="en-US" sz="2200" dirty="0"/>
+              <a:t> </a:t>
+            </a:r>
+            <a:r>
+              <a:rPr lang="en-US" altLang="zh-CN" sz="2200" dirty="0"/>
+              <a:t>design</a:t>
+            </a:r>
+            <a:r>
+              <a:rPr lang="zh-CN" altLang="en-US" sz="2200" dirty="0"/>
+              <a:t> </a:t>
+            </a:r>
+            <a:r>
+              <a:rPr lang="en-US" altLang="zh-CN" sz="2200" dirty="0"/>
+              <a:t>-&gt;</a:t>
+            </a:r>
+            <a:r>
+              <a:rPr lang="zh-CN" altLang="en-US" sz="2200" dirty="0"/>
+              <a:t> </a:t>
+            </a:r>
+            <a:r>
+              <a:rPr lang="en-US" altLang="zh-CN" sz="2200" dirty="0"/>
+              <a:t>a</a:t>
+            </a:r>
+            <a:r>
+              <a:rPr lang="zh-CN" altLang="en-US" sz="2200" dirty="0"/>
+              <a:t> </a:t>
+            </a:r>
+            <a:r>
+              <a:rPr lang="en-US" altLang="zh-CN" sz="2200" dirty="0"/>
+              <a:t>weight</a:t>
+            </a:r>
+            <a:r>
+              <a:rPr lang="zh-CN" altLang="en-US" sz="2200" dirty="0"/>
+              <a:t> </a:t>
+            </a:r>
+            <a:r>
+              <a:rPr lang="en-US" altLang="zh-CN" sz="2200" dirty="0"/>
+              <a:t>table</a:t>
+            </a:r>
+            <a:r>
+              <a:rPr lang="zh-CN" altLang="en-US" sz="2200" dirty="0"/>
+              <a:t> </a:t>
+            </a:r>
+            <a:r>
+              <a:rPr lang="en-US" altLang="zh-CN" sz="2200" dirty="0"/>
+              <a:t>to</a:t>
+            </a:r>
+            <a:r>
+              <a:rPr lang="zh-CN" altLang="en-US" sz="2200" dirty="0"/>
+              <a:t> </a:t>
+            </a:r>
+            <a:r>
+              <a:rPr lang="en-US" altLang="zh-CN" sz="2200" dirty="0"/>
+              <a:t>indicate</a:t>
+            </a:r>
+            <a:r>
+              <a:rPr lang="zh-CN" altLang="en-US" sz="2200" dirty="0"/>
+              <a:t> </a:t>
+            </a:r>
+            <a:r>
+              <a:rPr lang="en-US" altLang="zh-CN" sz="2200" dirty="0"/>
+              <a:t>whether</a:t>
+            </a:r>
+            <a:r>
+              <a:rPr lang="zh-CN" altLang="en-US" sz="2200" dirty="0"/>
+              <a:t> </a:t>
+            </a:r>
+            <a:r>
+              <a:rPr lang="en-US" altLang="zh-CN" sz="2200" dirty="0"/>
+              <a:t>a</a:t>
+            </a:r>
+            <a:r>
+              <a:rPr lang="zh-CN" altLang="en-US" sz="2200" dirty="0"/>
+              <a:t> </a:t>
+            </a:r>
+            <a:r>
+              <a:rPr lang="en-US" altLang="zh-CN" sz="2200" dirty="0"/>
+              <a:t>load</a:t>
+            </a:r>
+            <a:r>
+              <a:rPr lang="zh-CN" altLang="en-US" sz="2200" dirty="0"/>
+              <a:t> </a:t>
+            </a:r>
+            <a:r>
+              <a:rPr lang="en-US" altLang="zh-CN" sz="2200" dirty="0"/>
+              <a:t>and</a:t>
+            </a:r>
+            <a:r>
+              <a:rPr lang="zh-CN" altLang="en-US" sz="2200" dirty="0"/>
+              <a:t> </a:t>
+            </a:r>
+            <a:r>
+              <a:rPr lang="en-US" altLang="zh-CN" sz="2200" dirty="0"/>
+              <a:t>store</a:t>
+            </a:r>
+            <a:r>
+              <a:rPr lang="zh-CN" altLang="en-US" sz="2200" dirty="0"/>
+              <a:t> </a:t>
+            </a:r>
+            <a:r>
+              <a:rPr lang="en-US" altLang="zh-CN" sz="2200" dirty="0"/>
+              <a:t>has</a:t>
+            </a:r>
+            <a:r>
+              <a:rPr lang="zh-CN" altLang="en-US" sz="2200" dirty="0"/>
+              <a:t> </a:t>
+            </a:r>
+            <a:r>
+              <a:rPr lang="en-US" altLang="zh-CN" sz="2200" dirty="0"/>
+              <a:t>dependency</a:t>
+            </a:r>
+          </a:p>
+          <a:p>
+            <a:pPr lvl="1"/>
+            <a:r>
+              <a:rPr lang="en-US" altLang="zh-CN" sz="2200" dirty="0"/>
+              <a:t>Build</a:t>
+            </a:r>
+            <a:r>
+              <a:rPr lang="zh-CN" altLang="en-US" sz="2200" dirty="0"/>
+              <a:t> </a:t>
+            </a:r>
+            <a:r>
+              <a:rPr lang="en-US" altLang="zh-CN" sz="2200" dirty="0"/>
+              <a:t>upon</a:t>
+            </a:r>
+            <a:r>
+              <a:rPr lang="zh-CN" altLang="en-US" sz="2200" dirty="0"/>
+              <a:t> </a:t>
+            </a:r>
+            <a:r>
+              <a:rPr lang="en-US" altLang="zh-CN" sz="2200" dirty="0"/>
+              <a:t>store-set</a:t>
+            </a:r>
+            <a:r>
+              <a:rPr lang="zh-CN" altLang="en-US" sz="2200" dirty="0"/>
+              <a:t> </a:t>
+            </a:r>
+            <a:r>
+              <a:rPr lang="en-US" altLang="zh-CN" sz="2200" dirty="0"/>
+              <a:t>design</a:t>
+            </a:r>
+          </a:p>
+        </p:txBody>
+      </p:sp>
+      <p:sp>
+        <p:nvSpPr>
+          <p:cNvPr id="16" name="Oval 15"/>
+          <p:cNvSpPr>
+            <a:spLocks noGrp="1" noRot="1" noChangeAspect="1" noMove="1" noResize="1" noEditPoints="1" noAdjustHandles="1" noChangeArrowheads="1" noChangeShapeType="1" noTextEdit="1"/>
+          </p:cNvSpPr>
+          <p:nvPr/>
+        </p:nvSpPr>
+        <p:spPr>
+          <a:xfrm>
+            <a:off x="11401725" y="6229681"/>
+            <a:ext cx="457200" cy="457200"/>
+          </a:xfrm>
+          <a:prstGeom prst="ellipse">
+            <a:avLst/>
+          </a:prstGeom>
+          <a:blipFill dpi="0" rotWithShape="1">
+            <a:blip r:embed="rId4">
+              <a:duotone>
+                <a:schemeClr val="accent1">
+                  <a:shade val="45000"/>
+                  <a:satMod val="135000"/>
+                </a:schemeClr>
+                <a:prstClr val="white"/>
+              </a:duotone>
+            </a:blip>
+            <a:srcRect/>
+            <a:tile tx="50800" ty="0" sx="85000" sy="85000" flip="none" algn="tl"/>
+          </a:blipFill>
+          <a:ln w="25400" cap="flat" cmpd="sng" algn="ctr">
+            <a:noFill/>
+            <a:prstDash val="solid"/>
+          </a:ln>
+          <a:effectLst/>
+        </p:spPr>
+        <p:txBody>
+          <a:bodyPr lIns="0" tIns="0" rIns="0" bIns="0" rtlCol="0" anchor="ctr"/>
+          <a:lstStyle/>
+          <a:p>
+            <a:pPr marL="0" marR="0" lvl="0" indent="0" algn="ctr" defTabSz="914400" eaLnBrk="1" fontAlgn="auto" latinLnBrk="0" hangingPunct="1">
+              <a:lnSpc>
+                <a:spcPct val="100000"/>
+              </a:lnSpc>
+              <a:spcBef>
+                <a:spcPts val="0"/>
+              </a:spcBef>
+              <a:spcAft>
+                <a:spcPts val="0"/>
+              </a:spcAft>
+              <a:buClrTx/>
+              <a:buSzTx/>
+              <a:buFontTx/>
+              <a:buNone/>
+              <a:defRPr/>
+            </a:pPr>
+            <a:endParaRPr kumimoji="0" lang="en-US" sz="2000" b="0" i="0" u="none" strike="noStrike" kern="0" cap="none" spc="0" normalizeH="0" baseline="0" noProof="0" dirty="0">
+              <a:ln>
+                <a:noFill/>
+              </a:ln>
+              <a:solidFill>
+                <a:prstClr val="white"/>
+              </a:solidFill>
+              <a:effectLst/>
+              <a:uLnTx/>
+              <a:uFillTx/>
+              <a:latin typeface="Rockwell Extra Bold" panose="02060903040505020403" pitchFamily="18" charset="0"/>
+              <a:ea typeface="+mn-ea"/>
+              <a:cs typeface="+mn-cs"/>
+            </a:endParaRPr>
+          </a:p>
+        </p:txBody>
+      </p:sp>
+      <p:sp>
+        <p:nvSpPr>
+          <p:cNvPr id="18" name="Oval 17"/>
+          <p:cNvSpPr>
+            <a:spLocks noGrp="1" noRot="1" noChangeAspect="1" noMove="1" noResize="1" noEditPoints="1" noAdjustHandles="1" noChangeArrowheads="1" noChangeShapeType="1" noTextEdit="1"/>
+          </p:cNvSpPr>
+          <p:nvPr/>
+        </p:nvSpPr>
+        <p:spPr>
+          <a:xfrm>
+            <a:off x="11430918" y="6258874"/>
+            <a:ext cx="398813" cy="398815"/>
+          </a:xfrm>
+          <a:prstGeom prst="ellipse">
+            <a:avLst/>
+          </a:prstGeom>
+          <a:noFill/>
+          <a:ln w="12700" cap="flat" cmpd="sng" algn="ctr">
+            <a:solidFill>
+              <a:srgbClr val="FFFFFF"/>
+            </a:solidFill>
+            <a:prstDash val="solid"/>
+          </a:ln>
+          <a:effectLst/>
+        </p:spPr>
+        <p:txBody>
+          <a:bodyPr rtlCol="0" anchor="ctr"/>
+          <a:lstStyle/>
+          <a:p>
+            <a:pPr marL="0" marR="0" lvl="0" indent="0" algn="ctr" defTabSz="914400" eaLnBrk="1" fontAlgn="auto" latinLnBrk="0" hangingPunct="1">
+              <a:lnSpc>
+                <a:spcPct val="100000"/>
+              </a:lnSpc>
+              <a:spcBef>
+                <a:spcPts val="0"/>
+              </a:spcBef>
+              <a:spcAft>
+                <a:spcPts val="0"/>
+              </a:spcAft>
+              <a:buClrTx/>
+              <a:buSzTx/>
+              <a:buFontTx/>
+              <a:buNone/>
+              <a:defRPr/>
+            </a:pPr>
+            <a:endParaRPr kumimoji="0" lang="en-US" sz="1800" b="0" i="0" u="none" strike="noStrike" kern="0" cap="none" spc="0" normalizeH="0" baseline="0" noProof="0" dirty="0">
+              <a:ln>
+                <a:noFill/>
+              </a:ln>
+              <a:solidFill>
+                <a:prstClr val="white"/>
+              </a:solidFill>
+              <a:effectLst/>
+              <a:uLnTx/>
+              <a:uFillTx/>
+              <a:latin typeface="Calibri" panose="020F0502020204030204"/>
+              <a:ea typeface="+mn-ea"/>
+              <a:cs typeface="+mn-cs"/>
+            </a:endParaRPr>
+          </a:p>
+        </p:txBody>
+      </p:sp>
+    </p:spTree>
+    <p:extLst>
+      <p:ext uri="{BB962C8B-B14F-4D97-AF65-F5344CB8AC3E}">
+        <p14:creationId xmlns:p14="http://schemas.microsoft.com/office/powerpoint/2010/main" val="4232927703"/>
+      </p:ext>
+    </p:extLst>
+  </p:cSld>
+  <p:clrMapOvr>
+    <a:masterClrMapping/>
+  </p:clrMapOvr>
+  <p:timing>
+    <p:tnLst>
+      <p:par>
+        <p:cTn id="1" dur="indefinite" restart="never" nodeType="tmRoot">
+          <p:childTnLst>
+            <p:seq concurrent="1" nextAc="seek">
+              <p:cTn id="2" dur="indefinite" nodeType="mainSeq">
+                <p:childTnLst>
+                  <p:par>
+                    <p:cTn id="3" fill="hold">
+                      <p:stCondLst>
+                        <p:cond delay="indefinite"/>
+                        <p:cond evt="onBegin" delay="0">
+                          <p:tn val="2"/>
+                        </p:cond>
+                      </p:stCondLst>
+                      <p:childTnLst>
+                        <p:par>
+                          <p:cTn id="4" fill="hold">
+                            <p:stCondLst>
+                              <p:cond delay="0"/>
+                            </p:stCondLst>
+                            <p:childTnLst>
+                              <p:par>
+                                <p:cTn id="5" presetID="10" presetClass="entr" presetSubtype="0" fill="hold" grpId="0" nodeType="withEffect">
+                                  <p:stCondLst>
+                                    <p:cond delay="500"/>
+                                  </p:stCondLst>
+                                  <p:childTnLst>
+                                    <p:set>
+                                      <p:cBhvr>
+                                        <p:cTn id="6" dur="1" fill="hold">
+                                          <p:stCondLst>
+                                            <p:cond delay="0"/>
+                                          </p:stCondLst>
+                                        </p:cTn>
+                                        <p:tgtEl>
+                                          <p:spTgt spid="2"/>
+                                        </p:tgtEl>
+                                        <p:attrNameLst>
+                                          <p:attrName>style.visibility</p:attrName>
+                                        </p:attrNameLst>
+                                      </p:cBhvr>
+                                      <p:to>
+                                        <p:strVal val="visible"/>
+                                      </p:to>
+                                    </p:set>
+                                    <p:animEffect transition="in" filter="fade">
+                                      <p:cBhvr>
+                                        <p:cTn id="7" dur="700"/>
+                                        <p:tgtEl>
+                                          <p:spTgt spid="2"/>
+                                        </p:tgtEl>
+                                      </p:cBhvr>
+                                    </p:animEffect>
+                                  </p:childTnLst>
+                                </p:cTn>
+                              </p:par>
+                            </p:childTnLst>
+                          </p:cTn>
+                        </p:par>
+                      </p:childTnLst>
+                    </p:cTn>
+                  </p:par>
+                </p:childTnLst>
+              </p:cTn>
+              <p:prevCondLst>
+                <p:cond evt="onPrev" delay="0">
+                  <p:tgtEl>
+                    <p:sldTgt/>
+                  </p:tgtEl>
+                </p:cond>
+              </p:prevCondLst>
+              <p:nextCondLst>
+                <p:cond evt="onNext" delay="0">
+                  <p:tgtEl>
+                    <p:sldTgt/>
+                  </p:tgtEl>
+                </p:cond>
+              </p:nextCondLst>
+            </p:seq>
+          </p:childTnLst>
+        </p:cTn>
+      </p:par>
+    </p:tnLst>
+    <p:bldLst>
+      <p:bldP spid="2" grpId="0"/>
+    </p:bldLst>
+  </p:timing>
+</p:sld>
+</file>
+
+<file path=ppt/slides/slide12.xml><?xml version="1.0" encoding="utf-8"?>
+<p:sld xmlns:a="http://schemas.openxmlformats.org/drawingml/2006/main" xmlns:r="http://schemas.openxmlformats.org/officeDocument/2006/relationships" xmlns:p="http://schemas.openxmlformats.org/presentationml/2006/main">
+  <p:cSld>
+    <p:bg>
+      <p:bgPr>
+        <a:solidFill>
+          <a:schemeClr val="bg1"/>
+        </a:solidFill>
+        <a:effectLst/>
+      </p:bgPr>
+    </p:bg>
+    <p:spTree>
+      <p:nvGrpSpPr>
+        <p:cNvPr id="1" name=""/>
+        <p:cNvGrpSpPr/>
+        <p:nvPr/>
+      </p:nvGrpSpPr>
+      <p:grpSpPr>
+        <a:xfrm>
+          <a:off x="0" y="0"/>
+          <a:ext cx="0" cy="0"/>
+          <a:chOff x="0" y="0"/>
+          <a:chExt cx="0" cy="0"/>
+        </a:xfrm>
+      </p:grpSpPr>
+      <p:sp useBgFill="1">
+        <p:nvSpPr>
+          <p:cNvPr id="8" name="Rectangle 7"/>
+          <p:cNvSpPr>
+            <a:spLocks noGrp="1" noRot="1" noChangeAspect="1" noMove="1" noResize="1" noEditPoints="1" noAdjustHandles="1" noChangeArrowheads="1" noChangeShapeType="1" noTextEdit="1"/>
+          </p:cNvSpPr>
+          <p:nvPr/>
+        </p:nvSpPr>
+        <p:spPr>
+          <a:xfrm>
+            <a:off x="0" y="0"/>
+            <a:ext cx="12192000" cy="6858000"/>
+          </a:xfrm>
+          <a:prstGeom prst="rect">
+            <a:avLst/>
+          </a:prstGeom>
+          <a:ln>
+            <a:noFill/>
+          </a:ln>
+        </p:spPr>
+        <p:style>
+          <a:lnRef idx="2">
+            <a:schemeClr val="accent1">
+              <a:shade val="50000"/>
+            </a:schemeClr>
+          </a:lnRef>
+          <a:fillRef idx="1">
+            <a:schemeClr val="accent1"/>
+          </a:fillRef>
+          <a:effectRef idx="0">
+            <a:schemeClr val="accent1"/>
+          </a:effectRef>
+          <a:fontRef idx="minor">
+            <a:schemeClr val="lt1"/>
+          </a:fontRef>
+        </p:style>
+        <p:txBody>
+          <a:bodyPr rtlCol="0" anchor="ctr"/>
+          <a:lstStyle/>
+          <a:p>
+            <a:pPr algn="ctr"/>
+            <a:endParaRPr lang="en-US"/>
+          </a:p>
+        </p:txBody>
+      </p:sp>
+      <p:sp>
+        <p:nvSpPr>
+          <p:cNvPr id="10" name="Rectangle 9"/>
+          <p:cNvSpPr>
+            <a:spLocks noGrp="1" noRot="1" noChangeAspect="1" noMove="1" noResize="1" noEditPoints="1" noAdjustHandles="1" noChangeArrowheads="1" noChangeShapeType="1" noTextEdit="1"/>
+          </p:cNvSpPr>
+          <p:nvPr/>
+        </p:nvSpPr>
+        <p:spPr>
+          <a:xfrm>
+            <a:off x="984504" y="464119"/>
+            <a:ext cx="10222992" cy="80683"/>
+          </a:xfrm>
+          <a:prstGeom prst="rect">
+            <a:avLst/>
+          </a:prstGeom>
+          <a:blipFill dpi="0" rotWithShape="1">
+            <a:blip r:embed="rId2">
+              <a:alphaModFix amt="85000"/>
+              <a:lum bright="70000" contrast="-70000"/>
+              <a:extLst>
+                <a:ext uri="{BEBA8EAE-BF5A-486C-A8C5-ECC9F3942E4B}">
+                  <a14:imgProps xmlns:a14="http://schemas.microsoft.com/office/drawing/2010/main">
+                    <a14:imgLayer r:embed="rId3">
+                      <a14:imgEffect>
+                        <a14:sharpenSoften amount="61000"/>
+                      </a14:imgEffect>
+                    </a14:imgLayer>
+                  </a14:imgProps>
+                </a:ext>
+                <a:ext uri="{28A0092B-C50C-407E-A947-70E740481C1C}">
+                  <a14:useLocalDpi xmlns:a14="http://schemas.microsoft.com/office/drawing/2010/main" val="0"/>
+                </a:ext>
+              </a:extLst>
+            </a:blip>
+            <a:srcRect/>
+            <a:tile tx="0" ty="-762000" sx="92000" sy="89000" flip="xy" algn="ctr"/>
+          </a:blipFill>
+          <a:ln>
+            <a:noFill/>
+          </a:ln>
+        </p:spPr>
+        <p:style>
+          <a:lnRef idx="2">
+            <a:schemeClr val="accent1">
+              <a:shade val="50000"/>
+            </a:schemeClr>
+          </a:lnRef>
+          <a:fillRef idx="1">
+            <a:schemeClr val="accent1"/>
+          </a:fillRef>
+          <a:effectRef idx="0">
+            <a:schemeClr val="accent1"/>
+          </a:effectRef>
+          <a:fontRef idx="minor">
+            <a:schemeClr val="lt1"/>
+          </a:fontRef>
+        </p:style>
+      </p:sp>
+      <p:sp>
+        <p:nvSpPr>
+          <p:cNvPr id="12" name="Rectangle 11"/>
+          <p:cNvSpPr>
+            <a:spLocks noGrp="1" noRot="1" noChangeAspect="1" noMove="1" noResize="1" noEditPoints="1" noAdjustHandles="1" noChangeArrowheads="1" noChangeShapeType="1" noTextEdit="1"/>
+          </p:cNvSpPr>
+          <p:nvPr/>
+        </p:nvSpPr>
+        <p:spPr>
+          <a:xfrm>
+            <a:off x="984504" y="601952"/>
+            <a:ext cx="10222992" cy="1385874"/>
+          </a:xfrm>
+          <a:prstGeom prst="rect">
+            <a:avLst/>
+          </a:prstGeom>
+          <a:blipFill dpi="0" rotWithShape="1">
+            <a:blip r:embed="rId2">
+              <a:alphaModFix amt="85000"/>
+              <a:lum bright="70000" contrast="-70000"/>
+              <a:extLst>
+                <a:ext uri="{BEBA8EAE-BF5A-486C-A8C5-ECC9F3942E4B}">
+                  <a14:imgProps xmlns:a14="http://schemas.microsoft.com/office/drawing/2010/main">
+                    <a14:imgLayer r:embed="rId3">
+                      <a14:imgEffect>
+                        <a14:sharpenSoften amount="61000"/>
+                      </a14:imgEffect>
+                    </a14:imgLayer>
+                  </a14:imgProps>
+                </a:ext>
+                <a:ext uri="{28A0092B-C50C-407E-A947-70E740481C1C}">
+                  <a14:useLocalDpi xmlns:a14="http://schemas.microsoft.com/office/drawing/2010/main" val="0"/>
+                </a:ext>
+              </a:extLst>
+            </a:blip>
+            <a:srcRect/>
+            <a:tile tx="0" ty="-704850" sx="92000" sy="89000" flip="xy" algn="ctr"/>
+          </a:blipFill>
+          <a:ln>
+            <a:noFill/>
+          </a:ln>
+        </p:spPr>
+        <p:style>
+          <a:lnRef idx="2">
+            <a:schemeClr val="accent1">
+              <a:shade val="50000"/>
+            </a:schemeClr>
+          </a:lnRef>
+          <a:fillRef idx="1">
+            <a:schemeClr val="accent1"/>
+          </a:fillRef>
+          <a:effectRef idx="0">
+            <a:schemeClr val="accent1"/>
+          </a:effectRef>
+          <a:fontRef idx="minor">
+            <a:schemeClr val="lt1"/>
+          </a:fontRef>
+        </p:style>
+      </p:sp>
+      <p:sp>
+        <p:nvSpPr>
+          <p:cNvPr id="14" name="Rectangle 13"/>
+          <p:cNvSpPr>
+            <a:spLocks noGrp="1" noRot="1" noChangeAspect="1" noMove="1" noResize="1" noEditPoints="1" noAdjustHandles="1" noChangeArrowheads="1" noChangeShapeType="1" noTextEdit="1"/>
+          </p:cNvSpPr>
+          <p:nvPr/>
+        </p:nvSpPr>
+        <p:spPr>
+          <a:xfrm>
+            <a:off x="984504" y="2038655"/>
+            <a:ext cx="10222992" cy="80683"/>
+          </a:xfrm>
+          <a:prstGeom prst="rect">
+            <a:avLst/>
+          </a:prstGeom>
+          <a:blipFill dpi="0" rotWithShape="1">
+            <a:blip r:embed="rId2">
+              <a:alphaModFix amt="85000"/>
+              <a:lum bright="70000" contrast="-70000"/>
+              <a:extLst>
+                <a:ext uri="{BEBA8EAE-BF5A-486C-A8C5-ECC9F3942E4B}">
+                  <a14:imgProps xmlns:a14="http://schemas.microsoft.com/office/drawing/2010/main">
+                    <a14:imgLayer r:embed="rId3">
+                      <a14:imgEffect>
+                        <a14:sharpenSoften amount="61000"/>
+                      </a14:imgEffect>
+                    </a14:imgLayer>
+                  </a14:imgProps>
+                </a:ext>
+                <a:ext uri="{28A0092B-C50C-407E-A947-70E740481C1C}">
+                  <a14:useLocalDpi xmlns:a14="http://schemas.microsoft.com/office/drawing/2010/main" val="0"/>
+                </a:ext>
+              </a:extLst>
+            </a:blip>
+            <a:srcRect/>
+            <a:tile tx="0" ty="-717550" sx="92000" sy="89000" flip="xy" algn="ctr"/>
+          </a:blipFill>
+          <a:ln>
+            <a:noFill/>
+          </a:ln>
+        </p:spPr>
+        <p:style>
+          <a:lnRef idx="2">
+            <a:schemeClr val="accent1">
+              <a:shade val="50000"/>
+            </a:schemeClr>
+          </a:lnRef>
+          <a:fillRef idx="1">
+            <a:schemeClr val="accent1"/>
+          </a:fillRef>
+          <a:effectRef idx="0">
+            <a:schemeClr val="accent1"/>
+          </a:effectRef>
+          <a:fontRef idx="minor">
+            <a:schemeClr val="lt1"/>
+          </a:fontRef>
+        </p:style>
+      </p:sp>
+      <p:sp>
+        <p:nvSpPr>
+          <p:cNvPr id="2" name="Title 1"/>
+          <p:cNvSpPr>
+            <a:spLocks noGrp="1"/>
+          </p:cNvSpPr>
+          <p:nvPr>
+            <p:ph type="title"/>
+          </p:nvPr>
+        </p:nvSpPr>
+        <p:spPr>
+          <a:xfrm>
+            <a:off x="1069848" y="484632"/>
+            <a:ext cx="10058400" cy="1609344"/>
+          </a:xfrm>
+        </p:spPr>
+        <p:txBody>
+          <a:bodyPr>
+            <a:normAutofit/>
+          </a:bodyPr>
+          <a:lstStyle/>
+          <a:p>
+            <a:r>
+              <a:rPr lang="en-US" altLang="zh-CN" dirty="0"/>
+              <a:t>What</a:t>
+            </a:r>
+            <a:r>
+              <a:rPr lang="zh-CN" altLang="en-US" dirty="0"/>
+              <a:t> </a:t>
+            </a:r>
+            <a:r>
+              <a:rPr lang="en-US" altLang="zh-CN" dirty="0"/>
+              <a:t>we</a:t>
+            </a:r>
+            <a:r>
+              <a:rPr lang="zh-CN" altLang="en-US" dirty="0"/>
+              <a:t> </a:t>
+            </a:r>
+            <a:r>
+              <a:rPr lang="en-US" altLang="zh-CN" dirty="0"/>
+              <a:t>learned</a:t>
+            </a:r>
+            <a:endParaRPr lang="en-US" dirty="0"/>
+          </a:p>
+        </p:txBody>
+      </p:sp>
+      <p:sp>
+        <p:nvSpPr>
+          <p:cNvPr id="3" name="Content Placeholder 2"/>
+          <p:cNvSpPr>
+            <a:spLocks noGrp="1"/>
+          </p:cNvSpPr>
+          <p:nvPr>
+            <p:ph idx="1"/>
+          </p:nvPr>
+        </p:nvSpPr>
+        <p:spPr>
+          <a:xfrm>
+            <a:off x="1069848" y="2320412"/>
+            <a:ext cx="10058400" cy="3851787"/>
+          </a:xfrm>
+        </p:spPr>
+        <p:txBody>
+          <a:bodyPr>
+            <a:normAutofit/>
+          </a:bodyPr>
+          <a:lstStyle/>
+          <a:p>
+            <a:r>
+              <a:rPr lang="en-US" altLang="zh-CN" sz="2400" dirty="0"/>
+              <a:t>Details</a:t>
+            </a:r>
+            <a:r>
+              <a:rPr lang="zh-CN" altLang="en-US" sz="2400" dirty="0"/>
+              <a:t> </a:t>
+            </a:r>
+            <a:r>
+              <a:rPr lang="en-US" altLang="zh-CN" sz="2400" dirty="0"/>
+              <a:t>about</a:t>
+            </a:r>
+            <a:r>
+              <a:rPr lang="zh-CN" altLang="en-US" sz="2400" dirty="0"/>
+              <a:t> </a:t>
+            </a:r>
+            <a:r>
+              <a:rPr lang="en-US" altLang="zh-CN" sz="2400" dirty="0"/>
+              <a:t>memory</a:t>
+            </a:r>
+            <a:r>
+              <a:rPr lang="zh-CN" altLang="en-US" sz="2400" dirty="0"/>
+              <a:t> </a:t>
+            </a:r>
+            <a:r>
+              <a:rPr lang="en-US" altLang="zh-CN" sz="2400" dirty="0"/>
+              <a:t>dependency</a:t>
+            </a:r>
+          </a:p>
+          <a:p>
+            <a:pPr lvl="1"/>
+            <a:r>
+              <a:rPr lang="en-US" altLang="zh-CN" sz="2200" dirty="0"/>
+              <a:t>Also</a:t>
+            </a:r>
+            <a:r>
+              <a:rPr lang="zh-CN" altLang="en-US" sz="2200" dirty="0"/>
+              <a:t> </a:t>
+            </a:r>
+            <a:r>
+              <a:rPr lang="en-US" altLang="zh-CN" sz="2200" dirty="0"/>
+              <a:t>load</a:t>
+            </a:r>
+            <a:r>
+              <a:rPr lang="zh-CN" altLang="en-US" sz="2200" dirty="0"/>
+              <a:t> </a:t>
+            </a:r>
+            <a:r>
+              <a:rPr lang="en-US" altLang="zh-CN" sz="2200" dirty="0"/>
+              <a:t>store</a:t>
+            </a:r>
+            <a:r>
+              <a:rPr lang="zh-CN" altLang="en-US" sz="2200" dirty="0"/>
+              <a:t> </a:t>
+            </a:r>
+            <a:r>
+              <a:rPr lang="en-US" altLang="zh-CN" sz="2200" dirty="0"/>
+              <a:t>queue</a:t>
+            </a:r>
+            <a:r>
+              <a:rPr lang="zh-CN" altLang="en-US" sz="2200" dirty="0"/>
+              <a:t> </a:t>
+            </a:r>
+            <a:r>
+              <a:rPr lang="en-US" altLang="zh-CN" sz="2200" dirty="0"/>
+              <a:t>design</a:t>
+            </a:r>
+          </a:p>
+          <a:p>
+            <a:pPr marL="274320" lvl="1" indent="0">
+              <a:buNone/>
+            </a:pPr>
+            <a:endParaRPr lang="en-US" altLang="zh-CN" sz="2400" dirty="0"/>
+          </a:p>
+          <a:p>
+            <a:r>
+              <a:rPr lang="en-US" altLang="zh-CN" sz="2400" dirty="0"/>
+              <a:t>How</a:t>
+            </a:r>
+            <a:r>
+              <a:rPr lang="zh-CN" altLang="en-US" sz="2400" dirty="0"/>
+              <a:t> </a:t>
+            </a:r>
+            <a:r>
+              <a:rPr lang="en-US" altLang="zh-CN" sz="2400" dirty="0"/>
+              <a:t>to</a:t>
+            </a:r>
+            <a:r>
+              <a:rPr lang="zh-CN" altLang="en-US" sz="2400" dirty="0"/>
+              <a:t> </a:t>
+            </a:r>
+            <a:r>
+              <a:rPr lang="en-US" altLang="zh-CN" sz="2400" dirty="0"/>
+              <a:t>help</a:t>
+            </a:r>
+            <a:r>
+              <a:rPr lang="zh-CN" altLang="en-US" sz="2400" dirty="0"/>
+              <a:t> </a:t>
+            </a:r>
+            <a:r>
+              <a:rPr lang="en-US" altLang="zh-CN" sz="2400" dirty="0"/>
+              <a:t>architecture</a:t>
+            </a:r>
+            <a:r>
+              <a:rPr lang="zh-CN" altLang="en-US" sz="2400" dirty="0"/>
+              <a:t> </a:t>
+            </a:r>
+            <a:r>
+              <a:rPr lang="en-US" altLang="zh-CN" sz="2400" dirty="0"/>
+              <a:t>design</a:t>
+            </a:r>
+            <a:r>
+              <a:rPr lang="zh-CN" altLang="en-US" sz="2400" dirty="0"/>
+              <a:t> </a:t>
+            </a:r>
+            <a:r>
+              <a:rPr lang="en-US" altLang="zh-CN" sz="2400" dirty="0"/>
+              <a:t>with</a:t>
+            </a:r>
+            <a:r>
+              <a:rPr lang="zh-CN" altLang="en-US" sz="2400" dirty="0"/>
+              <a:t> </a:t>
+            </a:r>
+            <a:r>
+              <a:rPr lang="en-US" altLang="zh-CN" sz="2400" dirty="0"/>
+              <a:t>machine</a:t>
+            </a:r>
+            <a:r>
+              <a:rPr lang="zh-CN" altLang="en-US" sz="2400" dirty="0"/>
+              <a:t> </a:t>
+            </a:r>
+            <a:r>
+              <a:rPr lang="en-US" altLang="zh-CN" sz="2400" dirty="0"/>
+              <a:t>learning</a:t>
+            </a:r>
+            <a:r>
+              <a:rPr lang="zh-CN" altLang="en-US" sz="2400" dirty="0"/>
+              <a:t> </a:t>
+            </a:r>
+            <a:r>
+              <a:rPr lang="en-US" altLang="zh-CN" sz="2400" dirty="0"/>
+              <a:t>methodology</a:t>
+            </a:r>
+          </a:p>
+          <a:p>
+            <a:endParaRPr lang="en-US" altLang="zh-CN" sz="2400" dirty="0"/>
+          </a:p>
+          <a:p>
+            <a:r>
+              <a:rPr lang="en-US" altLang="zh-CN" sz="2400" dirty="0"/>
+              <a:t>Interaction</a:t>
+            </a:r>
+            <a:r>
+              <a:rPr lang="zh-CN" altLang="en-US" sz="2400" dirty="0"/>
+              <a:t> </a:t>
+            </a:r>
+            <a:r>
+              <a:rPr lang="en-US" altLang="zh-CN" sz="2400" dirty="0"/>
+              <a:t>between</a:t>
+            </a:r>
+            <a:r>
+              <a:rPr lang="zh-CN" altLang="en-US" sz="2400" dirty="0"/>
+              <a:t> </a:t>
+            </a:r>
+            <a:r>
+              <a:rPr lang="en-US" altLang="zh-CN" sz="2400" dirty="0"/>
+              <a:t>processor</a:t>
+            </a:r>
+            <a:r>
+              <a:rPr lang="zh-CN" altLang="en-US" sz="2400" dirty="0"/>
+              <a:t> </a:t>
+            </a:r>
+            <a:r>
+              <a:rPr lang="en-US" altLang="zh-CN" sz="2400" dirty="0"/>
+              <a:t>and</a:t>
+            </a:r>
+            <a:r>
+              <a:rPr lang="zh-CN" altLang="en-US" sz="2400" dirty="0"/>
+              <a:t> </a:t>
+            </a:r>
+            <a:r>
+              <a:rPr lang="en-US" altLang="zh-CN" sz="2400" dirty="0"/>
+              <a:t>memory</a:t>
+            </a:r>
+            <a:r>
+              <a:rPr lang="zh-CN" altLang="en-US" sz="2400" dirty="0"/>
+              <a:t> </a:t>
+            </a:r>
+            <a:r>
+              <a:rPr lang="en-US" altLang="zh-CN" sz="2400" dirty="0"/>
+              <a:t>subsystem</a:t>
+            </a:r>
+          </a:p>
+        </p:txBody>
+      </p:sp>
+      <p:sp>
+        <p:nvSpPr>
+          <p:cNvPr id="16" name="Oval 15"/>
+          <p:cNvSpPr>
+            <a:spLocks noGrp="1" noRot="1" noChangeAspect="1" noMove="1" noResize="1" noEditPoints="1" noAdjustHandles="1" noChangeArrowheads="1" noChangeShapeType="1" noTextEdit="1"/>
+          </p:cNvSpPr>
+          <p:nvPr/>
+        </p:nvSpPr>
+        <p:spPr>
+          <a:xfrm>
+            <a:off x="11401725" y="6229681"/>
+            <a:ext cx="457200" cy="457200"/>
+          </a:xfrm>
+          <a:prstGeom prst="ellipse">
+            <a:avLst/>
+          </a:prstGeom>
+          <a:blipFill dpi="0" rotWithShape="1">
+            <a:blip r:embed="rId4">
+              <a:duotone>
+                <a:schemeClr val="accent1">
+                  <a:shade val="45000"/>
+                  <a:satMod val="135000"/>
+                </a:schemeClr>
+                <a:prstClr val="white"/>
+              </a:duotone>
+            </a:blip>
+            <a:srcRect/>
+            <a:tile tx="50800" ty="0" sx="85000" sy="85000" flip="none" algn="tl"/>
+          </a:blipFill>
+          <a:ln w="25400" cap="flat" cmpd="sng" algn="ctr">
+            <a:noFill/>
+            <a:prstDash val="solid"/>
+          </a:ln>
+          <a:effectLst/>
+        </p:spPr>
+        <p:txBody>
+          <a:bodyPr lIns="0" tIns="0" rIns="0" bIns="0" rtlCol="0" anchor="ctr"/>
+          <a:lstStyle/>
+          <a:p>
+            <a:pPr marL="0" marR="0" lvl="0" indent="0" algn="ctr" defTabSz="914400" eaLnBrk="1" fontAlgn="auto" latinLnBrk="0" hangingPunct="1">
+              <a:lnSpc>
+                <a:spcPct val="100000"/>
+              </a:lnSpc>
+              <a:spcBef>
+                <a:spcPts val="0"/>
+              </a:spcBef>
+              <a:spcAft>
+                <a:spcPts val="0"/>
+              </a:spcAft>
+              <a:buClrTx/>
+              <a:buSzTx/>
+              <a:buFontTx/>
+              <a:buNone/>
+              <a:defRPr/>
+            </a:pPr>
+            <a:endParaRPr kumimoji="0" lang="en-US" sz="2000" b="0" i="0" u="none" strike="noStrike" kern="0" cap="none" spc="0" normalizeH="0" baseline="0" noProof="0" dirty="0">
+              <a:ln>
+                <a:noFill/>
+              </a:ln>
+              <a:solidFill>
+                <a:prstClr val="white"/>
+              </a:solidFill>
+              <a:effectLst/>
+              <a:uLnTx/>
+              <a:uFillTx/>
+              <a:latin typeface="Rockwell Extra Bold" panose="02060903040505020403" pitchFamily="18" charset="0"/>
+              <a:ea typeface="+mn-ea"/>
+              <a:cs typeface="+mn-cs"/>
+            </a:endParaRPr>
+          </a:p>
+        </p:txBody>
+      </p:sp>
+      <p:sp>
+        <p:nvSpPr>
+          <p:cNvPr id="18" name="Oval 17"/>
+          <p:cNvSpPr>
+            <a:spLocks noGrp="1" noRot="1" noChangeAspect="1" noMove="1" noResize="1" noEditPoints="1" noAdjustHandles="1" noChangeArrowheads="1" noChangeShapeType="1" noTextEdit="1"/>
+          </p:cNvSpPr>
+          <p:nvPr/>
+        </p:nvSpPr>
+        <p:spPr>
+          <a:xfrm>
+            <a:off x="11430918" y="6258874"/>
+            <a:ext cx="398813" cy="398815"/>
+          </a:xfrm>
+          <a:prstGeom prst="ellipse">
+            <a:avLst/>
+          </a:prstGeom>
+          <a:noFill/>
+          <a:ln w="12700" cap="flat" cmpd="sng" algn="ctr">
+            <a:solidFill>
+              <a:srgbClr val="FFFFFF"/>
+            </a:solidFill>
+            <a:prstDash val="solid"/>
+          </a:ln>
+          <a:effectLst/>
+        </p:spPr>
+        <p:txBody>
+          <a:bodyPr rtlCol="0" anchor="ctr"/>
+          <a:lstStyle/>
+          <a:p>
+            <a:pPr marL="0" marR="0" lvl="0" indent="0" algn="ctr" defTabSz="914400" eaLnBrk="1" fontAlgn="auto" latinLnBrk="0" hangingPunct="1">
+              <a:lnSpc>
+                <a:spcPct val="100000"/>
+              </a:lnSpc>
+              <a:spcBef>
+                <a:spcPts val="0"/>
+              </a:spcBef>
+              <a:spcAft>
+                <a:spcPts val="0"/>
+              </a:spcAft>
+              <a:buClrTx/>
+              <a:buSzTx/>
+              <a:buFontTx/>
+              <a:buNone/>
+              <a:defRPr/>
+            </a:pPr>
+            <a:endParaRPr kumimoji="0" lang="en-US" sz="1800" b="0" i="0" u="none" strike="noStrike" kern="0" cap="none" spc="0" normalizeH="0" baseline="0" noProof="0" dirty="0">
+              <a:ln>
+                <a:noFill/>
+              </a:ln>
+              <a:solidFill>
+                <a:prstClr val="white"/>
+              </a:solidFill>
+              <a:effectLst/>
+              <a:uLnTx/>
+              <a:uFillTx/>
+              <a:latin typeface="Calibri" panose="020F0502020204030204"/>
+              <a:ea typeface="+mn-ea"/>
+              <a:cs typeface="+mn-cs"/>
+            </a:endParaRPr>
+          </a:p>
+        </p:txBody>
+      </p:sp>
+    </p:spTree>
+  </p:cSld>
+  <p:clrMapOvr>
+    <a:masterClrMapping/>
+  </p:clrMapOvr>
+  <p:timing>
+    <p:tnLst>
+      <p:par>
+        <p:cTn id="1" dur="indefinite" restart="never" nodeType="tmRoot">
+          <p:childTnLst>
+            <p:seq concurrent="1" nextAc="seek">
+              <p:cTn id="2" dur="indefinite" nodeType="mainSeq">
+                <p:childTnLst>
+                  <p:par>
+                    <p:cTn id="3" fill="hold">
+                      <p:stCondLst>
+                        <p:cond delay="indefinite"/>
+                        <p:cond evt="onBegin" delay="0">
+                          <p:tn val="2"/>
+                        </p:cond>
+                      </p:stCondLst>
+                      <p:childTnLst>
+                        <p:par>
+                          <p:cTn id="4" fill="hold">
+                            <p:stCondLst>
+                              <p:cond delay="0"/>
+                            </p:stCondLst>
+                            <p:childTnLst>
+                              <p:par>
+                                <p:cTn id="5" presetID="10" presetClass="entr" presetSubtype="0" fill="hold" grpId="0" nodeType="withEffect">
+                                  <p:stCondLst>
+                                    <p:cond delay="500"/>
+                                  </p:stCondLst>
+                                  <p:childTnLst>
+                                    <p:set>
+                                      <p:cBhvr>
+                                        <p:cTn id="6" dur="1" fill="hold">
+                                          <p:stCondLst>
+                                            <p:cond delay="0"/>
+                                          </p:stCondLst>
+                                        </p:cTn>
+                                        <p:tgtEl>
+                                          <p:spTgt spid="2"/>
+                                        </p:tgtEl>
+                                        <p:attrNameLst>
+                                          <p:attrName>style.visibility</p:attrName>
+                                        </p:attrNameLst>
+                                      </p:cBhvr>
+                                      <p:to>
+                                        <p:strVal val="visible"/>
+                                      </p:to>
+                                    </p:set>
+                                    <p:animEffect transition="in" filter="fade">
+                                      <p:cBhvr>
+                                        <p:cTn id="7" dur="700"/>
+                                        <p:tgtEl>
+                                          <p:spTgt spid="2"/>
+                                        </p:tgtEl>
+                                      </p:cBhvr>
+                                    </p:animEffect>
+                                  </p:childTnLst>
+                                </p:cTn>
+                              </p:par>
+                            </p:childTnLst>
+                          </p:cTn>
+                        </p:par>
+                      </p:childTnLst>
+                    </p:cTn>
+                  </p:par>
+                </p:childTnLst>
+              </p:cTn>
+              <p:prevCondLst>
+                <p:cond evt="onPrev" delay="0">
+                  <p:tgtEl>
+                    <p:sldTgt/>
+                  </p:tgtEl>
+                </p:cond>
+              </p:prevCondLst>
+              <p:nextCondLst>
+                <p:cond evt="onNext" delay="0">
+                  <p:tgtEl>
+                    <p:sldTgt/>
+                  </p:tgtEl>
+                </p:cond>
+              </p:nextCondLst>
+            </p:seq>
+          </p:childTnLst>
+        </p:cTn>
+      </p:par>
+    </p:tnLst>
+    <p:bldLst>
+      <p:bldP spid="2" grpId="0"/>
+    </p:bldLst>
+  </p:timing>
+</p:sld>
+</file>
+
+<file path=ppt/slides/slide13.xml><?xml version="1.0" encoding="utf-8"?>
+<p:sld xmlns:a="http://schemas.openxmlformats.org/drawingml/2006/main" xmlns:r="http://schemas.openxmlformats.org/officeDocument/2006/relationships" xmlns:p="http://schemas.openxmlformats.org/presentationml/2006/main">
+  <p:cSld>
     <p:bg>
       <p:bgPr>
         <a:solidFill>
@@ -5656,7 +8157,7 @@
 </p:sld>
 </file>
 
-<file path=ppt/slides/slide11.xml><?xml version="1.0" encoding="utf-8"?>
+<file path=ppt/slides/slide14.xml><?xml version="1.0" encoding="utf-8"?>
 <p:sld xmlns:a="http://schemas.openxmlformats.org/drawingml/2006/main" xmlns:r="http://schemas.openxmlformats.org/officeDocument/2006/relationships" xmlns:p="http://schemas.openxmlformats.org/presentationml/2006/main">
   <p:cSld>
     <p:spTree>
@@ -15097,231 +17598,15 @@
           <a:chExt cx="0" cy="0"/>
         </a:xfrm>
       </p:grpSpPr>
-      <p:sp useBgFill="1">
-        <p:nvSpPr>
-          <p:cNvPr id="8" name="Rectangle 7"/>
-          <p:cNvSpPr>
-            <a:spLocks noGrp="1" noRot="1" noChangeAspect="1" noMove="1" noResize="1" noEditPoints="1" noAdjustHandles="1" noChangeArrowheads="1" noChangeShapeType="1" noTextEdit="1"/>
-          </p:cNvSpPr>
-          <p:nvPr/>
-        </p:nvSpPr>
-        <p:spPr>
-          <a:xfrm>
-            <a:off x="0" y="0"/>
-            <a:ext cx="12192000" cy="6858000"/>
-          </a:xfrm>
-          <a:prstGeom prst="rect">
-            <a:avLst/>
-          </a:prstGeom>
-          <a:ln>
-            <a:noFill/>
-          </a:ln>
-        </p:spPr>
-        <p:style>
-          <a:lnRef idx="2">
-            <a:schemeClr val="accent1">
-              <a:shade val="50000"/>
-            </a:schemeClr>
-          </a:lnRef>
-          <a:fillRef idx="1">
-            <a:schemeClr val="accent1"/>
-          </a:fillRef>
-          <a:effectRef idx="0">
-            <a:schemeClr val="accent1"/>
-          </a:effectRef>
-          <a:fontRef idx="minor">
-            <a:schemeClr val="lt1"/>
-          </a:fontRef>
-        </p:style>
-        <p:txBody>
-          <a:bodyPr rtlCol="0" anchor="ctr"/>
-          <a:lstStyle/>
-          <a:p>
-            <a:pPr algn="ctr"/>
-            <a:endParaRPr lang="en-US"/>
-          </a:p>
-        </p:txBody>
-      </p:sp>
       <p:sp>
         <p:nvSpPr>
-          <p:cNvPr id="10" name="Rectangle 9"/>
-          <p:cNvSpPr>
-            <a:spLocks noGrp="1" noRot="1" noChangeAspect="1" noMove="1" noResize="1" noEditPoints="1" noAdjustHandles="1" noChangeArrowheads="1" noChangeShapeType="1" noTextEdit="1"/>
-          </p:cNvSpPr>
-          <p:nvPr/>
-        </p:nvSpPr>
-        <p:spPr>
-          <a:xfrm>
-            <a:off x="984504" y="464119"/>
-            <a:ext cx="10222992" cy="80683"/>
-          </a:xfrm>
-          <a:prstGeom prst="rect">
-            <a:avLst/>
-          </a:prstGeom>
-          <a:blipFill dpi="0" rotWithShape="1">
-            <a:blip r:embed="rId2">
-              <a:alphaModFix amt="85000"/>
-              <a:lum bright="70000" contrast="-70000"/>
-              <a:extLst>
-                <a:ext uri="{BEBA8EAE-BF5A-486C-A8C5-ECC9F3942E4B}">
-                  <a14:imgProps xmlns:a14="http://schemas.microsoft.com/office/drawing/2010/main">
-                    <a14:imgLayer r:embed="rId3">
-                      <a14:imgEffect>
-                        <a14:sharpenSoften amount="61000"/>
-                      </a14:imgEffect>
-                    </a14:imgLayer>
-                  </a14:imgProps>
-                </a:ext>
-                <a:ext uri="{28A0092B-C50C-407E-A947-70E740481C1C}">
-                  <a14:useLocalDpi xmlns:a14="http://schemas.microsoft.com/office/drawing/2010/main" val="0"/>
-                </a:ext>
-              </a:extLst>
-            </a:blip>
-            <a:srcRect/>
-            <a:tile tx="0" ty="-762000" sx="92000" sy="89000" flip="xy" algn="ctr"/>
-          </a:blipFill>
-          <a:ln>
-            <a:noFill/>
-          </a:ln>
-        </p:spPr>
-        <p:style>
-          <a:lnRef idx="2">
-            <a:schemeClr val="accent1">
-              <a:shade val="50000"/>
-            </a:schemeClr>
-          </a:lnRef>
-          <a:fillRef idx="1">
-            <a:schemeClr val="accent1"/>
-          </a:fillRef>
-          <a:effectRef idx="0">
-            <a:schemeClr val="accent1"/>
-          </a:effectRef>
-          <a:fontRef idx="minor">
-            <a:schemeClr val="lt1"/>
-          </a:fontRef>
-        </p:style>
-      </p:sp>
-      <p:sp>
-        <p:nvSpPr>
-          <p:cNvPr id="12" name="Rectangle 11"/>
-          <p:cNvSpPr>
-            <a:spLocks noGrp="1" noRot="1" noChangeAspect="1" noMove="1" noResize="1" noEditPoints="1" noAdjustHandles="1" noChangeArrowheads="1" noChangeShapeType="1" noTextEdit="1"/>
-          </p:cNvSpPr>
-          <p:nvPr/>
-        </p:nvSpPr>
-        <p:spPr>
-          <a:xfrm>
-            <a:off x="984504" y="601952"/>
-            <a:ext cx="10222992" cy="1385874"/>
-          </a:xfrm>
-          <a:prstGeom prst="rect">
-            <a:avLst/>
-          </a:prstGeom>
-          <a:blipFill dpi="0" rotWithShape="1">
-            <a:blip r:embed="rId2">
-              <a:alphaModFix amt="85000"/>
-              <a:lum bright="70000" contrast="-70000"/>
-              <a:extLst>
-                <a:ext uri="{BEBA8EAE-BF5A-486C-A8C5-ECC9F3942E4B}">
-                  <a14:imgProps xmlns:a14="http://schemas.microsoft.com/office/drawing/2010/main">
-                    <a14:imgLayer r:embed="rId3">
-                      <a14:imgEffect>
-                        <a14:sharpenSoften amount="61000"/>
-                      </a14:imgEffect>
-                    </a14:imgLayer>
-                  </a14:imgProps>
-                </a:ext>
-                <a:ext uri="{28A0092B-C50C-407E-A947-70E740481C1C}">
-                  <a14:useLocalDpi xmlns:a14="http://schemas.microsoft.com/office/drawing/2010/main" val="0"/>
-                </a:ext>
-              </a:extLst>
-            </a:blip>
-            <a:srcRect/>
-            <a:tile tx="0" ty="-704850" sx="92000" sy="89000" flip="xy" algn="ctr"/>
-          </a:blipFill>
-          <a:ln>
-            <a:noFill/>
-          </a:ln>
-        </p:spPr>
-        <p:style>
-          <a:lnRef idx="2">
-            <a:schemeClr val="accent1">
-              <a:shade val="50000"/>
-            </a:schemeClr>
-          </a:lnRef>
-          <a:fillRef idx="1">
-            <a:schemeClr val="accent1"/>
-          </a:fillRef>
-          <a:effectRef idx="0">
-            <a:schemeClr val="accent1"/>
-          </a:effectRef>
-          <a:fontRef idx="minor">
-            <a:schemeClr val="lt1"/>
-          </a:fontRef>
-        </p:style>
-      </p:sp>
-      <p:sp>
-        <p:nvSpPr>
-          <p:cNvPr id="14" name="Rectangle 13"/>
-          <p:cNvSpPr>
-            <a:spLocks noGrp="1" noRot="1" noChangeAspect="1" noMove="1" noResize="1" noEditPoints="1" noAdjustHandles="1" noChangeArrowheads="1" noChangeShapeType="1" noTextEdit="1"/>
-          </p:cNvSpPr>
-          <p:nvPr/>
-        </p:nvSpPr>
-        <p:spPr>
-          <a:xfrm>
-            <a:off x="984504" y="2038655"/>
-            <a:ext cx="10222992" cy="80683"/>
-          </a:xfrm>
-          <a:prstGeom prst="rect">
-            <a:avLst/>
-          </a:prstGeom>
-          <a:blipFill dpi="0" rotWithShape="1">
-            <a:blip r:embed="rId2">
-              <a:alphaModFix amt="85000"/>
-              <a:lum bright="70000" contrast="-70000"/>
-              <a:extLst>
-                <a:ext uri="{BEBA8EAE-BF5A-486C-A8C5-ECC9F3942E4B}">
-                  <a14:imgProps xmlns:a14="http://schemas.microsoft.com/office/drawing/2010/main">
-                    <a14:imgLayer r:embed="rId3">
-                      <a14:imgEffect>
-                        <a14:sharpenSoften amount="61000"/>
-                      </a14:imgEffect>
-                    </a14:imgLayer>
-                  </a14:imgProps>
-                </a:ext>
-                <a:ext uri="{28A0092B-C50C-407E-A947-70E740481C1C}">
-                  <a14:useLocalDpi xmlns:a14="http://schemas.microsoft.com/office/drawing/2010/main" val="0"/>
-                </a:ext>
-              </a:extLst>
-            </a:blip>
-            <a:srcRect/>
-            <a:tile tx="0" ty="-717550" sx="92000" sy="89000" flip="xy" algn="ctr"/>
-          </a:blipFill>
-          <a:ln>
-            <a:noFill/>
-          </a:ln>
-        </p:spPr>
-        <p:style>
-          <a:lnRef idx="2">
-            <a:schemeClr val="accent1">
-              <a:shade val="50000"/>
-            </a:schemeClr>
-          </a:lnRef>
-          <a:fillRef idx="1">
-            <a:schemeClr val="accent1"/>
-          </a:fillRef>
-          <a:effectRef idx="0">
-            <a:schemeClr val="accent1"/>
-          </a:effectRef>
-          <a:fontRef idx="minor">
-            <a:schemeClr val="lt1"/>
-          </a:fontRef>
-        </p:style>
-      </p:sp>
-      <p:sp>
-        <p:nvSpPr>
-          <p:cNvPr id="2" name="Title 1"/>
+          <p:cNvPr id="80" name="Title 1">
+            <a:extLst>
+              <a:ext uri="{FF2B5EF4-FFF2-40B4-BE49-F238E27FC236}">
+                <a16:creationId xmlns:a16="http://schemas.microsoft.com/office/drawing/2014/main" id="{554532E7-7B3D-8845-B4E3-00DF52BB7006}"/>
+              </a:ext>
+            </a:extLst>
+          </p:cNvPr>
           <p:cNvSpPr>
             <a:spLocks noGrp="1"/>
           </p:cNvSpPr>
@@ -15331,8 +17616,8 @@
         </p:nvSpPr>
         <p:spPr>
           <a:xfrm>
-            <a:off x="1069848" y="484632"/>
-            <a:ext cx="10058400" cy="1609344"/>
+            <a:off x="204092" y="13012"/>
+            <a:ext cx="6263839" cy="1061268"/>
           </a:xfrm>
         </p:spPr>
         <p:txBody>
@@ -15342,840 +17627,145 @@
           <a:lstStyle/>
           <a:p>
             <a:r>
-              <a:rPr lang="en-US" altLang="zh-CN" dirty="0"/>
-              <a:t>Hardware</a:t>
-            </a:r>
-            <a:r>
-              <a:rPr lang="zh-CN" altLang="en-US" dirty="0"/>
-              <a:t> </a:t>
-            </a:r>
-            <a:r>
-              <a:rPr lang="en-US" altLang="zh-CN" dirty="0"/>
-              <a:t>idea</a:t>
-            </a:r>
-            <a:endParaRPr lang="en-US" dirty="0"/>
+              <a:rPr lang="en-US" altLang="zh-CN" sz="4400" dirty="0"/>
+              <a:t>Seq2seq</a:t>
+            </a:r>
+            <a:r>
+              <a:rPr lang="zh-CN" altLang="en-US" sz="4400" dirty="0"/>
+              <a:t> </a:t>
+            </a:r>
+            <a:r>
+              <a:rPr lang="en-US" altLang="zh-CN" sz="4400" dirty="0"/>
+              <a:t>model</a:t>
+            </a:r>
+            <a:r>
+              <a:rPr lang="zh-CN" altLang="en-US" sz="4400" dirty="0"/>
+              <a:t> </a:t>
+            </a:r>
+            <a:r>
+              <a:rPr lang="en-US" altLang="zh-CN" sz="4400" dirty="0" err="1"/>
+              <a:t>TRaINING</a:t>
+            </a:r>
+            <a:endParaRPr lang="en-US" sz="4400" dirty="0"/>
           </a:p>
         </p:txBody>
       </p:sp>
       <p:sp>
         <p:nvSpPr>
-          <p:cNvPr id="3" name="Content Placeholder 2"/>
-          <p:cNvSpPr>
-            <a:spLocks noGrp="1"/>
-          </p:cNvSpPr>
-          <p:nvPr>
-            <p:ph idx="1"/>
-          </p:nvPr>
-        </p:nvSpPr>
-        <p:spPr>
-          <a:xfrm>
-            <a:off x="984504" y="2170168"/>
-            <a:ext cx="10222992" cy="4738662"/>
-          </a:xfrm>
-        </p:spPr>
-        <p:txBody>
-          <a:bodyPr>
-            <a:normAutofit fontScale="92500" lnSpcReduction="10000"/>
-          </a:bodyPr>
-          <a:lstStyle/>
-          <a:p>
-            <a:r>
-              <a:rPr lang="en-US" altLang="zh-CN" sz="2400" dirty="0"/>
-              <a:t>From</a:t>
-            </a:r>
-            <a:r>
-              <a:rPr lang="zh-CN" altLang="en-US" sz="2400" dirty="0"/>
-              <a:t> </a:t>
-            </a:r>
-            <a:r>
-              <a:rPr lang="en-US" altLang="zh-CN" sz="2400" dirty="0"/>
-              <a:t>the</a:t>
-            </a:r>
-            <a:r>
-              <a:rPr lang="zh-CN" altLang="en-US" sz="2400" dirty="0"/>
-              <a:t> </a:t>
-            </a:r>
-            <a:r>
-              <a:rPr lang="en-US" altLang="zh-CN" sz="2400" dirty="0"/>
-              <a:t>sequence</a:t>
-            </a:r>
-            <a:r>
-              <a:rPr lang="zh-CN" altLang="en-US" sz="2400" dirty="0"/>
-              <a:t> </a:t>
-            </a:r>
-            <a:r>
-              <a:rPr lang="en-US" altLang="zh-CN" sz="2400" dirty="0"/>
-              <a:t>to</a:t>
-            </a:r>
-            <a:r>
-              <a:rPr lang="zh-CN" altLang="en-US" sz="2400" dirty="0"/>
-              <a:t> </a:t>
-            </a:r>
-            <a:r>
-              <a:rPr lang="en-US" altLang="zh-CN" sz="2400" dirty="0"/>
-              <a:t>sequence</a:t>
-            </a:r>
-            <a:r>
-              <a:rPr lang="zh-CN" altLang="en-US" sz="2400" dirty="0"/>
-              <a:t> </a:t>
-            </a:r>
-            <a:r>
-              <a:rPr lang="en-US" altLang="zh-CN" sz="2400" dirty="0"/>
-              <a:t>model,</a:t>
-            </a:r>
-            <a:r>
-              <a:rPr lang="zh-CN" altLang="en-US" sz="2400" dirty="0"/>
-              <a:t> </a:t>
-            </a:r>
-            <a:r>
-              <a:rPr lang="en-US" altLang="zh-CN" sz="2400" dirty="0"/>
-              <a:t>one</a:t>
-            </a:r>
-            <a:r>
-              <a:rPr lang="zh-CN" altLang="en-US" sz="2400" dirty="0"/>
-              <a:t> </a:t>
-            </a:r>
-            <a:r>
-              <a:rPr lang="en-US" altLang="zh-CN" sz="2400" dirty="0"/>
-              <a:t>implication</a:t>
-            </a:r>
-            <a:r>
-              <a:rPr lang="zh-CN" altLang="en-US" sz="2400" dirty="0"/>
-              <a:t> </a:t>
-            </a:r>
-            <a:r>
-              <a:rPr lang="en-US" altLang="zh-CN" sz="2400" dirty="0"/>
-              <a:t>is</a:t>
-            </a:r>
-            <a:r>
-              <a:rPr lang="zh-CN" altLang="en-US" sz="2400" dirty="0"/>
-              <a:t> </a:t>
-            </a:r>
-            <a:r>
-              <a:rPr lang="en-US" altLang="zh-CN" sz="2400" dirty="0"/>
-              <a:t>to</a:t>
-            </a:r>
-            <a:r>
-              <a:rPr lang="zh-CN" altLang="en-US" sz="2400" dirty="0"/>
-              <a:t> </a:t>
-            </a:r>
-            <a:r>
-              <a:rPr lang="en-US" altLang="zh-CN" sz="2400" dirty="0"/>
-              <a:t>have</a:t>
-            </a:r>
-            <a:r>
-              <a:rPr lang="zh-CN" altLang="en-US" sz="2400" dirty="0"/>
-              <a:t> </a:t>
-            </a:r>
-            <a:r>
-              <a:rPr lang="en-US" altLang="zh-CN" sz="2400" dirty="0"/>
-              <a:t>both</a:t>
-            </a:r>
-            <a:r>
-              <a:rPr lang="zh-CN" altLang="en-US" sz="2400" dirty="0"/>
-              <a:t> </a:t>
-            </a:r>
-            <a:r>
-              <a:rPr lang="en-US" altLang="zh-CN" sz="2400" dirty="0"/>
-              <a:t>global</a:t>
-            </a:r>
-            <a:r>
-              <a:rPr lang="zh-CN" altLang="en-US" sz="2400" dirty="0"/>
-              <a:t> </a:t>
-            </a:r>
-            <a:r>
-              <a:rPr lang="en-US" altLang="zh-CN" sz="2400" dirty="0"/>
-              <a:t>and</a:t>
-            </a:r>
-            <a:r>
-              <a:rPr lang="zh-CN" altLang="en-US" sz="2400" dirty="0"/>
-              <a:t> </a:t>
-            </a:r>
-            <a:r>
-              <a:rPr lang="en-US" altLang="zh-CN" sz="2400" dirty="0"/>
-              <a:t>local</a:t>
-            </a:r>
-            <a:r>
-              <a:rPr lang="zh-CN" altLang="en-US" sz="2400" dirty="0"/>
-              <a:t> </a:t>
-            </a:r>
-            <a:r>
-              <a:rPr lang="en-US" altLang="zh-CN" sz="2400" dirty="0"/>
-              <a:t>information</a:t>
-            </a:r>
-          </a:p>
-          <a:p>
-            <a:pPr lvl="1"/>
-            <a:r>
-              <a:rPr lang="en-US" altLang="zh-CN" sz="2000" dirty="0"/>
-              <a:t>Global</a:t>
-            </a:r>
-            <a:r>
-              <a:rPr lang="zh-CN" altLang="en-US" sz="2000" dirty="0"/>
-              <a:t> </a:t>
-            </a:r>
-            <a:r>
-              <a:rPr lang="en-US" altLang="zh-CN" sz="2000" dirty="0"/>
-              <a:t>information</a:t>
-            </a:r>
-            <a:r>
-              <a:rPr lang="zh-CN" altLang="en-US" sz="2000" dirty="0"/>
-              <a:t> </a:t>
-            </a:r>
-            <a:r>
-              <a:rPr lang="en-US" altLang="zh-CN" sz="2000" dirty="0"/>
-              <a:t>represents</a:t>
-            </a:r>
-            <a:r>
-              <a:rPr lang="zh-CN" altLang="en-US" sz="2000" dirty="0"/>
-              <a:t> </a:t>
-            </a:r>
-            <a:r>
-              <a:rPr lang="en-US" altLang="zh-CN" sz="2000" dirty="0"/>
-              <a:t>program</a:t>
-            </a:r>
-            <a:r>
-              <a:rPr lang="zh-CN" altLang="en-US" sz="2000" dirty="0"/>
-              <a:t> </a:t>
-            </a:r>
-            <a:r>
-              <a:rPr lang="en-US" altLang="zh-CN" sz="2000" dirty="0"/>
-              <a:t>memory</a:t>
-            </a:r>
-            <a:r>
-              <a:rPr lang="zh-CN" altLang="en-US" sz="2000" dirty="0"/>
-              <a:t> </a:t>
-            </a:r>
-            <a:r>
-              <a:rPr lang="en-US" altLang="zh-CN" sz="2000" dirty="0"/>
-              <a:t>access</a:t>
-            </a:r>
-            <a:r>
-              <a:rPr lang="zh-CN" altLang="en-US" sz="2000" dirty="0"/>
-              <a:t> </a:t>
-            </a:r>
-            <a:r>
-              <a:rPr lang="en-US" altLang="zh-CN" sz="2000" dirty="0"/>
-              <a:t>behavior</a:t>
-            </a:r>
-            <a:r>
-              <a:rPr lang="zh-CN" altLang="en-US" sz="2000" dirty="0"/>
-              <a:t> </a:t>
-            </a:r>
-            <a:r>
-              <a:rPr lang="en-US" altLang="zh-CN" sz="2000" dirty="0"/>
-              <a:t>pattern</a:t>
-            </a:r>
-          </a:p>
-          <a:p>
-            <a:pPr lvl="1"/>
-            <a:r>
-              <a:rPr lang="en-US" altLang="zh-CN" sz="2000" dirty="0"/>
-              <a:t>Local</a:t>
-            </a:r>
-            <a:r>
-              <a:rPr lang="zh-CN" altLang="en-US" sz="2000" dirty="0"/>
-              <a:t> </a:t>
-            </a:r>
-            <a:r>
-              <a:rPr lang="en-US" altLang="zh-CN" sz="2000" dirty="0"/>
-              <a:t>information</a:t>
-            </a:r>
-            <a:r>
-              <a:rPr lang="zh-CN" altLang="en-US" sz="2000" dirty="0"/>
-              <a:t> </a:t>
-            </a:r>
-            <a:r>
-              <a:rPr lang="en-US" altLang="zh-CN" sz="2000" dirty="0"/>
-              <a:t>indicates</a:t>
-            </a:r>
-            <a:r>
-              <a:rPr lang="zh-CN" altLang="en-US" sz="2000" dirty="0"/>
-              <a:t> </a:t>
-            </a:r>
-            <a:r>
-              <a:rPr lang="en-US" altLang="zh-CN" sz="2000" dirty="0"/>
-              <a:t>correlation</a:t>
-            </a:r>
-            <a:r>
-              <a:rPr lang="zh-CN" altLang="en-US" sz="2000" dirty="0"/>
-              <a:t> </a:t>
-            </a:r>
-            <a:r>
-              <a:rPr lang="en-US" altLang="zh-CN" sz="2000" dirty="0"/>
-              <a:t>between</a:t>
-            </a:r>
-            <a:r>
-              <a:rPr lang="zh-CN" altLang="en-US" sz="2000" dirty="0"/>
-              <a:t> </a:t>
-            </a:r>
-            <a:r>
-              <a:rPr lang="en-US" altLang="zh-CN" sz="2000" dirty="0"/>
-              <a:t>two</a:t>
-            </a:r>
-            <a:r>
-              <a:rPr lang="zh-CN" altLang="en-US" sz="2000" dirty="0"/>
-              <a:t> </a:t>
-            </a:r>
-            <a:r>
-              <a:rPr lang="en-US" altLang="zh-CN" sz="2000" dirty="0"/>
-              <a:t>instructions</a:t>
-            </a:r>
-          </a:p>
-          <a:p>
-            <a:pPr marL="0" indent="0">
-              <a:buNone/>
-            </a:pPr>
-            <a:endParaRPr lang="en-US" altLang="zh-CN" sz="2400" dirty="0"/>
-          </a:p>
-          <a:p>
-            <a:r>
-              <a:rPr lang="en-US" altLang="zh-CN" sz="2400" dirty="0"/>
-              <a:t>What</a:t>
-            </a:r>
-            <a:r>
-              <a:rPr lang="zh-CN" altLang="en-US" sz="2400" dirty="0"/>
-              <a:t> </a:t>
-            </a:r>
-            <a:r>
-              <a:rPr lang="en-US" altLang="zh-CN" sz="2400" dirty="0"/>
-              <a:t>kind</a:t>
-            </a:r>
-            <a:r>
-              <a:rPr lang="zh-CN" altLang="en-US" sz="2400" dirty="0"/>
-              <a:t> </a:t>
-            </a:r>
-            <a:r>
-              <a:rPr lang="en-US" altLang="zh-CN" sz="2400" dirty="0"/>
-              <a:t>of</a:t>
-            </a:r>
-            <a:r>
-              <a:rPr lang="zh-CN" altLang="en-US" sz="2400" dirty="0"/>
-              <a:t> </a:t>
-            </a:r>
-            <a:r>
-              <a:rPr lang="en-US" altLang="zh-CN" sz="2400" dirty="0"/>
-              <a:t>global</a:t>
-            </a:r>
-            <a:r>
-              <a:rPr lang="zh-CN" altLang="en-US" sz="2400" dirty="0"/>
-              <a:t> </a:t>
-            </a:r>
-            <a:r>
-              <a:rPr lang="en-US" altLang="zh-CN" sz="2400" dirty="0"/>
-              <a:t>information</a:t>
-            </a:r>
-            <a:r>
-              <a:rPr lang="zh-CN" altLang="en-US" sz="2400" dirty="0"/>
-              <a:t> </a:t>
-            </a:r>
-            <a:r>
-              <a:rPr lang="en-US" altLang="zh-CN" sz="2400" dirty="0"/>
-              <a:t>is</a:t>
-            </a:r>
-            <a:r>
-              <a:rPr lang="zh-CN" altLang="en-US" sz="2400" dirty="0"/>
-              <a:t> </a:t>
-            </a:r>
-            <a:r>
-              <a:rPr lang="en-US" altLang="zh-CN" sz="2400" dirty="0"/>
-              <a:t>important?</a:t>
-            </a:r>
-          </a:p>
-          <a:p>
-            <a:pPr lvl="1"/>
-            <a:r>
-              <a:rPr lang="en-US" altLang="zh-CN" sz="2200" dirty="0"/>
-              <a:t>Remember</a:t>
-            </a:r>
-            <a:r>
-              <a:rPr lang="zh-CN" altLang="en-US" sz="2200" dirty="0"/>
-              <a:t> </a:t>
-            </a:r>
-            <a:r>
-              <a:rPr lang="en-US" altLang="zh-CN" sz="2200" dirty="0"/>
-              <a:t>past</a:t>
-            </a:r>
-            <a:r>
-              <a:rPr lang="zh-CN" altLang="en-US" sz="2200" dirty="0"/>
-              <a:t> </a:t>
-            </a:r>
-            <a:r>
-              <a:rPr lang="en-US" altLang="zh-CN" sz="2200" dirty="0"/>
-              <a:t>accessed</a:t>
-            </a:r>
-            <a:r>
-              <a:rPr lang="zh-CN" altLang="en-US" sz="2200" dirty="0"/>
-              <a:t> </a:t>
-            </a:r>
-            <a:r>
-              <a:rPr lang="en-US" altLang="zh-CN" sz="2200" dirty="0"/>
-              <a:t>memory</a:t>
-            </a:r>
-            <a:r>
-              <a:rPr lang="zh-CN" altLang="en-US" sz="2200" dirty="0"/>
-              <a:t> </a:t>
-            </a:r>
-            <a:r>
-              <a:rPr lang="en-US" altLang="zh-CN" sz="2200" dirty="0"/>
-              <a:t>address?</a:t>
-            </a:r>
-          </a:p>
-          <a:p>
-            <a:pPr lvl="1"/>
-            <a:r>
-              <a:rPr lang="en-US" altLang="zh-CN" sz="2200" dirty="0"/>
-              <a:t>Past</a:t>
-            </a:r>
-            <a:r>
-              <a:rPr lang="zh-CN" altLang="en-US" sz="2200" dirty="0"/>
-              <a:t> </a:t>
-            </a:r>
-            <a:r>
-              <a:rPr lang="en-US" altLang="zh-CN" sz="2200" dirty="0"/>
-              <a:t>load/store</a:t>
-            </a:r>
-            <a:r>
-              <a:rPr lang="zh-CN" altLang="en-US" sz="2200" dirty="0"/>
-              <a:t> </a:t>
-            </a:r>
-            <a:r>
-              <a:rPr lang="en-US" altLang="zh-CN" sz="2200" dirty="0"/>
-              <a:t>PC?</a:t>
-            </a:r>
-          </a:p>
-          <a:p>
-            <a:endParaRPr lang="en-US" altLang="zh-CN" sz="2400" dirty="0"/>
-          </a:p>
-          <a:p>
-            <a:r>
-              <a:rPr lang="en-US" altLang="zh-CN" sz="2400" dirty="0"/>
-              <a:t>Local</a:t>
-            </a:r>
-            <a:r>
-              <a:rPr lang="zh-CN" altLang="en-US" sz="2400" dirty="0"/>
-              <a:t> </a:t>
-            </a:r>
-            <a:r>
-              <a:rPr lang="en-US" altLang="zh-CN" sz="2400" dirty="0"/>
-              <a:t>information?</a:t>
-            </a:r>
-          </a:p>
-          <a:p>
-            <a:pPr lvl="1"/>
-            <a:r>
-              <a:rPr lang="en-US" altLang="zh-CN" sz="2200" dirty="0"/>
-              <a:t>Use</a:t>
-            </a:r>
-            <a:r>
-              <a:rPr lang="zh-CN" altLang="en-US" sz="2200" dirty="0"/>
-              <a:t> </a:t>
-            </a:r>
-            <a:r>
-              <a:rPr lang="en-US" altLang="zh-CN" sz="2200" dirty="0"/>
-              <a:t>a</a:t>
-            </a:r>
-            <a:r>
-              <a:rPr lang="zh-CN" altLang="en-US" sz="2200" dirty="0"/>
-              <a:t> </a:t>
-            </a:r>
-            <a:r>
-              <a:rPr lang="en-US" altLang="zh-CN" sz="2200" dirty="0"/>
-              <a:t>perceptron-like</a:t>
-            </a:r>
-            <a:r>
-              <a:rPr lang="zh-CN" altLang="en-US" sz="2200" dirty="0"/>
-              <a:t> </a:t>
-            </a:r>
-            <a:r>
-              <a:rPr lang="en-US" altLang="zh-CN" sz="2200" dirty="0"/>
-              <a:t>design</a:t>
-            </a:r>
-            <a:r>
-              <a:rPr lang="zh-CN" altLang="en-US" sz="2200" dirty="0"/>
-              <a:t> </a:t>
-            </a:r>
-            <a:r>
-              <a:rPr lang="en-US" altLang="zh-CN" sz="2200" dirty="0"/>
-              <a:t>-&gt;</a:t>
-            </a:r>
-            <a:r>
-              <a:rPr lang="zh-CN" altLang="en-US" sz="2200" dirty="0"/>
-              <a:t> </a:t>
-            </a:r>
-            <a:r>
-              <a:rPr lang="en-US" altLang="zh-CN" sz="2200" dirty="0"/>
-              <a:t>a</a:t>
-            </a:r>
-            <a:r>
-              <a:rPr lang="zh-CN" altLang="en-US" sz="2200" dirty="0"/>
-              <a:t> </a:t>
-            </a:r>
-            <a:r>
-              <a:rPr lang="en-US" altLang="zh-CN" sz="2200" dirty="0"/>
-              <a:t>weight</a:t>
-            </a:r>
-            <a:r>
-              <a:rPr lang="zh-CN" altLang="en-US" sz="2200" dirty="0"/>
-              <a:t> </a:t>
-            </a:r>
-            <a:r>
-              <a:rPr lang="en-US" altLang="zh-CN" sz="2200" dirty="0"/>
-              <a:t>table</a:t>
-            </a:r>
-            <a:r>
-              <a:rPr lang="zh-CN" altLang="en-US" sz="2200" dirty="0"/>
-              <a:t> </a:t>
-            </a:r>
-            <a:r>
-              <a:rPr lang="en-US" altLang="zh-CN" sz="2200" dirty="0"/>
-              <a:t>to</a:t>
-            </a:r>
-            <a:r>
-              <a:rPr lang="zh-CN" altLang="en-US" sz="2200" dirty="0"/>
-              <a:t> </a:t>
-            </a:r>
-            <a:r>
-              <a:rPr lang="en-US" altLang="zh-CN" sz="2200" dirty="0"/>
-              <a:t>indicate</a:t>
-            </a:r>
-            <a:r>
-              <a:rPr lang="zh-CN" altLang="en-US" sz="2200" dirty="0"/>
-              <a:t> </a:t>
-            </a:r>
-            <a:r>
-              <a:rPr lang="en-US" altLang="zh-CN" sz="2200" dirty="0"/>
-              <a:t>whether</a:t>
-            </a:r>
-            <a:r>
-              <a:rPr lang="zh-CN" altLang="en-US" sz="2200" dirty="0"/>
-              <a:t> </a:t>
-            </a:r>
-            <a:r>
-              <a:rPr lang="en-US" altLang="zh-CN" sz="2200" dirty="0"/>
-              <a:t>a</a:t>
-            </a:r>
-            <a:r>
-              <a:rPr lang="zh-CN" altLang="en-US" sz="2200" dirty="0"/>
-              <a:t> </a:t>
-            </a:r>
-            <a:r>
-              <a:rPr lang="en-US" altLang="zh-CN" sz="2200" dirty="0"/>
-              <a:t>load</a:t>
-            </a:r>
-            <a:r>
-              <a:rPr lang="zh-CN" altLang="en-US" sz="2200" dirty="0"/>
-              <a:t> </a:t>
-            </a:r>
-            <a:r>
-              <a:rPr lang="en-US" altLang="zh-CN" sz="2200" dirty="0"/>
-              <a:t>and</a:t>
-            </a:r>
-            <a:r>
-              <a:rPr lang="zh-CN" altLang="en-US" sz="2200" dirty="0"/>
-              <a:t> </a:t>
-            </a:r>
-            <a:r>
-              <a:rPr lang="en-US" altLang="zh-CN" sz="2200" dirty="0"/>
-              <a:t>store</a:t>
-            </a:r>
-            <a:r>
-              <a:rPr lang="zh-CN" altLang="en-US" sz="2200" dirty="0"/>
-              <a:t> </a:t>
-            </a:r>
-            <a:r>
-              <a:rPr lang="en-US" altLang="zh-CN" sz="2200" dirty="0"/>
-              <a:t>has</a:t>
-            </a:r>
-            <a:r>
-              <a:rPr lang="zh-CN" altLang="en-US" sz="2200" dirty="0"/>
-              <a:t> </a:t>
-            </a:r>
-            <a:r>
-              <a:rPr lang="en-US" altLang="zh-CN" sz="2200" dirty="0"/>
-              <a:t>dependency</a:t>
-            </a:r>
-          </a:p>
-          <a:p>
-            <a:pPr lvl="1"/>
-            <a:r>
-              <a:rPr lang="en-US" altLang="zh-CN" sz="2200" dirty="0"/>
-              <a:t>Build</a:t>
-            </a:r>
-            <a:r>
-              <a:rPr lang="zh-CN" altLang="en-US" sz="2200" dirty="0"/>
-              <a:t> </a:t>
-            </a:r>
-            <a:r>
-              <a:rPr lang="en-US" altLang="zh-CN" sz="2200" dirty="0"/>
-              <a:t>upon</a:t>
-            </a:r>
-            <a:r>
-              <a:rPr lang="zh-CN" altLang="en-US" sz="2200" dirty="0"/>
-              <a:t> </a:t>
-            </a:r>
-            <a:r>
-              <a:rPr lang="en-US" altLang="zh-CN" sz="2200" dirty="0"/>
-              <a:t>store-set</a:t>
-            </a:r>
-            <a:r>
-              <a:rPr lang="zh-CN" altLang="en-US" sz="2200" dirty="0"/>
-              <a:t> </a:t>
-            </a:r>
-            <a:r>
-              <a:rPr lang="en-US" altLang="zh-CN" sz="2200" dirty="0"/>
-              <a:t>design</a:t>
-            </a:r>
-          </a:p>
-        </p:txBody>
-      </p:sp>
-      <p:sp>
-        <p:nvSpPr>
-          <p:cNvPr id="16" name="Oval 15"/>
-          <p:cNvSpPr>
-            <a:spLocks noGrp="1" noRot="1" noChangeAspect="1" noMove="1" noResize="1" noEditPoints="1" noAdjustHandles="1" noChangeArrowheads="1" noChangeShapeType="1" noTextEdit="1"/>
-          </p:cNvSpPr>
+          <p:cNvPr id="4" name="TextBox 3">
+            <a:extLst>
+              <a:ext uri="{FF2B5EF4-FFF2-40B4-BE49-F238E27FC236}">
+                <a16:creationId xmlns:a16="http://schemas.microsoft.com/office/drawing/2014/main" id="{077BF712-844E-4602-A998-D28F1AB459E5}"/>
+              </a:ext>
+            </a:extLst>
+          </p:cNvPr>
+          <p:cNvSpPr txBox="1"/>
           <p:nvPr/>
         </p:nvSpPr>
         <p:spPr>
           <a:xfrm>
-            <a:off x="11401725" y="6229681"/>
-            <a:ext cx="457200" cy="457200"/>
+            <a:off x="267628" y="1074280"/>
+            <a:ext cx="10723013" cy="1200329"/>
           </a:xfrm>
-          <a:prstGeom prst="ellipse">
-            <a:avLst/>
-          </a:prstGeom>
-          <a:blipFill dpi="0" rotWithShape="1">
-            <a:blip r:embed="rId4">
-              <a:duotone>
-                <a:schemeClr val="accent1">
-                  <a:shade val="45000"/>
-                  <a:satMod val="135000"/>
-                </a:schemeClr>
-                <a:prstClr val="white"/>
-              </a:duotone>
-            </a:blip>
-            <a:srcRect/>
-            <a:tile tx="50800" ty="0" sx="85000" sy="85000" flip="none" algn="tl"/>
-          </a:blipFill>
-          <a:ln w="25400" cap="flat" cmpd="sng" algn="ctr">
-            <a:noFill/>
-            <a:prstDash val="solid"/>
-          </a:ln>
-          <a:effectLst/>
-        </p:spPr>
-        <p:txBody>
-          <a:bodyPr lIns="0" tIns="0" rIns="0" bIns="0" rtlCol="0" anchor="ctr"/>
-          <a:lstStyle/>
-          <a:p>
-            <a:pPr marL="0" marR="0" lvl="0" indent="0" algn="ctr" defTabSz="914400" eaLnBrk="1" fontAlgn="auto" latinLnBrk="0" hangingPunct="1">
-              <a:lnSpc>
-                <a:spcPct val="100000"/>
-              </a:lnSpc>
-              <a:spcBef>
-                <a:spcPts val="0"/>
-              </a:spcBef>
-              <a:spcAft>
-                <a:spcPts val="0"/>
-              </a:spcAft>
-              <a:buClrTx/>
-              <a:buSzTx/>
-              <a:buFontTx/>
-              <a:buNone/>
-              <a:defRPr/>
-            </a:pPr>
-            <a:endParaRPr kumimoji="0" lang="en-US" sz="2000" b="0" i="0" u="none" strike="noStrike" kern="0" cap="none" spc="0" normalizeH="0" baseline="0" noProof="0" dirty="0">
-              <a:ln>
-                <a:noFill/>
-              </a:ln>
-              <a:solidFill>
-                <a:prstClr val="white"/>
-              </a:solidFill>
-              <a:effectLst/>
-              <a:uLnTx/>
-              <a:uFillTx/>
-              <a:latin typeface="Rockwell Extra Bold" panose="02060903040505020403" pitchFamily="18" charset="0"/>
-              <a:ea typeface="+mn-ea"/>
-              <a:cs typeface="+mn-cs"/>
-            </a:endParaRPr>
-          </a:p>
-        </p:txBody>
-      </p:sp>
-      <p:sp>
-        <p:nvSpPr>
-          <p:cNvPr id="18" name="Oval 17"/>
-          <p:cNvSpPr>
-            <a:spLocks noGrp="1" noRot="1" noChangeAspect="1" noMove="1" noResize="1" noEditPoints="1" noAdjustHandles="1" noChangeArrowheads="1" noChangeShapeType="1" noTextEdit="1"/>
-          </p:cNvSpPr>
-          <p:nvPr/>
-        </p:nvSpPr>
-        <p:spPr>
-          <a:xfrm>
-            <a:off x="11430918" y="6258874"/>
-            <a:ext cx="398813" cy="398815"/>
-          </a:xfrm>
-          <a:prstGeom prst="ellipse">
+          <a:prstGeom prst="rect">
             <a:avLst/>
           </a:prstGeom>
           <a:noFill/>
-          <a:ln w="12700" cap="flat" cmpd="sng" algn="ctr">
-            <a:solidFill>
-              <a:srgbClr val="FFFFFF"/>
-            </a:solidFill>
-            <a:prstDash val="solid"/>
-          </a:ln>
-          <a:effectLst/>
         </p:spPr>
         <p:txBody>
-          <a:bodyPr rtlCol="0" anchor="ctr"/>
+          <a:bodyPr wrap="square" rtlCol="0">
+            <a:spAutoFit/>
+          </a:bodyPr>
           <a:lstStyle/>
           <a:p>
-            <a:pPr marL="0" marR="0" lvl="0" indent="0" algn="ctr" defTabSz="914400" eaLnBrk="1" fontAlgn="auto" latinLnBrk="0" hangingPunct="1">
-              <a:lnSpc>
-                <a:spcPct val="100000"/>
-              </a:lnSpc>
-              <a:spcBef>
-                <a:spcPts val="0"/>
-              </a:spcBef>
-              <a:spcAft>
-                <a:spcPts val="0"/>
-              </a:spcAft>
-              <a:buClrTx/>
-              <a:buSzTx/>
-              <a:buFontTx/>
-              <a:buNone/>
-              <a:defRPr/>
+            <a:pPr marL="285750" indent="-285750">
+              <a:buFont typeface="Arial" panose="020B0604020202020204" pitchFamily="34" charset="0"/>
+              <a:buChar char="•"/>
             </a:pPr>
-            <a:endParaRPr kumimoji="0" lang="en-US" sz="1800" b="0" i="0" u="none" strike="noStrike" kern="0" cap="none" spc="0" normalizeH="0" baseline="0" noProof="0" dirty="0">
-              <a:ln>
-                <a:noFill/>
-              </a:ln>
-              <a:solidFill>
-                <a:prstClr val="white"/>
-              </a:solidFill>
-              <a:effectLst/>
-              <a:uLnTx/>
-              <a:uFillTx/>
-              <a:latin typeface="Calibri" panose="020F0502020204030204"/>
-              <a:ea typeface="+mn-ea"/>
-              <a:cs typeface="+mn-cs"/>
-            </a:endParaRPr>
+            <a:r>
+              <a:rPr lang="en-US" dirty="0"/>
+              <a:t>Platform:  PACE-ICE</a:t>
+            </a:r>
+          </a:p>
+          <a:p>
+            <a:pPr marL="285750" indent="-285750">
+              <a:buFont typeface="Arial" panose="020B0604020202020204" pitchFamily="34" charset="0"/>
+              <a:buChar char="•"/>
+            </a:pPr>
+            <a:r>
+              <a:rPr lang="en-US" dirty="0"/>
+              <a:t>Training traces:  TAMU </a:t>
+            </a:r>
+            <a:r>
+              <a:rPr lang="en-US" dirty="0" err="1"/>
+              <a:t>ChampSim</a:t>
+            </a:r>
+            <a:r>
+              <a:rPr lang="en-US" dirty="0"/>
+              <a:t> Traces (SPEC2017)</a:t>
+            </a:r>
+          </a:p>
+          <a:p>
+            <a:pPr marL="285750" indent="-285750">
+              <a:buFont typeface="Arial" panose="020B0604020202020204" pitchFamily="34" charset="0"/>
+              <a:buChar char="•"/>
+            </a:pPr>
+            <a:r>
+              <a:rPr lang="en-US" dirty="0"/>
+              <a:t>General configuration: </a:t>
+            </a:r>
+          </a:p>
+          <a:p>
+            <a:endParaRPr lang="en-US" dirty="0"/>
           </a:p>
         </p:txBody>
       </p:sp>
+      <p:pic>
+        <p:nvPicPr>
+          <p:cNvPr id="6" name="Picture 5">
+            <a:extLst>
+              <a:ext uri="{FF2B5EF4-FFF2-40B4-BE49-F238E27FC236}">
+                <a16:creationId xmlns:a16="http://schemas.microsoft.com/office/drawing/2014/main" id="{DBD0A608-F46F-4CCA-92BD-05A23B087592}"/>
+              </a:ext>
+            </a:extLst>
+          </p:cNvPr>
+          <p:cNvPicPr>
+            <a:picLocks noChangeAspect="1"/>
+          </p:cNvPicPr>
+          <p:nvPr/>
+        </p:nvPicPr>
+        <p:blipFill>
+          <a:blip r:embed="rId2"/>
+          <a:stretch>
+            <a:fillRect/>
+          </a:stretch>
+        </p:blipFill>
+        <p:spPr>
+          <a:xfrm>
+            <a:off x="388062" y="2765263"/>
+            <a:ext cx="8373822" cy="3224615"/>
+          </a:xfrm>
+          <a:prstGeom prst="rect">
+            <a:avLst/>
+          </a:prstGeom>
+        </p:spPr>
+      </p:pic>
     </p:spTree>
     <p:extLst>
       <p:ext uri="{BB962C8B-B14F-4D97-AF65-F5344CB8AC3E}">
-        <p14:creationId xmlns:p14="http://schemas.microsoft.com/office/powerpoint/2010/main" val="4232927703"/>
+        <p14:creationId xmlns:p14="http://schemas.microsoft.com/office/powerpoint/2010/main" val="3363174283"/>
       </p:ext>
     </p:extLst>
   </p:cSld>
   <p:clrMapOvr>
     <a:masterClrMapping/>
   </p:clrMapOvr>
-  <p:timing>
-    <p:tnLst>
-      <p:par>
-        <p:cTn id="1" dur="indefinite" restart="never" nodeType="tmRoot">
-          <p:childTnLst>
-            <p:seq concurrent="1" nextAc="seek">
-              <p:cTn id="2" dur="indefinite" nodeType="mainSeq">
-                <p:childTnLst>
-                  <p:par>
-                    <p:cTn id="3" fill="hold">
-                      <p:stCondLst>
-                        <p:cond delay="indefinite"/>
-                        <p:cond evt="onBegin" delay="0">
-                          <p:tn val="2"/>
-                        </p:cond>
-                      </p:stCondLst>
-                      <p:childTnLst>
-                        <p:par>
-                          <p:cTn id="4" fill="hold">
-                            <p:stCondLst>
-                              <p:cond delay="0"/>
-                            </p:stCondLst>
-                            <p:childTnLst>
-                              <p:par>
-                                <p:cTn id="5" presetID="10" presetClass="entr" presetSubtype="0" fill="hold" grpId="0" nodeType="withEffect">
-                                  <p:stCondLst>
-                                    <p:cond delay="500"/>
-                                  </p:stCondLst>
-                                  <p:childTnLst>
-                                    <p:set>
-                                      <p:cBhvr>
-                                        <p:cTn id="6" dur="1" fill="hold">
-                                          <p:stCondLst>
-                                            <p:cond delay="0"/>
-                                          </p:stCondLst>
-                                        </p:cTn>
-                                        <p:tgtEl>
-                                          <p:spTgt spid="2"/>
-                                        </p:tgtEl>
-                                        <p:attrNameLst>
-                                          <p:attrName>style.visibility</p:attrName>
-                                        </p:attrNameLst>
-                                      </p:cBhvr>
-                                      <p:to>
-                                        <p:strVal val="visible"/>
-                                      </p:to>
-                                    </p:set>
-                                    <p:animEffect transition="in" filter="fade">
-                                      <p:cBhvr>
-                                        <p:cTn id="7" dur="700"/>
-                                        <p:tgtEl>
-                                          <p:spTgt spid="2"/>
-                                        </p:tgtEl>
-                                      </p:cBhvr>
-                                    </p:animEffect>
-                                  </p:childTnLst>
-                                </p:cTn>
-                              </p:par>
-                            </p:childTnLst>
-                          </p:cTn>
-                        </p:par>
-                      </p:childTnLst>
-                    </p:cTn>
-                  </p:par>
-                </p:childTnLst>
-              </p:cTn>
-              <p:prevCondLst>
-                <p:cond evt="onPrev" delay="0">
-                  <p:tgtEl>
-                    <p:sldTgt/>
-                  </p:tgtEl>
-                </p:cond>
-              </p:prevCondLst>
-              <p:nextCondLst>
-                <p:cond evt="onNext" delay="0">
-                  <p:tgtEl>
-                    <p:sldTgt/>
-                  </p:tgtEl>
-                </p:cond>
-              </p:nextCondLst>
-            </p:seq>
-          </p:childTnLst>
-        </p:cTn>
-      </p:par>
-    </p:tnLst>
-    <p:bldLst>
-      <p:bldP spid="2" grpId="0"/>
-    </p:bldLst>
-  </p:timing>
 </p:sld>
 </file>
 
 <file path=ppt/slides/slide9.xml><?xml version="1.0" encoding="utf-8"?>
 <p:sld xmlns:a="http://schemas.openxmlformats.org/drawingml/2006/main" xmlns:r="http://schemas.openxmlformats.org/officeDocument/2006/relationships" xmlns:p="http://schemas.openxmlformats.org/presentationml/2006/main">
   <p:cSld>
-    <p:bg>
-      <p:bgPr>
-        <a:solidFill>
-          <a:schemeClr val="bg1"/>
-        </a:solidFill>
-        <a:effectLst/>
-      </p:bgPr>
-    </p:bg>
     <p:spTree>
       <p:nvGrpSpPr>
         <p:cNvPr id="1" name=""/>
@@ -16190,231 +17780,15 @@
           <a:chExt cx="0" cy="0"/>
         </a:xfrm>
       </p:grpSpPr>
-      <p:sp useBgFill="1">
-        <p:nvSpPr>
-          <p:cNvPr id="8" name="Rectangle 7"/>
-          <p:cNvSpPr>
-            <a:spLocks noGrp="1" noRot="1" noChangeAspect="1" noMove="1" noResize="1" noEditPoints="1" noAdjustHandles="1" noChangeArrowheads="1" noChangeShapeType="1" noTextEdit="1"/>
-          </p:cNvSpPr>
-          <p:nvPr/>
-        </p:nvSpPr>
-        <p:spPr>
-          <a:xfrm>
-            <a:off x="0" y="0"/>
-            <a:ext cx="12192000" cy="6858000"/>
-          </a:xfrm>
-          <a:prstGeom prst="rect">
-            <a:avLst/>
-          </a:prstGeom>
-          <a:ln>
-            <a:noFill/>
-          </a:ln>
-        </p:spPr>
-        <p:style>
-          <a:lnRef idx="2">
-            <a:schemeClr val="accent1">
-              <a:shade val="50000"/>
-            </a:schemeClr>
-          </a:lnRef>
-          <a:fillRef idx="1">
-            <a:schemeClr val="accent1"/>
-          </a:fillRef>
-          <a:effectRef idx="0">
-            <a:schemeClr val="accent1"/>
-          </a:effectRef>
-          <a:fontRef idx="minor">
-            <a:schemeClr val="lt1"/>
-          </a:fontRef>
-        </p:style>
-        <p:txBody>
-          <a:bodyPr rtlCol="0" anchor="ctr"/>
-          <a:lstStyle/>
-          <a:p>
-            <a:pPr algn="ctr"/>
-            <a:endParaRPr lang="en-US"/>
-          </a:p>
-        </p:txBody>
-      </p:sp>
       <p:sp>
         <p:nvSpPr>
-          <p:cNvPr id="10" name="Rectangle 9"/>
-          <p:cNvSpPr>
-            <a:spLocks noGrp="1" noRot="1" noChangeAspect="1" noMove="1" noResize="1" noEditPoints="1" noAdjustHandles="1" noChangeArrowheads="1" noChangeShapeType="1" noTextEdit="1"/>
-          </p:cNvSpPr>
-          <p:nvPr/>
-        </p:nvSpPr>
-        <p:spPr>
-          <a:xfrm>
-            <a:off x="984504" y="464119"/>
-            <a:ext cx="10222992" cy="80683"/>
-          </a:xfrm>
-          <a:prstGeom prst="rect">
-            <a:avLst/>
-          </a:prstGeom>
-          <a:blipFill dpi="0" rotWithShape="1">
-            <a:blip r:embed="rId2">
-              <a:alphaModFix amt="85000"/>
-              <a:lum bright="70000" contrast="-70000"/>
-              <a:extLst>
-                <a:ext uri="{BEBA8EAE-BF5A-486C-A8C5-ECC9F3942E4B}">
-                  <a14:imgProps xmlns:a14="http://schemas.microsoft.com/office/drawing/2010/main">
-                    <a14:imgLayer r:embed="rId3">
-                      <a14:imgEffect>
-                        <a14:sharpenSoften amount="61000"/>
-                      </a14:imgEffect>
-                    </a14:imgLayer>
-                  </a14:imgProps>
-                </a:ext>
-                <a:ext uri="{28A0092B-C50C-407E-A947-70E740481C1C}">
-                  <a14:useLocalDpi xmlns:a14="http://schemas.microsoft.com/office/drawing/2010/main" val="0"/>
-                </a:ext>
-              </a:extLst>
-            </a:blip>
-            <a:srcRect/>
-            <a:tile tx="0" ty="-762000" sx="92000" sy="89000" flip="xy" algn="ctr"/>
-          </a:blipFill>
-          <a:ln>
-            <a:noFill/>
-          </a:ln>
-        </p:spPr>
-        <p:style>
-          <a:lnRef idx="2">
-            <a:schemeClr val="accent1">
-              <a:shade val="50000"/>
-            </a:schemeClr>
-          </a:lnRef>
-          <a:fillRef idx="1">
-            <a:schemeClr val="accent1"/>
-          </a:fillRef>
-          <a:effectRef idx="0">
-            <a:schemeClr val="accent1"/>
-          </a:effectRef>
-          <a:fontRef idx="minor">
-            <a:schemeClr val="lt1"/>
-          </a:fontRef>
-        </p:style>
-      </p:sp>
-      <p:sp>
-        <p:nvSpPr>
-          <p:cNvPr id="12" name="Rectangle 11"/>
-          <p:cNvSpPr>
-            <a:spLocks noGrp="1" noRot="1" noChangeAspect="1" noMove="1" noResize="1" noEditPoints="1" noAdjustHandles="1" noChangeArrowheads="1" noChangeShapeType="1" noTextEdit="1"/>
-          </p:cNvSpPr>
-          <p:nvPr/>
-        </p:nvSpPr>
-        <p:spPr>
-          <a:xfrm>
-            <a:off x="984504" y="601952"/>
-            <a:ext cx="10222992" cy="1385874"/>
-          </a:xfrm>
-          <a:prstGeom prst="rect">
-            <a:avLst/>
-          </a:prstGeom>
-          <a:blipFill dpi="0" rotWithShape="1">
-            <a:blip r:embed="rId2">
-              <a:alphaModFix amt="85000"/>
-              <a:lum bright="70000" contrast="-70000"/>
-              <a:extLst>
-                <a:ext uri="{BEBA8EAE-BF5A-486C-A8C5-ECC9F3942E4B}">
-                  <a14:imgProps xmlns:a14="http://schemas.microsoft.com/office/drawing/2010/main">
-                    <a14:imgLayer r:embed="rId3">
-                      <a14:imgEffect>
-                        <a14:sharpenSoften amount="61000"/>
-                      </a14:imgEffect>
-                    </a14:imgLayer>
-                  </a14:imgProps>
-                </a:ext>
-                <a:ext uri="{28A0092B-C50C-407E-A947-70E740481C1C}">
-                  <a14:useLocalDpi xmlns:a14="http://schemas.microsoft.com/office/drawing/2010/main" val="0"/>
-                </a:ext>
-              </a:extLst>
-            </a:blip>
-            <a:srcRect/>
-            <a:tile tx="0" ty="-704850" sx="92000" sy="89000" flip="xy" algn="ctr"/>
-          </a:blipFill>
-          <a:ln>
-            <a:noFill/>
-          </a:ln>
-        </p:spPr>
-        <p:style>
-          <a:lnRef idx="2">
-            <a:schemeClr val="accent1">
-              <a:shade val="50000"/>
-            </a:schemeClr>
-          </a:lnRef>
-          <a:fillRef idx="1">
-            <a:schemeClr val="accent1"/>
-          </a:fillRef>
-          <a:effectRef idx="0">
-            <a:schemeClr val="accent1"/>
-          </a:effectRef>
-          <a:fontRef idx="minor">
-            <a:schemeClr val="lt1"/>
-          </a:fontRef>
-        </p:style>
-      </p:sp>
-      <p:sp>
-        <p:nvSpPr>
-          <p:cNvPr id="14" name="Rectangle 13"/>
-          <p:cNvSpPr>
-            <a:spLocks noGrp="1" noRot="1" noChangeAspect="1" noMove="1" noResize="1" noEditPoints="1" noAdjustHandles="1" noChangeArrowheads="1" noChangeShapeType="1" noTextEdit="1"/>
-          </p:cNvSpPr>
-          <p:nvPr/>
-        </p:nvSpPr>
-        <p:spPr>
-          <a:xfrm>
-            <a:off x="984504" y="2038655"/>
-            <a:ext cx="10222992" cy="80683"/>
-          </a:xfrm>
-          <a:prstGeom prst="rect">
-            <a:avLst/>
-          </a:prstGeom>
-          <a:blipFill dpi="0" rotWithShape="1">
-            <a:blip r:embed="rId2">
-              <a:alphaModFix amt="85000"/>
-              <a:lum bright="70000" contrast="-70000"/>
-              <a:extLst>
-                <a:ext uri="{BEBA8EAE-BF5A-486C-A8C5-ECC9F3942E4B}">
-                  <a14:imgProps xmlns:a14="http://schemas.microsoft.com/office/drawing/2010/main">
-                    <a14:imgLayer r:embed="rId3">
-                      <a14:imgEffect>
-                        <a14:sharpenSoften amount="61000"/>
-                      </a14:imgEffect>
-                    </a14:imgLayer>
-                  </a14:imgProps>
-                </a:ext>
-                <a:ext uri="{28A0092B-C50C-407E-A947-70E740481C1C}">
-                  <a14:useLocalDpi xmlns:a14="http://schemas.microsoft.com/office/drawing/2010/main" val="0"/>
-                </a:ext>
-              </a:extLst>
-            </a:blip>
-            <a:srcRect/>
-            <a:tile tx="0" ty="-717550" sx="92000" sy="89000" flip="xy" algn="ctr"/>
-          </a:blipFill>
-          <a:ln>
-            <a:noFill/>
-          </a:ln>
-        </p:spPr>
-        <p:style>
-          <a:lnRef idx="2">
-            <a:schemeClr val="accent1">
-              <a:shade val="50000"/>
-            </a:schemeClr>
-          </a:lnRef>
-          <a:fillRef idx="1">
-            <a:schemeClr val="accent1"/>
-          </a:fillRef>
-          <a:effectRef idx="0">
-            <a:schemeClr val="accent1"/>
-          </a:effectRef>
-          <a:fontRef idx="minor">
-            <a:schemeClr val="lt1"/>
-          </a:fontRef>
-        </p:style>
-      </p:sp>
-      <p:sp>
-        <p:nvSpPr>
-          <p:cNvPr id="2" name="Title 1"/>
+          <p:cNvPr id="80" name="Title 1">
+            <a:extLst>
+              <a:ext uri="{FF2B5EF4-FFF2-40B4-BE49-F238E27FC236}">
+                <a16:creationId xmlns:a16="http://schemas.microsoft.com/office/drawing/2014/main" id="{554532E7-7B3D-8845-B4E3-00DF52BB7006}"/>
+              </a:ext>
+            </a:extLst>
+          </p:cNvPr>
           <p:cNvSpPr>
             <a:spLocks noGrp="1"/>
           </p:cNvSpPr>
@@ -16424,8 +17798,8 @@
         </p:nvSpPr>
         <p:spPr>
           <a:xfrm>
-            <a:off x="1069848" y="484632"/>
-            <a:ext cx="10058400" cy="1609344"/>
+            <a:off x="204092" y="13012"/>
+            <a:ext cx="6705204" cy="1061268"/>
           </a:xfrm>
         </p:spPr>
         <p:txBody>
@@ -16435,474 +17809,819 @@
           <a:lstStyle/>
           <a:p>
             <a:r>
-              <a:rPr lang="en-US" altLang="zh-CN" dirty="0"/>
-              <a:t>What</a:t>
-            </a:r>
-            <a:r>
-              <a:rPr lang="zh-CN" altLang="en-US" dirty="0"/>
-              <a:t> </a:t>
-            </a:r>
-            <a:r>
-              <a:rPr lang="en-US" altLang="zh-CN" dirty="0"/>
-              <a:t>we</a:t>
-            </a:r>
-            <a:r>
-              <a:rPr lang="zh-CN" altLang="en-US" dirty="0"/>
-              <a:t> </a:t>
-            </a:r>
-            <a:r>
-              <a:rPr lang="en-US" altLang="zh-CN" dirty="0"/>
-              <a:t>learned</a:t>
-            </a:r>
-            <a:endParaRPr lang="en-US" dirty="0"/>
+              <a:rPr lang="en-US" altLang="zh-CN" sz="4400" dirty="0"/>
+              <a:t>Seq2seq</a:t>
+            </a:r>
+            <a:r>
+              <a:rPr lang="zh-CN" altLang="en-US" sz="4400" dirty="0"/>
+              <a:t> </a:t>
+            </a:r>
+            <a:r>
+              <a:rPr lang="en-US" altLang="zh-CN" sz="4400" dirty="0"/>
+              <a:t>model</a:t>
+            </a:r>
+            <a:r>
+              <a:rPr lang="zh-CN" altLang="en-US" sz="4400" dirty="0"/>
+              <a:t> </a:t>
+            </a:r>
+            <a:r>
+              <a:rPr lang="en-US" altLang="zh-CN" sz="4400" dirty="0" err="1"/>
+              <a:t>TRaINING</a:t>
+            </a:r>
+            <a:r>
+              <a:rPr lang="en-US" altLang="zh-CN" sz="4400" dirty="0"/>
+              <a:t> Result</a:t>
+            </a:r>
+            <a:endParaRPr lang="en-US" sz="4400" dirty="0"/>
           </a:p>
         </p:txBody>
       </p:sp>
       <p:sp>
         <p:nvSpPr>
-          <p:cNvPr id="3" name="Content Placeholder 2"/>
-          <p:cNvSpPr>
-            <a:spLocks noGrp="1"/>
-          </p:cNvSpPr>
-          <p:nvPr>
-            <p:ph idx="1"/>
-          </p:nvPr>
+          <p:cNvPr id="4" name="TextBox 3">
+            <a:extLst>
+              <a:ext uri="{FF2B5EF4-FFF2-40B4-BE49-F238E27FC236}">
+                <a16:creationId xmlns:a16="http://schemas.microsoft.com/office/drawing/2014/main" id="{077BF712-844E-4602-A998-D28F1AB459E5}"/>
+              </a:ext>
+            </a:extLst>
+          </p:cNvPr>
+          <p:cNvSpPr txBox="1"/>
+          <p:nvPr/>
         </p:nvSpPr>
         <p:spPr>
           <a:xfrm>
-            <a:off x="1069848" y="2320412"/>
-            <a:ext cx="10058400" cy="3851787"/>
+            <a:off x="267628" y="1074280"/>
+            <a:ext cx="4170557" cy="646331"/>
           </a:xfrm>
+          <a:prstGeom prst="rect">
+            <a:avLst/>
+          </a:prstGeom>
+          <a:noFill/>
         </p:spPr>
         <p:txBody>
-          <a:bodyPr>
-            <a:normAutofit/>
+          <a:bodyPr wrap="square" rtlCol="0">
+            <a:spAutoFit/>
           </a:bodyPr>
           <a:lstStyle/>
           <a:p>
-            <a:r>
-              <a:rPr lang="en-US" altLang="zh-CN" sz="2400" dirty="0"/>
-              <a:t>Details</a:t>
-            </a:r>
-            <a:r>
-              <a:rPr lang="zh-CN" altLang="en-US" sz="2400" dirty="0"/>
-              <a:t> </a:t>
-            </a:r>
-            <a:r>
-              <a:rPr lang="en-US" altLang="zh-CN" sz="2400" dirty="0"/>
-              <a:t>about</a:t>
-            </a:r>
-            <a:r>
-              <a:rPr lang="zh-CN" altLang="en-US" sz="2400" dirty="0"/>
-              <a:t> </a:t>
-            </a:r>
-            <a:r>
-              <a:rPr lang="en-US" altLang="zh-CN" sz="2400" dirty="0"/>
-              <a:t>memory</a:t>
-            </a:r>
-            <a:r>
-              <a:rPr lang="zh-CN" altLang="en-US" sz="2400" dirty="0"/>
-              <a:t> </a:t>
-            </a:r>
-            <a:r>
-              <a:rPr lang="en-US" altLang="zh-CN" sz="2400" dirty="0"/>
-              <a:t>dependency</a:t>
-            </a:r>
-          </a:p>
-          <a:p>
-            <a:pPr lvl="1"/>
-            <a:r>
-              <a:rPr lang="en-US" altLang="zh-CN" sz="2200" dirty="0"/>
-              <a:t>Also</a:t>
-            </a:r>
-            <a:r>
-              <a:rPr lang="zh-CN" altLang="en-US" sz="2200" dirty="0"/>
-              <a:t> </a:t>
-            </a:r>
-            <a:r>
-              <a:rPr lang="en-US" altLang="zh-CN" sz="2200" dirty="0"/>
-              <a:t>load</a:t>
-            </a:r>
-            <a:r>
-              <a:rPr lang="zh-CN" altLang="en-US" sz="2200" dirty="0"/>
-              <a:t> </a:t>
-            </a:r>
-            <a:r>
-              <a:rPr lang="en-US" altLang="zh-CN" sz="2200" dirty="0"/>
-              <a:t>store</a:t>
-            </a:r>
-            <a:r>
-              <a:rPr lang="zh-CN" altLang="en-US" sz="2200" dirty="0"/>
-              <a:t> </a:t>
-            </a:r>
-            <a:r>
-              <a:rPr lang="en-US" altLang="zh-CN" sz="2200" dirty="0"/>
-              <a:t>queue</a:t>
-            </a:r>
-            <a:r>
-              <a:rPr lang="zh-CN" altLang="en-US" sz="2200" dirty="0"/>
-              <a:t> </a:t>
-            </a:r>
-            <a:r>
-              <a:rPr lang="en-US" altLang="zh-CN" sz="2200" dirty="0"/>
-              <a:t>design</a:t>
-            </a:r>
-          </a:p>
-          <a:p>
-            <a:pPr marL="274320" lvl="1" indent="0">
-              <a:buNone/>
+            <a:pPr marL="285750" indent="-285750">
+              <a:buFont typeface="Arial" panose="020B0604020202020204" pitchFamily="34" charset="0"/>
+              <a:buChar char="•"/>
             </a:pPr>
-            <a:endParaRPr lang="en-US" altLang="zh-CN" sz="2400" dirty="0"/>
-          </a:p>
-          <a:p>
-            <a:r>
-              <a:rPr lang="en-US" altLang="zh-CN" sz="2400" dirty="0"/>
-              <a:t>How</a:t>
-            </a:r>
-            <a:r>
-              <a:rPr lang="zh-CN" altLang="en-US" sz="2400" dirty="0"/>
-              <a:t> </a:t>
-            </a:r>
-            <a:r>
-              <a:rPr lang="en-US" altLang="zh-CN" sz="2400" dirty="0"/>
-              <a:t>to</a:t>
-            </a:r>
-            <a:r>
-              <a:rPr lang="zh-CN" altLang="en-US" sz="2400" dirty="0"/>
-              <a:t> </a:t>
-            </a:r>
-            <a:r>
-              <a:rPr lang="en-US" altLang="zh-CN" sz="2400" dirty="0"/>
-              <a:t>help</a:t>
-            </a:r>
-            <a:r>
-              <a:rPr lang="zh-CN" altLang="en-US" sz="2400" dirty="0"/>
-              <a:t> </a:t>
-            </a:r>
-            <a:r>
-              <a:rPr lang="en-US" altLang="zh-CN" sz="2400" dirty="0"/>
-              <a:t>architecture</a:t>
-            </a:r>
-            <a:r>
-              <a:rPr lang="zh-CN" altLang="en-US" sz="2400" dirty="0"/>
-              <a:t> </a:t>
-            </a:r>
-            <a:r>
-              <a:rPr lang="en-US" altLang="zh-CN" sz="2400" dirty="0"/>
-              <a:t>design</a:t>
-            </a:r>
-            <a:r>
-              <a:rPr lang="zh-CN" altLang="en-US" sz="2400" dirty="0"/>
-              <a:t> </a:t>
-            </a:r>
-            <a:r>
-              <a:rPr lang="en-US" altLang="zh-CN" sz="2400" dirty="0"/>
-              <a:t>with</a:t>
-            </a:r>
-            <a:r>
-              <a:rPr lang="zh-CN" altLang="en-US" sz="2400" dirty="0"/>
-              <a:t> </a:t>
-            </a:r>
-            <a:r>
-              <a:rPr lang="en-US" altLang="zh-CN" sz="2400" dirty="0"/>
-              <a:t>machine</a:t>
-            </a:r>
-            <a:r>
-              <a:rPr lang="zh-CN" altLang="en-US" sz="2400" dirty="0"/>
-              <a:t> </a:t>
-            </a:r>
-            <a:r>
-              <a:rPr lang="en-US" altLang="zh-CN" sz="2400" dirty="0"/>
-              <a:t>learning</a:t>
-            </a:r>
-            <a:r>
-              <a:rPr lang="zh-CN" altLang="en-US" sz="2400" dirty="0"/>
-              <a:t> </a:t>
-            </a:r>
-            <a:r>
-              <a:rPr lang="en-US" altLang="zh-CN" sz="2400" dirty="0"/>
-              <a:t>methodology</a:t>
-            </a:r>
-          </a:p>
-          <a:p>
-            <a:endParaRPr lang="en-US" altLang="zh-CN" sz="2400" dirty="0"/>
-          </a:p>
-          <a:p>
-            <a:r>
-              <a:rPr lang="en-US" altLang="zh-CN" sz="2400" dirty="0"/>
-              <a:t>Interaction</a:t>
-            </a:r>
-            <a:r>
-              <a:rPr lang="zh-CN" altLang="en-US" sz="2400" dirty="0"/>
-              <a:t> </a:t>
-            </a:r>
-            <a:r>
-              <a:rPr lang="en-US" altLang="zh-CN" sz="2400" dirty="0"/>
-              <a:t>between</a:t>
-            </a:r>
-            <a:r>
-              <a:rPr lang="zh-CN" altLang="en-US" sz="2400" dirty="0"/>
-              <a:t> </a:t>
-            </a:r>
-            <a:r>
-              <a:rPr lang="en-US" altLang="zh-CN" sz="2400" dirty="0"/>
-              <a:t>processor</a:t>
-            </a:r>
-            <a:r>
-              <a:rPr lang="zh-CN" altLang="en-US" sz="2400" dirty="0"/>
-              <a:t> </a:t>
-            </a:r>
-            <a:r>
-              <a:rPr lang="en-US" altLang="zh-CN" sz="2400" dirty="0"/>
-              <a:t>and</a:t>
-            </a:r>
-            <a:r>
-              <a:rPr lang="zh-CN" altLang="en-US" sz="2400" dirty="0"/>
-              <a:t> </a:t>
-            </a:r>
-            <a:r>
-              <a:rPr lang="en-US" altLang="zh-CN" sz="2400" dirty="0"/>
-              <a:t>memory</a:t>
-            </a:r>
-            <a:r>
-              <a:rPr lang="zh-CN" altLang="en-US" sz="2400" dirty="0"/>
-              <a:t> </a:t>
-            </a:r>
-            <a:r>
-              <a:rPr lang="en-US" altLang="zh-CN" sz="2400" dirty="0"/>
-              <a:t>subsystem</a:t>
+            <a:r>
+              <a:rPr lang="en-US" dirty="0"/>
+              <a:t>Training process hyperparameter:  </a:t>
+            </a:r>
+          </a:p>
+          <a:p>
+            <a:endParaRPr lang="en-US" dirty="0"/>
+          </a:p>
+        </p:txBody>
+      </p:sp>
+      <p:pic>
+        <p:nvPicPr>
+          <p:cNvPr id="3" name="Picture 2">
+            <a:extLst>
+              <a:ext uri="{FF2B5EF4-FFF2-40B4-BE49-F238E27FC236}">
+                <a16:creationId xmlns:a16="http://schemas.microsoft.com/office/drawing/2014/main" id="{D3CDBB5D-8909-40F6-8AD5-01D7B25507DC}"/>
+              </a:ext>
+            </a:extLst>
+          </p:cNvPr>
+          <p:cNvPicPr>
+            <a:picLocks noChangeAspect="1"/>
+          </p:cNvPicPr>
+          <p:nvPr/>
+        </p:nvPicPr>
+        <p:blipFill>
+          <a:blip r:embed="rId2"/>
+          <a:stretch>
+            <a:fillRect/>
+          </a:stretch>
+        </p:blipFill>
+        <p:spPr>
+          <a:xfrm>
+            <a:off x="660999" y="1650380"/>
+            <a:ext cx="3732859" cy="1623710"/>
+          </a:xfrm>
+          <a:prstGeom prst="rect">
+            <a:avLst/>
+          </a:prstGeom>
+        </p:spPr>
+      </p:pic>
+      <p:pic>
+        <p:nvPicPr>
+          <p:cNvPr id="7" name="Picture 6">
+            <a:extLst>
+              <a:ext uri="{FF2B5EF4-FFF2-40B4-BE49-F238E27FC236}">
+                <a16:creationId xmlns:a16="http://schemas.microsoft.com/office/drawing/2014/main" id="{64EA656E-A863-4E69-98F7-AC97899F2345}"/>
+              </a:ext>
+            </a:extLst>
+          </p:cNvPr>
+          <p:cNvPicPr>
+            <a:picLocks noChangeAspect="1"/>
+          </p:cNvPicPr>
+          <p:nvPr/>
+        </p:nvPicPr>
+        <p:blipFill>
+          <a:blip r:embed="rId3"/>
+          <a:stretch>
+            <a:fillRect/>
+          </a:stretch>
+        </p:blipFill>
+        <p:spPr>
+          <a:xfrm>
+            <a:off x="660999" y="3429000"/>
+            <a:ext cx="3732859" cy="1137425"/>
+          </a:xfrm>
+          <a:prstGeom prst="rect">
+            <a:avLst/>
+          </a:prstGeom>
+        </p:spPr>
+      </p:pic>
+      <p:graphicFrame>
+        <p:nvGraphicFramePr>
+          <p:cNvPr id="8" name="Table 8">
+            <a:extLst>
+              <a:ext uri="{FF2B5EF4-FFF2-40B4-BE49-F238E27FC236}">
+                <a16:creationId xmlns:a16="http://schemas.microsoft.com/office/drawing/2014/main" id="{8EA57AC9-F0DB-4C3F-BC8E-0D415DC8F1F4}"/>
+              </a:ext>
+            </a:extLst>
+          </p:cNvPr>
+          <p:cNvGraphicFramePr>
+            <a:graphicFrameLocks noGrp="1"/>
+          </p:cNvGraphicFramePr>
+          <p:nvPr/>
+        </p:nvGraphicFramePr>
+        <p:xfrm>
+          <a:off x="5321362" y="1656356"/>
+          <a:ext cx="6396339" cy="3200400"/>
+        </p:xfrm>
+        <a:graphic>
+          <a:graphicData uri="http://schemas.openxmlformats.org/drawingml/2006/table">
+            <a:tbl>
+              <a:tblPr firstRow="1" bandRow="1">
+                <a:tableStyleId>{5C22544A-7EE6-4342-B048-85BDC9FD1C3A}</a:tableStyleId>
+              </a:tblPr>
+              <a:tblGrid>
+                <a:gridCol w="1338146">
+                  <a:extLst>
+                    <a:ext uri="{9D8B030D-6E8A-4147-A177-3AD203B41FA5}">
+                      <a16:colId xmlns:a16="http://schemas.microsoft.com/office/drawing/2014/main" val="3156781924"/>
+                    </a:ext>
+                  </a:extLst>
+                </a:gridCol>
+                <a:gridCol w="1315844">
+                  <a:extLst>
+                    <a:ext uri="{9D8B030D-6E8A-4147-A177-3AD203B41FA5}">
+                      <a16:colId xmlns:a16="http://schemas.microsoft.com/office/drawing/2014/main" val="356657565"/>
+                    </a:ext>
+                  </a:extLst>
+                </a:gridCol>
+                <a:gridCol w="1280160">
+                  <a:extLst>
+                    <a:ext uri="{9D8B030D-6E8A-4147-A177-3AD203B41FA5}">
+                      <a16:colId xmlns:a16="http://schemas.microsoft.com/office/drawing/2014/main" val="47335"/>
+                    </a:ext>
+                  </a:extLst>
+                </a:gridCol>
+                <a:gridCol w="1048214">
+                  <a:extLst>
+                    <a:ext uri="{9D8B030D-6E8A-4147-A177-3AD203B41FA5}">
+                      <a16:colId xmlns:a16="http://schemas.microsoft.com/office/drawing/2014/main" val="2156423652"/>
+                    </a:ext>
+                  </a:extLst>
+                </a:gridCol>
+                <a:gridCol w="1413975">
+                  <a:extLst>
+                    <a:ext uri="{9D8B030D-6E8A-4147-A177-3AD203B41FA5}">
+                      <a16:colId xmlns:a16="http://schemas.microsoft.com/office/drawing/2014/main" val="3343094758"/>
+                    </a:ext>
+                  </a:extLst>
+                </a:gridCol>
+              </a:tblGrid>
+              <a:tr h="537850">
+                <a:tc>
+                  <a:txBody>
+                    <a:bodyPr/>
+                    <a:lstStyle/>
+                    <a:p>
+                      <a:endParaRPr lang="en-US" dirty="0"/>
+                    </a:p>
+                  </a:txBody>
+                  <a:tcPr/>
+                </a:tc>
+                <a:tc>
+                  <a:txBody>
+                    <a:bodyPr/>
+                    <a:lstStyle/>
+                    <a:p>
+                      <a:r>
+                        <a:rPr lang="en-US" dirty="0"/>
+                        <a:t>Train loss</a:t>
+                      </a:r>
+                    </a:p>
+                  </a:txBody>
+                  <a:tcPr/>
+                </a:tc>
+                <a:tc>
+                  <a:txBody>
+                    <a:bodyPr/>
+                    <a:lstStyle/>
+                    <a:p>
+                      <a:r>
+                        <a:rPr lang="en-US" dirty="0"/>
+                        <a:t>Validate loss</a:t>
+                      </a:r>
+                    </a:p>
+                  </a:txBody>
+                  <a:tcPr/>
+                </a:tc>
+                <a:tc>
+                  <a:txBody>
+                    <a:bodyPr/>
+                    <a:lstStyle/>
+                    <a:p>
+                      <a:r>
+                        <a:rPr lang="en-US" dirty="0"/>
+                        <a:t> Train PPL*</a:t>
+                      </a:r>
+                    </a:p>
+                  </a:txBody>
+                  <a:tcPr/>
+                </a:tc>
+                <a:tc>
+                  <a:txBody>
+                    <a:bodyPr/>
+                    <a:lstStyle/>
+                    <a:p>
+                      <a:r>
+                        <a:rPr lang="en-US" dirty="0"/>
+                        <a:t>Validate PPL</a:t>
+                      </a:r>
+                    </a:p>
+                  </a:txBody>
+                  <a:tcPr/>
+                </a:tc>
+                <a:extLst>
+                  <a:ext uri="{0D108BD9-81ED-4DB2-BD59-A6C34878D82A}">
+                    <a16:rowId xmlns:a16="http://schemas.microsoft.com/office/drawing/2014/main" val="1918655676"/>
+                  </a:ext>
+                </a:extLst>
+              </a:tr>
+              <a:tr h="300660">
+                <a:tc>
+                  <a:txBody>
+                    <a:bodyPr/>
+                    <a:lstStyle/>
+                    <a:p>
+                      <a:pPr marL="0" marR="0" lvl="0" indent="0" algn="l" defTabSz="914400" rtl="0" eaLnBrk="1" fontAlgn="auto" latinLnBrk="0" hangingPunct="1">
+                        <a:lnSpc>
+                          <a:spcPct val="100000"/>
+                        </a:lnSpc>
+                        <a:spcBef>
+                          <a:spcPts val="0"/>
+                        </a:spcBef>
+                        <a:spcAft>
+                          <a:spcPts val="0"/>
+                        </a:spcAft>
+                        <a:buClrTx/>
+                        <a:buSzTx/>
+                        <a:buFontTx/>
+                        <a:buNone/>
+                        <a:tabLst/>
+                        <a:defRPr/>
+                      </a:pPr>
+                      <a:r>
+                        <a:rPr lang="en-US" sz="1400" dirty="0"/>
+                        <a:t>625.x264</a:t>
+                      </a:r>
+                    </a:p>
+                    <a:p>
+                      <a:endParaRPr lang="en-US" dirty="0"/>
+                    </a:p>
+                  </a:txBody>
+                  <a:tcPr/>
+                </a:tc>
+                <a:tc>
+                  <a:txBody>
+                    <a:bodyPr/>
+                    <a:lstStyle/>
+                    <a:p>
+                      <a:r>
+                        <a:rPr lang="en-US" altLang="zh-CN" sz="1400" dirty="0"/>
+                        <a:t>0.002</a:t>
+                      </a:r>
+                      <a:endParaRPr lang="en-US" sz="1400" dirty="0"/>
+                    </a:p>
+                  </a:txBody>
+                  <a:tcPr/>
+                </a:tc>
+                <a:tc>
+                  <a:txBody>
+                    <a:bodyPr/>
+                    <a:lstStyle/>
+                    <a:p>
+                      <a:r>
+                        <a:rPr lang="en-US" sz="1400" dirty="0"/>
+                        <a:t>0.</a:t>
+                      </a:r>
+                      <a:r>
+                        <a:rPr lang="en-US" altLang="zh-CN" sz="1400" dirty="0"/>
+                        <a:t>002</a:t>
+                      </a:r>
+                      <a:endParaRPr lang="en-US" sz="1400" dirty="0"/>
+                    </a:p>
+                  </a:txBody>
+                  <a:tcPr/>
+                </a:tc>
+                <a:tc>
+                  <a:txBody>
+                    <a:bodyPr/>
+                    <a:lstStyle/>
+                    <a:p>
+                      <a:r>
+                        <a:rPr lang="en-US" sz="1400" dirty="0"/>
+                        <a:t>1.002</a:t>
+                      </a:r>
+                    </a:p>
+                  </a:txBody>
+                  <a:tcPr/>
+                </a:tc>
+                <a:tc>
+                  <a:txBody>
+                    <a:bodyPr/>
+                    <a:lstStyle/>
+                    <a:p>
+                      <a:r>
+                        <a:rPr lang="en-US" sz="1400" dirty="0"/>
+                        <a:t>1.002</a:t>
+                      </a:r>
+                    </a:p>
+                  </a:txBody>
+                  <a:tcPr/>
+                </a:tc>
+                <a:extLst>
+                  <a:ext uri="{0D108BD9-81ED-4DB2-BD59-A6C34878D82A}">
+                    <a16:rowId xmlns:a16="http://schemas.microsoft.com/office/drawing/2014/main" val="3372276801"/>
+                  </a:ext>
+                </a:extLst>
+              </a:tr>
+              <a:tr h="177968">
+                <a:tc>
+                  <a:txBody>
+                    <a:bodyPr/>
+                    <a:lstStyle/>
+                    <a:p>
+                      <a:pPr marL="0" marR="0" lvl="0" indent="0" algn="l" defTabSz="914400" rtl="0" eaLnBrk="1" fontAlgn="auto" latinLnBrk="0" hangingPunct="1">
+                        <a:lnSpc>
+                          <a:spcPct val="100000"/>
+                        </a:lnSpc>
+                        <a:spcBef>
+                          <a:spcPts val="0"/>
+                        </a:spcBef>
+                        <a:spcAft>
+                          <a:spcPts val="0"/>
+                        </a:spcAft>
+                        <a:buClrTx/>
+                        <a:buSzTx/>
+                        <a:buFontTx/>
+                        <a:buNone/>
+                        <a:tabLst/>
+                        <a:defRPr/>
+                      </a:pPr>
+                      <a:r>
+                        <a:rPr lang="en-US" sz="1400" dirty="0"/>
+                        <a:t>628.pop2</a:t>
+                      </a:r>
+                    </a:p>
+                    <a:p>
+                      <a:endParaRPr lang="en-US" dirty="0"/>
+                    </a:p>
+                  </a:txBody>
+                  <a:tcPr/>
+                </a:tc>
+                <a:tc>
+                  <a:txBody>
+                    <a:bodyPr/>
+                    <a:lstStyle/>
+                    <a:p>
+                      <a:r>
+                        <a:rPr lang="en-US" sz="1400" dirty="0"/>
+                        <a:t>0.008</a:t>
+                      </a:r>
+                    </a:p>
+                  </a:txBody>
+                  <a:tcPr/>
+                </a:tc>
+                <a:tc>
+                  <a:txBody>
+                    <a:bodyPr/>
+                    <a:lstStyle/>
+                    <a:p>
+                      <a:r>
+                        <a:rPr lang="en-US" sz="1400" dirty="0"/>
+                        <a:t>0.004</a:t>
+                      </a:r>
+                    </a:p>
+                  </a:txBody>
+                  <a:tcPr/>
+                </a:tc>
+                <a:tc>
+                  <a:txBody>
+                    <a:bodyPr/>
+                    <a:lstStyle/>
+                    <a:p>
+                      <a:r>
+                        <a:rPr lang="en-US" sz="1400" dirty="0"/>
+                        <a:t>1.008</a:t>
+                      </a:r>
+                    </a:p>
+                  </a:txBody>
+                  <a:tcPr/>
+                </a:tc>
+                <a:tc>
+                  <a:txBody>
+                    <a:bodyPr/>
+                    <a:lstStyle/>
+                    <a:p>
+                      <a:r>
+                        <a:rPr lang="en-US" sz="1400" dirty="0"/>
+                        <a:t>1.004</a:t>
+                      </a:r>
+                    </a:p>
+                  </a:txBody>
+                  <a:tcPr/>
+                </a:tc>
+                <a:extLst>
+                  <a:ext uri="{0D108BD9-81ED-4DB2-BD59-A6C34878D82A}">
+                    <a16:rowId xmlns:a16="http://schemas.microsoft.com/office/drawing/2014/main" val="882440027"/>
+                  </a:ext>
+                </a:extLst>
+              </a:tr>
+              <a:tr h="300660">
+                <a:tc>
+                  <a:txBody>
+                    <a:bodyPr/>
+                    <a:lstStyle/>
+                    <a:p>
+                      <a:r>
+                        <a:rPr lang="en-US" sz="1400" dirty="0"/>
+                        <a:t>641.leela</a:t>
+                      </a:r>
+                    </a:p>
+                  </a:txBody>
+                  <a:tcPr/>
+                </a:tc>
+                <a:tc>
+                  <a:txBody>
+                    <a:bodyPr/>
+                    <a:lstStyle/>
+                    <a:p>
+                      <a:r>
+                        <a:rPr lang="en-US" sz="1400" dirty="0"/>
+                        <a:t>0.029</a:t>
+                      </a:r>
+                    </a:p>
+                  </a:txBody>
+                  <a:tcPr/>
+                </a:tc>
+                <a:tc>
+                  <a:txBody>
+                    <a:bodyPr/>
+                    <a:lstStyle/>
+                    <a:p>
+                      <a:r>
+                        <a:rPr lang="en-US" sz="1400" dirty="0"/>
+                        <a:t>0.005</a:t>
+                      </a:r>
+                    </a:p>
+                  </a:txBody>
+                  <a:tcPr/>
+                </a:tc>
+                <a:tc>
+                  <a:txBody>
+                    <a:bodyPr/>
+                    <a:lstStyle/>
+                    <a:p>
+                      <a:r>
+                        <a:rPr lang="en-US" sz="1400" dirty="0"/>
+                        <a:t>1.029</a:t>
+                      </a:r>
+                    </a:p>
+                  </a:txBody>
+                  <a:tcPr/>
+                </a:tc>
+                <a:tc>
+                  <a:txBody>
+                    <a:bodyPr/>
+                    <a:lstStyle/>
+                    <a:p>
+                      <a:r>
+                        <a:rPr lang="en-US" sz="1400" dirty="0"/>
+                        <a:t>0.9993</a:t>
+                      </a:r>
+                    </a:p>
+                  </a:txBody>
+                  <a:tcPr/>
+                </a:tc>
+                <a:extLst>
+                  <a:ext uri="{0D108BD9-81ED-4DB2-BD59-A6C34878D82A}">
+                    <a16:rowId xmlns:a16="http://schemas.microsoft.com/office/drawing/2014/main" val="2484444268"/>
+                  </a:ext>
+                </a:extLst>
+              </a:tr>
+              <a:tr h="300660">
+                <a:tc>
+                  <a:txBody>
+                    <a:bodyPr/>
+                    <a:lstStyle/>
+                    <a:p>
+                      <a:pPr marL="0" marR="0" lvl="0" indent="0" algn="l" defTabSz="914400" rtl="0" eaLnBrk="1" fontAlgn="auto" latinLnBrk="0" hangingPunct="1">
+                        <a:lnSpc>
+                          <a:spcPct val="100000"/>
+                        </a:lnSpc>
+                        <a:spcBef>
+                          <a:spcPts val="0"/>
+                        </a:spcBef>
+                        <a:spcAft>
+                          <a:spcPts val="0"/>
+                        </a:spcAft>
+                        <a:buClrTx/>
+                        <a:buSzTx/>
+                        <a:buFontTx/>
+                        <a:buNone/>
+                        <a:tabLst/>
+                        <a:defRPr/>
+                      </a:pPr>
+                      <a:r>
+                        <a:rPr lang="en-US" sz="1400" dirty="0"/>
+                        <a:t>649.fotonik3d</a:t>
+                      </a:r>
+                    </a:p>
+                    <a:p>
+                      <a:endParaRPr lang="en-US" dirty="0"/>
+                    </a:p>
+                  </a:txBody>
+                  <a:tcPr/>
+                </a:tc>
+                <a:tc>
+                  <a:txBody>
+                    <a:bodyPr/>
+                    <a:lstStyle/>
+                    <a:p>
+                      <a:r>
+                        <a:rPr lang="en-US" sz="1400" dirty="0"/>
+                        <a:t>0.001</a:t>
+                      </a:r>
+                    </a:p>
+                  </a:txBody>
+                  <a:tcPr/>
+                </a:tc>
+                <a:tc>
+                  <a:txBody>
+                    <a:bodyPr/>
+                    <a:lstStyle/>
+                    <a:p>
+                      <a:r>
+                        <a:rPr lang="en-US" sz="1400" dirty="0"/>
+                        <a:t>0.001</a:t>
+                      </a:r>
+                    </a:p>
+                  </a:txBody>
+                  <a:tcPr/>
+                </a:tc>
+                <a:tc>
+                  <a:txBody>
+                    <a:bodyPr/>
+                    <a:lstStyle/>
+                    <a:p>
+                      <a:r>
+                        <a:rPr lang="en-US" sz="1400" dirty="0"/>
+                        <a:t>1.001</a:t>
+                      </a:r>
+                    </a:p>
+                  </a:txBody>
+                  <a:tcPr/>
+                </a:tc>
+                <a:tc>
+                  <a:txBody>
+                    <a:bodyPr/>
+                    <a:lstStyle/>
+                    <a:p>
+                      <a:r>
+                        <a:rPr lang="en-US" sz="1400" dirty="0"/>
+                        <a:t>1.001</a:t>
+                      </a:r>
+                    </a:p>
+                  </a:txBody>
+                  <a:tcPr/>
+                </a:tc>
+                <a:extLst>
+                  <a:ext uri="{0D108BD9-81ED-4DB2-BD59-A6C34878D82A}">
+                    <a16:rowId xmlns:a16="http://schemas.microsoft.com/office/drawing/2014/main" val="619812218"/>
+                  </a:ext>
+                </a:extLst>
+              </a:tr>
+              <a:tr h="300660">
+                <a:tc>
+                  <a:txBody>
+                    <a:bodyPr/>
+                    <a:lstStyle/>
+                    <a:p>
+                      <a:r>
+                        <a:rPr lang="en-US" sz="1400" dirty="0"/>
+                        <a:t>600.perlbench</a:t>
+                      </a:r>
+                    </a:p>
+                  </a:txBody>
+                  <a:tcPr/>
+                </a:tc>
+                <a:tc>
+                  <a:txBody>
+                    <a:bodyPr/>
+                    <a:lstStyle/>
+                    <a:p>
+                      <a:r>
+                        <a:rPr lang="en-US" sz="1400" dirty="0"/>
+                        <a:t>0.011</a:t>
+                      </a:r>
+                    </a:p>
+                  </a:txBody>
+                  <a:tcPr/>
+                </a:tc>
+                <a:tc>
+                  <a:txBody>
+                    <a:bodyPr/>
+                    <a:lstStyle/>
+                    <a:p>
+                      <a:r>
+                        <a:rPr lang="en-US" sz="1400" dirty="0"/>
+                        <a:t>0.015</a:t>
+                      </a:r>
+                    </a:p>
+                  </a:txBody>
+                  <a:tcPr/>
+                </a:tc>
+                <a:tc>
+                  <a:txBody>
+                    <a:bodyPr/>
+                    <a:lstStyle/>
+                    <a:p>
+                      <a:r>
+                        <a:rPr lang="en-US" sz="1400" dirty="0"/>
+                        <a:t>1.012</a:t>
+                      </a:r>
+                    </a:p>
+                  </a:txBody>
+                  <a:tcPr/>
+                </a:tc>
+                <a:tc>
+                  <a:txBody>
+                    <a:bodyPr/>
+                    <a:lstStyle/>
+                    <a:p>
+                      <a:r>
+                        <a:rPr lang="en-US" sz="1400" dirty="0"/>
+                        <a:t>1.015</a:t>
+                      </a:r>
+                    </a:p>
+                  </a:txBody>
+                  <a:tcPr/>
+                </a:tc>
+                <a:extLst>
+                  <a:ext uri="{0D108BD9-81ED-4DB2-BD59-A6C34878D82A}">
+                    <a16:rowId xmlns:a16="http://schemas.microsoft.com/office/drawing/2014/main" val="3194304926"/>
+                  </a:ext>
+                </a:extLst>
+              </a:tr>
+            </a:tbl>
+          </a:graphicData>
+        </a:graphic>
+      </p:graphicFrame>
+      <p:sp>
+        <p:nvSpPr>
+          <p:cNvPr id="9" name="TextBox 8">
+            <a:extLst>
+              <a:ext uri="{FF2B5EF4-FFF2-40B4-BE49-F238E27FC236}">
+                <a16:creationId xmlns:a16="http://schemas.microsoft.com/office/drawing/2014/main" id="{6FF18566-F8AB-45AC-BAF6-608D174B5F4F}"/>
+              </a:ext>
+            </a:extLst>
+          </p:cNvPr>
+          <p:cNvSpPr txBox="1"/>
+          <p:nvPr/>
+        </p:nvSpPr>
+        <p:spPr>
+          <a:xfrm>
+            <a:off x="6316051" y="1078836"/>
+            <a:ext cx="3827099" cy="369332"/>
+          </a:xfrm>
+          <a:prstGeom prst="rect">
+            <a:avLst/>
+          </a:prstGeom>
+          <a:noFill/>
+        </p:spPr>
+        <p:txBody>
+          <a:bodyPr wrap="square" rtlCol="0">
+            <a:spAutoFit/>
+          </a:bodyPr>
+          <a:lstStyle/>
+          <a:p>
+            <a:pPr marL="285750" indent="-285750">
+              <a:buFont typeface="Arial" panose="020B0604020202020204" pitchFamily="34" charset="0"/>
+              <a:buChar char="•"/>
+            </a:pPr>
+            <a:r>
+              <a:rPr lang="en-US" dirty="0"/>
+              <a:t>Performance for different traces</a:t>
             </a:r>
           </a:p>
         </p:txBody>
       </p:sp>
       <p:sp>
         <p:nvSpPr>
-          <p:cNvPr id="16" name="Oval 15"/>
-          <p:cNvSpPr>
-            <a:spLocks noGrp="1" noRot="1" noChangeAspect="1" noMove="1" noResize="1" noEditPoints="1" noAdjustHandles="1" noChangeArrowheads="1" noChangeShapeType="1" noTextEdit="1"/>
-          </p:cNvSpPr>
+          <p:cNvPr id="10" name="TextBox 9">
+            <a:extLst>
+              <a:ext uri="{FF2B5EF4-FFF2-40B4-BE49-F238E27FC236}">
+                <a16:creationId xmlns:a16="http://schemas.microsoft.com/office/drawing/2014/main" id="{B3856F79-32BC-4303-9C8B-899CF27B034C}"/>
+              </a:ext>
+            </a:extLst>
+          </p:cNvPr>
+          <p:cNvSpPr txBox="1"/>
           <p:nvPr/>
         </p:nvSpPr>
         <p:spPr>
           <a:xfrm>
-            <a:off x="11401725" y="6229681"/>
-            <a:ext cx="457200" cy="457200"/>
+            <a:off x="5638056" y="2972915"/>
+            <a:ext cx="914400" cy="914400"/>
           </a:xfrm>
-          <a:prstGeom prst="ellipse">
+          <a:prstGeom prst="rect">
             <a:avLst/>
           </a:prstGeom>
-          <a:blipFill dpi="0" rotWithShape="1">
-            <a:blip r:embed="rId4">
-              <a:duotone>
-                <a:schemeClr val="accent1">
-                  <a:shade val="45000"/>
-                  <a:satMod val="135000"/>
-                </a:schemeClr>
-                <a:prstClr val="white"/>
-              </a:duotone>
-            </a:blip>
-            <a:srcRect/>
-            <a:tile tx="50800" ty="0" sx="85000" sy="85000" flip="none" algn="tl"/>
-          </a:blipFill>
-          <a:ln w="25400" cap="flat" cmpd="sng" algn="ctr">
-            <a:noFill/>
-            <a:prstDash val="solid"/>
-          </a:ln>
-          <a:effectLst/>
+          <a:noFill/>
         </p:spPr>
         <p:txBody>
-          <a:bodyPr lIns="0" tIns="0" rIns="0" bIns="0" rtlCol="0" anchor="ctr"/>
+          <a:bodyPr wrap="square" rtlCol="0">
+            <a:spAutoFit/>
+          </a:bodyPr>
           <a:lstStyle/>
           <a:p>
-            <a:pPr marL="0" marR="0" lvl="0" indent="0" algn="ctr" defTabSz="914400" eaLnBrk="1" fontAlgn="auto" latinLnBrk="0" hangingPunct="1">
-              <a:lnSpc>
-                <a:spcPct val="100000"/>
-              </a:lnSpc>
-              <a:spcBef>
-                <a:spcPts val="0"/>
-              </a:spcBef>
-              <a:spcAft>
-                <a:spcPts val="0"/>
-              </a:spcAft>
-              <a:buClrTx/>
-              <a:buSzTx/>
-              <a:buFontTx/>
-              <a:buNone/>
-              <a:defRPr/>
-            </a:pPr>
-            <a:endParaRPr kumimoji="0" lang="en-US" sz="2000" b="0" i="0" u="none" strike="noStrike" kern="0" cap="none" spc="0" normalizeH="0" baseline="0" noProof="0" dirty="0">
-              <a:ln>
-                <a:noFill/>
-              </a:ln>
-              <a:solidFill>
-                <a:prstClr val="white"/>
-              </a:solidFill>
-              <a:effectLst/>
-              <a:uLnTx/>
-              <a:uFillTx/>
-              <a:latin typeface="Rockwell Extra Bold" panose="02060903040505020403" pitchFamily="18" charset="0"/>
-              <a:ea typeface="+mn-ea"/>
-              <a:cs typeface="+mn-cs"/>
-            </a:endParaRPr>
+            <a:endParaRPr lang="en-US"/>
           </a:p>
         </p:txBody>
       </p:sp>
       <p:sp>
         <p:nvSpPr>
-          <p:cNvPr id="18" name="Oval 17"/>
-          <p:cNvSpPr>
-            <a:spLocks noGrp="1" noRot="1" noChangeAspect="1" noMove="1" noResize="1" noEditPoints="1" noAdjustHandles="1" noChangeArrowheads="1" noChangeShapeType="1" noTextEdit="1"/>
-          </p:cNvSpPr>
+          <p:cNvPr id="11" name="TextBox 10">
+            <a:extLst>
+              <a:ext uri="{FF2B5EF4-FFF2-40B4-BE49-F238E27FC236}">
+                <a16:creationId xmlns:a16="http://schemas.microsoft.com/office/drawing/2014/main" id="{76E8EAAF-66F2-4DF4-9711-169523BAE456}"/>
+              </a:ext>
+            </a:extLst>
+          </p:cNvPr>
+          <p:cNvSpPr txBox="1"/>
           <p:nvPr/>
         </p:nvSpPr>
         <p:spPr>
           <a:xfrm>
-            <a:off x="11430918" y="6258874"/>
-            <a:ext cx="398813" cy="398815"/>
+            <a:off x="298853" y="5779164"/>
+            <a:ext cx="9077092" cy="369332"/>
           </a:xfrm>
-          <a:prstGeom prst="ellipse">
+          <a:prstGeom prst="rect">
             <a:avLst/>
           </a:prstGeom>
           <a:noFill/>
-          <a:ln w="12700" cap="flat" cmpd="sng" algn="ctr">
-            <a:solidFill>
-              <a:srgbClr val="FFFFFF"/>
-            </a:solidFill>
-            <a:prstDash val="solid"/>
-          </a:ln>
-          <a:effectLst/>
         </p:spPr>
         <p:txBody>
-          <a:bodyPr rtlCol="0" anchor="ctr"/>
+          <a:bodyPr wrap="square" rtlCol="0">
+            <a:spAutoFit/>
+          </a:bodyPr>
           <a:lstStyle/>
           <a:p>
-            <a:pPr marL="0" marR="0" lvl="0" indent="0" algn="ctr" defTabSz="914400" eaLnBrk="1" fontAlgn="auto" latinLnBrk="0" hangingPunct="1">
-              <a:lnSpc>
-                <a:spcPct val="100000"/>
-              </a:lnSpc>
-              <a:spcBef>
-                <a:spcPts val="0"/>
-              </a:spcBef>
-              <a:spcAft>
-                <a:spcPts val="0"/>
-              </a:spcAft>
-              <a:buClrTx/>
-              <a:buSzTx/>
-              <a:buFontTx/>
-              <a:buNone/>
-              <a:defRPr/>
-            </a:pPr>
-            <a:endParaRPr kumimoji="0" lang="en-US" sz="1800" b="0" i="0" u="none" strike="noStrike" kern="0" cap="none" spc="0" normalizeH="0" baseline="0" noProof="0" dirty="0">
-              <a:ln>
-                <a:noFill/>
-              </a:ln>
-              <a:solidFill>
-                <a:prstClr val="white"/>
-              </a:solidFill>
-              <a:effectLst/>
-              <a:uLnTx/>
-              <a:uFillTx/>
-              <a:latin typeface="Calibri" panose="020F0502020204030204"/>
-              <a:ea typeface="+mn-ea"/>
-              <a:cs typeface="+mn-cs"/>
-            </a:endParaRPr>
+            <a:r>
+              <a:rPr lang="en-US" dirty="0"/>
+              <a:t>*PPL:  </a:t>
+            </a:r>
+            <a:r>
+              <a:rPr lang="en-US" dirty="0" err="1"/>
+              <a:t>abbr</a:t>
+            </a:r>
+            <a:r>
+              <a:rPr lang="en-US" dirty="0"/>
+              <a:t> of perplexity, which is cross entropy’s application in NLP problem </a:t>
+            </a:r>
           </a:p>
         </p:txBody>
       </p:sp>
     </p:spTree>
+    <p:extLst>
+      <p:ext uri="{BB962C8B-B14F-4D97-AF65-F5344CB8AC3E}">
+        <p14:creationId xmlns:p14="http://schemas.microsoft.com/office/powerpoint/2010/main" val="2533266341"/>
+      </p:ext>
+    </p:extLst>
   </p:cSld>
   <p:clrMapOvr>
     <a:masterClrMapping/>
   </p:clrMapOvr>
-  <p:timing>
-    <p:tnLst>
-      <p:par>
-        <p:cTn id="1" dur="indefinite" restart="never" nodeType="tmRoot">
-          <p:childTnLst>
-            <p:seq concurrent="1" nextAc="seek">
-              <p:cTn id="2" dur="indefinite" nodeType="mainSeq">
-                <p:childTnLst>
-                  <p:par>
-                    <p:cTn id="3" fill="hold">
-                      <p:stCondLst>
-                        <p:cond delay="indefinite"/>
-                        <p:cond evt="onBegin" delay="0">
-                          <p:tn val="2"/>
-                        </p:cond>
-                      </p:stCondLst>
-                      <p:childTnLst>
-                        <p:par>
-                          <p:cTn id="4" fill="hold">
-                            <p:stCondLst>
-                              <p:cond delay="0"/>
-                            </p:stCondLst>
-                            <p:childTnLst>
-                              <p:par>
-                                <p:cTn id="5" presetID="10" presetClass="entr" presetSubtype="0" fill="hold" grpId="0" nodeType="withEffect">
-                                  <p:stCondLst>
-                                    <p:cond delay="500"/>
-                                  </p:stCondLst>
-                                  <p:childTnLst>
-                                    <p:set>
-                                      <p:cBhvr>
-                                        <p:cTn id="6" dur="1" fill="hold">
-                                          <p:stCondLst>
-                                            <p:cond delay="0"/>
-                                          </p:stCondLst>
-                                        </p:cTn>
-                                        <p:tgtEl>
-                                          <p:spTgt spid="2"/>
-                                        </p:tgtEl>
-                                        <p:attrNameLst>
-                                          <p:attrName>style.visibility</p:attrName>
-                                        </p:attrNameLst>
-                                      </p:cBhvr>
-                                      <p:to>
-                                        <p:strVal val="visible"/>
-                                      </p:to>
-                                    </p:set>
-                                    <p:animEffect transition="in" filter="fade">
-                                      <p:cBhvr>
-                                        <p:cTn id="7" dur="700"/>
-                                        <p:tgtEl>
-                                          <p:spTgt spid="2"/>
-                                        </p:tgtEl>
-                                      </p:cBhvr>
-                                    </p:animEffect>
-                                  </p:childTnLst>
-                                </p:cTn>
-                              </p:par>
-                            </p:childTnLst>
-                          </p:cTn>
-                        </p:par>
-                      </p:childTnLst>
-                    </p:cTn>
-                  </p:par>
-                </p:childTnLst>
-              </p:cTn>
-              <p:prevCondLst>
-                <p:cond evt="onPrev" delay="0">
-                  <p:tgtEl>
-                    <p:sldTgt/>
-                  </p:tgtEl>
-                </p:cond>
-              </p:prevCondLst>
-              <p:nextCondLst>
-                <p:cond evt="onNext" delay="0">
-                  <p:tgtEl>
-                    <p:sldTgt/>
-                  </p:tgtEl>
-                </p:cond>
-              </p:nextCondLst>
-            </p:seq>
-          </p:childTnLst>
-        </p:cTn>
-      </p:par>
-    </p:tnLst>
-    <p:bldLst>
-      <p:bldP spid="2" grpId="0"/>
-    </p:bldLst>
-  </p:timing>
 </p:sld>
 </file>
 

--- a/final_pre.pptx
+++ b/final_pre.pptx
@@ -17,8 +17,9 @@
     <p:sldId id="279" r:id="rId11"/>
     <p:sldId id="276" r:id="rId12"/>
     <p:sldId id="263" r:id="rId13"/>
-    <p:sldId id="264" r:id="rId14"/>
-    <p:sldId id="269" r:id="rId15"/>
+    <p:sldId id="280" r:id="rId14"/>
+    <p:sldId id="264" r:id="rId15"/>
+    <p:sldId id="269" r:id="rId16"/>
   </p:sldIdLst>
   <p:sldSz cx="12192000" cy="6858000"/>
   <p:notesSz cx="6858000" cy="9144000"/>
@@ -7471,6 +7472,681 @@
 <file path=ppt/slides/slide13.xml><?xml version="1.0" encoding="utf-8"?>
 <p:sld xmlns:a="http://schemas.openxmlformats.org/drawingml/2006/main" xmlns:r="http://schemas.openxmlformats.org/officeDocument/2006/relationships" xmlns:p="http://schemas.openxmlformats.org/presentationml/2006/main">
   <p:cSld>
+    <p:spTree>
+      <p:nvGrpSpPr>
+        <p:cNvPr id="1" name=""/>
+        <p:cNvGrpSpPr/>
+        <p:nvPr/>
+      </p:nvGrpSpPr>
+      <p:grpSpPr>
+        <a:xfrm>
+          <a:off x="0" y="0"/>
+          <a:ext cx="0" cy="0"/>
+          <a:chOff x="0" y="0"/>
+          <a:chExt cx="0" cy="0"/>
+        </a:xfrm>
+      </p:grpSpPr>
+      <p:sp useBgFill="1">
+        <p:nvSpPr>
+          <p:cNvPr id="8" name="Rectangle 7"/>
+          <p:cNvSpPr>
+            <a:spLocks noGrp="1" noRot="1" noChangeAspect="1" noMove="1" noResize="1" noEditPoints="1" noAdjustHandles="1" noChangeArrowheads="1" noChangeShapeType="1" noTextEdit="1"/>
+          </p:cNvSpPr>
+          <p:nvPr/>
+        </p:nvSpPr>
+        <p:spPr>
+          <a:xfrm>
+            <a:off x="0" y="0"/>
+            <a:ext cx="12192000" cy="6858000"/>
+          </a:xfrm>
+          <a:prstGeom prst="rect">
+            <a:avLst/>
+          </a:prstGeom>
+          <a:ln>
+            <a:noFill/>
+          </a:ln>
+        </p:spPr>
+        <p:style>
+          <a:lnRef idx="2">
+            <a:schemeClr val="accent1">
+              <a:shade val="50000"/>
+            </a:schemeClr>
+          </a:lnRef>
+          <a:fillRef idx="1">
+            <a:schemeClr val="accent1"/>
+          </a:fillRef>
+          <a:effectRef idx="0">
+            <a:schemeClr val="accent1"/>
+          </a:effectRef>
+          <a:fontRef idx="minor">
+            <a:schemeClr val="lt1"/>
+          </a:fontRef>
+        </p:style>
+        <p:txBody>
+          <a:bodyPr rtlCol="0" anchor="ctr"/>
+          <a:lstStyle/>
+          <a:p>
+            <a:pPr algn="ctr"/>
+            <a:endParaRPr lang="en-US"/>
+          </a:p>
+        </p:txBody>
+      </p:sp>
+      <p:sp>
+        <p:nvSpPr>
+          <p:cNvPr id="10" name="Rectangle 9"/>
+          <p:cNvSpPr>
+            <a:spLocks noGrp="1" noRot="1" noChangeAspect="1" noMove="1" noResize="1" noEditPoints="1" noAdjustHandles="1" noChangeArrowheads="1" noChangeShapeType="1" noTextEdit="1"/>
+          </p:cNvSpPr>
+          <p:nvPr/>
+        </p:nvSpPr>
+        <p:spPr>
+          <a:xfrm>
+            <a:off x="984504" y="464119"/>
+            <a:ext cx="10222992" cy="80683"/>
+          </a:xfrm>
+          <a:prstGeom prst="rect">
+            <a:avLst/>
+          </a:prstGeom>
+          <a:blipFill dpi="0" rotWithShape="1">
+            <a:blip r:embed="rId2">
+              <a:alphaModFix amt="85000"/>
+              <a:lum bright="70000" contrast="-70000"/>
+              <a:extLst>
+                <a:ext uri="{BEBA8EAE-BF5A-486C-A8C5-ECC9F3942E4B}">
+                  <a14:imgProps xmlns:a14="http://schemas.microsoft.com/office/drawing/2010/main">
+                    <a14:imgLayer r:embed="rId3">
+                      <a14:imgEffect>
+                        <a14:sharpenSoften amount="61000"/>
+                      </a14:imgEffect>
+                    </a14:imgLayer>
+                  </a14:imgProps>
+                </a:ext>
+                <a:ext uri="{28A0092B-C50C-407E-A947-70E740481C1C}">
+                  <a14:useLocalDpi xmlns:a14="http://schemas.microsoft.com/office/drawing/2010/main" val="0"/>
+                </a:ext>
+              </a:extLst>
+            </a:blip>
+            <a:srcRect/>
+            <a:tile tx="0" ty="-762000" sx="92000" sy="89000" flip="xy" algn="ctr"/>
+          </a:blipFill>
+          <a:ln>
+            <a:noFill/>
+          </a:ln>
+        </p:spPr>
+        <p:style>
+          <a:lnRef idx="2">
+            <a:schemeClr val="accent1">
+              <a:shade val="50000"/>
+            </a:schemeClr>
+          </a:lnRef>
+          <a:fillRef idx="1">
+            <a:schemeClr val="accent1"/>
+          </a:fillRef>
+          <a:effectRef idx="0">
+            <a:schemeClr val="accent1"/>
+          </a:effectRef>
+          <a:fontRef idx="minor">
+            <a:schemeClr val="lt1"/>
+          </a:fontRef>
+        </p:style>
+      </p:sp>
+      <p:sp>
+        <p:nvSpPr>
+          <p:cNvPr id="12" name="Rectangle 11"/>
+          <p:cNvSpPr>
+            <a:spLocks noGrp="1" noRot="1" noChangeAspect="1" noMove="1" noResize="1" noEditPoints="1" noAdjustHandles="1" noChangeArrowheads="1" noChangeShapeType="1" noTextEdit="1"/>
+          </p:cNvSpPr>
+          <p:nvPr/>
+        </p:nvSpPr>
+        <p:spPr>
+          <a:xfrm>
+            <a:off x="984504" y="601952"/>
+            <a:ext cx="10222992" cy="1385874"/>
+          </a:xfrm>
+          <a:prstGeom prst="rect">
+            <a:avLst/>
+          </a:prstGeom>
+          <a:blipFill dpi="0" rotWithShape="1">
+            <a:blip r:embed="rId2">
+              <a:alphaModFix amt="85000"/>
+              <a:lum bright="70000" contrast="-70000"/>
+              <a:extLst>
+                <a:ext uri="{BEBA8EAE-BF5A-486C-A8C5-ECC9F3942E4B}">
+                  <a14:imgProps xmlns:a14="http://schemas.microsoft.com/office/drawing/2010/main">
+                    <a14:imgLayer r:embed="rId3">
+                      <a14:imgEffect>
+                        <a14:sharpenSoften amount="61000"/>
+                      </a14:imgEffect>
+                    </a14:imgLayer>
+                  </a14:imgProps>
+                </a:ext>
+                <a:ext uri="{28A0092B-C50C-407E-A947-70E740481C1C}">
+                  <a14:useLocalDpi xmlns:a14="http://schemas.microsoft.com/office/drawing/2010/main" val="0"/>
+                </a:ext>
+              </a:extLst>
+            </a:blip>
+            <a:srcRect/>
+            <a:tile tx="0" ty="-704850" sx="92000" sy="89000" flip="xy" algn="ctr"/>
+          </a:blipFill>
+          <a:ln>
+            <a:noFill/>
+          </a:ln>
+        </p:spPr>
+        <p:style>
+          <a:lnRef idx="2">
+            <a:schemeClr val="accent1">
+              <a:shade val="50000"/>
+            </a:schemeClr>
+          </a:lnRef>
+          <a:fillRef idx="1">
+            <a:schemeClr val="accent1"/>
+          </a:fillRef>
+          <a:effectRef idx="0">
+            <a:schemeClr val="accent1"/>
+          </a:effectRef>
+          <a:fontRef idx="minor">
+            <a:schemeClr val="lt1"/>
+          </a:fontRef>
+        </p:style>
+      </p:sp>
+      <p:sp>
+        <p:nvSpPr>
+          <p:cNvPr id="14" name="Rectangle 13"/>
+          <p:cNvSpPr>
+            <a:spLocks noGrp="1" noRot="1" noChangeAspect="1" noMove="1" noResize="1" noEditPoints="1" noAdjustHandles="1" noChangeArrowheads="1" noChangeShapeType="1" noTextEdit="1"/>
+          </p:cNvSpPr>
+          <p:nvPr/>
+        </p:nvSpPr>
+        <p:spPr>
+          <a:xfrm>
+            <a:off x="984504" y="2038655"/>
+            <a:ext cx="10222992" cy="80683"/>
+          </a:xfrm>
+          <a:prstGeom prst="rect">
+            <a:avLst/>
+          </a:prstGeom>
+          <a:blipFill dpi="0" rotWithShape="1">
+            <a:blip r:embed="rId2">
+              <a:alphaModFix amt="85000"/>
+              <a:lum bright="70000" contrast="-70000"/>
+              <a:extLst>
+                <a:ext uri="{BEBA8EAE-BF5A-486C-A8C5-ECC9F3942E4B}">
+                  <a14:imgProps xmlns:a14="http://schemas.microsoft.com/office/drawing/2010/main">
+                    <a14:imgLayer r:embed="rId3">
+                      <a14:imgEffect>
+                        <a14:sharpenSoften amount="61000"/>
+                      </a14:imgEffect>
+                    </a14:imgLayer>
+                  </a14:imgProps>
+                </a:ext>
+                <a:ext uri="{28A0092B-C50C-407E-A947-70E740481C1C}">
+                  <a14:useLocalDpi xmlns:a14="http://schemas.microsoft.com/office/drawing/2010/main" val="0"/>
+                </a:ext>
+              </a:extLst>
+            </a:blip>
+            <a:srcRect/>
+            <a:tile tx="0" ty="-717550" sx="92000" sy="89000" flip="xy" algn="ctr"/>
+          </a:blipFill>
+          <a:ln>
+            <a:noFill/>
+          </a:ln>
+        </p:spPr>
+        <p:style>
+          <a:lnRef idx="2">
+            <a:schemeClr val="accent1">
+              <a:shade val="50000"/>
+            </a:schemeClr>
+          </a:lnRef>
+          <a:fillRef idx="1">
+            <a:schemeClr val="accent1"/>
+          </a:fillRef>
+          <a:effectRef idx="0">
+            <a:schemeClr val="accent1"/>
+          </a:effectRef>
+          <a:fontRef idx="minor">
+            <a:schemeClr val="lt1"/>
+          </a:fontRef>
+        </p:style>
+      </p:sp>
+      <p:sp>
+        <p:nvSpPr>
+          <p:cNvPr id="2" name="Title 1"/>
+          <p:cNvSpPr>
+            <a:spLocks noGrp="1"/>
+          </p:cNvSpPr>
+          <p:nvPr>
+            <p:ph type="title"/>
+          </p:nvPr>
+        </p:nvSpPr>
+        <p:spPr>
+          <a:xfrm>
+            <a:off x="1069848" y="484632"/>
+            <a:ext cx="10058400" cy="1609344"/>
+          </a:xfrm>
+        </p:spPr>
+        <p:txBody>
+          <a:bodyPr>
+            <a:normAutofit/>
+          </a:bodyPr>
+          <a:lstStyle/>
+          <a:p>
+            <a:r>
+              <a:rPr lang="en-US" altLang="zh-CN" dirty="0"/>
+              <a:t>Future</a:t>
+            </a:r>
+            <a:r>
+              <a:rPr lang="zh-CN" altLang="en-US" dirty="0"/>
+              <a:t> </a:t>
+            </a:r>
+            <a:r>
+              <a:rPr lang="en-US" altLang="zh-CN" dirty="0"/>
+              <a:t>work</a:t>
+            </a:r>
+            <a:endParaRPr lang="en-US" dirty="0"/>
+          </a:p>
+        </p:txBody>
+      </p:sp>
+      <p:sp>
+        <p:nvSpPr>
+          <p:cNvPr id="3" name="Content Placeholder 2"/>
+          <p:cNvSpPr>
+            <a:spLocks noGrp="1"/>
+          </p:cNvSpPr>
+          <p:nvPr>
+            <p:ph idx="1"/>
+          </p:nvPr>
+        </p:nvSpPr>
+        <p:spPr>
+          <a:xfrm>
+            <a:off x="1069848" y="2320412"/>
+            <a:ext cx="10058400" cy="3851787"/>
+          </a:xfrm>
+        </p:spPr>
+        <p:txBody>
+          <a:bodyPr>
+            <a:normAutofit/>
+          </a:bodyPr>
+          <a:lstStyle/>
+          <a:p>
+            <a:r>
+              <a:rPr lang="en-US" altLang="zh-CN" sz="2200" dirty="0"/>
+              <a:t>Decide</a:t>
+            </a:r>
+            <a:r>
+              <a:rPr lang="zh-CN" altLang="en-US" sz="2200" dirty="0"/>
+              <a:t> </a:t>
+            </a:r>
+            <a:r>
+              <a:rPr lang="en-US" altLang="zh-CN" sz="2200" dirty="0"/>
+              <a:t>the</a:t>
+            </a:r>
+            <a:r>
+              <a:rPr lang="zh-CN" altLang="en-US" sz="2200" dirty="0"/>
+              <a:t> </a:t>
+            </a:r>
+            <a:r>
+              <a:rPr lang="en-US" altLang="zh-CN" sz="2200" dirty="0"/>
+              <a:t>actual</a:t>
+            </a:r>
+            <a:r>
+              <a:rPr lang="zh-CN" altLang="en-US" sz="2200" dirty="0"/>
+              <a:t> </a:t>
+            </a:r>
+            <a:r>
+              <a:rPr lang="en-US" altLang="zh-CN" sz="2200" dirty="0"/>
+              <a:t>hardware</a:t>
+            </a:r>
+            <a:r>
+              <a:rPr lang="zh-CN" altLang="en-US" sz="2200" dirty="0"/>
+              <a:t> </a:t>
+            </a:r>
+            <a:r>
+              <a:rPr lang="en-US" altLang="zh-CN" sz="2200" dirty="0"/>
+              <a:t>implementation</a:t>
+            </a:r>
+          </a:p>
+          <a:p>
+            <a:pPr marL="274320" lvl="1" indent="0">
+              <a:buNone/>
+            </a:pPr>
+            <a:endParaRPr lang="en-US" altLang="zh-CN" sz="2400" dirty="0"/>
+          </a:p>
+          <a:p>
+            <a:r>
+              <a:rPr lang="en-US" altLang="zh-CN" sz="2400" dirty="0"/>
+              <a:t>Evaluate</a:t>
+            </a:r>
+            <a:r>
+              <a:rPr lang="zh-CN" altLang="en-US" sz="2400" dirty="0"/>
+              <a:t> </a:t>
+            </a:r>
+            <a:r>
+              <a:rPr lang="en-US" altLang="zh-CN" sz="2400" dirty="0"/>
+              <a:t>HW</a:t>
+            </a:r>
+            <a:r>
+              <a:rPr lang="zh-CN" altLang="en-US" sz="2400" dirty="0"/>
+              <a:t> </a:t>
+            </a:r>
+            <a:r>
+              <a:rPr lang="en-US" altLang="zh-CN" sz="2400" dirty="0"/>
+              <a:t>implementation</a:t>
+            </a:r>
+            <a:r>
+              <a:rPr lang="zh-CN" altLang="en-US" sz="2400" dirty="0"/>
+              <a:t> </a:t>
+            </a:r>
+            <a:r>
+              <a:rPr lang="en-US" altLang="zh-CN" sz="2400" dirty="0"/>
+              <a:t>on</a:t>
+            </a:r>
+            <a:r>
+              <a:rPr lang="zh-CN" altLang="en-US" sz="2400" dirty="0"/>
+              <a:t> </a:t>
+            </a:r>
+            <a:r>
+              <a:rPr lang="en-US" altLang="zh-CN" sz="2400" dirty="0" err="1"/>
+              <a:t>MacSim</a:t>
+            </a:r>
+            <a:r>
+              <a:rPr lang="zh-CN" altLang="en-US" sz="2400" dirty="0"/>
+              <a:t> </a:t>
+            </a:r>
+            <a:r>
+              <a:rPr lang="en-US" altLang="zh-CN" sz="2400" dirty="0"/>
+              <a:t>or</a:t>
+            </a:r>
+            <a:r>
+              <a:rPr lang="zh-CN" altLang="en-US" sz="2400" dirty="0"/>
+              <a:t> </a:t>
+            </a:r>
+            <a:r>
+              <a:rPr lang="en-US" altLang="zh-CN" sz="2400" dirty="0"/>
+              <a:t>Gem5</a:t>
+            </a:r>
+          </a:p>
+          <a:p>
+            <a:endParaRPr lang="en-US" altLang="zh-CN" sz="2400" dirty="0"/>
+          </a:p>
+          <a:p>
+            <a:r>
+              <a:rPr lang="en-US" altLang="zh-CN" sz="2400" dirty="0"/>
+              <a:t>Compared</a:t>
+            </a:r>
+            <a:r>
+              <a:rPr lang="zh-CN" altLang="en-US" sz="2400" dirty="0"/>
+              <a:t> </a:t>
+            </a:r>
+            <a:r>
+              <a:rPr lang="en-US" altLang="zh-CN" sz="2400" dirty="0"/>
+              <a:t>performance</a:t>
+            </a:r>
+            <a:r>
+              <a:rPr lang="zh-CN" altLang="en-US" sz="2400" dirty="0"/>
+              <a:t> </a:t>
+            </a:r>
+            <a:r>
+              <a:rPr lang="en-US" altLang="zh-CN" sz="2400" dirty="0"/>
+              <a:t>with</a:t>
+            </a:r>
+            <a:r>
+              <a:rPr lang="zh-CN" altLang="en-US" sz="2400" dirty="0"/>
+              <a:t> </a:t>
+            </a:r>
+            <a:r>
+              <a:rPr lang="en-US" altLang="zh-CN" sz="2400" dirty="0"/>
+              <a:t>store-set</a:t>
+            </a:r>
+            <a:r>
+              <a:rPr lang="zh-CN" altLang="en-US" sz="2400" dirty="0"/>
+              <a:t> </a:t>
+            </a:r>
+            <a:r>
+              <a:rPr lang="en-US" altLang="zh-CN" sz="2400" dirty="0"/>
+              <a:t>implementation</a:t>
+            </a:r>
+          </a:p>
+        </p:txBody>
+      </p:sp>
+      <p:sp>
+        <p:nvSpPr>
+          <p:cNvPr id="16" name="Oval 15"/>
+          <p:cNvSpPr>
+            <a:spLocks noGrp="1" noRot="1" noChangeAspect="1" noMove="1" noResize="1" noEditPoints="1" noAdjustHandles="1" noChangeArrowheads="1" noChangeShapeType="1" noTextEdit="1"/>
+          </p:cNvSpPr>
+          <p:nvPr/>
+        </p:nvSpPr>
+        <p:spPr>
+          <a:xfrm>
+            <a:off x="11401725" y="6229681"/>
+            <a:ext cx="457200" cy="457200"/>
+          </a:xfrm>
+          <a:prstGeom prst="ellipse">
+            <a:avLst/>
+          </a:prstGeom>
+          <a:blipFill dpi="0" rotWithShape="1">
+            <a:blip r:embed="rId4">
+              <a:duotone>
+                <a:schemeClr val="accent1">
+                  <a:shade val="45000"/>
+                  <a:satMod val="135000"/>
+                </a:schemeClr>
+                <a:prstClr val="white"/>
+              </a:duotone>
+            </a:blip>
+            <a:srcRect/>
+            <a:tile tx="50800" ty="0" sx="85000" sy="85000" flip="none" algn="tl"/>
+          </a:blipFill>
+          <a:ln w="25400" cap="flat" cmpd="sng" algn="ctr">
+            <a:noFill/>
+            <a:prstDash val="solid"/>
+          </a:ln>
+          <a:effectLst/>
+        </p:spPr>
+        <p:txBody>
+          <a:bodyPr lIns="0" tIns="0" rIns="0" bIns="0" rtlCol="0" anchor="ctr"/>
+          <a:lstStyle/>
+          <a:p>
+            <a:pPr marL="0" marR="0" lvl="0" indent="0" algn="ctr" defTabSz="914400" eaLnBrk="1" fontAlgn="auto" latinLnBrk="0" hangingPunct="1">
+              <a:lnSpc>
+                <a:spcPct val="100000"/>
+              </a:lnSpc>
+              <a:spcBef>
+                <a:spcPts val="0"/>
+              </a:spcBef>
+              <a:spcAft>
+                <a:spcPts val="0"/>
+              </a:spcAft>
+              <a:buClrTx/>
+              <a:buSzTx/>
+              <a:buFontTx/>
+              <a:buNone/>
+              <a:defRPr/>
+            </a:pPr>
+            <a:endParaRPr kumimoji="0" lang="en-US" sz="2000" b="0" i="0" u="none" strike="noStrike" kern="0" cap="none" spc="0" normalizeH="0" baseline="0" noProof="0" dirty="0">
+              <a:ln>
+                <a:noFill/>
+              </a:ln>
+              <a:solidFill>
+                <a:prstClr val="white"/>
+              </a:solidFill>
+              <a:effectLst/>
+              <a:uLnTx/>
+              <a:uFillTx/>
+              <a:latin typeface="Rockwell Extra Bold" panose="02060903040505020403" pitchFamily="18" charset="0"/>
+              <a:ea typeface="+mn-ea"/>
+              <a:cs typeface="+mn-cs"/>
+            </a:endParaRPr>
+          </a:p>
+        </p:txBody>
+      </p:sp>
+      <p:sp>
+        <p:nvSpPr>
+          <p:cNvPr id="18" name="Oval 17"/>
+          <p:cNvSpPr>
+            <a:spLocks noGrp="1" noRot="1" noChangeAspect="1" noMove="1" noResize="1" noEditPoints="1" noAdjustHandles="1" noChangeArrowheads="1" noChangeShapeType="1" noTextEdit="1"/>
+          </p:cNvSpPr>
+          <p:nvPr/>
+        </p:nvSpPr>
+        <p:spPr>
+          <a:xfrm>
+            <a:off x="11430918" y="6258874"/>
+            <a:ext cx="398813" cy="398815"/>
+          </a:xfrm>
+          <a:prstGeom prst="ellipse">
+            <a:avLst/>
+          </a:prstGeom>
+          <a:noFill/>
+          <a:ln w="12700" cap="flat" cmpd="sng" algn="ctr">
+            <a:solidFill>
+              <a:srgbClr val="FFFFFF"/>
+            </a:solidFill>
+            <a:prstDash val="solid"/>
+          </a:ln>
+          <a:effectLst/>
+        </p:spPr>
+        <p:txBody>
+          <a:bodyPr rtlCol="0" anchor="ctr"/>
+          <a:lstStyle/>
+          <a:p>
+            <a:pPr marL="0" marR="0" lvl="0" indent="0" algn="ctr" defTabSz="914400" eaLnBrk="1" fontAlgn="auto" latinLnBrk="0" hangingPunct="1">
+              <a:lnSpc>
+                <a:spcPct val="100000"/>
+              </a:lnSpc>
+              <a:spcBef>
+                <a:spcPts val="0"/>
+              </a:spcBef>
+              <a:spcAft>
+                <a:spcPts val="0"/>
+              </a:spcAft>
+              <a:buClrTx/>
+              <a:buSzTx/>
+              <a:buFontTx/>
+              <a:buNone/>
+              <a:defRPr/>
+            </a:pPr>
+            <a:endParaRPr kumimoji="0" lang="en-US" sz="1800" b="0" i="0" u="none" strike="noStrike" kern="0" cap="none" spc="0" normalizeH="0" baseline="0" noProof="0" dirty="0">
+              <a:ln>
+                <a:noFill/>
+              </a:ln>
+              <a:solidFill>
+                <a:prstClr val="white"/>
+              </a:solidFill>
+              <a:effectLst/>
+              <a:uLnTx/>
+              <a:uFillTx/>
+              <a:latin typeface="Calibri" panose="020F0502020204030204"/>
+              <a:ea typeface="+mn-ea"/>
+              <a:cs typeface="+mn-cs"/>
+            </a:endParaRPr>
+          </a:p>
+        </p:txBody>
+      </p:sp>
+    </p:spTree>
+    <p:extLst>
+      <p:ext uri="{BB962C8B-B14F-4D97-AF65-F5344CB8AC3E}">
+        <p14:creationId xmlns:p14="http://schemas.microsoft.com/office/powerpoint/2010/main" val="3686912305"/>
+      </p:ext>
+    </p:extLst>
+  </p:cSld>
+  <p:clrMapOvr>
+    <a:masterClrMapping/>
+  </p:clrMapOvr>
+  <p:timing>
+    <p:tnLst>
+      <p:par>
+        <p:cTn id="1" dur="indefinite" restart="never" nodeType="tmRoot">
+          <p:childTnLst>
+            <p:seq concurrent="1" nextAc="seek">
+              <p:cTn id="2" dur="indefinite" nodeType="mainSeq">
+                <p:childTnLst>
+                  <p:par>
+                    <p:cTn id="3" fill="hold">
+                      <p:stCondLst>
+                        <p:cond delay="indefinite"/>
+                        <p:cond evt="onBegin" delay="0">
+                          <p:tn val="2"/>
+                        </p:cond>
+                      </p:stCondLst>
+                      <p:childTnLst>
+                        <p:par>
+                          <p:cTn id="4" fill="hold">
+                            <p:stCondLst>
+                              <p:cond delay="0"/>
+                            </p:stCondLst>
+                            <p:childTnLst>
+                              <p:par>
+                                <p:cTn id="5" presetID="10" presetClass="entr" presetSubtype="0" fill="hold" grpId="0" nodeType="withEffect">
+                                  <p:stCondLst>
+                                    <p:cond delay="500"/>
+                                  </p:stCondLst>
+                                  <p:childTnLst>
+                                    <p:set>
+                                      <p:cBhvr>
+                                        <p:cTn id="6" dur="1" fill="hold">
+                                          <p:stCondLst>
+                                            <p:cond delay="0"/>
+                                          </p:stCondLst>
+                                        </p:cTn>
+                                        <p:tgtEl>
+                                          <p:spTgt spid="2"/>
+                                        </p:tgtEl>
+                                        <p:attrNameLst>
+                                          <p:attrName>style.visibility</p:attrName>
+                                        </p:attrNameLst>
+                                      </p:cBhvr>
+                                      <p:to>
+                                        <p:strVal val="visible"/>
+                                      </p:to>
+                                    </p:set>
+                                    <p:animEffect transition="in" filter="fade">
+                                      <p:cBhvr>
+                                        <p:cTn id="7" dur="700"/>
+                                        <p:tgtEl>
+                                          <p:spTgt spid="2"/>
+                                        </p:tgtEl>
+                                      </p:cBhvr>
+                                    </p:animEffect>
+                                  </p:childTnLst>
+                                </p:cTn>
+                              </p:par>
+                            </p:childTnLst>
+                          </p:cTn>
+                        </p:par>
+                      </p:childTnLst>
+                    </p:cTn>
+                  </p:par>
+                </p:childTnLst>
+              </p:cTn>
+              <p:prevCondLst>
+                <p:cond evt="onPrev" delay="0">
+                  <p:tgtEl>
+                    <p:sldTgt/>
+                  </p:tgtEl>
+                </p:cond>
+              </p:prevCondLst>
+              <p:nextCondLst>
+                <p:cond evt="onNext" delay="0">
+                  <p:tgtEl>
+                    <p:sldTgt/>
+                  </p:tgtEl>
+                </p:cond>
+              </p:nextCondLst>
+            </p:seq>
+          </p:childTnLst>
+        </p:cTn>
+      </p:par>
+    </p:tnLst>
+    <p:bldLst>
+      <p:bldP spid="2" grpId="0"/>
+    </p:bldLst>
+  </p:timing>
+</p:sld>
+</file>
+
+<file path=ppt/slides/slide14.xml><?xml version="1.0" encoding="utf-8"?>
+<p:sld xmlns:a="http://schemas.openxmlformats.org/drawingml/2006/main" xmlns:r="http://schemas.openxmlformats.org/officeDocument/2006/relationships" xmlns:p="http://schemas.openxmlformats.org/presentationml/2006/main">
+  <p:cSld>
     <p:bg>
       <p:bgPr>
         <a:solidFill>
@@ -8157,7 +8833,7 @@
 </p:sld>
 </file>
 
-<file path=ppt/slides/slide14.xml><?xml version="1.0" encoding="utf-8"?>
+<file path=ppt/slides/slide15.xml><?xml version="1.0" encoding="utf-8"?>
 <p:sld xmlns:a="http://schemas.openxmlformats.org/drawingml/2006/main" xmlns:r="http://schemas.openxmlformats.org/officeDocument/2006/relationships" xmlns:p="http://schemas.openxmlformats.org/presentationml/2006/main">
   <p:cSld>
     <p:spTree>
